--- a/Leitura_e_Aprendizagem/Matemática/Aritmetica/Adicao/0004_ALGORITIMO.pptx
+++ b/Leitura_e_Aprendizagem/Matemática/Aritmetica/Adicao/0004_ALGORITIMO.pptx
@@ -5,20 +5,19 @@
     <p:sldMasterId id="2147483792" r:id="rId1"/>
   </p:sldMasterIdLst>
   <p:notesMasterIdLst>
-    <p:notesMasterId r:id="rId13"/>
+    <p:notesMasterId r:id="rId12"/>
   </p:notesMasterIdLst>
   <p:sldIdLst>
-    <p:sldId id="298" r:id="rId2"/>
-    <p:sldId id="299" r:id="rId3"/>
-    <p:sldId id="292" r:id="rId4"/>
-    <p:sldId id="274" r:id="rId5"/>
-    <p:sldId id="293" r:id="rId6"/>
-    <p:sldId id="301" r:id="rId7"/>
-    <p:sldId id="302" r:id="rId8"/>
-    <p:sldId id="303" r:id="rId9"/>
-    <p:sldId id="304" r:id="rId10"/>
-    <p:sldId id="305" r:id="rId11"/>
-    <p:sldId id="300" r:id="rId12"/>
+    <p:sldId id="299" r:id="rId2"/>
+    <p:sldId id="292" r:id="rId3"/>
+    <p:sldId id="274" r:id="rId4"/>
+    <p:sldId id="293" r:id="rId5"/>
+    <p:sldId id="301" r:id="rId6"/>
+    <p:sldId id="302" r:id="rId7"/>
+    <p:sldId id="303" r:id="rId8"/>
+    <p:sldId id="304" r:id="rId9"/>
+    <p:sldId id="305" r:id="rId10"/>
+    <p:sldId id="300" r:id="rId11"/>
   </p:sldIdLst>
   <p:sldSz cx="8959850" cy="5040313"/>
   <p:notesSz cx="6858000" cy="9144000"/>
@@ -125,7 +124,6 @@
         </p14:section>
         <p14:section name="Seção sem Título" id="{9F0E8D2D-0646-4FFA-B968-EA068A8B201F}">
           <p14:sldIdLst>
-            <p14:sldId id="298"/>
             <p14:sldId id="299"/>
             <p14:sldId id="292"/>
             <p14:sldId id="274"/>
@@ -254,7 +252,7 @@
             <a:fld id="{8E16BBD4-8911-4A0F-AA6A-6D6D8349903B}" type="datetimeFigureOut">
               <a:rPr lang="pt-BR" smtClean="0"/>
               <a:pPr/>
-              <a:t>27/03/2020</a:t>
+              <a:t>10/06/2020</a:t>
             </a:fld>
             <a:endParaRPr lang="pt-BR"/>
           </a:p>
@@ -605,7 +603,7 @@
     </p:spTree>
     <p:extLst>
       <p:ext uri="{BB962C8B-B14F-4D97-AF65-F5344CB8AC3E}">
-        <p14:creationId xmlns:p14="http://schemas.microsoft.com/office/powerpoint/2010/main" val="3279364347"/>
+        <p14:creationId xmlns:p14="http://schemas.microsoft.com/office/powerpoint/2010/main" val="3118782906"/>
       </p:ext>
     </p:extLst>
   </p:cSld>
@@ -688,97 +686,6 @@
             <a:fld id="{AA3BDF02-B96A-49DA-B87B-E5BEC32AF444}" type="slidenum">
               <a:rPr lang="pt-BR" smtClean="0"/>
               <a:t>10</a:t>
-            </a:fld>
-            <a:endParaRPr lang="pt-BR"/>
-          </a:p>
-        </p:txBody>
-      </p:sp>
-    </p:spTree>
-    <p:extLst>
-      <p:ext uri="{BB962C8B-B14F-4D97-AF65-F5344CB8AC3E}">
-        <p14:creationId xmlns:p14="http://schemas.microsoft.com/office/powerpoint/2010/main" val="2075223782"/>
-      </p:ext>
-    </p:extLst>
-  </p:cSld>
-  <p:clrMapOvr>
-    <a:masterClrMapping/>
-  </p:clrMapOvr>
-</p:notes>
-</file>
-
-<file path=ppt/notesSlides/notesSlide11.xml><?xml version="1.0" encoding="utf-8"?>
-<p:notes xmlns:a="http://schemas.openxmlformats.org/drawingml/2006/main" xmlns:r="http://schemas.openxmlformats.org/officeDocument/2006/relationships" xmlns:p="http://schemas.openxmlformats.org/presentationml/2006/main">
-  <p:cSld>
-    <p:spTree>
-      <p:nvGrpSpPr>
-        <p:cNvPr id="1" name=""/>
-        <p:cNvGrpSpPr/>
-        <p:nvPr/>
-      </p:nvGrpSpPr>
-      <p:grpSpPr>
-        <a:xfrm>
-          <a:off x="0" y="0"/>
-          <a:ext cx="0" cy="0"/>
-          <a:chOff x="0" y="0"/>
-          <a:chExt cx="0" cy="0"/>
-        </a:xfrm>
-      </p:grpSpPr>
-      <p:sp>
-        <p:nvSpPr>
-          <p:cNvPr id="2" name="Espaço Reservado para Imagem de Slide 1"/>
-          <p:cNvSpPr>
-            <a:spLocks noGrp="1" noRot="1" noChangeAspect="1"/>
-          </p:cNvSpPr>
-          <p:nvPr>
-            <p:ph type="sldImg"/>
-          </p:nvPr>
-        </p:nvSpPr>
-        <p:spPr>
-          <a:xfrm>
-            <a:off x="382588" y="685800"/>
-            <a:ext cx="6092825" cy="3429000"/>
-          </a:xfrm>
-        </p:spPr>
-      </p:sp>
-      <p:sp>
-        <p:nvSpPr>
-          <p:cNvPr id="3" name="Espaço Reservado para Anotações 2"/>
-          <p:cNvSpPr>
-            <a:spLocks noGrp="1"/>
-          </p:cNvSpPr>
-          <p:nvPr>
-            <p:ph type="body" idx="1"/>
-          </p:nvPr>
-        </p:nvSpPr>
-        <p:spPr/>
-        <p:txBody>
-          <a:bodyPr>
-            <a:normAutofit/>
-          </a:bodyPr>
-          <a:lstStyle/>
-          <a:p>
-            <a:endParaRPr lang="pt-BR"/>
-          </a:p>
-        </p:txBody>
-      </p:sp>
-      <p:sp>
-        <p:nvSpPr>
-          <p:cNvPr id="4" name="Espaço Reservado para Número de Slide 3"/>
-          <p:cNvSpPr>
-            <a:spLocks noGrp="1"/>
-          </p:cNvSpPr>
-          <p:nvPr>
-            <p:ph type="sldNum" sz="quarter" idx="10"/>
-          </p:nvPr>
-        </p:nvSpPr>
-        <p:spPr/>
-        <p:txBody>
-          <a:bodyPr/>
-          <a:lstStyle/>
-          <a:p>
-            <a:fld id="{AA3BDF02-B96A-49DA-B87B-E5BEC32AF444}" type="slidenum">
-              <a:rPr lang="pt-BR" smtClean="0"/>
-              <a:t>11</a:t>
             </a:fld>
             <a:endParaRPr lang="pt-BR"/>
           </a:p>
@@ -869,6 +776,7 @@
           <a:p>
             <a:fld id="{AA3BDF02-B96A-49DA-B87B-E5BEC32AF444}" type="slidenum">
               <a:rPr lang="pt-BR" smtClean="0"/>
+              <a:pPr/>
               <a:t>2</a:t>
             </a:fld>
             <a:endParaRPr lang="pt-BR"/>
@@ -878,7 +786,7 @@
     </p:spTree>
     <p:extLst>
       <p:ext uri="{BB962C8B-B14F-4D97-AF65-F5344CB8AC3E}">
-        <p14:creationId xmlns:p14="http://schemas.microsoft.com/office/powerpoint/2010/main" val="3118782906"/>
+        <p14:creationId xmlns:p14="http://schemas.microsoft.com/office/powerpoint/2010/main" val="1840650648"/>
       </p:ext>
     </p:extLst>
   </p:cSld>
@@ -970,7 +878,7 @@
     </p:spTree>
     <p:extLst>
       <p:ext uri="{BB962C8B-B14F-4D97-AF65-F5344CB8AC3E}">
-        <p14:creationId xmlns:p14="http://schemas.microsoft.com/office/powerpoint/2010/main" val="1840650648"/>
+        <p14:creationId xmlns:p14="http://schemas.microsoft.com/office/powerpoint/2010/main" val="2650593823"/>
       </p:ext>
     </p:extLst>
   </p:cSld>
@@ -1144,7 +1052,6 @@
           <a:p>
             <a:fld id="{AA3BDF02-B96A-49DA-B87B-E5BEC32AF444}" type="slidenum">
               <a:rPr lang="pt-BR" smtClean="0"/>
-              <a:pPr/>
               <a:t>5</a:t>
             </a:fld>
             <a:endParaRPr lang="pt-BR"/>
@@ -1154,7 +1061,7 @@
     </p:spTree>
     <p:extLst>
       <p:ext uri="{BB962C8B-B14F-4D97-AF65-F5344CB8AC3E}">
-        <p14:creationId xmlns:p14="http://schemas.microsoft.com/office/powerpoint/2010/main" val="2650593823"/>
+        <p14:creationId xmlns:p14="http://schemas.microsoft.com/office/powerpoint/2010/main" val="1681371111"/>
       </p:ext>
     </p:extLst>
   </p:cSld>
@@ -1245,7 +1152,7 @@
     </p:spTree>
     <p:extLst>
       <p:ext uri="{BB962C8B-B14F-4D97-AF65-F5344CB8AC3E}">
-        <p14:creationId xmlns:p14="http://schemas.microsoft.com/office/powerpoint/2010/main" val="1681371111"/>
+        <p14:creationId xmlns:p14="http://schemas.microsoft.com/office/powerpoint/2010/main" val="330942152"/>
       </p:ext>
     </p:extLst>
   </p:cSld>
@@ -1336,7 +1243,7 @@
     </p:spTree>
     <p:extLst>
       <p:ext uri="{BB962C8B-B14F-4D97-AF65-F5344CB8AC3E}">
-        <p14:creationId xmlns:p14="http://schemas.microsoft.com/office/powerpoint/2010/main" val="330942152"/>
+        <p14:creationId xmlns:p14="http://schemas.microsoft.com/office/powerpoint/2010/main" val="4239566402"/>
       </p:ext>
     </p:extLst>
   </p:cSld>
@@ -1427,7 +1334,7 @@
     </p:spTree>
     <p:extLst>
       <p:ext uri="{BB962C8B-B14F-4D97-AF65-F5344CB8AC3E}">
-        <p14:creationId xmlns:p14="http://schemas.microsoft.com/office/powerpoint/2010/main" val="4239566402"/>
+        <p14:creationId xmlns:p14="http://schemas.microsoft.com/office/powerpoint/2010/main" val="3464317749"/>
       </p:ext>
     </p:extLst>
   </p:cSld>
@@ -1518,7 +1425,7 @@
     </p:spTree>
     <p:extLst>
       <p:ext uri="{BB962C8B-B14F-4D97-AF65-F5344CB8AC3E}">
-        <p14:creationId xmlns:p14="http://schemas.microsoft.com/office/powerpoint/2010/main" val="3464317749"/>
+        <p14:creationId xmlns:p14="http://schemas.microsoft.com/office/powerpoint/2010/main" val="2075223782"/>
       </p:ext>
     </p:extLst>
   </p:cSld>
@@ -1660,7 +1567,7 @@
             <a:fld id="{F8BDB6AA-63F8-4F31-8EA3-CB6FE8D9515C}" type="datetimeFigureOut">
               <a:rPr lang="pt-BR" smtClean="0"/>
               <a:pPr/>
-              <a:t>27/03/2020</a:t>
+              <a:t>10/06/2020</a:t>
             </a:fld>
             <a:endParaRPr lang="pt-BR"/>
           </a:p>
@@ -1832,7 +1739,7 @@
             <a:fld id="{F8BDB6AA-63F8-4F31-8EA3-CB6FE8D9515C}" type="datetimeFigureOut">
               <a:rPr lang="pt-BR" smtClean="0"/>
               <a:pPr/>
-              <a:t>27/03/2020</a:t>
+              <a:t>10/06/2020</a:t>
             </a:fld>
             <a:endParaRPr lang="pt-BR"/>
           </a:p>
@@ -2014,7 +1921,7 @@
             <a:fld id="{F8BDB6AA-63F8-4F31-8EA3-CB6FE8D9515C}" type="datetimeFigureOut">
               <a:rPr lang="pt-BR" smtClean="0"/>
               <a:pPr/>
-              <a:t>27/03/2020</a:t>
+              <a:t>10/06/2020</a:t>
             </a:fld>
             <a:endParaRPr lang="pt-BR"/>
           </a:p>
@@ -2186,7 +2093,7 @@
             <a:fld id="{F8BDB6AA-63F8-4F31-8EA3-CB6FE8D9515C}" type="datetimeFigureOut">
               <a:rPr lang="pt-BR" smtClean="0"/>
               <a:pPr/>
-              <a:t>27/03/2020</a:t>
+              <a:t>10/06/2020</a:t>
             </a:fld>
             <a:endParaRPr lang="pt-BR"/>
           </a:p>
@@ -2434,7 +2341,7 @@
             <a:fld id="{F8BDB6AA-63F8-4F31-8EA3-CB6FE8D9515C}" type="datetimeFigureOut">
               <a:rPr lang="pt-BR" smtClean="0"/>
               <a:pPr/>
-              <a:t>27/03/2020</a:t>
+              <a:t>10/06/2020</a:t>
             </a:fld>
             <a:endParaRPr lang="pt-BR"/>
           </a:p>
@@ -2668,7 +2575,7 @@
             <a:fld id="{F8BDB6AA-63F8-4F31-8EA3-CB6FE8D9515C}" type="datetimeFigureOut">
               <a:rPr lang="pt-BR" smtClean="0"/>
               <a:pPr/>
-              <a:t>27/03/2020</a:t>
+              <a:t>10/06/2020</a:t>
             </a:fld>
             <a:endParaRPr lang="pt-BR"/>
           </a:p>
@@ -3037,7 +2944,7 @@
             <a:fld id="{F8BDB6AA-63F8-4F31-8EA3-CB6FE8D9515C}" type="datetimeFigureOut">
               <a:rPr lang="pt-BR" smtClean="0"/>
               <a:pPr/>
-              <a:t>27/03/2020</a:t>
+              <a:t>10/06/2020</a:t>
             </a:fld>
             <a:endParaRPr lang="pt-BR"/>
           </a:p>
@@ -3157,7 +3064,7 @@
             <a:fld id="{F8BDB6AA-63F8-4F31-8EA3-CB6FE8D9515C}" type="datetimeFigureOut">
               <a:rPr lang="pt-BR" smtClean="0"/>
               <a:pPr/>
-              <a:t>27/03/2020</a:t>
+              <a:t>10/06/2020</a:t>
             </a:fld>
             <a:endParaRPr lang="pt-BR"/>
           </a:p>
@@ -3254,7 +3161,7 @@
             <a:fld id="{F8BDB6AA-63F8-4F31-8EA3-CB6FE8D9515C}" type="datetimeFigureOut">
               <a:rPr lang="pt-BR" smtClean="0"/>
               <a:pPr/>
-              <a:t>27/03/2020</a:t>
+              <a:t>10/06/2020</a:t>
             </a:fld>
             <a:endParaRPr lang="pt-BR"/>
           </a:p>
@@ -3533,7 +3440,7 @@
             <a:fld id="{F8BDB6AA-63F8-4F31-8EA3-CB6FE8D9515C}" type="datetimeFigureOut">
               <a:rPr lang="pt-BR" smtClean="0"/>
               <a:pPr/>
-              <a:t>27/03/2020</a:t>
+              <a:t>10/06/2020</a:t>
             </a:fld>
             <a:endParaRPr lang="pt-BR"/>
           </a:p>
@@ -3792,7 +3699,7 @@
             <a:fld id="{F8BDB6AA-63F8-4F31-8EA3-CB6FE8D9515C}" type="datetimeFigureOut">
               <a:rPr lang="pt-BR" smtClean="0"/>
               <a:pPr/>
-              <a:t>27/03/2020</a:t>
+              <a:t>10/06/2020</a:t>
             </a:fld>
             <a:endParaRPr lang="pt-BR"/>
           </a:p>
@@ -4016,7 +3923,7 @@
             <a:fld id="{F8BDB6AA-63F8-4F31-8EA3-CB6FE8D9515C}" type="datetimeFigureOut">
               <a:rPr lang="pt-BR" smtClean="0"/>
               <a:pPr/>
-              <a:t>27/03/2020</a:t>
+              <a:t>10/06/2020</a:t>
             </a:fld>
             <a:endParaRPr lang="pt-BR"/>
           </a:p>
@@ -4490,7 +4397,7 @@
           <p:cNvPr id="14" name="Rectangle 13">
             <a:extLst>
               <a:ext uri="{FF2B5EF4-FFF2-40B4-BE49-F238E27FC236}">
-                <a16:creationId xmlns:a16="http://schemas.microsoft.com/office/drawing/2014/main" xmlns="" id="{52670CB7-6F96-4BDF-AF66-75B2EA21419B}"/>
+                <a16:creationId xmlns="" xmlns:a16="http://schemas.microsoft.com/office/drawing/2014/main" id="{52670CB7-6F96-4BDF-AF66-75B2EA21419B}"/>
               </a:ext>
             </a:extLst>
           </p:cNvPr>
@@ -4499,8 +4406,8 @@
         </p:nvSpPr>
         <p:spPr>
           <a:xfrm>
-            <a:off x="4214891" y="2835421"/>
-            <a:ext cx="4283544" cy="1938992"/>
+            <a:off x="4144510" y="3020087"/>
+            <a:ext cx="4353314" cy="1754326"/>
           </a:xfrm>
           <a:prstGeom prst="rect">
             <a:avLst/>
@@ -4508,14 +4415,14 @@
           <a:noFill/>
         </p:spPr>
         <p:txBody>
-          <a:bodyPr wrap="none" lIns="91440" tIns="45720" rIns="91440" bIns="45720">
+          <a:bodyPr wrap="square" lIns="91440" tIns="45720" rIns="91440" bIns="45720">
             <a:spAutoFit/>
           </a:bodyPr>
           <a:lstStyle/>
           <a:p>
             <a:pPr algn="ctr"/>
             <a:r>
-              <a:rPr lang="en-US" sz="12000" b="1" dirty="0" smtClean="0">
+              <a:rPr lang="en-US" sz="5400" b="1" dirty="0" smtClean="0">
                 <a:ln w="12700">
                   <a:solidFill>
                     <a:schemeClr val="accent1"/>
@@ -4531,9 +4438,9 @@
                   </a:outerShdw>
                 </a:effectLst>
               </a:rPr>
-              <a:t>INÍCIO</a:t>
+              <a:t>ALGORITIMO DA ADIÇÃO</a:t>
             </a:r>
-            <a:endParaRPr lang="en-US" sz="12000" b="1" cap="none" spc="0" dirty="0">
+            <a:endParaRPr lang="en-US" sz="5400" b="1" cap="none" spc="0" dirty="0">
               <a:ln w="12700">
                 <a:solidFill>
                   <a:schemeClr val="accent1"/>
@@ -4552,10 +4459,67 @@
           </a:p>
         </p:txBody>
       </p:sp>
+      <p:sp>
+        <p:nvSpPr>
+          <p:cNvPr id="6" name="Rectangle 13">
+            <a:extLst>
+              <a:ext uri="{FF2B5EF4-FFF2-40B4-BE49-F238E27FC236}">
+                <a16:creationId xmlns="" xmlns:a16="http://schemas.microsoft.com/office/drawing/2014/main" id="{52670CB7-6F96-4BDF-AF66-75B2EA21419B}"/>
+              </a:ext>
+            </a:extLst>
+          </p:cNvPr>
+          <p:cNvSpPr/>
+          <p:nvPr/>
+        </p:nvSpPr>
+        <p:spPr>
+          <a:xfrm>
+            <a:off x="231648" y="3449563"/>
+            <a:ext cx="2670048" cy="600164"/>
+          </a:xfrm>
+          <a:prstGeom prst="rect">
+            <a:avLst/>
+          </a:prstGeom>
+          <a:noFill/>
+        </p:spPr>
+        <p:txBody>
+          <a:bodyPr wrap="square" lIns="91440" tIns="45720" rIns="91440" bIns="45720">
+            <a:spAutoFit/>
+          </a:bodyPr>
+          <a:lstStyle/>
+          <a:p>
+            <a:pPr algn="ctr"/>
+            <a:r>
+              <a:rPr lang="en-US" sz="3300" b="1" dirty="0" smtClean="0">
+                <a:ln w="12700">
+                  <a:solidFill>
+                    <a:schemeClr val="accent1"/>
+                  </a:solidFill>
+                  <a:prstDash val="solid"/>
+                </a:ln>
+                <a:solidFill>
+                  <a:srgbClr val="FFFF00"/>
+                </a:solidFill>
+              </a:rPr>
+              <a:t>MATEMÁTICA</a:t>
+            </a:r>
+            <a:endParaRPr lang="en-US" sz="3300" b="1" cap="none" spc="0" dirty="0">
+              <a:ln w="12700">
+                <a:solidFill>
+                  <a:schemeClr val="accent1"/>
+                </a:solidFill>
+                <a:prstDash val="solid"/>
+              </a:ln>
+              <a:solidFill>
+                <a:srgbClr val="FFFF00"/>
+              </a:solidFill>
+            </a:endParaRPr>
+          </a:p>
+        </p:txBody>
+      </p:sp>
     </p:spTree>
     <p:extLst>
       <p:ext uri="{BB962C8B-B14F-4D97-AF65-F5344CB8AC3E}">
-        <p14:creationId xmlns:p14="http://schemas.microsoft.com/office/powerpoint/2010/main" val="17050573"/>
+        <p14:creationId xmlns:p14="http://schemas.microsoft.com/office/powerpoint/2010/main" val="1737989718"/>
       </p:ext>
     </p:extLst>
   </p:cSld>
@@ -4585,1360 +4549,72 @@
           <a:chExt cx="0" cy="0"/>
         </a:xfrm>
       </p:grpSpPr>
-      <p:graphicFrame>
-        <p:nvGraphicFramePr>
-          <p:cNvPr id="6" name="Table 9">
+      <p:pic>
+        <p:nvPicPr>
+          <p:cNvPr id="2" name="Imagem 1"/>
+          <p:cNvPicPr>
+            <a:picLocks noChangeAspect="1"/>
+          </p:cNvPicPr>
+          <p:nvPr/>
+        </p:nvPicPr>
+        <p:blipFill>
+          <a:blip r:embed="rId3">
+            <a:extLst>
+              <a:ext uri="{28A0092B-C50C-407E-A947-70E740481C1C}">
+                <a14:useLocalDpi xmlns:a14="http://schemas.microsoft.com/office/drawing/2010/main" val="0"/>
+              </a:ext>
+            </a:extLst>
+          </a:blip>
+          <a:stretch>
+            <a:fillRect/>
+          </a:stretch>
+        </p:blipFill>
+        <p:spPr>
+          <a:xfrm>
+            <a:off x="317500" y="228600"/>
+            <a:ext cx="8369300" cy="4521201"/>
+          </a:xfrm>
+          <a:prstGeom prst="rect">
+            <a:avLst/>
+          </a:prstGeom>
+        </p:spPr>
+      </p:pic>
+      <p:pic>
+        <p:nvPicPr>
+          <p:cNvPr id="3" name="Imagem 2"/>
+          <p:cNvPicPr>
+            <a:picLocks noChangeAspect="1"/>
+          </p:cNvPicPr>
+          <p:nvPr/>
+        </p:nvPicPr>
+        <p:blipFill>
+          <a:blip r:embed="rId4">
+            <a:extLst>
+              <a:ext uri="{28A0092B-C50C-407E-A947-70E740481C1C}">
+                <a14:useLocalDpi xmlns:a14="http://schemas.microsoft.com/office/drawing/2010/main" val="0"/>
+              </a:ext>
+            </a:extLst>
+          </a:blip>
+          <a:stretch>
+            <a:fillRect/>
+          </a:stretch>
+        </p:blipFill>
+        <p:spPr>
+          <a:xfrm>
+            <a:off x="317500" y="229861"/>
+            <a:ext cx="8369299" cy="4544552"/>
+          </a:xfrm>
+          <a:prstGeom prst="rect">
+            <a:avLst/>
+          </a:prstGeom>
+        </p:spPr>
+      </p:pic>
+      <p:sp>
+        <p:nvSpPr>
+          <p:cNvPr id="14" name="Rectangle 13">
             <a:extLst>
               <a:ext uri="{FF2B5EF4-FFF2-40B4-BE49-F238E27FC236}">
-                <a16:creationId xmlns="" xmlns:a16="http://schemas.microsoft.com/office/drawing/2014/main" id="{A3C33157-FA5E-498D-B93C-73F8CAEE1A5D}"/>
-              </a:ext>
-            </a:extLst>
-          </p:cNvPr>
-          <p:cNvGraphicFramePr>
-            <a:graphicFrameLocks noGrp="1"/>
-          </p:cNvGraphicFramePr>
-          <p:nvPr>
-            <p:extLst/>
-          </p:nvPr>
-        </p:nvGraphicFramePr>
-        <p:xfrm>
-          <a:off x="495300" y="1725666"/>
-          <a:ext cx="4871598" cy="2269006"/>
-        </p:xfrm>
-        <a:graphic>
-          <a:graphicData uri="http://schemas.openxmlformats.org/drawingml/2006/table">
-            <a:tbl>
-              <a:tblPr firstRow="1" bandRow="1">
-                <a:tableStyleId>{69012ECD-51FC-41F1-AA8D-1B2483CD663E}</a:tableStyleId>
-              </a:tblPr>
-              <a:tblGrid>
-                <a:gridCol w="811933"/>
-                <a:gridCol w="811933"/>
-                <a:gridCol w="811933">
-                  <a:extLst>
-                    <a:ext uri="{9D8B030D-6E8A-4147-A177-3AD203B41FA5}">
-                      <a16:colId xmlns="" xmlns:a16="http://schemas.microsoft.com/office/drawing/2014/main" val="2514592082"/>
-                    </a:ext>
-                  </a:extLst>
-                </a:gridCol>
-                <a:gridCol w="811933">
-                  <a:extLst>
-                    <a:ext uri="{9D8B030D-6E8A-4147-A177-3AD203B41FA5}">
-                      <a16:colId xmlns="" xmlns:a16="http://schemas.microsoft.com/office/drawing/2014/main" val="1972351707"/>
-                    </a:ext>
-                  </a:extLst>
-                </a:gridCol>
-                <a:gridCol w="811933">
-                  <a:extLst>
-                    <a:ext uri="{9D8B030D-6E8A-4147-A177-3AD203B41FA5}">
-                      <a16:colId xmlns="" xmlns:a16="http://schemas.microsoft.com/office/drawing/2014/main" val="130078612"/>
-                    </a:ext>
-                  </a:extLst>
-                </a:gridCol>
-                <a:gridCol w="811933">
-                  <a:extLst>
-                    <a:ext uri="{9D8B030D-6E8A-4147-A177-3AD203B41FA5}">
-                      <a16:colId xmlns="" xmlns:a16="http://schemas.microsoft.com/office/drawing/2014/main" val="3594532491"/>
-                    </a:ext>
-                  </a:extLst>
-                </a:gridCol>
-              </a:tblGrid>
-              <a:tr h="427429">
-                <a:tc>
-                  <a:txBody>
-                    <a:bodyPr/>
-                    <a:lstStyle/>
-                    <a:p>
-                      <a:pPr algn="ctr"/>
-                      <a:r>
-                        <a:rPr lang="pt-BR" dirty="0" smtClean="0"/>
-                        <a:t>Bilhões</a:t>
-                      </a:r>
-                      <a:endParaRPr lang="pt-BR" dirty="0"/>
-                    </a:p>
-                  </a:txBody>
-                  <a:tcPr anchor="ctr">
-                    <a:lnL w="6350" cap="flat" cmpd="sng" algn="ctr">
-                      <a:noFill/>
-                      <a:prstDash val="solid"/>
-                      <a:miter lim="800000"/>
-                    </a:lnL>
-                    <a:lnR>
-                      <a:noFill/>
-                    </a:lnR>
-                    <a:lnT w="6350" cap="flat" cmpd="sng" algn="ctr">
-                      <a:noFill/>
-                      <a:prstDash val="solid"/>
-                      <a:miter lim="800000"/>
-                    </a:lnT>
-                    <a:lnB w="6350" cap="flat" cmpd="sng" algn="ctr">
-                      <a:noFill/>
-                      <a:prstDash val="solid"/>
-                      <a:miter lim="800000"/>
-                    </a:lnB>
-                    <a:lnTlToBr w="12700" cmpd="sng">
-                      <a:noFill/>
-                      <a:prstDash val="solid"/>
-                    </a:lnTlToBr>
-                    <a:lnBlToTr w="12700" cmpd="sng">
-                      <a:noFill/>
-                      <a:prstDash val="solid"/>
-                    </a:lnBlToTr>
-                    <a:cell3D prstMaterial="dkEdge">
-                      <a:bevel w="77470" h="12700" prst="softRound"/>
-                      <a:lightRig rig="flood" dir="t"/>
-                    </a:cell3D>
-                  </a:tcPr>
-                </a:tc>
-                <a:tc>
-                  <a:txBody>
-                    <a:bodyPr/>
-                    <a:lstStyle/>
-                    <a:p>
-                      <a:pPr algn="ctr"/>
-                      <a:r>
-                        <a:rPr lang="pt-BR" dirty="0" smtClean="0"/>
-                        <a:t>Milhões</a:t>
-                      </a:r>
-                      <a:endParaRPr lang="pt-BR" dirty="0"/>
-                    </a:p>
-                  </a:txBody>
-                  <a:tcPr anchor="ctr">
-                    <a:lnL w="6350" cap="flat" cmpd="sng" algn="ctr">
-                      <a:noFill/>
-                      <a:prstDash val="solid"/>
-                      <a:miter lim="800000"/>
-                    </a:lnL>
-                    <a:lnR>
-                      <a:noFill/>
-                    </a:lnR>
-                    <a:lnT w="6350" cap="flat" cmpd="sng" algn="ctr">
-                      <a:noFill/>
-                      <a:prstDash val="solid"/>
-                      <a:miter lim="800000"/>
-                    </a:lnT>
-                    <a:lnB w="6350" cap="flat" cmpd="sng" algn="ctr">
-                      <a:noFill/>
-                      <a:prstDash val="solid"/>
-                      <a:miter lim="800000"/>
-                    </a:lnB>
-                    <a:lnTlToBr w="12700" cmpd="sng">
-                      <a:noFill/>
-                      <a:prstDash val="solid"/>
-                    </a:lnTlToBr>
-                    <a:lnBlToTr w="12700" cmpd="sng">
-                      <a:noFill/>
-                      <a:prstDash val="solid"/>
-                    </a:lnBlToTr>
-                    <a:cell3D prstMaterial="dkEdge">
-                      <a:bevel w="77470" h="12700" prst="softRound"/>
-                      <a:lightRig rig="flood" dir="t"/>
-                    </a:cell3D>
-                  </a:tcPr>
-                </a:tc>
-                <a:tc>
-                  <a:txBody>
-                    <a:bodyPr/>
-                    <a:lstStyle/>
-                    <a:p>
-                      <a:pPr algn="ctr"/>
-                      <a:r>
-                        <a:rPr lang="pt-BR" dirty="0"/>
-                        <a:t>Milhar</a:t>
-                      </a:r>
-                    </a:p>
-                  </a:txBody>
-                  <a:tcPr anchor="ctr">
-                    <a:lnL w="6350" cap="flat" cmpd="sng" algn="ctr">
-                      <a:noFill/>
-                      <a:prstDash val="solid"/>
-                      <a:miter lim="800000"/>
-                    </a:lnL>
-                    <a:lnR>
-                      <a:noFill/>
-                    </a:lnR>
-                    <a:lnT w="6350" cap="flat" cmpd="sng" algn="ctr">
-                      <a:noFill/>
-                      <a:prstDash val="solid"/>
-                      <a:miter lim="800000"/>
-                    </a:lnT>
-                    <a:lnB w="6350" cap="flat" cmpd="sng" algn="ctr">
-                      <a:noFill/>
-                      <a:prstDash val="solid"/>
-                      <a:miter lim="800000"/>
-                    </a:lnB>
-                    <a:lnTlToBr w="12700" cmpd="sng">
-                      <a:noFill/>
-                      <a:prstDash val="solid"/>
-                    </a:lnTlToBr>
-                    <a:lnBlToTr w="12700" cmpd="sng">
-                      <a:noFill/>
-                      <a:prstDash val="solid"/>
-                    </a:lnBlToTr>
-                    <a:cell3D prstMaterial="dkEdge">
-                      <a:bevel w="77470" h="12700" prst="softRound"/>
-                      <a:lightRig rig="flood" dir="t"/>
-                    </a:cell3D>
-                  </a:tcPr>
-                </a:tc>
-                <a:tc>
-                  <a:txBody>
-                    <a:bodyPr/>
-                    <a:lstStyle/>
-                    <a:p>
-                      <a:pPr algn="ctr"/>
-                      <a:r>
-                        <a:rPr lang="pt-BR" sz="1400" dirty="0"/>
-                        <a:t>Centena</a:t>
-                      </a:r>
-                      <a:endParaRPr lang="pt-BR" dirty="0"/>
-                    </a:p>
-                  </a:txBody>
-                  <a:tcPr anchor="ctr">
-                    <a:lnL>
-                      <a:noFill/>
-                    </a:lnL>
-                    <a:lnR>
-                      <a:noFill/>
-                    </a:lnR>
-                    <a:lnT w="6350" cap="flat" cmpd="sng" algn="ctr">
-                      <a:noFill/>
-                      <a:prstDash val="solid"/>
-                      <a:miter lim="800000"/>
-                    </a:lnT>
-                    <a:lnB w="6350" cap="flat" cmpd="sng" algn="ctr">
-                      <a:noFill/>
-                      <a:prstDash val="solid"/>
-                      <a:miter lim="800000"/>
-                    </a:lnB>
-                    <a:lnTlToBr w="12700" cmpd="sng">
-                      <a:noFill/>
-                      <a:prstDash val="solid"/>
-                    </a:lnTlToBr>
-                    <a:lnBlToTr w="12700" cmpd="sng">
-                      <a:noFill/>
-                      <a:prstDash val="solid"/>
-                    </a:lnBlToTr>
-                    <a:cell3D prstMaterial="dkEdge">
-                      <a:bevel w="77470" h="12700" prst="softRound"/>
-                      <a:lightRig rig="flood" dir="t"/>
-                    </a:cell3D>
-                  </a:tcPr>
-                </a:tc>
-                <a:tc>
-                  <a:txBody>
-                    <a:bodyPr/>
-                    <a:lstStyle/>
-                    <a:p>
-                      <a:pPr algn="ctr"/>
-                      <a:r>
-                        <a:rPr lang="pt-BR" dirty="0"/>
-                        <a:t>Dezena</a:t>
-                      </a:r>
-                    </a:p>
-                  </a:txBody>
-                  <a:tcPr anchor="ctr">
-                    <a:lnL>
-                      <a:noFill/>
-                    </a:lnL>
-                    <a:lnR>
-                      <a:noFill/>
-                    </a:lnR>
-                    <a:lnT w="6350" cap="flat" cmpd="sng" algn="ctr">
-                      <a:noFill/>
-                      <a:prstDash val="solid"/>
-                      <a:miter lim="800000"/>
-                    </a:lnT>
-                    <a:lnB w="6350" cap="flat" cmpd="sng" algn="ctr">
-                      <a:noFill/>
-                      <a:prstDash val="solid"/>
-                      <a:miter lim="800000"/>
-                    </a:lnB>
-                    <a:lnTlToBr w="12700" cmpd="sng">
-                      <a:noFill/>
-                      <a:prstDash val="solid"/>
-                    </a:lnTlToBr>
-                    <a:lnBlToTr w="12700" cmpd="sng">
-                      <a:noFill/>
-                      <a:prstDash val="solid"/>
-                    </a:lnBlToTr>
-                    <a:cell3D prstMaterial="dkEdge">
-                      <a:bevel w="77470" h="12700" prst="softRound"/>
-                      <a:lightRig rig="flood" dir="t"/>
-                    </a:cell3D>
-                  </a:tcPr>
-                </a:tc>
-                <a:tc>
-                  <a:txBody>
-                    <a:bodyPr/>
-                    <a:lstStyle/>
-                    <a:p>
-                      <a:pPr algn="ctr"/>
-                      <a:r>
-                        <a:rPr lang="pt-BR" sz="1400" dirty="0"/>
-                        <a:t>Unidade</a:t>
-                      </a:r>
-                      <a:endParaRPr lang="pt-BR" dirty="0"/>
-                    </a:p>
-                  </a:txBody>
-                  <a:tcPr anchor="ctr">
-                    <a:lnL>
-                      <a:noFill/>
-                    </a:lnL>
-                    <a:lnR w="6350" cap="flat" cmpd="sng" algn="ctr">
-                      <a:noFill/>
-                      <a:prstDash val="solid"/>
-                      <a:miter lim="800000"/>
-                    </a:lnR>
-                    <a:lnT w="6350" cap="flat" cmpd="sng" algn="ctr">
-                      <a:noFill/>
-                      <a:prstDash val="solid"/>
-                      <a:miter lim="800000"/>
-                    </a:lnT>
-                    <a:lnB w="6350" cap="flat" cmpd="sng" algn="ctr">
-                      <a:noFill/>
-                      <a:prstDash val="solid"/>
-                      <a:miter lim="800000"/>
-                    </a:lnB>
-                    <a:lnTlToBr w="12700" cmpd="sng">
-                      <a:noFill/>
-                      <a:prstDash val="solid"/>
-                    </a:lnTlToBr>
-                    <a:lnBlToTr w="12700" cmpd="sng">
-                      <a:noFill/>
-                      <a:prstDash val="solid"/>
-                    </a:lnBlToTr>
-                    <a:cell3D prstMaterial="dkEdge">
-                      <a:bevel w="77470" h="12700" prst="softRound"/>
-                      <a:lightRig rig="flood" dir="t"/>
-                    </a:cell3D>
-                  </a:tcPr>
-                </a:tc>
-                <a:extLst>
-                  <a:ext uri="{0D108BD9-81ED-4DB2-BD59-A6C34878D82A}">
-                    <a16:rowId xmlns="" xmlns:a16="http://schemas.microsoft.com/office/drawing/2014/main" val="1648878484"/>
-                  </a:ext>
-                </a:extLst>
-              </a:tr>
-              <a:tr h="613859">
-                <a:tc>
-                  <a:txBody>
-                    <a:bodyPr/>
-                    <a:lstStyle/>
-                    <a:p>
-                      <a:pPr algn="ctr"/>
-                      <a:endParaRPr lang="pt-BR" sz="2800" b="1" dirty="0">
-                        <a:solidFill>
-                          <a:schemeClr val="bg1"/>
-                        </a:solidFill>
-                      </a:endParaRPr>
-                    </a:p>
-                  </a:txBody>
-                  <a:tcPr anchor="ctr">
-                    <a:lnL w="6350" cap="flat" cmpd="sng" algn="ctr">
-                      <a:noFill/>
-                      <a:prstDash val="solid"/>
-                      <a:miter lim="800000"/>
-                    </a:lnL>
-                    <a:lnR>
-                      <a:noFill/>
-                    </a:lnR>
-                    <a:lnT w="6350" cap="flat" cmpd="sng" algn="ctr">
-                      <a:noFill/>
-                      <a:prstDash val="solid"/>
-                      <a:miter lim="800000"/>
-                    </a:lnT>
-                    <a:lnB w="6350" cap="flat" cmpd="sng" algn="ctr">
-                      <a:noFill/>
-                      <a:prstDash val="solid"/>
-                      <a:miter lim="800000"/>
-                    </a:lnB>
-                    <a:lnTlToBr w="12700" cmpd="sng">
-                      <a:noFill/>
-                      <a:prstDash val="solid"/>
-                    </a:lnTlToBr>
-                    <a:lnBlToTr w="12700" cmpd="sng">
-                      <a:noFill/>
-                      <a:prstDash val="solid"/>
-                    </a:lnBlToTr>
-                    <a:cell3D prstMaterial="dkEdge">
-                      <a:bevel w="77470" h="12700" prst="softRound"/>
-                      <a:lightRig rig="flood" dir="t"/>
-                    </a:cell3D>
-                  </a:tcPr>
-                </a:tc>
-                <a:tc>
-                  <a:txBody>
-                    <a:bodyPr/>
-                    <a:lstStyle/>
-                    <a:p>
-                      <a:pPr algn="ctr"/>
-                      <a:r>
-                        <a:rPr lang="pt-BR" sz="2800" b="1" dirty="0" smtClean="0">
-                          <a:solidFill>
-                            <a:schemeClr val="bg1"/>
-                          </a:solidFill>
-                        </a:rPr>
-                        <a:t>4</a:t>
-                      </a:r>
-                      <a:endParaRPr lang="pt-BR" sz="2800" b="1" dirty="0">
-                        <a:solidFill>
-                          <a:schemeClr val="bg1"/>
-                        </a:solidFill>
-                      </a:endParaRPr>
-                    </a:p>
-                  </a:txBody>
-                  <a:tcPr anchor="ctr">
-                    <a:lnL w="6350" cap="flat" cmpd="sng" algn="ctr">
-                      <a:noFill/>
-                      <a:prstDash val="solid"/>
-                      <a:miter lim="800000"/>
-                    </a:lnL>
-                    <a:lnR>
-                      <a:noFill/>
-                    </a:lnR>
-                    <a:lnT w="6350" cap="flat" cmpd="sng" algn="ctr">
-                      <a:noFill/>
-                      <a:prstDash val="solid"/>
-                      <a:miter lim="800000"/>
-                    </a:lnT>
-                    <a:lnB w="6350" cap="flat" cmpd="sng" algn="ctr">
-                      <a:noFill/>
-                      <a:prstDash val="solid"/>
-                      <a:miter lim="800000"/>
-                    </a:lnB>
-                    <a:lnTlToBr w="12700" cmpd="sng">
-                      <a:noFill/>
-                      <a:prstDash val="solid"/>
-                    </a:lnTlToBr>
-                    <a:lnBlToTr w="12700" cmpd="sng">
-                      <a:noFill/>
-                      <a:prstDash val="solid"/>
-                    </a:lnBlToTr>
-                    <a:cell3D prstMaterial="dkEdge">
-                      <a:bevel w="77470" h="12700" prst="softRound"/>
-                      <a:lightRig rig="flood" dir="t"/>
-                    </a:cell3D>
-                  </a:tcPr>
-                </a:tc>
-                <a:tc>
-                  <a:txBody>
-                    <a:bodyPr/>
-                    <a:lstStyle/>
-                    <a:p>
-                      <a:pPr algn="ctr"/>
-                      <a:r>
-                        <a:rPr lang="pt-BR" sz="2800" b="1" dirty="0" smtClean="0">
-                          <a:solidFill>
-                            <a:schemeClr val="bg1"/>
-                          </a:solidFill>
-                        </a:rPr>
-                        <a:t>1</a:t>
-                      </a:r>
-                      <a:endParaRPr lang="pt-BR" sz="2800" b="1" dirty="0">
-                        <a:solidFill>
-                          <a:schemeClr val="bg1"/>
-                        </a:solidFill>
-                      </a:endParaRPr>
-                    </a:p>
-                  </a:txBody>
-                  <a:tcPr anchor="ctr">
-                    <a:lnL w="6350" cap="flat" cmpd="sng" algn="ctr">
-                      <a:noFill/>
-                      <a:prstDash val="solid"/>
-                      <a:miter lim="800000"/>
-                    </a:lnL>
-                    <a:lnR>
-                      <a:noFill/>
-                    </a:lnR>
-                    <a:lnT w="6350" cap="flat" cmpd="sng" algn="ctr">
-                      <a:noFill/>
-                      <a:prstDash val="solid"/>
-                      <a:miter lim="800000"/>
-                    </a:lnT>
-                    <a:lnB w="6350" cap="flat" cmpd="sng" algn="ctr">
-                      <a:noFill/>
-                      <a:prstDash val="solid"/>
-                      <a:miter lim="800000"/>
-                    </a:lnB>
-                    <a:lnTlToBr w="12700" cmpd="sng">
-                      <a:noFill/>
-                      <a:prstDash val="solid"/>
-                    </a:lnTlToBr>
-                    <a:lnBlToTr w="12700" cmpd="sng">
-                      <a:noFill/>
-                      <a:prstDash val="solid"/>
-                    </a:lnBlToTr>
-                    <a:cell3D prstMaterial="dkEdge">
-                      <a:bevel w="77470" h="12700" prst="softRound"/>
-                      <a:lightRig rig="flood" dir="t"/>
-                    </a:cell3D>
-                  </a:tcPr>
-                </a:tc>
-                <a:tc>
-                  <a:txBody>
-                    <a:bodyPr/>
-                    <a:lstStyle/>
-                    <a:p>
-                      <a:pPr algn="ctr"/>
-                      <a:r>
-                        <a:rPr lang="pt-BR" sz="2800" b="1" dirty="0" smtClean="0">
-                          <a:solidFill>
-                            <a:schemeClr val="bg1"/>
-                          </a:solidFill>
-                        </a:rPr>
-                        <a:t>9</a:t>
-                      </a:r>
-                      <a:endParaRPr lang="pt-BR" sz="2800" b="1" dirty="0">
-                        <a:solidFill>
-                          <a:schemeClr val="bg1"/>
-                        </a:solidFill>
-                      </a:endParaRPr>
-                    </a:p>
-                  </a:txBody>
-                  <a:tcPr anchor="ctr">
-                    <a:lnL>
-                      <a:noFill/>
-                    </a:lnL>
-                    <a:lnR>
-                      <a:noFill/>
-                    </a:lnR>
-                    <a:lnT w="6350" cap="flat" cmpd="sng" algn="ctr">
-                      <a:noFill/>
-                      <a:prstDash val="solid"/>
-                      <a:miter lim="800000"/>
-                    </a:lnT>
-                    <a:lnB w="6350" cap="flat" cmpd="sng" algn="ctr">
-                      <a:noFill/>
-                      <a:prstDash val="solid"/>
-                      <a:miter lim="800000"/>
-                    </a:lnB>
-                    <a:lnTlToBr w="12700" cmpd="sng">
-                      <a:noFill/>
-                      <a:prstDash val="solid"/>
-                    </a:lnTlToBr>
-                    <a:lnBlToTr w="12700" cmpd="sng">
-                      <a:noFill/>
-                      <a:prstDash val="solid"/>
-                    </a:lnBlToTr>
-                    <a:cell3D prstMaterial="dkEdge">
-                      <a:bevel w="77470" h="12700" prst="softRound"/>
-                      <a:lightRig rig="flood" dir="t"/>
-                    </a:cell3D>
-                  </a:tcPr>
-                </a:tc>
-                <a:tc>
-                  <a:txBody>
-                    <a:bodyPr/>
-                    <a:lstStyle/>
-                    <a:p>
-                      <a:pPr algn="ctr"/>
-                      <a:r>
-                        <a:rPr lang="pt-BR" sz="2800" b="1" dirty="0" smtClean="0">
-                          <a:solidFill>
-                            <a:schemeClr val="bg1"/>
-                          </a:solidFill>
-                        </a:rPr>
-                        <a:t>3</a:t>
-                      </a:r>
-                      <a:endParaRPr lang="pt-BR" sz="2800" b="1" dirty="0">
-                        <a:solidFill>
-                          <a:schemeClr val="bg1"/>
-                        </a:solidFill>
-                      </a:endParaRPr>
-                    </a:p>
-                  </a:txBody>
-                  <a:tcPr anchor="ctr">
-                    <a:lnL>
-                      <a:noFill/>
-                    </a:lnL>
-                    <a:lnR>
-                      <a:noFill/>
-                    </a:lnR>
-                    <a:lnT w="6350" cap="flat" cmpd="sng" algn="ctr">
-                      <a:noFill/>
-                      <a:prstDash val="solid"/>
-                      <a:miter lim="800000"/>
-                    </a:lnT>
-                    <a:lnB w="6350" cap="flat" cmpd="sng" algn="ctr">
-                      <a:noFill/>
-                      <a:prstDash val="solid"/>
-                      <a:miter lim="800000"/>
-                    </a:lnB>
-                    <a:lnTlToBr w="12700" cmpd="sng">
-                      <a:noFill/>
-                      <a:prstDash val="solid"/>
-                    </a:lnTlToBr>
-                    <a:lnBlToTr w="12700" cmpd="sng">
-                      <a:noFill/>
-                      <a:prstDash val="solid"/>
-                    </a:lnBlToTr>
-                    <a:cell3D prstMaterial="dkEdge">
-                      <a:bevel w="77470" h="12700" prst="softRound"/>
-                      <a:lightRig rig="flood" dir="t"/>
-                    </a:cell3D>
-                  </a:tcPr>
-                </a:tc>
-                <a:tc>
-                  <a:txBody>
-                    <a:bodyPr/>
-                    <a:lstStyle/>
-                    <a:p>
-                      <a:pPr algn="ctr"/>
-                      <a:r>
-                        <a:rPr lang="pt-BR" sz="2800" b="1" dirty="0" smtClean="0">
-                          <a:solidFill>
-                            <a:schemeClr val="bg1"/>
-                          </a:solidFill>
-                        </a:rPr>
-                        <a:t>1</a:t>
-                      </a:r>
-                      <a:endParaRPr lang="pt-BR" sz="2800" b="1" dirty="0">
-                        <a:solidFill>
-                          <a:schemeClr val="bg1"/>
-                        </a:solidFill>
-                      </a:endParaRPr>
-                    </a:p>
-                  </a:txBody>
-                  <a:tcPr anchor="ctr">
-                    <a:lnL>
-                      <a:noFill/>
-                    </a:lnL>
-                    <a:lnR w="6350" cap="flat" cmpd="sng" algn="ctr">
-                      <a:noFill/>
-                      <a:prstDash val="solid"/>
-                      <a:miter lim="800000"/>
-                    </a:lnR>
-                    <a:lnT w="6350" cap="flat" cmpd="sng" algn="ctr">
-                      <a:noFill/>
-                      <a:prstDash val="solid"/>
-                      <a:miter lim="800000"/>
-                    </a:lnT>
-                    <a:lnB w="6350" cap="flat" cmpd="sng" algn="ctr">
-                      <a:noFill/>
-                      <a:prstDash val="solid"/>
-                      <a:miter lim="800000"/>
-                    </a:lnB>
-                    <a:lnTlToBr w="12700" cmpd="sng">
-                      <a:noFill/>
-                      <a:prstDash val="solid"/>
-                    </a:lnTlToBr>
-                    <a:lnBlToTr w="12700" cmpd="sng">
-                      <a:noFill/>
-                      <a:prstDash val="solid"/>
-                    </a:lnBlToTr>
-                    <a:cell3D prstMaterial="dkEdge">
-                      <a:bevel w="77470" h="12700" prst="softRound"/>
-                      <a:lightRig rig="flood" dir="t"/>
-                    </a:cell3D>
-                  </a:tcPr>
-                </a:tc>
-                <a:extLst>
-                  <a:ext uri="{0D108BD9-81ED-4DB2-BD59-A6C34878D82A}">
-                    <a16:rowId xmlns="" xmlns:a16="http://schemas.microsoft.com/office/drawing/2014/main" val="3110016024"/>
-                  </a:ext>
-                </a:extLst>
-              </a:tr>
-              <a:tr h="613859">
-                <a:tc>
-                  <a:txBody>
-                    <a:bodyPr/>
-                    <a:lstStyle/>
-                    <a:p>
-                      <a:pPr algn="ctr"/>
-                      <a:r>
-                        <a:rPr lang="pt-BR" sz="2800" b="1" dirty="0" smtClean="0">
-                          <a:solidFill>
-                            <a:schemeClr val="bg1"/>
-                          </a:solidFill>
-                        </a:rPr>
-                        <a:t>+</a:t>
-                      </a:r>
-                      <a:endParaRPr lang="pt-BR" sz="2800" b="1" dirty="0">
-                        <a:solidFill>
-                          <a:schemeClr val="bg1"/>
-                        </a:solidFill>
-                      </a:endParaRPr>
-                    </a:p>
-                  </a:txBody>
-                  <a:tcPr anchor="ctr">
-                    <a:lnL w="6350" cap="flat" cmpd="sng" algn="ctr">
-                      <a:noFill/>
-                      <a:prstDash val="solid"/>
-                      <a:miter lim="800000"/>
-                    </a:lnL>
-                    <a:lnR>
-                      <a:noFill/>
-                    </a:lnR>
-                    <a:lnT w="6350" cap="flat" cmpd="sng" algn="ctr">
-                      <a:noFill/>
-                      <a:prstDash val="solid"/>
-                      <a:miter lim="800000"/>
-                    </a:lnT>
-                    <a:lnB w="12700" cap="flat" cmpd="sng" algn="ctr">
-                      <a:noFill/>
-                      <a:prstDash val="solid"/>
-                      <a:round/>
-                      <a:headEnd type="none" w="med" len="med"/>
-                      <a:tailEnd type="none" w="med" len="med"/>
-                    </a:lnB>
-                    <a:lnTlToBr w="12700" cmpd="sng">
-                      <a:noFill/>
-                      <a:prstDash val="solid"/>
-                    </a:lnTlToBr>
-                    <a:lnBlToTr w="12700" cmpd="sng">
-                      <a:noFill/>
-                      <a:prstDash val="solid"/>
-                    </a:lnBlToTr>
-                    <a:cell3D prstMaterial="dkEdge">
-                      <a:bevel w="77470" h="12700" prst="softRound"/>
-                      <a:lightRig rig="flood" dir="t"/>
-                    </a:cell3D>
-                  </a:tcPr>
-                </a:tc>
-                <a:tc>
-                  <a:txBody>
-                    <a:bodyPr/>
-                    <a:lstStyle/>
-                    <a:p>
-                      <a:pPr algn="ctr"/>
-                      <a:r>
-                        <a:rPr lang="pt-BR" sz="2800" b="1" dirty="0" smtClean="0">
-                          <a:solidFill>
-                            <a:schemeClr val="bg1"/>
-                          </a:solidFill>
-                        </a:rPr>
-                        <a:t>5</a:t>
-                      </a:r>
-                      <a:endParaRPr lang="pt-BR" sz="2800" b="1" dirty="0">
-                        <a:solidFill>
-                          <a:schemeClr val="bg1"/>
-                        </a:solidFill>
-                      </a:endParaRPr>
-                    </a:p>
-                  </a:txBody>
-                  <a:tcPr anchor="ctr">
-                    <a:lnL w="6350" cap="flat" cmpd="sng" algn="ctr">
-                      <a:noFill/>
-                      <a:prstDash val="solid"/>
-                      <a:miter lim="800000"/>
-                    </a:lnL>
-                    <a:lnR>
-                      <a:noFill/>
-                    </a:lnR>
-                    <a:lnT w="6350" cap="flat" cmpd="sng" algn="ctr">
-                      <a:noFill/>
-                      <a:prstDash val="solid"/>
-                      <a:miter lim="800000"/>
-                    </a:lnT>
-                    <a:lnB w="12700" cap="flat" cmpd="sng" algn="ctr">
-                      <a:solidFill>
-                        <a:schemeClr val="tx1"/>
-                      </a:solidFill>
-                      <a:prstDash val="solid"/>
-                      <a:round/>
-                      <a:headEnd type="none" w="med" len="med"/>
-                      <a:tailEnd type="none" w="med" len="med"/>
-                    </a:lnB>
-                    <a:lnTlToBr w="12700" cmpd="sng">
-                      <a:noFill/>
-                      <a:prstDash val="solid"/>
-                    </a:lnTlToBr>
-                    <a:lnBlToTr w="12700" cmpd="sng">
-                      <a:noFill/>
-                      <a:prstDash val="solid"/>
-                    </a:lnBlToTr>
-                    <a:cell3D prstMaterial="dkEdge">
-                      <a:bevel w="77470" h="12700" prst="softRound"/>
-                      <a:lightRig rig="flood" dir="t"/>
-                    </a:cell3D>
-                  </a:tcPr>
-                </a:tc>
-                <a:tc>
-                  <a:txBody>
-                    <a:bodyPr/>
-                    <a:lstStyle/>
-                    <a:p>
-                      <a:pPr algn="ctr"/>
-                      <a:r>
-                        <a:rPr lang="pt-BR" sz="2800" b="1" dirty="0" smtClean="0">
-                          <a:solidFill>
-                            <a:schemeClr val="bg1"/>
-                          </a:solidFill>
-                        </a:rPr>
-                        <a:t>7</a:t>
-                      </a:r>
-                      <a:endParaRPr lang="pt-BR" sz="2800" b="1" dirty="0">
-                        <a:solidFill>
-                          <a:schemeClr val="bg1"/>
-                        </a:solidFill>
-                      </a:endParaRPr>
-                    </a:p>
-                  </a:txBody>
-                  <a:tcPr anchor="ctr">
-                    <a:lnL w="6350" cap="flat" cmpd="sng" algn="ctr">
-                      <a:noFill/>
-                      <a:prstDash val="solid"/>
-                      <a:miter lim="800000"/>
-                    </a:lnL>
-                    <a:lnR>
-                      <a:noFill/>
-                    </a:lnR>
-                    <a:lnT w="6350" cap="flat" cmpd="sng" algn="ctr">
-                      <a:noFill/>
-                      <a:prstDash val="solid"/>
-                      <a:miter lim="800000"/>
-                    </a:lnT>
-                    <a:lnB w="12700" cap="flat" cmpd="sng" algn="ctr">
-                      <a:solidFill>
-                        <a:schemeClr val="tx1"/>
-                      </a:solidFill>
-                      <a:prstDash val="solid"/>
-                      <a:round/>
-                      <a:headEnd type="none" w="med" len="med"/>
-                      <a:tailEnd type="none" w="med" len="med"/>
-                    </a:lnB>
-                    <a:lnTlToBr w="12700" cmpd="sng">
-                      <a:noFill/>
-                      <a:prstDash val="solid"/>
-                    </a:lnTlToBr>
-                    <a:lnBlToTr w="12700" cmpd="sng">
-                      <a:noFill/>
-                      <a:prstDash val="solid"/>
-                    </a:lnBlToTr>
-                    <a:cell3D prstMaterial="dkEdge">
-                      <a:bevel w="77470" h="12700" prst="softRound"/>
-                      <a:lightRig rig="flood" dir="t"/>
-                    </a:cell3D>
-                  </a:tcPr>
-                </a:tc>
-                <a:tc>
-                  <a:txBody>
-                    <a:bodyPr/>
-                    <a:lstStyle/>
-                    <a:p>
-                      <a:pPr algn="ctr"/>
-                      <a:r>
-                        <a:rPr lang="pt-BR" sz="2800" b="1" dirty="0" smtClean="0">
-                          <a:solidFill>
-                            <a:schemeClr val="bg1"/>
-                          </a:solidFill>
-                        </a:rPr>
-                        <a:t>0</a:t>
-                      </a:r>
-                      <a:endParaRPr lang="pt-BR" sz="2800" b="1" dirty="0">
-                        <a:solidFill>
-                          <a:schemeClr val="bg1"/>
-                        </a:solidFill>
-                      </a:endParaRPr>
-                    </a:p>
-                  </a:txBody>
-                  <a:tcPr anchor="ctr">
-                    <a:lnL>
-                      <a:noFill/>
-                    </a:lnL>
-                    <a:lnR>
-                      <a:noFill/>
-                    </a:lnR>
-                    <a:lnT w="6350" cap="flat" cmpd="sng" algn="ctr">
-                      <a:noFill/>
-                      <a:prstDash val="solid"/>
-                      <a:miter lim="800000"/>
-                    </a:lnT>
-                    <a:lnB w="12700" cap="flat" cmpd="sng" algn="ctr">
-                      <a:solidFill>
-                        <a:schemeClr val="tx1"/>
-                      </a:solidFill>
-                      <a:prstDash val="solid"/>
-                      <a:round/>
-                      <a:headEnd type="none" w="med" len="med"/>
-                      <a:tailEnd type="none" w="med" len="med"/>
-                    </a:lnB>
-                    <a:lnTlToBr w="12700" cmpd="sng">
-                      <a:noFill/>
-                      <a:prstDash val="solid"/>
-                    </a:lnTlToBr>
-                    <a:lnBlToTr w="12700" cmpd="sng">
-                      <a:noFill/>
-                      <a:prstDash val="solid"/>
-                    </a:lnBlToTr>
-                    <a:cell3D prstMaterial="dkEdge">
-                      <a:bevel w="77470" h="12700" prst="softRound"/>
-                      <a:lightRig rig="flood" dir="t"/>
-                    </a:cell3D>
-                  </a:tcPr>
-                </a:tc>
-                <a:tc>
-                  <a:txBody>
-                    <a:bodyPr/>
-                    <a:lstStyle/>
-                    <a:p>
-                      <a:pPr algn="ctr"/>
-                      <a:r>
-                        <a:rPr lang="pt-BR" sz="2800" b="1" dirty="0" smtClean="0">
-                          <a:solidFill>
-                            <a:schemeClr val="bg1"/>
-                          </a:solidFill>
-                        </a:rPr>
-                        <a:t>5</a:t>
-                      </a:r>
-                      <a:endParaRPr lang="pt-BR" sz="2800" b="1" dirty="0">
-                        <a:solidFill>
-                          <a:schemeClr val="bg1"/>
-                        </a:solidFill>
-                      </a:endParaRPr>
-                    </a:p>
-                  </a:txBody>
-                  <a:tcPr anchor="ctr">
-                    <a:lnL>
-                      <a:noFill/>
-                    </a:lnL>
-                    <a:lnR>
-                      <a:noFill/>
-                    </a:lnR>
-                    <a:lnT w="6350" cap="flat" cmpd="sng" algn="ctr">
-                      <a:noFill/>
-                      <a:prstDash val="solid"/>
-                      <a:miter lim="800000"/>
-                    </a:lnT>
-                    <a:lnB w="12700" cap="flat" cmpd="sng" algn="ctr">
-                      <a:solidFill>
-                        <a:schemeClr val="tx1"/>
-                      </a:solidFill>
-                      <a:prstDash val="solid"/>
-                      <a:round/>
-                      <a:headEnd type="none" w="med" len="med"/>
-                      <a:tailEnd type="none" w="med" len="med"/>
-                    </a:lnB>
-                    <a:lnTlToBr w="12700" cmpd="sng">
-                      <a:noFill/>
-                      <a:prstDash val="solid"/>
-                    </a:lnTlToBr>
-                    <a:lnBlToTr w="12700" cmpd="sng">
-                      <a:noFill/>
-                      <a:prstDash val="solid"/>
-                    </a:lnBlToTr>
-                    <a:cell3D prstMaterial="dkEdge">
-                      <a:bevel w="77470" h="12700" prst="softRound"/>
-                      <a:lightRig rig="flood" dir="t"/>
-                    </a:cell3D>
-                  </a:tcPr>
-                </a:tc>
-                <a:tc>
-                  <a:txBody>
-                    <a:bodyPr/>
-                    <a:lstStyle/>
-                    <a:p>
-                      <a:pPr algn="ctr"/>
-                      <a:r>
-                        <a:rPr lang="pt-BR" sz="2800" b="1" dirty="0" smtClean="0">
-                          <a:solidFill>
-                            <a:schemeClr val="bg1"/>
-                          </a:solidFill>
-                        </a:rPr>
-                        <a:t>7</a:t>
-                      </a:r>
-                      <a:endParaRPr lang="pt-BR" sz="2800" b="1" dirty="0">
-                        <a:solidFill>
-                          <a:schemeClr val="bg1"/>
-                        </a:solidFill>
-                      </a:endParaRPr>
-                    </a:p>
-                  </a:txBody>
-                  <a:tcPr anchor="ctr">
-                    <a:lnL>
-                      <a:noFill/>
-                    </a:lnL>
-                    <a:lnR w="6350" cap="flat" cmpd="sng" algn="ctr">
-                      <a:noFill/>
-                      <a:prstDash val="solid"/>
-                      <a:miter lim="800000"/>
-                    </a:lnR>
-                    <a:lnT w="6350" cap="flat" cmpd="sng" algn="ctr">
-                      <a:noFill/>
-                      <a:prstDash val="solid"/>
-                      <a:miter lim="800000"/>
-                    </a:lnT>
-                    <a:lnB w="12700" cap="flat" cmpd="sng" algn="ctr">
-                      <a:solidFill>
-                        <a:schemeClr val="tx1"/>
-                      </a:solidFill>
-                      <a:prstDash val="solid"/>
-                      <a:round/>
-                      <a:headEnd type="none" w="med" len="med"/>
-                      <a:tailEnd type="none" w="med" len="med"/>
-                    </a:lnB>
-                    <a:lnTlToBr w="12700" cmpd="sng">
-                      <a:noFill/>
-                      <a:prstDash val="solid"/>
-                    </a:lnTlToBr>
-                    <a:lnBlToTr w="12700" cmpd="sng">
-                      <a:noFill/>
-                      <a:prstDash val="solid"/>
-                    </a:lnBlToTr>
-                    <a:cell3D prstMaterial="dkEdge">
-                      <a:bevel w="77470" h="12700" prst="softRound"/>
-                      <a:lightRig rig="flood" dir="t"/>
-                    </a:cell3D>
-                  </a:tcPr>
-                </a:tc>
-                <a:extLst>
-                  <a:ext uri="{0D108BD9-81ED-4DB2-BD59-A6C34878D82A}">
-                    <a16:rowId xmlns="" xmlns:a16="http://schemas.microsoft.com/office/drawing/2014/main" val="2530068117"/>
-                  </a:ext>
-                </a:extLst>
-              </a:tr>
-              <a:tr h="613859">
-                <a:tc>
-                  <a:txBody>
-                    <a:bodyPr/>
-                    <a:lstStyle/>
-                    <a:p>
-                      <a:pPr algn="ctr"/>
-                      <a:endParaRPr lang="pt-BR" sz="2800" b="1" dirty="0">
-                        <a:solidFill>
-                          <a:schemeClr val="bg1"/>
-                        </a:solidFill>
-                      </a:endParaRPr>
-                    </a:p>
-                  </a:txBody>
-                  <a:tcPr anchor="ctr">
-                    <a:lnL w="6350" cap="flat" cmpd="sng" algn="ctr">
-                      <a:noFill/>
-                      <a:prstDash val="solid"/>
-                      <a:miter lim="800000"/>
-                    </a:lnL>
-                    <a:lnR>
-                      <a:noFill/>
-                    </a:lnR>
-                    <a:lnT w="12700" cap="flat" cmpd="sng" algn="ctr">
-                      <a:noFill/>
-                      <a:prstDash val="solid"/>
-                      <a:round/>
-                      <a:headEnd type="none" w="med" len="med"/>
-                      <a:tailEnd type="none" w="med" len="med"/>
-                    </a:lnT>
-                    <a:lnB w="6350" cap="flat" cmpd="sng" algn="ctr">
-                      <a:noFill/>
-                      <a:prstDash val="solid"/>
-                      <a:miter lim="800000"/>
-                    </a:lnB>
-                    <a:lnTlToBr w="12700" cmpd="sng">
-                      <a:noFill/>
-                      <a:prstDash val="solid"/>
-                    </a:lnTlToBr>
-                    <a:lnBlToTr w="12700" cmpd="sng">
-                      <a:noFill/>
-                      <a:prstDash val="solid"/>
-                    </a:lnBlToTr>
-                    <a:cell3D prstMaterial="dkEdge">
-                      <a:bevel w="77470" h="12700" prst="softRound"/>
-                      <a:lightRig rig="flood" dir="t"/>
-                    </a:cell3D>
-                  </a:tcPr>
-                </a:tc>
-                <a:tc>
-                  <a:txBody>
-                    <a:bodyPr/>
-                    <a:lstStyle/>
-                    <a:p>
-                      <a:pPr algn="ctr"/>
-                      <a:r>
-                        <a:rPr lang="pt-BR" sz="2800" b="1" dirty="0" smtClean="0">
-                          <a:solidFill>
-                            <a:schemeClr val="bg1"/>
-                          </a:solidFill>
-                        </a:rPr>
-                        <a:t>9</a:t>
-                      </a:r>
-                      <a:endParaRPr lang="pt-BR" sz="2800" b="1" dirty="0">
-                        <a:solidFill>
-                          <a:schemeClr val="bg1"/>
-                        </a:solidFill>
-                      </a:endParaRPr>
-                    </a:p>
-                  </a:txBody>
-                  <a:tcPr anchor="ctr">
-                    <a:lnL w="6350" cap="flat" cmpd="sng" algn="ctr">
-                      <a:noFill/>
-                      <a:prstDash val="solid"/>
-                      <a:miter lim="800000"/>
-                    </a:lnL>
-                    <a:lnR>
-                      <a:noFill/>
-                    </a:lnR>
-                    <a:lnT w="12700" cap="flat" cmpd="sng" algn="ctr">
-                      <a:solidFill>
-                        <a:schemeClr val="tx1"/>
-                      </a:solidFill>
-                      <a:prstDash val="solid"/>
-                      <a:round/>
-                      <a:headEnd type="none" w="med" len="med"/>
-                      <a:tailEnd type="none" w="med" len="med"/>
-                    </a:lnT>
-                    <a:lnB w="6350" cap="flat" cmpd="sng" algn="ctr">
-                      <a:noFill/>
-                      <a:prstDash val="solid"/>
-                      <a:miter lim="800000"/>
-                    </a:lnB>
-                    <a:lnTlToBr w="12700" cmpd="sng">
-                      <a:noFill/>
-                      <a:prstDash val="solid"/>
-                    </a:lnTlToBr>
-                    <a:lnBlToTr w="12700" cmpd="sng">
-                      <a:noFill/>
-                      <a:prstDash val="solid"/>
-                    </a:lnBlToTr>
-                    <a:cell3D prstMaterial="dkEdge">
-                      <a:bevel w="77470" h="12700" prst="softRound"/>
-                      <a:lightRig rig="flood" dir="t"/>
-                    </a:cell3D>
-                  </a:tcPr>
-                </a:tc>
-                <a:tc>
-                  <a:txBody>
-                    <a:bodyPr/>
-                    <a:lstStyle/>
-                    <a:p>
-                      <a:pPr algn="ctr"/>
-                      <a:r>
-                        <a:rPr lang="pt-BR" sz="2800" b="1" dirty="0" smtClean="0">
-                          <a:solidFill>
-                            <a:schemeClr val="bg1"/>
-                          </a:solidFill>
-                        </a:rPr>
-                        <a:t>8</a:t>
-                      </a:r>
-                      <a:endParaRPr lang="pt-BR" sz="2800" b="1" dirty="0">
-                        <a:solidFill>
-                          <a:schemeClr val="bg1"/>
-                        </a:solidFill>
-                      </a:endParaRPr>
-                    </a:p>
-                  </a:txBody>
-                  <a:tcPr anchor="ctr">
-                    <a:lnL w="6350" cap="flat" cmpd="sng" algn="ctr">
-                      <a:noFill/>
-                      <a:prstDash val="solid"/>
-                      <a:miter lim="800000"/>
-                    </a:lnL>
-                    <a:lnR>
-                      <a:noFill/>
-                    </a:lnR>
-                    <a:lnT w="12700" cap="flat" cmpd="sng" algn="ctr">
-                      <a:solidFill>
-                        <a:schemeClr val="tx1"/>
-                      </a:solidFill>
-                      <a:prstDash val="solid"/>
-                      <a:round/>
-                      <a:headEnd type="none" w="med" len="med"/>
-                      <a:tailEnd type="none" w="med" len="med"/>
-                    </a:lnT>
-                    <a:lnB w="6350" cap="flat" cmpd="sng" algn="ctr">
-                      <a:noFill/>
-                      <a:prstDash val="solid"/>
-                      <a:miter lim="800000"/>
-                    </a:lnB>
-                    <a:lnTlToBr w="12700" cmpd="sng">
-                      <a:noFill/>
-                      <a:prstDash val="solid"/>
-                    </a:lnTlToBr>
-                    <a:lnBlToTr w="12700" cmpd="sng">
-                      <a:noFill/>
-                      <a:prstDash val="solid"/>
-                    </a:lnBlToTr>
-                    <a:cell3D prstMaterial="dkEdge">
-                      <a:bevel w="77470" h="12700" prst="softRound"/>
-                      <a:lightRig rig="flood" dir="t"/>
-                    </a:cell3D>
-                  </a:tcPr>
-                </a:tc>
-                <a:tc>
-                  <a:txBody>
-                    <a:bodyPr/>
-                    <a:lstStyle/>
-                    <a:p>
-                      <a:pPr algn="ctr"/>
-                      <a:r>
-                        <a:rPr lang="pt-BR" sz="2800" b="1" dirty="0" smtClean="0">
-                          <a:solidFill>
-                            <a:schemeClr val="bg1"/>
-                          </a:solidFill>
-                        </a:rPr>
-                        <a:t>9</a:t>
-                      </a:r>
-                      <a:endParaRPr lang="pt-BR" sz="2800" b="1" dirty="0">
-                        <a:solidFill>
-                          <a:schemeClr val="bg1"/>
-                        </a:solidFill>
-                      </a:endParaRPr>
-                    </a:p>
-                  </a:txBody>
-                  <a:tcPr anchor="ctr">
-                    <a:lnL>
-                      <a:noFill/>
-                    </a:lnL>
-                    <a:lnR>
-                      <a:noFill/>
-                    </a:lnR>
-                    <a:lnT w="12700" cap="flat" cmpd="sng" algn="ctr">
-                      <a:solidFill>
-                        <a:schemeClr val="tx1"/>
-                      </a:solidFill>
-                      <a:prstDash val="solid"/>
-                      <a:round/>
-                      <a:headEnd type="none" w="med" len="med"/>
-                      <a:tailEnd type="none" w="med" len="med"/>
-                    </a:lnT>
-                    <a:lnB w="6350" cap="flat" cmpd="sng" algn="ctr">
-                      <a:noFill/>
-                      <a:prstDash val="solid"/>
-                      <a:miter lim="800000"/>
-                    </a:lnB>
-                    <a:lnTlToBr w="12700" cmpd="sng">
-                      <a:noFill/>
-                      <a:prstDash val="solid"/>
-                    </a:lnTlToBr>
-                    <a:lnBlToTr w="12700" cmpd="sng">
-                      <a:noFill/>
-                      <a:prstDash val="solid"/>
-                    </a:lnBlToTr>
-                    <a:cell3D prstMaterial="dkEdge">
-                      <a:bevel w="77470" h="12700" prst="softRound"/>
-                      <a:lightRig rig="flood" dir="t"/>
-                    </a:cell3D>
-                  </a:tcPr>
-                </a:tc>
-                <a:tc>
-                  <a:txBody>
-                    <a:bodyPr/>
-                    <a:lstStyle/>
-                    <a:p>
-                      <a:pPr algn="ctr"/>
-                      <a:r>
-                        <a:rPr lang="pt-BR" sz="2800" b="1" dirty="0" smtClean="0">
-                          <a:solidFill>
-                            <a:schemeClr val="bg1"/>
-                          </a:solidFill>
-                        </a:rPr>
-                        <a:t>8</a:t>
-                      </a:r>
-                      <a:endParaRPr lang="pt-BR" sz="2800" b="1" dirty="0">
-                        <a:solidFill>
-                          <a:schemeClr val="bg1"/>
-                        </a:solidFill>
-                      </a:endParaRPr>
-                    </a:p>
-                  </a:txBody>
-                  <a:tcPr anchor="ctr">
-                    <a:lnL>
-                      <a:noFill/>
-                    </a:lnL>
-                    <a:lnR>
-                      <a:noFill/>
-                    </a:lnR>
-                    <a:lnT w="12700" cap="flat" cmpd="sng" algn="ctr">
-                      <a:solidFill>
-                        <a:schemeClr val="tx1"/>
-                      </a:solidFill>
-                      <a:prstDash val="solid"/>
-                      <a:round/>
-                      <a:headEnd type="none" w="med" len="med"/>
-                      <a:tailEnd type="none" w="med" len="med"/>
-                    </a:lnT>
-                    <a:lnB w="6350" cap="flat" cmpd="sng" algn="ctr">
-                      <a:noFill/>
-                      <a:prstDash val="solid"/>
-                      <a:miter lim="800000"/>
-                    </a:lnB>
-                    <a:lnTlToBr w="12700" cmpd="sng">
-                      <a:noFill/>
-                      <a:prstDash val="solid"/>
-                    </a:lnTlToBr>
-                    <a:lnBlToTr w="12700" cmpd="sng">
-                      <a:noFill/>
-                      <a:prstDash val="solid"/>
-                    </a:lnBlToTr>
-                    <a:cell3D prstMaterial="dkEdge">
-                      <a:bevel w="77470" h="12700" prst="softRound"/>
-                      <a:lightRig rig="flood" dir="t"/>
-                    </a:cell3D>
-                  </a:tcPr>
-                </a:tc>
-                <a:tc>
-                  <a:txBody>
-                    <a:bodyPr/>
-                    <a:lstStyle/>
-                    <a:p>
-                      <a:pPr algn="ctr"/>
-                      <a:r>
-                        <a:rPr lang="pt-BR" sz="2800" b="1" dirty="0" smtClean="0">
-                          <a:solidFill>
-                            <a:schemeClr val="bg1"/>
-                          </a:solidFill>
-                        </a:rPr>
-                        <a:t>8</a:t>
-                      </a:r>
-                      <a:endParaRPr lang="pt-BR" sz="2800" b="1" dirty="0">
-                        <a:solidFill>
-                          <a:schemeClr val="bg1"/>
-                        </a:solidFill>
-                      </a:endParaRPr>
-                    </a:p>
-                  </a:txBody>
-                  <a:tcPr anchor="ctr">
-                    <a:lnL>
-                      <a:noFill/>
-                    </a:lnL>
-                    <a:lnR w="6350" cap="flat" cmpd="sng" algn="ctr">
-                      <a:noFill/>
-                      <a:prstDash val="solid"/>
-                      <a:miter lim="800000"/>
-                    </a:lnR>
-                    <a:lnT w="12700" cap="flat" cmpd="sng" algn="ctr">
-                      <a:solidFill>
-                        <a:schemeClr val="tx1"/>
-                      </a:solidFill>
-                      <a:prstDash val="solid"/>
-                      <a:round/>
-                      <a:headEnd type="none" w="med" len="med"/>
-                      <a:tailEnd type="none" w="med" len="med"/>
-                    </a:lnT>
-                    <a:lnB w="6350" cap="flat" cmpd="sng" algn="ctr">
-                      <a:noFill/>
-                      <a:prstDash val="solid"/>
-                      <a:miter lim="800000"/>
-                    </a:lnB>
-                    <a:lnTlToBr w="12700" cmpd="sng">
-                      <a:noFill/>
-                      <a:prstDash val="solid"/>
-                    </a:lnTlToBr>
-                    <a:lnBlToTr w="12700" cmpd="sng">
-                      <a:noFill/>
-                      <a:prstDash val="solid"/>
-                    </a:lnBlToTr>
-                    <a:cell3D prstMaterial="dkEdge">
-                      <a:bevel w="77470" h="12700" prst="softRound"/>
-                      <a:lightRig rig="flood" dir="t"/>
-                    </a:cell3D>
-                  </a:tcPr>
-                </a:tc>
-                <a:extLst>
-                  <a:ext uri="{0D108BD9-81ED-4DB2-BD59-A6C34878D82A}">
-                    <a16:rowId xmlns="" xmlns:a16="http://schemas.microsoft.com/office/drawing/2014/main" val="1712611614"/>
-                  </a:ext>
-                </a:extLst>
-              </a:tr>
-            </a:tbl>
-          </a:graphicData>
-        </a:graphic>
-      </p:graphicFrame>
-      <p:sp>
-        <p:nvSpPr>
-          <p:cNvPr id="7" name="Rectangle 4">
-            <a:extLst>
-              <a:ext uri="{FF2B5EF4-FFF2-40B4-BE49-F238E27FC236}">
-                <a16:creationId xmlns:a16="http://schemas.microsoft.com/office/drawing/2014/main" xmlns="" id="{6B3D22E0-3304-47C3-A13D-F3314EEBFA56}"/>
+                <a16:creationId xmlns="" xmlns:a16="http://schemas.microsoft.com/office/drawing/2014/main" id="{52670CB7-6F96-4BDF-AF66-75B2EA21419B}"/>
               </a:ext>
             </a:extLst>
           </p:cNvPr>
@@ -5947,7 +4623,107 @@
         </p:nvSpPr>
         <p:spPr>
           <a:xfrm>
-            <a:off x="242756" y="43300"/>
+            <a:off x="4825959" y="2810809"/>
+            <a:ext cx="2646878" cy="1938992"/>
+          </a:xfrm>
+          <a:prstGeom prst="rect">
+            <a:avLst/>
+          </a:prstGeom>
+          <a:noFill/>
+        </p:spPr>
+        <p:txBody>
+          <a:bodyPr wrap="none" lIns="91440" tIns="45720" rIns="91440" bIns="45720">
+            <a:spAutoFit/>
+          </a:bodyPr>
+          <a:lstStyle/>
+          <a:p>
+            <a:pPr algn="ctr"/>
+            <a:r>
+              <a:rPr lang="en-US" sz="12000" b="1" dirty="0">
+                <a:ln w="12700">
+                  <a:solidFill>
+                    <a:schemeClr val="accent1"/>
+                  </a:solidFill>
+                  <a:prstDash val="solid"/>
+                </a:ln>
+                <a:solidFill>
+                  <a:srgbClr val="FFFF00"/>
+                </a:solidFill>
+                <a:effectLst>
+                  <a:outerShdw dist="38100" dir="2640000" algn="bl" rotWithShape="0">
+                    <a:schemeClr val="accent1"/>
+                  </a:outerShdw>
+                </a:effectLst>
+              </a:rPr>
+              <a:t>FIM</a:t>
+            </a:r>
+            <a:endParaRPr lang="en-US" sz="12000" b="1" cap="none" spc="0" dirty="0">
+              <a:ln w="12700">
+                <a:solidFill>
+                  <a:schemeClr val="accent1"/>
+                </a:solidFill>
+                <a:prstDash val="solid"/>
+              </a:ln>
+              <a:solidFill>
+                <a:srgbClr val="FFFF00"/>
+              </a:solidFill>
+              <a:effectLst>
+                <a:outerShdw dist="38100" dir="2640000" algn="bl" rotWithShape="0">
+                  <a:schemeClr val="accent1"/>
+                </a:outerShdw>
+              </a:effectLst>
+            </a:endParaRPr>
+          </a:p>
+        </p:txBody>
+      </p:sp>
+    </p:spTree>
+    <p:extLst>
+      <p:ext uri="{BB962C8B-B14F-4D97-AF65-F5344CB8AC3E}">
+        <p14:creationId xmlns:p14="http://schemas.microsoft.com/office/powerpoint/2010/main" val="632903128"/>
+      </p:ext>
+    </p:extLst>
+  </p:cSld>
+  <p:clrMapOvr>
+    <a:masterClrMapping/>
+  </p:clrMapOvr>
+  <p:transition spd="slow">
+    <p:wipe/>
+  </p:transition>
+</p:sld>
+</file>
+
+<file path=ppt/slides/slide2.xml><?xml version="1.0" encoding="utf-8"?>
+<p:sld xmlns:a="http://schemas.openxmlformats.org/drawingml/2006/main" xmlns:r="http://schemas.openxmlformats.org/officeDocument/2006/relationships" xmlns:p="http://schemas.openxmlformats.org/presentationml/2006/main">
+  <p:cSld>
+    <p:spTree>
+      <p:nvGrpSpPr>
+        <p:cNvPr id="1" name=""/>
+        <p:cNvGrpSpPr/>
+        <p:nvPr/>
+      </p:nvGrpSpPr>
+      <p:grpSpPr>
+        <a:xfrm>
+          <a:off x="0" y="0"/>
+          <a:ext cx="0" cy="0"/>
+          <a:chOff x="0" y="0"/>
+          <a:chExt cx="0" cy="0"/>
+        </a:xfrm>
+      </p:grpSpPr>
+      <p:sp>
+        <p:nvSpPr>
+          <p:cNvPr id="5" name="Rectangle 4">
+            <a:extLst>
+              <a:ext uri="{FF2B5EF4-FFF2-40B4-BE49-F238E27FC236}">
+                <a16:creationId xmlns="" xmlns:a16="http://schemas.microsoft.com/office/drawing/2014/main" id="{6B3D22E0-3304-47C3-A13D-F3314EEBFA56}"/>
+              </a:ext>
+            </a:extLst>
+          </p:cNvPr>
+          <p:cNvSpPr/>
+          <p:nvPr/>
+        </p:nvSpPr>
+        <p:spPr>
+          <a:xfrm>
+            <a:off x="250158" y="48777"/>
             <a:ext cx="536741" cy="830997"/>
           </a:xfrm>
           <a:prstGeom prst="rect">
@@ -5980,7 +4756,7 @@
           <a:p>
             <a:pPr algn="ctr"/>
             <a:r>
-              <a:rPr lang="en-US" sz="4800" b="1" cap="none" spc="0" dirty="0" smtClean="0">
+              <a:rPr lang="en-US" sz="4800" b="1" cap="none" spc="0" dirty="0">
                 <a:ln w="6600">
                   <a:solidFill>
                     <a:schemeClr val="accent2"/>
@@ -5996,541 +4772,17 @@
                   </a:outerShdw>
                 </a:effectLst>
               </a:rPr>
-              <a:t>8</a:t>
+              <a:t>1</a:t>
             </a:r>
-            <a:endParaRPr lang="en-US" sz="4800" b="1" cap="none" spc="0" dirty="0">
-              <a:ln w="6600">
-                <a:solidFill>
-                  <a:schemeClr val="accent2"/>
-                </a:solidFill>
-                <a:prstDash val="solid"/>
-              </a:ln>
-              <a:solidFill>
-                <a:srgbClr val="FFFFFF"/>
-              </a:solidFill>
-              <a:effectLst>
-                <a:outerShdw dist="38100" dir="2700000" algn="tl" rotWithShape="0">
-                  <a:schemeClr val="accent2"/>
-                </a:outerShdw>
-              </a:effectLst>
-            </a:endParaRPr>
           </a:p>
         </p:txBody>
       </p:sp>
       <p:sp>
         <p:nvSpPr>
-          <p:cNvPr id="4" name="Seta para a direita 3"/>
-          <p:cNvSpPr/>
-          <p:nvPr/>
-        </p:nvSpPr>
-        <p:spPr>
-          <a:xfrm>
-            <a:off x="5562600" y="2324100"/>
-            <a:ext cx="558800" cy="330200"/>
-          </a:xfrm>
-          <a:prstGeom prst="rightArrow">
-            <a:avLst/>
-          </a:prstGeom>
-        </p:spPr>
-        <p:style>
-          <a:lnRef idx="2">
-            <a:schemeClr val="accent1">
-              <a:shade val="50000"/>
-            </a:schemeClr>
-          </a:lnRef>
-          <a:fillRef idx="1">
-            <a:schemeClr val="accent1"/>
-          </a:fillRef>
-          <a:effectRef idx="0">
-            <a:schemeClr val="accent1"/>
-          </a:effectRef>
-          <a:fontRef idx="minor">
-            <a:schemeClr val="lt1"/>
-          </a:fontRef>
-        </p:style>
-        <p:txBody>
-          <a:bodyPr rtlCol="0" anchor="ctr"/>
-          <a:lstStyle/>
-          <a:p>
-            <a:pPr algn="ctr"/>
-            <a:endParaRPr lang="pt-BR"/>
-          </a:p>
-        </p:txBody>
-      </p:sp>
-      <p:sp>
-        <p:nvSpPr>
-          <p:cNvPr id="8" name="Rectangle 1">
+          <p:cNvPr id="8" name="Rectangle 7">
             <a:extLst>
               <a:ext uri="{FF2B5EF4-FFF2-40B4-BE49-F238E27FC236}">
-                <a16:creationId xmlns:a16="http://schemas.microsoft.com/office/drawing/2014/main" xmlns="" id="{4F38584F-66B2-464F-9BA7-6F9A856D602F}"/>
-              </a:ext>
-            </a:extLst>
-          </p:cNvPr>
-          <p:cNvSpPr/>
-          <p:nvPr/>
-        </p:nvSpPr>
-        <p:spPr>
-          <a:xfrm>
-            <a:off x="6121400" y="2127563"/>
-            <a:ext cx="1813169" cy="584775"/>
-          </a:xfrm>
-          <a:prstGeom prst="rect">
-            <a:avLst/>
-          </a:prstGeom>
-          <a:noFill/>
-          <a:ln>
-            <a:noFill/>
-          </a:ln>
-          <a:effectLst>
-            <a:outerShdw blurRad="57785" dist="33020" dir="3180000" algn="ctr">
-              <a:srgbClr val="000000">
-                <a:alpha val="30000"/>
-              </a:srgbClr>
-            </a:outerShdw>
-          </a:effectLst>
-          <a:scene3d>
-            <a:camera prst="isometricOffAxis1Right"/>
-            <a:lightRig rig="brightRoom" dir="t">
-              <a:rot lat="0" lon="0" rev="600000"/>
-            </a:lightRig>
-          </a:scene3d>
-          <a:sp3d prstMaterial="metal">
-            <a:bevelT w="38100" h="57150" prst="angle"/>
-          </a:sp3d>
-        </p:spPr>
-        <p:txBody>
-          <a:bodyPr wrap="square" lIns="91440" tIns="45720" rIns="91440" bIns="45720">
-            <a:spAutoFit/>
-          </a:bodyPr>
-          <a:lstStyle/>
-          <a:p>
-            <a:r>
-              <a:rPr lang="pt-BR" sz="3200" b="1" dirty="0" smtClean="0">
-                <a:ln w="10160">
-                  <a:solidFill>
-                    <a:schemeClr val="accent5"/>
-                  </a:solidFill>
-                  <a:prstDash val="solid"/>
-                </a:ln>
-                <a:solidFill>
-                  <a:srgbClr val="FFFFFF"/>
-                </a:solidFill>
-                <a:effectLst>
-                  <a:outerShdw blurRad="38100" dist="22860" dir="5400000" algn="tl" rotWithShape="0">
-                    <a:srgbClr val="000000">
-                      <a:alpha val="30000"/>
-                    </a:srgbClr>
-                  </a:outerShdw>
-                </a:effectLst>
-              </a:rPr>
-              <a:t>Parcela</a:t>
-            </a:r>
-            <a:endParaRPr lang="pt-BR" sz="3200" b="1" dirty="0">
-              <a:ln w="10160">
-                <a:solidFill>
-                  <a:schemeClr val="accent5"/>
-                </a:solidFill>
-                <a:prstDash val="solid"/>
-              </a:ln>
-              <a:solidFill>
-                <a:srgbClr val="FFFFFF"/>
-              </a:solidFill>
-              <a:effectLst>
-                <a:outerShdw blurRad="38100" dist="22860" dir="5400000" algn="tl" rotWithShape="0">
-                  <a:srgbClr val="000000">
-                    <a:alpha val="30000"/>
-                  </a:srgbClr>
-                </a:outerShdw>
-              </a:effectLst>
-            </a:endParaRPr>
-          </a:p>
-        </p:txBody>
-      </p:sp>
-      <p:sp>
-        <p:nvSpPr>
-          <p:cNvPr id="10" name="Seta para a direita 9"/>
-          <p:cNvSpPr/>
-          <p:nvPr/>
-        </p:nvSpPr>
-        <p:spPr>
-          <a:xfrm>
-            <a:off x="5562600" y="2908300"/>
-            <a:ext cx="558800" cy="330200"/>
-          </a:xfrm>
-          <a:prstGeom prst="rightArrow">
-            <a:avLst/>
-          </a:prstGeom>
-        </p:spPr>
-        <p:style>
-          <a:lnRef idx="2">
-            <a:schemeClr val="accent1">
-              <a:shade val="50000"/>
-            </a:schemeClr>
-          </a:lnRef>
-          <a:fillRef idx="1">
-            <a:schemeClr val="accent1"/>
-          </a:fillRef>
-          <a:effectRef idx="0">
-            <a:schemeClr val="accent1"/>
-          </a:effectRef>
-          <a:fontRef idx="minor">
-            <a:schemeClr val="lt1"/>
-          </a:fontRef>
-        </p:style>
-        <p:txBody>
-          <a:bodyPr rtlCol="0" anchor="ctr"/>
-          <a:lstStyle/>
-          <a:p>
-            <a:pPr algn="ctr"/>
-            <a:endParaRPr lang="pt-BR"/>
-          </a:p>
-        </p:txBody>
-      </p:sp>
-      <p:sp>
-        <p:nvSpPr>
-          <p:cNvPr id="12" name="Seta para a direita 11"/>
-          <p:cNvSpPr/>
-          <p:nvPr/>
-        </p:nvSpPr>
-        <p:spPr>
-          <a:xfrm>
-            <a:off x="5562600" y="3492500"/>
-            <a:ext cx="558800" cy="330200"/>
-          </a:xfrm>
-          <a:prstGeom prst="rightArrow">
-            <a:avLst/>
-          </a:prstGeom>
-          <a:solidFill>
-            <a:srgbClr val="FFFF00"/>
-          </a:solidFill>
-          <a:effectLst>
-            <a:glow rad="139700">
-              <a:schemeClr val="accent1">
-                <a:satMod val="175000"/>
-                <a:alpha val="40000"/>
-              </a:schemeClr>
-            </a:glow>
-          </a:effectLst>
-        </p:spPr>
-        <p:style>
-          <a:lnRef idx="2">
-            <a:schemeClr val="accent1">
-              <a:shade val="50000"/>
-            </a:schemeClr>
-          </a:lnRef>
-          <a:fillRef idx="1">
-            <a:schemeClr val="accent1"/>
-          </a:fillRef>
-          <a:effectRef idx="0">
-            <a:schemeClr val="accent1"/>
-          </a:effectRef>
-          <a:fontRef idx="minor">
-            <a:schemeClr val="lt1"/>
-          </a:fontRef>
-        </p:style>
-        <p:txBody>
-          <a:bodyPr rtlCol="0" anchor="ctr"/>
-          <a:lstStyle/>
-          <a:p>
-            <a:pPr algn="ctr"/>
-            <a:endParaRPr lang="pt-BR"/>
-          </a:p>
-        </p:txBody>
-      </p:sp>
-      <p:sp>
-        <p:nvSpPr>
-          <p:cNvPr id="14" name="Rectangle 1">
-            <a:extLst>
-              <a:ext uri="{FF2B5EF4-FFF2-40B4-BE49-F238E27FC236}">
-                <a16:creationId xmlns:a16="http://schemas.microsoft.com/office/drawing/2014/main" xmlns="" id="{4F38584F-66B2-464F-9BA7-6F9A856D602F}"/>
-              </a:ext>
-            </a:extLst>
-          </p:cNvPr>
-          <p:cNvSpPr/>
-          <p:nvPr/>
-        </p:nvSpPr>
-        <p:spPr>
-          <a:xfrm>
-            <a:off x="6121400" y="2719576"/>
-            <a:ext cx="1813169" cy="584775"/>
-          </a:xfrm>
-          <a:prstGeom prst="rect">
-            <a:avLst/>
-          </a:prstGeom>
-          <a:noFill/>
-          <a:ln>
-            <a:noFill/>
-          </a:ln>
-          <a:effectLst>
-            <a:outerShdw blurRad="57785" dist="33020" dir="3180000" algn="ctr">
-              <a:srgbClr val="000000">
-                <a:alpha val="30000"/>
-              </a:srgbClr>
-            </a:outerShdw>
-          </a:effectLst>
-          <a:scene3d>
-            <a:camera prst="isometricOffAxis1Right"/>
-            <a:lightRig rig="brightRoom" dir="t">
-              <a:rot lat="0" lon="0" rev="600000"/>
-            </a:lightRig>
-          </a:scene3d>
-          <a:sp3d prstMaterial="metal">
-            <a:bevelT w="38100" h="57150" prst="angle"/>
-          </a:sp3d>
-        </p:spPr>
-        <p:txBody>
-          <a:bodyPr wrap="square" lIns="91440" tIns="45720" rIns="91440" bIns="45720">
-            <a:spAutoFit/>
-          </a:bodyPr>
-          <a:lstStyle/>
-          <a:p>
-            <a:r>
-              <a:rPr lang="pt-BR" sz="3200" b="1" dirty="0" smtClean="0">
-                <a:ln w="10160">
-                  <a:solidFill>
-                    <a:schemeClr val="accent5"/>
-                  </a:solidFill>
-                  <a:prstDash val="solid"/>
-                </a:ln>
-                <a:solidFill>
-                  <a:srgbClr val="FFFFFF"/>
-                </a:solidFill>
-                <a:effectLst>
-                  <a:outerShdw blurRad="38100" dist="22860" dir="5400000" algn="tl" rotWithShape="0">
-                    <a:srgbClr val="000000">
-                      <a:alpha val="30000"/>
-                    </a:srgbClr>
-                  </a:outerShdw>
-                </a:effectLst>
-              </a:rPr>
-              <a:t>Parcela</a:t>
-            </a:r>
-            <a:endParaRPr lang="pt-BR" sz="3200" b="1" dirty="0">
-              <a:ln w="10160">
-                <a:solidFill>
-                  <a:schemeClr val="accent5"/>
-                </a:solidFill>
-                <a:prstDash val="solid"/>
-              </a:ln>
-              <a:solidFill>
-                <a:srgbClr val="FFFFFF"/>
-              </a:solidFill>
-              <a:effectLst>
-                <a:outerShdw blurRad="38100" dist="22860" dir="5400000" algn="tl" rotWithShape="0">
-                  <a:srgbClr val="000000">
-                    <a:alpha val="30000"/>
-                  </a:srgbClr>
-                </a:outerShdw>
-              </a:effectLst>
-            </a:endParaRPr>
-          </a:p>
-        </p:txBody>
-      </p:sp>
-      <p:sp>
-        <p:nvSpPr>
-          <p:cNvPr id="15" name="Rectangle 1">
-            <a:extLst>
-              <a:ext uri="{FF2B5EF4-FFF2-40B4-BE49-F238E27FC236}">
-                <a16:creationId xmlns:a16="http://schemas.microsoft.com/office/drawing/2014/main" xmlns="" id="{4F38584F-66B2-464F-9BA7-6F9A856D602F}"/>
-              </a:ext>
-            </a:extLst>
-          </p:cNvPr>
-          <p:cNvSpPr/>
-          <p:nvPr/>
-        </p:nvSpPr>
-        <p:spPr>
-          <a:xfrm>
-            <a:off x="6121400" y="3237925"/>
-            <a:ext cx="2743200" cy="584775"/>
-          </a:xfrm>
-          <a:prstGeom prst="rect">
-            <a:avLst/>
-          </a:prstGeom>
-          <a:noFill/>
-          <a:ln>
-            <a:noFill/>
-          </a:ln>
-          <a:effectLst>
-            <a:outerShdw blurRad="57785" dist="33020" dir="3180000" algn="ctr">
-              <a:srgbClr val="000000">
-                <a:alpha val="30000"/>
-              </a:srgbClr>
-            </a:outerShdw>
-          </a:effectLst>
-          <a:scene3d>
-            <a:camera prst="isometricOffAxis1Right"/>
-            <a:lightRig rig="brightRoom" dir="t">
-              <a:rot lat="0" lon="0" rev="600000"/>
-            </a:lightRig>
-          </a:scene3d>
-          <a:sp3d prstMaterial="metal">
-            <a:bevelT w="38100" h="57150" prst="angle"/>
-          </a:sp3d>
-        </p:spPr>
-        <p:txBody>
-          <a:bodyPr wrap="square" lIns="91440" tIns="45720" rIns="91440" bIns="45720">
-            <a:spAutoFit/>
-          </a:bodyPr>
-          <a:lstStyle/>
-          <a:p>
-            <a:r>
-              <a:rPr lang="pt-BR" sz="3200" b="1" dirty="0" smtClean="0">
-                <a:ln w="10160">
-                  <a:solidFill>
-                    <a:schemeClr val="accent5"/>
-                  </a:solidFill>
-                  <a:prstDash val="solid"/>
-                </a:ln>
-                <a:solidFill>
-                  <a:srgbClr val="FFFFFF"/>
-                </a:solidFill>
-                <a:effectLst>
-                  <a:outerShdw blurRad="38100" dist="22860" dir="5400000" algn="tl" rotWithShape="0">
-                    <a:srgbClr val="000000">
-                      <a:alpha val="30000"/>
-                    </a:srgbClr>
-                  </a:outerShdw>
-                </a:effectLst>
-              </a:rPr>
-              <a:t>Soma ou Total</a:t>
-            </a:r>
-            <a:endParaRPr lang="pt-BR" sz="3200" b="1" dirty="0">
-              <a:ln w="10160">
-                <a:solidFill>
-                  <a:schemeClr val="accent5"/>
-                </a:solidFill>
-                <a:prstDash val="solid"/>
-              </a:ln>
-              <a:solidFill>
-                <a:srgbClr val="FFFFFF"/>
-              </a:solidFill>
-              <a:effectLst>
-                <a:outerShdw blurRad="38100" dist="22860" dir="5400000" algn="tl" rotWithShape="0">
-                  <a:srgbClr val="000000">
-                    <a:alpha val="30000"/>
-                  </a:srgbClr>
-                </a:outerShdw>
-              </a:effectLst>
-            </a:endParaRPr>
-          </a:p>
-        </p:txBody>
-      </p:sp>
-      <p:sp>
-        <p:nvSpPr>
-          <p:cNvPr id="16" name="Rectangle 1">
-            <a:extLst>
-              <a:ext uri="{FF2B5EF4-FFF2-40B4-BE49-F238E27FC236}">
-                <a16:creationId xmlns:a16="http://schemas.microsoft.com/office/drawing/2014/main" xmlns="" id="{4F38584F-66B2-464F-9BA7-6F9A856D602F}"/>
-              </a:ext>
-            </a:extLst>
-          </p:cNvPr>
-          <p:cNvSpPr/>
-          <p:nvPr/>
-        </p:nvSpPr>
-        <p:spPr>
-          <a:xfrm>
-            <a:off x="331596" y="825391"/>
-            <a:ext cx="6069204" cy="584775"/>
-          </a:xfrm>
-          <a:prstGeom prst="rect">
-            <a:avLst/>
-          </a:prstGeom>
-          <a:noFill/>
-          <a:ln>
-            <a:noFill/>
-          </a:ln>
-          <a:effectLst>
-            <a:outerShdw blurRad="57785" dist="33020" dir="3180000" algn="ctr">
-              <a:srgbClr val="000000">
-                <a:alpha val="30000"/>
-              </a:srgbClr>
-            </a:outerShdw>
-          </a:effectLst>
-          <a:scene3d>
-            <a:camera prst="orthographicFront"/>
-            <a:lightRig rig="brightRoom" dir="t">
-              <a:rot lat="0" lon="0" rev="600000"/>
-            </a:lightRig>
-          </a:scene3d>
-          <a:sp3d prstMaterial="metal">
-            <a:bevelT w="38100" h="57150" prst="angle"/>
-          </a:sp3d>
-        </p:spPr>
-        <p:txBody>
-          <a:bodyPr wrap="square" lIns="91440" tIns="45720" rIns="91440" bIns="45720">
-            <a:spAutoFit/>
-          </a:bodyPr>
-          <a:lstStyle/>
-          <a:p>
-            <a:r>
-              <a:rPr lang="pt-BR" sz="3200" b="1" dirty="0">
-                <a:ln w="10160">
-                  <a:solidFill>
-                    <a:schemeClr val="accent5"/>
-                  </a:solidFill>
-                  <a:prstDash val="solid"/>
-                </a:ln>
-                <a:solidFill>
-                  <a:srgbClr val="FFFFFF"/>
-                </a:solidFill>
-                <a:effectLst>
-                  <a:outerShdw blurRad="38100" dist="22860" dir="5400000" algn="tl" rotWithShape="0">
-                    <a:srgbClr val="000000">
-                      <a:alpha val="30000"/>
-                    </a:srgbClr>
-                  </a:outerShdw>
-                </a:effectLst>
-              </a:rPr>
-              <a:t>Exemplo 05 – somando </a:t>
-            </a:r>
-            <a:r>
-              <a:rPr lang="pt-BR" sz="3200" b="1" dirty="0" smtClean="0">
-                <a:ln w="10160">
-                  <a:solidFill>
-                    <a:schemeClr val="accent5"/>
-                  </a:solidFill>
-                  <a:prstDash val="solid"/>
-                </a:ln>
-                <a:solidFill>
-                  <a:srgbClr val="FFFFFF"/>
-                </a:solidFill>
-                <a:effectLst>
-                  <a:outerShdw blurRad="38100" dist="22860" dir="5400000" algn="tl" rotWithShape="0">
-                    <a:srgbClr val="000000">
-                      <a:alpha val="30000"/>
-                    </a:srgbClr>
-                  </a:outerShdw>
-                </a:effectLst>
-              </a:rPr>
-              <a:t>milhões</a:t>
-            </a:r>
-            <a:endParaRPr lang="pt-BR" sz="3200" b="1" dirty="0">
-              <a:ln w="10160">
-                <a:solidFill>
-                  <a:schemeClr val="accent5"/>
-                </a:solidFill>
-                <a:prstDash val="solid"/>
-              </a:ln>
-              <a:solidFill>
-                <a:srgbClr val="FFFFFF"/>
-              </a:solidFill>
-              <a:effectLst>
-                <a:outerShdw blurRad="38100" dist="22860" dir="5400000" algn="tl" rotWithShape="0">
-                  <a:srgbClr val="000000">
-                    <a:alpha val="30000"/>
-                  </a:srgbClr>
-                </a:outerShdw>
-              </a:effectLst>
-            </a:endParaRPr>
-          </a:p>
-        </p:txBody>
-      </p:sp>
-      <p:sp>
-        <p:nvSpPr>
-          <p:cNvPr id="17" name="Rectangle 7">
-            <a:extLst>
-              <a:ext uri="{FF2B5EF4-FFF2-40B4-BE49-F238E27FC236}">
-                <a16:creationId xmlns:a16="http://schemas.microsoft.com/office/drawing/2014/main" xmlns="" id="{9A0DF3A1-7C0C-4F2B-AC19-D85A14774D75}"/>
+                <a16:creationId xmlns="" xmlns:a16="http://schemas.microsoft.com/office/drawing/2014/main" id="{9A0DF3A1-7C0C-4F2B-AC19-D85A14774D75}"/>
               </a:ext>
             </a:extLst>
           </p:cNvPr>
@@ -6652,105 +4904,12 @@
           </a:p>
         </p:txBody>
       </p:sp>
-    </p:spTree>
-    <p:extLst>
-      <p:ext uri="{BB962C8B-B14F-4D97-AF65-F5344CB8AC3E}">
-        <p14:creationId xmlns:p14="http://schemas.microsoft.com/office/powerpoint/2010/main" val="2188800117"/>
-      </p:ext>
-    </p:extLst>
-  </p:cSld>
-  <p:clrMapOvr>
-    <a:masterClrMapping/>
-  </p:clrMapOvr>
-  <p:transition spd="slow">
-    <p:wipe/>
-  </p:transition>
-</p:sld>
-</file>
-
-<file path=ppt/slides/slide11.xml><?xml version="1.0" encoding="utf-8"?>
-<p:sld xmlns:a="http://schemas.openxmlformats.org/drawingml/2006/main" xmlns:r="http://schemas.openxmlformats.org/officeDocument/2006/relationships" xmlns:p="http://schemas.openxmlformats.org/presentationml/2006/main">
-  <p:cSld>
-    <p:spTree>
-      <p:nvGrpSpPr>
-        <p:cNvPr id="1" name=""/>
-        <p:cNvGrpSpPr/>
-        <p:nvPr/>
-      </p:nvGrpSpPr>
-      <p:grpSpPr>
-        <a:xfrm>
-          <a:off x="0" y="0"/>
-          <a:ext cx="0" cy="0"/>
-          <a:chOff x="0" y="0"/>
-          <a:chExt cx="0" cy="0"/>
-        </a:xfrm>
-      </p:grpSpPr>
-      <p:pic>
-        <p:nvPicPr>
-          <p:cNvPr id="2" name="Imagem 1"/>
-          <p:cNvPicPr>
-            <a:picLocks noChangeAspect="1"/>
-          </p:cNvPicPr>
-          <p:nvPr/>
-        </p:nvPicPr>
-        <p:blipFill>
-          <a:blip r:embed="rId3">
-            <a:extLst>
-              <a:ext uri="{28A0092B-C50C-407E-A947-70E740481C1C}">
-                <a14:useLocalDpi xmlns:a14="http://schemas.microsoft.com/office/drawing/2010/main" val="0"/>
-              </a:ext>
-            </a:extLst>
-          </a:blip>
-          <a:stretch>
-            <a:fillRect/>
-          </a:stretch>
-        </p:blipFill>
-        <p:spPr>
-          <a:xfrm>
-            <a:off x="317500" y="228600"/>
-            <a:ext cx="8369300" cy="4521201"/>
-          </a:xfrm>
-          <a:prstGeom prst="rect">
-            <a:avLst/>
-          </a:prstGeom>
-        </p:spPr>
-      </p:pic>
-      <p:pic>
-        <p:nvPicPr>
-          <p:cNvPr id="3" name="Imagem 2"/>
-          <p:cNvPicPr>
-            <a:picLocks noChangeAspect="1"/>
-          </p:cNvPicPr>
-          <p:nvPr/>
-        </p:nvPicPr>
-        <p:blipFill>
-          <a:blip r:embed="rId4">
-            <a:extLst>
-              <a:ext uri="{28A0092B-C50C-407E-A947-70E740481C1C}">
-                <a14:useLocalDpi xmlns:a14="http://schemas.microsoft.com/office/drawing/2010/main" val="0"/>
-              </a:ext>
-            </a:extLst>
-          </a:blip>
-          <a:stretch>
-            <a:fillRect/>
-          </a:stretch>
-        </p:blipFill>
-        <p:spPr>
-          <a:xfrm>
-            <a:off x="317500" y="229861"/>
-            <a:ext cx="8369299" cy="4544552"/>
-          </a:xfrm>
-          <a:prstGeom prst="rect">
-            <a:avLst/>
-          </a:prstGeom>
-        </p:spPr>
-      </p:pic>
-      <p:sp>
-        <p:nvSpPr>
-          <p:cNvPr id="14" name="Rectangle 13">
+      <p:sp>
+        <p:nvSpPr>
+          <p:cNvPr id="4" name="Rectangle 3">
             <a:extLst>
               <a:ext uri="{FF2B5EF4-FFF2-40B4-BE49-F238E27FC236}">
-                <a16:creationId xmlns:a16="http://schemas.microsoft.com/office/drawing/2014/main" xmlns="" id="{52670CB7-6F96-4BDF-AF66-75B2EA21419B}"/>
+                <a16:creationId xmlns="" xmlns:a16="http://schemas.microsoft.com/office/drawing/2014/main" id="{127582F3-9997-47E5-8989-99CAB5EB5D9F}"/>
               </a:ext>
             </a:extLst>
           </p:cNvPr>
@@ -6759,158 +4918,57 @@
         </p:nvSpPr>
         <p:spPr>
           <a:xfrm>
-            <a:off x="4825959" y="2810809"/>
-            <a:ext cx="2646878" cy="1938992"/>
+            <a:off x="1011145" y="1187489"/>
+            <a:ext cx="1886910" cy="646331"/>
           </a:xfrm>
           <a:prstGeom prst="rect">
             <a:avLst/>
           </a:prstGeom>
-          <a:noFill/>
+          <a:effectLst>
+            <a:glow rad="139700">
+              <a:schemeClr val="accent5">
+                <a:satMod val="175000"/>
+                <a:alpha val="40000"/>
+              </a:schemeClr>
+            </a:glow>
+          </a:effectLst>
         </p:spPr>
+        <p:style>
+          <a:lnRef idx="1">
+            <a:schemeClr val="accent5"/>
+          </a:lnRef>
+          <a:fillRef idx="2">
+            <a:schemeClr val="accent5"/>
+          </a:fillRef>
+          <a:effectRef idx="1">
+            <a:schemeClr val="accent5"/>
+          </a:effectRef>
+          <a:fontRef idx="minor">
+            <a:schemeClr val="dk1"/>
+          </a:fontRef>
+        </p:style>
         <p:txBody>
-          <a:bodyPr wrap="none" lIns="91440" tIns="45720" rIns="91440" bIns="45720">
-            <a:spAutoFit/>
-          </a:bodyPr>
+          <a:bodyPr rtlCol="0" anchor="ctr"/>
           <a:lstStyle/>
           <a:p>
             <a:pPr algn="ctr"/>
             <a:r>
-              <a:rPr lang="en-US" sz="12000" b="1" dirty="0">
-                <a:ln w="12700">
-                  <a:solidFill>
-                    <a:schemeClr val="accent1"/>
-                  </a:solidFill>
-                  <a:prstDash val="solid"/>
-                </a:ln>
+              <a:rPr lang="pt-BR" sz="2800" b="1" dirty="0">
                 <a:solidFill>
-                  <a:srgbClr val="FFFF00"/>
+                  <a:schemeClr val="bg1"/>
                 </a:solidFill>
-                <a:effectLst>
-                  <a:outerShdw dist="38100" dir="2640000" algn="bl" rotWithShape="0">
-                    <a:schemeClr val="accent1"/>
-                  </a:outerShdw>
-                </a:effectLst>
               </a:rPr>
-              <a:t>FIM</a:t>
+              <a:t>Problema</a:t>
             </a:r>
-            <a:endParaRPr lang="en-US" sz="12000" b="1" cap="none" spc="0" dirty="0">
-              <a:ln w="12700">
-                <a:solidFill>
-                  <a:schemeClr val="accent1"/>
-                </a:solidFill>
-                <a:prstDash val="solid"/>
-              </a:ln>
-              <a:solidFill>
-                <a:srgbClr val="FFFF00"/>
-              </a:solidFill>
-              <a:effectLst>
-                <a:outerShdw dist="38100" dir="2640000" algn="bl" rotWithShape="0">
-                  <a:schemeClr val="accent1"/>
-                </a:outerShdw>
-              </a:effectLst>
-            </a:endParaRPr>
           </a:p>
         </p:txBody>
       </p:sp>
-    </p:spTree>
-    <p:extLst>
-      <p:ext uri="{BB962C8B-B14F-4D97-AF65-F5344CB8AC3E}">
-        <p14:creationId xmlns:p14="http://schemas.microsoft.com/office/powerpoint/2010/main" val="632903128"/>
-      </p:ext>
-    </p:extLst>
-  </p:cSld>
-  <p:clrMapOvr>
-    <a:masterClrMapping/>
-  </p:clrMapOvr>
-  <p:transition spd="slow">
-    <p:wipe/>
-  </p:transition>
-</p:sld>
-</file>
-
-<file path=ppt/slides/slide2.xml><?xml version="1.0" encoding="utf-8"?>
-<p:sld xmlns:a="http://schemas.openxmlformats.org/drawingml/2006/main" xmlns:r="http://schemas.openxmlformats.org/officeDocument/2006/relationships" xmlns:p="http://schemas.openxmlformats.org/presentationml/2006/main">
-  <p:cSld>
-    <p:spTree>
-      <p:nvGrpSpPr>
-        <p:cNvPr id="1" name=""/>
-        <p:cNvGrpSpPr/>
-        <p:nvPr/>
-      </p:nvGrpSpPr>
-      <p:grpSpPr>
-        <a:xfrm>
-          <a:off x="0" y="0"/>
-          <a:ext cx="0" cy="0"/>
-          <a:chOff x="0" y="0"/>
-          <a:chExt cx="0" cy="0"/>
-        </a:xfrm>
-      </p:grpSpPr>
-      <p:pic>
-        <p:nvPicPr>
-          <p:cNvPr id="2" name="Imagem 1"/>
-          <p:cNvPicPr>
-            <a:picLocks noChangeAspect="1"/>
-          </p:cNvPicPr>
-          <p:nvPr/>
-        </p:nvPicPr>
-        <p:blipFill>
-          <a:blip r:embed="rId3">
-            <a:extLst>
-              <a:ext uri="{28A0092B-C50C-407E-A947-70E740481C1C}">
-                <a14:useLocalDpi xmlns:a14="http://schemas.microsoft.com/office/drawing/2010/main" val="0"/>
-              </a:ext>
-            </a:extLst>
-          </a:blip>
-          <a:stretch>
-            <a:fillRect/>
-          </a:stretch>
-        </p:blipFill>
-        <p:spPr>
-          <a:xfrm>
-            <a:off x="317500" y="228600"/>
-            <a:ext cx="8369300" cy="4521201"/>
-          </a:xfrm>
-          <a:prstGeom prst="rect">
-            <a:avLst/>
-          </a:prstGeom>
-        </p:spPr>
-      </p:pic>
-      <p:pic>
-        <p:nvPicPr>
-          <p:cNvPr id="3" name="Imagem 2"/>
-          <p:cNvPicPr>
-            <a:picLocks noChangeAspect="1"/>
-          </p:cNvPicPr>
-          <p:nvPr/>
-        </p:nvPicPr>
-        <p:blipFill>
-          <a:blip r:embed="rId4">
-            <a:extLst>
-              <a:ext uri="{28A0092B-C50C-407E-A947-70E740481C1C}">
-                <a14:useLocalDpi xmlns:a14="http://schemas.microsoft.com/office/drawing/2010/main" val="0"/>
-              </a:ext>
-            </a:extLst>
-          </a:blip>
-          <a:stretch>
-            <a:fillRect/>
-          </a:stretch>
-        </p:blipFill>
-        <p:spPr>
-          <a:xfrm>
-            <a:off x="317500" y="229861"/>
-            <a:ext cx="8369300" cy="4544552"/>
-          </a:xfrm>
-          <a:prstGeom prst="rect">
-            <a:avLst/>
-          </a:prstGeom>
-        </p:spPr>
-      </p:pic>
-      <p:sp>
-        <p:nvSpPr>
-          <p:cNvPr id="14" name="Rectangle 13">
+      <p:sp>
+        <p:nvSpPr>
+          <p:cNvPr id="9" name="Rectangle 8">
             <a:extLst>
               <a:ext uri="{FF2B5EF4-FFF2-40B4-BE49-F238E27FC236}">
-                <a16:creationId xmlns:a16="http://schemas.microsoft.com/office/drawing/2014/main" xmlns="" id="{52670CB7-6F96-4BDF-AF66-75B2EA21419B}"/>
+                <a16:creationId xmlns="" xmlns:a16="http://schemas.microsoft.com/office/drawing/2014/main" id="{C911CB3E-9466-45EC-9E1D-6407F01D5393}"/>
               </a:ext>
             </a:extLst>
           </p:cNvPr>
@@ -6919,8 +4977,234 @@
         </p:nvSpPr>
         <p:spPr>
           <a:xfrm>
-            <a:off x="4144510" y="3020087"/>
-            <a:ext cx="4353314" cy="1754326"/>
+            <a:off x="1011145" y="2480151"/>
+            <a:ext cx="1886910" cy="646331"/>
+          </a:xfrm>
+          <a:prstGeom prst="rect">
+            <a:avLst/>
+          </a:prstGeom>
+          <a:effectLst>
+            <a:glow rad="139700">
+              <a:schemeClr val="accent5">
+                <a:satMod val="175000"/>
+                <a:alpha val="40000"/>
+              </a:schemeClr>
+            </a:glow>
+          </a:effectLst>
+        </p:spPr>
+        <p:style>
+          <a:lnRef idx="1">
+            <a:schemeClr val="accent5"/>
+          </a:lnRef>
+          <a:fillRef idx="2">
+            <a:schemeClr val="accent5"/>
+          </a:fillRef>
+          <a:effectRef idx="1">
+            <a:schemeClr val="accent5"/>
+          </a:effectRef>
+          <a:fontRef idx="minor">
+            <a:schemeClr val="dk1"/>
+          </a:fontRef>
+        </p:style>
+        <p:txBody>
+          <a:bodyPr rtlCol="0" anchor="ctr"/>
+          <a:lstStyle/>
+          <a:p>
+            <a:pPr algn="ctr"/>
+            <a:r>
+              <a:rPr lang="pt-BR" sz="2800" b="1" dirty="0">
+                <a:solidFill>
+                  <a:schemeClr val="bg1"/>
+                </a:solidFill>
+              </a:rPr>
+              <a:t>Algoritimo</a:t>
+            </a:r>
+          </a:p>
+        </p:txBody>
+      </p:sp>
+      <p:sp>
+        <p:nvSpPr>
+          <p:cNvPr id="11" name="Rectangle 10">
+            <a:extLst>
+              <a:ext uri="{FF2B5EF4-FFF2-40B4-BE49-F238E27FC236}">
+                <a16:creationId xmlns="" xmlns:a16="http://schemas.microsoft.com/office/drawing/2014/main" id="{492CAE52-017C-456B-9F9F-7303BA91F90C}"/>
+              </a:ext>
+            </a:extLst>
+          </p:cNvPr>
+          <p:cNvSpPr/>
+          <p:nvPr/>
+        </p:nvSpPr>
+        <p:spPr>
+          <a:xfrm>
+            <a:off x="1011145" y="3795195"/>
+            <a:ext cx="1886910" cy="646331"/>
+          </a:xfrm>
+          <a:prstGeom prst="rect">
+            <a:avLst/>
+          </a:prstGeom>
+          <a:effectLst>
+            <a:glow rad="139700">
+              <a:schemeClr val="accent5">
+                <a:satMod val="175000"/>
+                <a:alpha val="40000"/>
+              </a:schemeClr>
+            </a:glow>
+          </a:effectLst>
+        </p:spPr>
+        <p:style>
+          <a:lnRef idx="1">
+            <a:schemeClr val="accent5"/>
+          </a:lnRef>
+          <a:fillRef idx="2">
+            <a:schemeClr val="accent5"/>
+          </a:fillRef>
+          <a:effectRef idx="1">
+            <a:schemeClr val="accent5"/>
+          </a:effectRef>
+          <a:fontRef idx="minor">
+            <a:schemeClr val="dk1"/>
+          </a:fontRef>
+        </p:style>
+        <p:txBody>
+          <a:bodyPr rtlCol="0" anchor="ctr"/>
+          <a:lstStyle/>
+          <a:p>
+            <a:pPr algn="ctr"/>
+            <a:r>
+              <a:rPr lang="pt-BR" sz="2800" b="1" dirty="0">
+                <a:solidFill>
+                  <a:schemeClr val="bg1"/>
+                </a:solidFill>
+              </a:rPr>
+              <a:t>Solução</a:t>
+            </a:r>
+          </a:p>
+        </p:txBody>
+      </p:sp>
+      <p:sp>
+        <p:nvSpPr>
+          <p:cNvPr id="6" name="Arrow: Down 5">
+            <a:extLst>
+              <a:ext uri="{FF2B5EF4-FFF2-40B4-BE49-F238E27FC236}">
+                <a16:creationId xmlns="" xmlns:a16="http://schemas.microsoft.com/office/drawing/2014/main" id="{AB1356C1-6C89-44B3-A903-6F32FD4CAB5B}"/>
+              </a:ext>
+            </a:extLst>
+          </p:cNvPr>
+          <p:cNvSpPr/>
+          <p:nvPr/>
+        </p:nvSpPr>
+        <p:spPr>
+          <a:xfrm>
+            <a:off x="1699957" y="1957265"/>
+            <a:ext cx="509286" cy="451412"/>
+          </a:xfrm>
+          <a:prstGeom prst="downArrow">
+            <a:avLst/>
+          </a:prstGeom>
+          <a:solidFill>
+            <a:srgbClr val="FF0000"/>
+          </a:solidFill>
+          <a:ln>
+            <a:solidFill>
+              <a:schemeClr val="tx1"/>
+            </a:solidFill>
+          </a:ln>
+        </p:spPr>
+        <p:style>
+          <a:lnRef idx="2">
+            <a:schemeClr val="accent1">
+              <a:shade val="50000"/>
+            </a:schemeClr>
+          </a:lnRef>
+          <a:fillRef idx="1">
+            <a:schemeClr val="accent1"/>
+          </a:fillRef>
+          <a:effectRef idx="0">
+            <a:schemeClr val="accent1"/>
+          </a:effectRef>
+          <a:fontRef idx="minor">
+            <a:schemeClr val="lt1"/>
+          </a:fontRef>
+        </p:style>
+        <p:txBody>
+          <a:bodyPr rtlCol="0" anchor="ctr"/>
+          <a:lstStyle/>
+          <a:p>
+            <a:pPr algn="ctr"/>
+            <a:endParaRPr lang="pt-BR"/>
+          </a:p>
+        </p:txBody>
+      </p:sp>
+      <p:sp>
+        <p:nvSpPr>
+          <p:cNvPr id="12" name="Arrow: Down 11">
+            <a:extLst>
+              <a:ext uri="{FF2B5EF4-FFF2-40B4-BE49-F238E27FC236}">
+                <a16:creationId xmlns="" xmlns:a16="http://schemas.microsoft.com/office/drawing/2014/main" id="{47BB2237-559C-4F6B-87A0-95D048559318}"/>
+              </a:ext>
+            </a:extLst>
+          </p:cNvPr>
+          <p:cNvSpPr/>
+          <p:nvPr/>
+        </p:nvSpPr>
+        <p:spPr>
+          <a:xfrm>
+            <a:off x="1699957" y="3268548"/>
+            <a:ext cx="509286" cy="451412"/>
+          </a:xfrm>
+          <a:prstGeom prst="downArrow">
+            <a:avLst/>
+          </a:prstGeom>
+          <a:solidFill>
+            <a:srgbClr val="FF0000"/>
+          </a:solidFill>
+          <a:ln>
+            <a:solidFill>
+              <a:schemeClr val="tx1"/>
+            </a:solidFill>
+          </a:ln>
+        </p:spPr>
+        <p:style>
+          <a:lnRef idx="2">
+            <a:schemeClr val="accent1">
+              <a:shade val="50000"/>
+            </a:schemeClr>
+          </a:lnRef>
+          <a:fillRef idx="1">
+            <a:schemeClr val="accent1"/>
+          </a:fillRef>
+          <a:effectRef idx="0">
+            <a:schemeClr val="accent1"/>
+          </a:effectRef>
+          <a:fontRef idx="minor">
+            <a:schemeClr val="lt1"/>
+          </a:fontRef>
+        </p:style>
+        <p:txBody>
+          <a:bodyPr rtlCol="0" anchor="ctr"/>
+          <a:lstStyle/>
+          <a:p>
+            <a:pPr algn="ctr"/>
+            <a:endParaRPr lang="pt-BR"/>
+          </a:p>
+        </p:txBody>
+      </p:sp>
+      <p:sp>
+        <p:nvSpPr>
+          <p:cNvPr id="2" name="Rectangle 1">
+            <a:extLst>
+              <a:ext uri="{FF2B5EF4-FFF2-40B4-BE49-F238E27FC236}">
+                <a16:creationId xmlns="" xmlns:a16="http://schemas.microsoft.com/office/drawing/2014/main" id="{4F38584F-66B2-464F-9BA7-6F9A856D602F}"/>
+              </a:ext>
+            </a:extLst>
+          </p:cNvPr>
+          <p:cNvSpPr/>
+          <p:nvPr/>
+        </p:nvSpPr>
+        <p:spPr>
+          <a:xfrm>
+            <a:off x="3711091" y="1833820"/>
+            <a:ext cx="4796301" cy="2215991"/>
           </a:xfrm>
           <a:prstGeom prst="rect">
             <a:avLst/>
@@ -6933,39 +5217,32 @@
           </a:bodyPr>
           <a:lstStyle/>
           <a:p>
-            <a:pPr algn="ctr"/>
             <a:r>
-              <a:rPr lang="en-US" sz="5400" b="1" dirty="0" smtClean="0">
-                <a:ln w="12700">
-                  <a:solidFill>
-                    <a:schemeClr val="accent1"/>
-                  </a:solidFill>
-                  <a:prstDash val="solid"/>
-                </a:ln>
+              <a:rPr lang="pt-BR" sz="2300" dirty="0">
+                <a:ln w="0"/>
                 <a:solidFill>
-                  <a:srgbClr val="FFFF00"/>
+                  <a:schemeClr val="bg1"/>
                 </a:solidFill>
                 <a:effectLst>
-                  <a:outerShdw dist="38100" dir="2640000" algn="bl" rotWithShape="0">
-                    <a:schemeClr val="accent1"/>
+                  <a:outerShdw blurRad="38100" dist="19050" dir="2700000" algn="tl" rotWithShape="0">
+                    <a:schemeClr val="dk1">
+                      <a:alpha val="40000"/>
+                    </a:schemeClr>
                   </a:outerShdw>
                 </a:effectLst>
               </a:rPr>
-              <a:t>ALGORITIMO DA ADIÇÃO</a:t>
+              <a:t>Algoritimo é uma sequência finita e ordenada de passos (regras), com um esquema de processamento que permite a realização de uma tarefa (resolução de problemas, cálculos etc.).</a:t>
             </a:r>
-            <a:endParaRPr lang="en-US" sz="5400" b="1" cap="none" spc="0" dirty="0">
-              <a:ln w="12700">
-                <a:solidFill>
-                  <a:schemeClr val="accent1"/>
-                </a:solidFill>
-                <a:prstDash val="solid"/>
-              </a:ln>
+            <a:endParaRPr lang="en-US" sz="2300" b="0" cap="none" spc="0" dirty="0">
+              <a:ln w="0"/>
               <a:solidFill>
-                <a:srgbClr val="FFFF00"/>
+                <a:schemeClr val="bg1"/>
               </a:solidFill>
               <a:effectLst>
-                <a:outerShdw dist="38100" dir="2640000" algn="bl" rotWithShape="0">
-                  <a:schemeClr val="accent1"/>
+                <a:outerShdw blurRad="38100" dist="19050" dir="2700000" algn="tl" rotWithShape="0">
+                  <a:schemeClr val="dk1">
+                    <a:alpha val="40000"/>
+                  </a:schemeClr>
                 </a:outerShdw>
               </a:effectLst>
             </a:endParaRPr>
@@ -6974,10 +5251,10 @@
       </p:sp>
       <p:sp>
         <p:nvSpPr>
-          <p:cNvPr id="6" name="Rectangle 13">
+          <p:cNvPr id="14" name="Arrow: Right 13">
             <a:extLst>
               <a:ext uri="{FF2B5EF4-FFF2-40B4-BE49-F238E27FC236}">
-                <a16:creationId xmlns:a16="http://schemas.microsoft.com/office/drawing/2014/main" xmlns="" id="{52670CB7-6F96-4BDF-AF66-75B2EA21419B}"/>
+                <a16:creationId xmlns="" xmlns:a16="http://schemas.microsoft.com/office/drawing/2014/main" id="{796CEA44-310B-44B9-9452-370144CD966E}"/>
               </a:ext>
             </a:extLst>
           </p:cNvPr>
@@ -6986,53 +5263,50 @@
         </p:nvSpPr>
         <p:spPr>
           <a:xfrm>
-            <a:off x="231648" y="3449563"/>
-            <a:ext cx="2670048" cy="600164"/>
+            <a:off x="2997844" y="2520156"/>
+            <a:ext cx="613458" cy="606326"/>
           </a:xfrm>
-          <a:prstGeom prst="rect">
+          <a:prstGeom prst="rightArrow">
             <a:avLst/>
           </a:prstGeom>
-          <a:noFill/>
+          <a:solidFill>
+            <a:srgbClr val="FF0000"/>
+          </a:solidFill>
+          <a:ln>
+            <a:solidFill>
+              <a:schemeClr val="tx1"/>
+            </a:solidFill>
+          </a:ln>
         </p:spPr>
+        <p:style>
+          <a:lnRef idx="2">
+            <a:schemeClr val="accent1">
+              <a:shade val="50000"/>
+            </a:schemeClr>
+          </a:lnRef>
+          <a:fillRef idx="1">
+            <a:schemeClr val="accent1"/>
+          </a:fillRef>
+          <a:effectRef idx="0">
+            <a:schemeClr val="accent1"/>
+          </a:effectRef>
+          <a:fontRef idx="minor">
+            <a:schemeClr val="lt1"/>
+          </a:fontRef>
+        </p:style>
         <p:txBody>
-          <a:bodyPr wrap="square" lIns="91440" tIns="45720" rIns="91440" bIns="45720">
-            <a:spAutoFit/>
-          </a:bodyPr>
+          <a:bodyPr rtlCol="0" anchor="ctr"/>
           <a:lstStyle/>
           <a:p>
             <a:pPr algn="ctr"/>
-            <a:r>
-              <a:rPr lang="en-US" sz="3300" b="1" dirty="0" smtClean="0">
-                <a:ln w="12700">
-                  <a:solidFill>
-                    <a:schemeClr val="accent1"/>
-                  </a:solidFill>
-                  <a:prstDash val="solid"/>
-                </a:ln>
-                <a:solidFill>
-                  <a:srgbClr val="FFFF00"/>
-                </a:solidFill>
-              </a:rPr>
-              <a:t>MATEMÁTICA</a:t>
-            </a:r>
-            <a:endParaRPr lang="en-US" sz="3300" b="1" cap="none" spc="0" dirty="0">
-              <a:ln w="12700">
-                <a:solidFill>
-                  <a:schemeClr val="accent1"/>
-                </a:solidFill>
-                <a:prstDash val="solid"/>
-              </a:ln>
-              <a:solidFill>
-                <a:srgbClr val="FFFF00"/>
-              </a:solidFill>
-            </a:endParaRPr>
+            <a:endParaRPr lang="pt-BR"/>
           </a:p>
         </p:txBody>
       </p:sp>
     </p:spTree>
     <p:extLst>
       <p:ext uri="{BB962C8B-B14F-4D97-AF65-F5344CB8AC3E}">
-        <p14:creationId xmlns:p14="http://schemas.microsoft.com/office/powerpoint/2010/main" val="1737989718"/>
+        <p14:creationId xmlns:p14="http://schemas.microsoft.com/office/powerpoint/2010/main" val="3484210790"/>
       </p:ext>
     </p:extLst>
   </p:cSld>
@@ -7064,10 +5338,127 @@
       </p:grpSpPr>
       <p:sp>
         <p:nvSpPr>
-          <p:cNvPr id="5" name="Rectangle 4">
+          <p:cNvPr id="2" name="Rectangle 1">
             <a:extLst>
               <a:ext uri="{FF2B5EF4-FFF2-40B4-BE49-F238E27FC236}">
-                <a16:creationId xmlns:a16="http://schemas.microsoft.com/office/drawing/2014/main" xmlns="" id="{6B3D22E0-3304-47C3-A13D-F3314EEBFA56}"/>
+                <a16:creationId xmlns="" xmlns:a16="http://schemas.microsoft.com/office/drawing/2014/main" id="{4F38584F-66B2-464F-9BA7-6F9A856D602F}"/>
+              </a:ext>
+            </a:extLst>
+          </p:cNvPr>
+          <p:cNvSpPr/>
+          <p:nvPr/>
+        </p:nvSpPr>
+        <p:spPr>
+          <a:xfrm>
+            <a:off x="518528" y="811538"/>
+            <a:ext cx="8016658" cy="3985706"/>
+          </a:xfrm>
+          <a:prstGeom prst="rect">
+            <a:avLst/>
+          </a:prstGeom>
+          <a:noFill/>
+        </p:spPr>
+        <p:txBody>
+          <a:bodyPr wrap="square" lIns="91440" tIns="45720" rIns="91440" bIns="45720">
+            <a:spAutoFit/>
+          </a:bodyPr>
+          <a:lstStyle/>
+          <a:p>
+            <a:pPr algn="just"/>
+            <a:r>
+              <a:rPr lang="pt-BR" sz="2300" dirty="0">
+                <a:solidFill>
+                  <a:schemeClr val="bg1"/>
+                </a:solidFill>
+              </a:rPr>
+              <a:t>Algoritimo: trata-se de uma palavra latinizada, derivada do nome de Al-Khwarizmi, matemático árabe do século 9. </a:t>
+            </a:r>
+            <a:endParaRPr lang="pt-BR" sz="2300" dirty="0" smtClean="0">
+              <a:solidFill>
+                <a:schemeClr val="bg1"/>
+              </a:solidFill>
+            </a:endParaRPr>
+          </a:p>
+          <a:p>
+            <a:pPr algn="just"/>
+            <a:endParaRPr lang="pt-BR" sz="2300" dirty="0">
+              <a:solidFill>
+                <a:schemeClr val="bg1"/>
+              </a:solidFill>
+            </a:endParaRPr>
+          </a:p>
+          <a:p>
+            <a:pPr algn="just"/>
+            <a:r>
+              <a:rPr lang="pt-BR" sz="2300" dirty="0" smtClean="0">
+                <a:solidFill>
+                  <a:schemeClr val="bg1"/>
+                </a:solidFill>
+              </a:rPr>
+              <a:t>Ele </a:t>
+            </a:r>
+            <a:r>
+              <a:rPr lang="pt-BR" sz="2300" dirty="0">
+                <a:solidFill>
+                  <a:schemeClr val="bg1"/>
+                </a:solidFill>
+              </a:rPr>
+              <a:t>surgiu da necessidade de fazer cálculos sem o auxílio de ábacos, dedos e outros recursos. </a:t>
+            </a:r>
+            <a:endParaRPr lang="pt-BR" sz="2300" dirty="0" smtClean="0">
+              <a:solidFill>
+                <a:schemeClr val="bg1"/>
+              </a:solidFill>
+            </a:endParaRPr>
+          </a:p>
+          <a:p>
+            <a:pPr algn="just"/>
+            <a:endParaRPr lang="pt-BR" sz="2300" dirty="0">
+              <a:solidFill>
+                <a:schemeClr val="bg1"/>
+              </a:solidFill>
+            </a:endParaRPr>
+          </a:p>
+          <a:p>
+            <a:pPr algn="just"/>
+            <a:r>
+              <a:rPr lang="pt-BR" sz="2300" dirty="0" smtClean="0">
+                <a:solidFill>
+                  <a:schemeClr val="bg1"/>
+                </a:solidFill>
+              </a:rPr>
+              <a:t>Até </a:t>
+            </a:r>
+            <a:r>
+              <a:rPr lang="pt-BR" sz="2300" dirty="0">
+                <a:solidFill>
+                  <a:schemeClr val="bg1"/>
+                </a:solidFill>
+              </a:rPr>
+              <a:t>então, a estrutura dos cálculos esteve associada às ferramentas que havia à mão: pedras sobre o chão, varetas de bambu, a calculadora de manivela, a régua de cálculo e, por fim, a calculadora. É resultado de técnicas de cálculo que levaram séculos para se desenvolver. Também é usado na computação.</a:t>
+            </a:r>
+            <a:endParaRPr lang="en-US" sz="2300" b="0" cap="none" spc="0" dirty="0">
+              <a:ln w="0"/>
+              <a:solidFill>
+                <a:schemeClr val="bg1"/>
+              </a:solidFill>
+              <a:effectLst>
+                <a:outerShdw blurRad="38100" dist="19050" dir="2700000" algn="tl" rotWithShape="0">
+                  <a:schemeClr val="dk1">
+                    <a:alpha val="40000"/>
+                  </a:schemeClr>
+                </a:outerShdw>
+              </a:effectLst>
+            </a:endParaRPr>
+          </a:p>
+        </p:txBody>
+      </p:sp>
+      <p:sp>
+        <p:nvSpPr>
+          <p:cNvPr id="6" name="Rectangle 4">
+            <a:extLst>
+              <a:ext uri="{FF2B5EF4-FFF2-40B4-BE49-F238E27FC236}">
+                <a16:creationId xmlns="" xmlns:a16="http://schemas.microsoft.com/office/drawing/2014/main" id="{6B3D22E0-3304-47C3-A13D-F3314EEBFA56}"/>
               </a:ext>
             </a:extLst>
           </p:cNvPr>
@@ -7109,7 +5500,7 @@
           <a:p>
             <a:pPr algn="ctr"/>
             <a:r>
-              <a:rPr lang="en-US" sz="4800" b="1" cap="none" spc="0" dirty="0">
+              <a:rPr lang="en-US" sz="4800" b="1" cap="none" spc="0" dirty="0" smtClean="0">
                 <a:ln w="6600">
                   <a:solidFill>
                     <a:schemeClr val="accent2"/>
@@ -7125,17 +5516,33 @@
                   </a:outerShdw>
                 </a:effectLst>
               </a:rPr>
-              <a:t>1</a:t>
+              <a:t>2</a:t>
             </a:r>
+            <a:endParaRPr lang="en-US" sz="4800" b="1" cap="none" spc="0" dirty="0">
+              <a:ln w="6600">
+                <a:solidFill>
+                  <a:schemeClr val="accent2"/>
+                </a:solidFill>
+                <a:prstDash val="solid"/>
+              </a:ln>
+              <a:solidFill>
+                <a:srgbClr val="FFFFFF"/>
+              </a:solidFill>
+              <a:effectLst>
+                <a:outerShdw dist="38100" dir="2700000" algn="tl" rotWithShape="0">
+                  <a:schemeClr val="accent2"/>
+                </a:outerShdw>
+              </a:effectLst>
+            </a:endParaRPr>
           </a:p>
         </p:txBody>
       </p:sp>
       <p:sp>
         <p:nvSpPr>
-          <p:cNvPr id="8" name="Rectangle 7">
+          <p:cNvPr id="5" name="Rectangle 7">
             <a:extLst>
               <a:ext uri="{FF2B5EF4-FFF2-40B4-BE49-F238E27FC236}">
-                <a16:creationId xmlns:a16="http://schemas.microsoft.com/office/drawing/2014/main" xmlns="" id="{9A0DF3A1-7C0C-4F2B-AC19-D85A14774D75}"/>
+                <a16:creationId xmlns="" xmlns:a16="http://schemas.microsoft.com/office/drawing/2014/main" id="{9A0DF3A1-7C0C-4F2B-AC19-D85A14774D75}"/>
               </a:ext>
             </a:extLst>
           </p:cNvPr>
@@ -7257,409 +5664,10 @@
           </a:p>
         </p:txBody>
       </p:sp>
-      <p:sp>
-        <p:nvSpPr>
-          <p:cNvPr id="4" name="Rectangle 3">
-            <a:extLst>
-              <a:ext uri="{FF2B5EF4-FFF2-40B4-BE49-F238E27FC236}">
-                <a16:creationId xmlns:a16="http://schemas.microsoft.com/office/drawing/2014/main" xmlns="" id="{127582F3-9997-47E5-8989-99CAB5EB5D9F}"/>
-              </a:ext>
-            </a:extLst>
-          </p:cNvPr>
-          <p:cNvSpPr/>
-          <p:nvPr/>
-        </p:nvSpPr>
-        <p:spPr>
-          <a:xfrm>
-            <a:off x="1011145" y="1187489"/>
-            <a:ext cx="1886910" cy="646331"/>
-          </a:xfrm>
-          <a:prstGeom prst="rect">
-            <a:avLst/>
-          </a:prstGeom>
-          <a:effectLst>
-            <a:glow rad="139700">
-              <a:schemeClr val="accent5">
-                <a:satMod val="175000"/>
-                <a:alpha val="40000"/>
-              </a:schemeClr>
-            </a:glow>
-          </a:effectLst>
-        </p:spPr>
-        <p:style>
-          <a:lnRef idx="1">
-            <a:schemeClr val="accent5"/>
-          </a:lnRef>
-          <a:fillRef idx="2">
-            <a:schemeClr val="accent5"/>
-          </a:fillRef>
-          <a:effectRef idx="1">
-            <a:schemeClr val="accent5"/>
-          </a:effectRef>
-          <a:fontRef idx="minor">
-            <a:schemeClr val="dk1"/>
-          </a:fontRef>
-        </p:style>
-        <p:txBody>
-          <a:bodyPr rtlCol="0" anchor="ctr"/>
-          <a:lstStyle/>
-          <a:p>
-            <a:pPr algn="ctr"/>
-            <a:r>
-              <a:rPr lang="pt-BR" sz="2800" b="1" dirty="0">
-                <a:solidFill>
-                  <a:schemeClr val="bg1"/>
-                </a:solidFill>
-              </a:rPr>
-              <a:t>Problema</a:t>
-            </a:r>
-          </a:p>
-        </p:txBody>
-      </p:sp>
-      <p:sp>
-        <p:nvSpPr>
-          <p:cNvPr id="9" name="Rectangle 8">
-            <a:extLst>
-              <a:ext uri="{FF2B5EF4-FFF2-40B4-BE49-F238E27FC236}">
-                <a16:creationId xmlns:a16="http://schemas.microsoft.com/office/drawing/2014/main" xmlns="" id="{C911CB3E-9466-45EC-9E1D-6407F01D5393}"/>
-              </a:ext>
-            </a:extLst>
-          </p:cNvPr>
-          <p:cNvSpPr/>
-          <p:nvPr/>
-        </p:nvSpPr>
-        <p:spPr>
-          <a:xfrm>
-            <a:off x="1011145" y="2480151"/>
-            <a:ext cx="1886910" cy="646331"/>
-          </a:xfrm>
-          <a:prstGeom prst="rect">
-            <a:avLst/>
-          </a:prstGeom>
-          <a:effectLst>
-            <a:glow rad="139700">
-              <a:schemeClr val="accent5">
-                <a:satMod val="175000"/>
-                <a:alpha val="40000"/>
-              </a:schemeClr>
-            </a:glow>
-          </a:effectLst>
-        </p:spPr>
-        <p:style>
-          <a:lnRef idx="1">
-            <a:schemeClr val="accent5"/>
-          </a:lnRef>
-          <a:fillRef idx="2">
-            <a:schemeClr val="accent5"/>
-          </a:fillRef>
-          <a:effectRef idx="1">
-            <a:schemeClr val="accent5"/>
-          </a:effectRef>
-          <a:fontRef idx="minor">
-            <a:schemeClr val="dk1"/>
-          </a:fontRef>
-        </p:style>
-        <p:txBody>
-          <a:bodyPr rtlCol="0" anchor="ctr"/>
-          <a:lstStyle/>
-          <a:p>
-            <a:pPr algn="ctr"/>
-            <a:r>
-              <a:rPr lang="pt-BR" sz="2800" b="1" dirty="0">
-                <a:solidFill>
-                  <a:schemeClr val="bg1"/>
-                </a:solidFill>
-              </a:rPr>
-              <a:t>Algoritimo</a:t>
-            </a:r>
-          </a:p>
-        </p:txBody>
-      </p:sp>
-      <p:sp>
-        <p:nvSpPr>
-          <p:cNvPr id="11" name="Rectangle 10">
-            <a:extLst>
-              <a:ext uri="{FF2B5EF4-FFF2-40B4-BE49-F238E27FC236}">
-                <a16:creationId xmlns:a16="http://schemas.microsoft.com/office/drawing/2014/main" xmlns="" id="{492CAE52-017C-456B-9F9F-7303BA91F90C}"/>
-              </a:ext>
-            </a:extLst>
-          </p:cNvPr>
-          <p:cNvSpPr/>
-          <p:nvPr/>
-        </p:nvSpPr>
-        <p:spPr>
-          <a:xfrm>
-            <a:off x="1011145" y="3795195"/>
-            <a:ext cx="1886910" cy="646331"/>
-          </a:xfrm>
-          <a:prstGeom prst="rect">
-            <a:avLst/>
-          </a:prstGeom>
-          <a:effectLst>
-            <a:glow rad="139700">
-              <a:schemeClr val="accent5">
-                <a:satMod val="175000"/>
-                <a:alpha val="40000"/>
-              </a:schemeClr>
-            </a:glow>
-          </a:effectLst>
-        </p:spPr>
-        <p:style>
-          <a:lnRef idx="1">
-            <a:schemeClr val="accent5"/>
-          </a:lnRef>
-          <a:fillRef idx="2">
-            <a:schemeClr val="accent5"/>
-          </a:fillRef>
-          <a:effectRef idx="1">
-            <a:schemeClr val="accent5"/>
-          </a:effectRef>
-          <a:fontRef idx="minor">
-            <a:schemeClr val="dk1"/>
-          </a:fontRef>
-        </p:style>
-        <p:txBody>
-          <a:bodyPr rtlCol="0" anchor="ctr"/>
-          <a:lstStyle/>
-          <a:p>
-            <a:pPr algn="ctr"/>
-            <a:r>
-              <a:rPr lang="pt-BR" sz="2800" b="1" dirty="0">
-                <a:solidFill>
-                  <a:schemeClr val="bg1"/>
-                </a:solidFill>
-              </a:rPr>
-              <a:t>Solução</a:t>
-            </a:r>
-          </a:p>
-        </p:txBody>
-      </p:sp>
-      <p:sp>
-        <p:nvSpPr>
-          <p:cNvPr id="6" name="Arrow: Down 5">
-            <a:extLst>
-              <a:ext uri="{FF2B5EF4-FFF2-40B4-BE49-F238E27FC236}">
-                <a16:creationId xmlns:a16="http://schemas.microsoft.com/office/drawing/2014/main" xmlns="" id="{AB1356C1-6C89-44B3-A903-6F32FD4CAB5B}"/>
-              </a:ext>
-            </a:extLst>
-          </p:cNvPr>
-          <p:cNvSpPr/>
-          <p:nvPr/>
-        </p:nvSpPr>
-        <p:spPr>
-          <a:xfrm>
-            <a:off x="1699957" y="1957265"/>
-            <a:ext cx="509286" cy="451412"/>
-          </a:xfrm>
-          <a:prstGeom prst="downArrow">
-            <a:avLst/>
-          </a:prstGeom>
-          <a:solidFill>
-            <a:srgbClr val="FF0000"/>
-          </a:solidFill>
-          <a:ln>
-            <a:solidFill>
-              <a:schemeClr val="tx1"/>
-            </a:solidFill>
-          </a:ln>
-        </p:spPr>
-        <p:style>
-          <a:lnRef idx="2">
-            <a:schemeClr val="accent1">
-              <a:shade val="50000"/>
-            </a:schemeClr>
-          </a:lnRef>
-          <a:fillRef idx="1">
-            <a:schemeClr val="accent1"/>
-          </a:fillRef>
-          <a:effectRef idx="0">
-            <a:schemeClr val="accent1"/>
-          </a:effectRef>
-          <a:fontRef idx="minor">
-            <a:schemeClr val="lt1"/>
-          </a:fontRef>
-        </p:style>
-        <p:txBody>
-          <a:bodyPr rtlCol="0" anchor="ctr"/>
-          <a:lstStyle/>
-          <a:p>
-            <a:pPr algn="ctr"/>
-            <a:endParaRPr lang="pt-BR"/>
-          </a:p>
-        </p:txBody>
-      </p:sp>
-      <p:sp>
-        <p:nvSpPr>
-          <p:cNvPr id="12" name="Arrow: Down 11">
-            <a:extLst>
-              <a:ext uri="{FF2B5EF4-FFF2-40B4-BE49-F238E27FC236}">
-                <a16:creationId xmlns:a16="http://schemas.microsoft.com/office/drawing/2014/main" xmlns="" id="{47BB2237-559C-4F6B-87A0-95D048559318}"/>
-              </a:ext>
-            </a:extLst>
-          </p:cNvPr>
-          <p:cNvSpPr/>
-          <p:nvPr/>
-        </p:nvSpPr>
-        <p:spPr>
-          <a:xfrm>
-            <a:off x="1699957" y="3268548"/>
-            <a:ext cx="509286" cy="451412"/>
-          </a:xfrm>
-          <a:prstGeom prst="downArrow">
-            <a:avLst/>
-          </a:prstGeom>
-          <a:solidFill>
-            <a:srgbClr val="FF0000"/>
-          </a:solidFill>
-          <a:ln>
-            <a:solidFill>
-              <a:schemeClr val="tx1"/>
-            </a:solidFill>
-          </a:ln>
-        </p:spPr>
-        <p:style>
-          <a:lnRef idx="2">
-            <a:schemeClr val="accent1">
-              <a:shade val="50000"/>
-            </a:schemeClr>
-          </a:lnRef>
-          <a:fillRef idx="1">
-            <a:schemeClr val="accent1"/>
-          </a:fillRef>
-          <a:effectRef idx="0">
-            <a:schemeClr val="accent1"/>
-          </a:effectRef>
-          <a:fontRef idx="minor">
-            <a:schemeClr val="lt1"/>
-          </a:fontRef>
-        </p:style>
-        <p:txBody>
-          <a:bodyPr rtlCol="0" anchor="ctr"/>
-          <a:lstStyle/>
-          <a:p>
-            <a:pPr algn="ctr"/>
-            <a:endParaRPr lang="pt-BR"/>
-          </a:p>
-        </p:txBody>
-      </p:sp>
-      <p:sp>
-        <p:nvSpPr>
-          <p:cNvPr id="2" name="Rectangle 1">
-            <a:extLst>
-              <a:ext uri="{FF2B5EF4-FFF2-40B4-BE49-F238E27FC236}">
-                <a16:creationId xmlns:a16="http://schemas.microsoft.com/office/drawing/2014/main" xmlns="" id="{4F38584F-66B2-464F-9BA7-6F9A856D602F}"/>
-              </a:ext>
-            </a:extLst>
-          </p:cNvPr>
-          <p:cNvSpPr/>
-          <p:nvPr/>
-        </p:nvSpPr>
-        <p:spPr>
-          <a:xfrm>
-            <a:off x="3711091" y="1833820"/>
-            <a:ext cx="4796301" cy="2215991"/>
-          </a:xfrm>
-          <a:prstGeom prst="rect">
-            <a:avLst/>
-          </a:prstGeom>
-          <a:noFill/>
-        </p:spPr>
-        <p:txBody>
-          <a:bodyPr wrap="square" lIns="91440" tIns="45720" rIns="91440" bIns="45720">
-            <a:spAutoFit/>
-          </a:bodyPr>
-          <a:lstStyle/>
-          <a:p>
-            <a:r>
-              <a:rPr lang="pt-BR" sz="2300" dirty="0">
-                <a:ln w="0"/>
-                <a:solidFill>
-                  <a:schemeClr val="bg1"/>
-                </a:solidFill>
-                <a:effectLst>
-                  <a:outerShdw blurRad="38100" dist="19050" dir="2700000" algn="tl" rotWithShape="0">
-                    <a:schemeClr val="dk1">
-                      <a:alpha val="40000"/>
-                    </a:schemeClr>
-                  </a:outerShdw>
-                </a:effectLst>
-              </a:rPr>
-              <a:t>Algoritimo é uma sequência finita e ordenada de passos (regras), com um esquema de processamento que permite a realização de uma tarefa (resolução de problemas, cálculos etc.).</a:t>
-            </a:r>
-            <a:endParaRPr lang="en-US" sz="2300" b="0" cap="none" spc="0" dirty="0">
-              <a:ln w="0"/>
-              <a:solidFill>
-                <a:schemeClr val="bg1"/>
-              </a:solidFill>
-              <a:effectLst>
-                <a:outerShdw blurRad="38100" dist="19050" dir="2700000" algn="tl" rotWithShape="0">
-                  <a:schemeClr val="dk1">
-                    <a:alpha val="40000"/>
-                  </a:schemeClr>
-                </a:outerShdw>
-              </a:effectLst>
-            </a:endParaRPr>
-          </a:p>
-        </p:txBody>
-      </p:sp>
-      <p:sp>
-        <p:nvSpPr>
-          <p:cNvPr id="14" name="Arrow: Right 13">
-            <a:extLst>
-              <a:ext uri="{FF2B5EF4-FFF2-40B4-BE49-F238E27FC236}">
-                <a16:creationId xmlns:a16="http://schemas.microsoft.com/office/drawing/2014/main" xmlns="" id="{796CEA44-310B-44B9-9452-370144CD966E}"/>
-              </a:ext>
-            </a:extLst>
-          </p:cNvPr>
-          <p:cNvSpPr/>
-          <p:nvPr/>
-        </p:nvSpPr>
-        <p:spPr>
-          <a:xfrm>
-            <a:off x="2997844" y="2520156"/>
-            <a:ext cx="613458" cy="606326"/>
-          </a:xfrm>
-          <a:prstGeom prst="rightArrow">
-            <a:avLst/>
-          </a:prstGeom>
-          <a:solidFill>
-            <a:srgbClr val="FF0000"/>
-          </a:solidFill>
-          <a:ln>
-            <a:solidFill>
-              <a:schemeClr val="tx1"/>
-            </a:solidFill>
-          </a:ln>
-        </p:spPr>
-        <p:style>
-          <a:lnRef idx="2">
-            <a:schemeClr val="accent1">
-              <a:shade val="50000"/>
-            </a:schemeClr>
-          </a:lnRef>
-          <a:fillRef idx="1">
-            <a:schemeClr val="accent1"/>
-          </a:fillRef>
-          <a:effectRef idx="0">
-            <a:schemeClr val="accent1"/>
-          </a:effectRef>
-          <a:fontRef idx="minor">
-            <a:schemeClr val="lt1"/>
-          </a:fontRef>
-        </p:style>
-        <p:txBody>
-          <a:bodyPr rtlCol="0" anchor="ctr"/>
-          <a:lstStyle/>
-          <a:p>
-            <a:pPr algn="ctr"/>
-            <a:endParaRPr lang="pt-BR"/>
-          </a:p>
-        </p:txBody>
-      </p:sp>
     </p:spTree>
     <p:extLst>
       <p:ext uri="{BB962C8B-B14F-4D97-AF65-F5344CB8AC3E}">
-        <p14:creationId xmlns:p14="http://schemas.microsoft.com/office/powerpoint/2010/main" val="3484210790"/>
+        <p14:creationId xmlns:p14="http://schemas.microsoft.com/office/powerpoint/2010/main" val="2741726859"/>
       </p:ext>
     </p:extLst>
   </p:cSld>
@@ -7694,7 +5702,7 @@
           <p:cNvPr id="2" name="Rectangle 1">
             <a:extLst>
               <a:ext uri="{FF2B5EF4-FFF2-40B4-BE49-F238E27FC236}">
-                <a16:creationId xmlns:a16="http://schemas.microsoft.com/office/drawing/2014/main" xmlns="" id="{4F38584F-66B2-464F-9BA7-6F9A856D602F}"/>
+                <a16:creationId xmlns="" xmlns:a16="http://schemas.microsoft.com/office/drawing/2014/main" id="{4F38584F-66B2-464F-9BA7-6F9A856D602F}"/>
               </a:ext>
             </a:extLst>
           </p:cNvPr>
@@ -7703,8 +5711,8 @@
         </p:nvSpPr>
         <p:spPr>
           <a:xfrm>
-            <a:off x="518528" y="811538"/>
-            <a:ext cx="8016658" cy="3985706"/>
+            <a:off x="2039131" y="2100239"/>
+            <a:ext cx="2261935" cy="553998"/>
           </a:xfrm>
           <a:prstGeom prst="rect">
             <a:avLst/>
@@ -7719,78 +5727,14 @@
           <a:p>
             <a:pPr algn="just"/>
             <a:r>
-              <a:rPr lang="pt-BR" sz="2300" dirty="0">
+              <a:rPr lang="pt-BR" sz="3000" dirty="0" smtClean="0">
                 <a:solidFill>
                   <a:schemeClr val="bg1"/>
                 </a:solidFill>
               </a:rPr>
-              <a:t>Algoritimo: trata-se de uma palavra latinizada, derivada do nome de Al-Khwarizmi, matemático árabe do século 9. </a:t>
+              <a:t>PARCELA</a:t>
             </a:r>
-            <a:endParaRPr lang="pt-BR" sz="2300" dirty="0" smtClean="0">
-              <a:solidFill>
-                <a:schemeClr val="bg1"/>
-              </a:solidFill>
-            </a:endParaRPr>
-          </a:p>
-          <a:p>
-            <a:pPr algn="just"/>
-            <a:endParaRPr lang="pt-BR" sz="2300" dirty="0">
-              <a:solidFill>
-                <a:schemeClr val="bg1"/>
-              </a:solidFill>
-            </a:endParaRPr>
-          </a:p>
-          <a:p>
-            <a:pPr algn="just"/>
-            <a:r>
-              <a:rPr lang="pt-BR" sz="2300" dirty="0" smtClean="0">
-                <a:solidFill>
-                  <a:schemeClr val="bg1"/>
-                </a:solidFill>
-              </a:rPr>
-              <a:t>Ele </a:t>
-            </a:r>
-            <a:r>
-              <a:rPr lang="pt-BR" sz="2300" dirty="0">
-                <a:solidFill>
-                  <a:schemeClr val="bg1"/>
-                </a:solidFill>
-              </a:rPr>
-              <a:t>surgiu da necessidade de fazer cálculos sem o auxílio de ábacos, dedos e outros recursos. </a:t>
-            </a:r>
-            <a:endParaRPr lang="pt-BR" sz="2300" dirty="0" smtClean="0">
-              <a:solidFill>
-                <a:schemeClr val="bg1"/>
-              </a:solidFill>
-            </a:endParaRPr>
-          </a:p>
-          <a:p>
-            <a:pPr algn="just"/>
-            <a:endParaRPr lang="pt-BR" sz="2300" dirty="0">
-              <a:solidFill>
-                <a:schemeClr val="bg1"/>
-              </a:solidFill>
-            </a:endParaRPr>
-          </a:p>
-          <a:p>
-            <a:pPr algn="just"/>
-            <a:r>
-              <a:rPr lang="pt-BR" sz="2300" dirty="0" smtClean="0">
-                <a:solidFill>
-                  <a:schemeClr val="bg1"/>
-                </a:solidFill>
-              </a:rPr>
-              <a:t>Até </a:t>
-            </a:r>
-            <a:r>
-              <a:rPr lang="pt-BR" sz="2300" dirty="0">
-                <a:solidFill>
-                  <a:schemeClr val="bg1"/>
-                </a:solidFill>
-              </a:rPr>
-              <a:t>então, a estrutura dos cálculos esteve associada às ferramentas que havia à mão: pedras sobre o chão, varetas de bambu, a calculadora de manivela, a régua de cálculo e, por fim, a calculadora. É resultado de técnicas de cálculo que levaram séculos para se desenvolver. Também é usado na computação.</a:t>
-            </a:r>
-            <a:endParaRPr lang="en-US" sz="2300" b="0" cap="none" spc="0" dirty="0">
+            <a:endParaRPr lang="en-US" sz="3000" b="0" cap="none" spc="0" dirty="0">
               <a:ln w="0"/>
               <a:solidFill>
                 <a:schemeClr val="bg1"/>
@@ -7806,12 +5750,275 @@
           </a:p>
         </p:txBody>
       </p:sp>
-      <p:sp>
-        <p:nvSpPr>
-          <p:cNvPr id="6" name="Rectangle 4">
+      <p:cxnSp>
+        <p:nvCxnSpPr>
+          <p:cNvPr id="7" name="Conector reto 6"/>
+          <p:cNvCxnSpPr/>
+          <p:nvPr/>
+        </p:nvCxnSpPr>
+        <p:spPr>
+          <a:xfrm>
+            <a:off x="1790700" y="3187700"/>
+            <a:ext cx="2194278" cy="0"/>
+          </a:xfrm>
+          <a:prstGeom prst="line">
+            <a:avLst/>
+          </a:prstGeom>
+          <a:ln w="57150">
+            <a:solidFill>
+              <a:srgbClr val="FF0000"/>
+            </a:solidFill>
+          </a:ln>
+        </p:spPr>
+        <p:style>
+          <a:lnRef idx="1">
+            <a:schemeClr val="accent1"/>
+          </a:lnRef>
+          <a:fillRef idx="0">
+            <a:schemeClr val="accent1"/>
+          </a:fillRef>
+          <a:effectRef idx="0">
+            <a:schemeClr val="accent1"/>
+          </a:effectRef>
+          <a:fontRef idx="minor">
+            <a:schemeClr val="tx1"/>
+          </a:fontRef>
+        </p:style>
+      </p:cxnSp>
+      <p:sp>
+        <p:nvSpPr>
+          <p:cNvPr id="11" name="Rectangle 1">
             <a:extLst>
               <a:ext uri="{FF2B5EF4-FFF2-40B4-BE49-F238E27FC236}">
-                <a16:creationId xmlns:a16="http://schemas.microsoft.com/office/drawing/2014/main" xmlns="" id="{6B3D22E0-3304-47C3-A13D-F3314EEBFA56}"/>
+                <a16:creationId xmlns="" xmlns:a16="http://schemas.microsoft.com/office/drawing/2014/main" id="{4F38584F-66B2-464F-9BA7-6F9A856D602F}"/>
+              </a:ext>
+            </a:extLst>
+          </p:cNvPr>
+          <p:cNvSpPr/>
+          <p:nvPr/>
+        </p:nvSpPr>
+        <p:spPr>
+          <a:xfrm>
+            <a:off x="400832" y="1211239"/>
+            <a:ext cx="7777968" cy="523220"/>
+          </a:xfrm>
+          <a:prstGeom prst="rect">
+            <a:avLst/>
+          </a:prstGeom>
+          <a:noFill/>
+        </p:spPr>
+        <p:txBody>
+          <a:bodyPr wrap="square" lIns="91440" tIns="45720" rIns="91440" bIns="45720">
+            <a:spAutoFit/>
+          </a:bodyPr>
+          <a:lstStyle/>
+          <a:p>
+            <a:pPr algn="just"/>
+            <a:r>
+              <a:rPr lang="pt-BR" sz="2800" dirty="0">
+                <a:solidFill>
+                  <a:schemeClr val="bg1"/>
+                </a:solidFill>
+              </a:rPr>
+              <a:t>Estrutura do algoritimo da adição:</a:t>
+            </a:r>
+            <a:endParaRPr lang="en-US" sz="2800" b="0" cap="none" spc="0" dirty="0">
+              <a:ln w="0"/>
+              <a:solidFill>
+                <a:schemeClr val="bg1"/>
+              </a:solidFill>
+              <a:effectLst>
+                <a:outerShdw blurRad="38100" dist="19050" dir="2700000" algn="tl" rotWithShape="0">
+                  <a:schemeClr val="dk1">
+                    <a:alpha val="40000"/>
+                  </a:schemeClr>
+                </a:outerShdw>
+              </a:effectLst>
+            </a:endParaRPr>
+          </a:p>
+        </p:txBody>
+      </p:sp>
+      <p:sp>
+        <p:nvSpPr>
+          <p:cNvPr id="12" name="Rectangle 1">
+            <a:extLst>
+              <a:ext uri="{FF2B5EF4-FFF2-40B4-BE49-F238E27FC236}">
+                <a16:creationId xmlns="" xmlns:a16="http://schemas.microsoft.com/office/drawing/2014/main" id="{4F38584F-66B2-464F-9BA7-6F9A856D602F}"/>
+              </a:ext>
+            </a:extLst>
+          </p:cNvPr>
+          <p:cNvSpPr/>
+          <p:nvPr/>
+        </p:nvSpPr>
+        <p:spPr>
+          <a:xfrm>
+            <a:off x="2001032" y="2608239"/>
+            <a:ext cx="1770868" cy="553998"/>
+          </a:xfrm>
+          <a:prstGeom prst="rect">
+            <a:avLst/>
+          </a:prstGeom>
+          <a:noFill/>
+        </p:spPr>
+        <p:txBody>
+          <a:bodyPr wrap="square" lIns="91440" tIns="45720" rIns="91440" bIns="45720">
+            <a:spAutoFit/>
+          </a:bodyPr>
+          <a:lstStyle/>
+          <a:p>
+            <a:pPr algn="just"/>
+            <a:r>
+              <a:rPr lang="pt-BR" sz="3000" dirty="0" smtClean="0">
+                <a:solidFill>
+                  <a:schemeClr val="bg1"/>
+                </a:solidFill>
+              </a:rPr>
+              <a:t>PARCELA</a:t>
+            </a:r>
+            <a:endParaRPr lang="en-US" sz="3000" b="0" cap="none" spc="0" dirty="0">
+              <a:ln w="0"/>
+              <a:solidFill>
+                <a:schemeClr val="bg1"/>
+              </a:solidFill>
+              <a:effectLst>
+                <a:outerShdw blurRad="38100" dist="19050" dir="2700000" algn="tl" rotWithShape="0">
+                  <a:schemeClr val="dk1">
+                    <a:alpha val="40000"/>
+                  </a:schemeClr>
+                </a:outerShdw>
+              </a:effectLst>
+            </a:endParaRPr>
+          </a:p>
+        </p:txBody>
+      </p:sp>
+      <p:sp>
+        <p:nvSpPr>
+          <p:cNvPr id="13" name="Rectangle 1">
+            <a:extLst>
+              <a:ext uri="{FF2B5EF4-FFF2-40B4-BE49-F238E27FC236}">
+                <a16:creationId xmlns="" xmlns:a16="http://schemas.microsoft.com/office/drawing/2014/main" id="{4F38584F-66B2-464F-9BA7-6F9A856D602F}"/>
+              </a:ext>
+            </a:extLst>
+          </p:cNvPr>
+          <p:cNvSpPr/>
+          <p:nvPr/>
+        </p:nvSpPr>
+        <p:spPr>
+          <a:xfrm>
+            <a:off x="1790700" y="3187700"/>
+            <a:ext cx="3294868" cy="461665"/>
+          </a:xfrm>
+          <a:prstGeom prst="rect">
+            <a:avLst/>
+          </a:prstGeom>
+          <a:noFill/>
+        </p:spPr>
+        <p:txBody>
+          <a:bodyPr wrap="square" lIns="91440" tIns="45720" rIns="91440" bIns="45720">
+            <a:spAutoFit/>
+          </a:bodyPr>
+          <a:lstStyle/>
+          <a:p>
+            <a:pPr algn="just"/>
+            <a:r>
+              <a:rPr lang="pt-BR" sz="2400" dirty="0" smtClean="0">
+                <a:solidFill>
+                  <a:schemeClr val="bg1"/>
+                </a:solidFill>
+              </a:rPr>
+              <a:t>SOMA OU TOTAL</a:t>
+            </a:r>
+            <a:endParaRPr lang="en-US" sz="2400" b="0" cap="none" spc="0" dirty="0">
+              <a:ln w="0"/>
+              <a:solidFill>
+                <a:schemeClr val="bg1"/>
+              </a:solidFill>
+              <a:effectLst>
+                <a:outerShdw blurRad="38100" dist="19050" dir="2700000" algn="tl" rotWithShape="0">
+                  <a:schemeClr val="dk1">
+                    <a:alpha val="40000"/>
+                  </a:schemeClr>
+                </a:outerShdw>
+              </a:effectLst>
+            </a:endParaRPr>
+          </a:p>
+        </p:txBody>
+      </p:sp>
+      <p:sp>
+        <p:nvSpPr>
+          <p:cNvPr id="32" name="Mais 31"/>
+          <p:cNvSpPr/>
+          <p:nvPr/>
+        </p:nvSpPr>
+        <p:spPr>
+          <a:xfrm>
+            <a:off x="1422400" y="2667000"/>
+            <a:ext cx="444500" cy="355600"/>
+          </a:xfrm>
+          <a:prstGeom prst="mathPlus">
+            <a:avLst/>
+          </a:prstGeom>
+          <a:solidFill>
+            <a:srgbClr val="FF0000"/>
+          </a:solidFill>
+        </p:spPr>
+        <p:style>
+          <a:lnRef idx="2">
+            <a:schemeClr val="accent1">
+              <a:shade val="50000"/>
+            </a:schemeClr>
+          </a:lnRef>
+          <a:fillRef idx="1">
+            <a:schemeClr val="accent1"/>
+          </a:fillRef>
+          <a:effectRef idx="0">
+            <a:schemeClr val="accent1"/>
+          </a:effectRef>
+          <a:fontRef idx="minor">
+            <a:schemeClr val="lt1"/>
+          </a:fontRef>
+        </p:style>
+        <p:txBody>
+          <a:bodyPr rtlCol="0" anchor="ctr"/>
+          <a:lstStyle/>
+          <a:p>
+            <a:pPr algn="ctr"/>
+            <a:endParaRPr lang="pt-BR"/>
+          </a:p>
+        </p:txBody>
+      </p:sp>
+      <p:pic>
+        <p:nvPicPr>
+          <p:cNvPr id="36" name="Picture 2" descr="Imagem relacionada"/>
+          <p:cNvPicPr>
+            <a:picLocks noChangeAspect="1" noChangeArrowheads="1"/>
+          </p:cNvPicPr>
+          <p:nvPr/>
+        </p:nvPicPr>
+        <p:blipFill>
+          <a:blip r:embed="rId3"/>
+          <a:srcRect/>
+          <a:stretch>
+            <a:fillRect/>
+          </a:stretch>
+        </p:blipFill>
+        <p:spPr bwMode="auto">
+          <a:xfrm>
+            <a:off x="6864439" y="2772124"/>
+            <a:ext cx="1815921" cy="1997513"/>
+          </a:xfrm>
+          <a:prstGeom prst="rect">
+            <a:avLst/>
+          </a:prstGeom>
+          <a:noFill/>
+        </p:spPr>
+      </p:pic>
+      <p:sp>
+        <p:nvSpPr>
+          <p:cNvPr id="14" name="Rectangle 4">
+            <a:extLst>
+              <a:ext uri="{FF2B5EF4-FFF2-40B4-BE49-F238E27FC236}">
+                <a16:creationId xmlns="" xmlns:a16="http://schemas.microsoft.com/office/drawing/2014/main" id="{6B3D22E0-3304-47C3-A13D-F3314EEBFA56}"/>
               </a:ext>
             </a:extLst>
           </p:cNvPr>
@@ -7869,7 +6076,7 @@
                   </a:outerShdw>
                 </a:effectLst>
               </a:rPr>
-              <a:t>2</a:t>
+              <a:t>3</a:t>
             </a:r>
             <a:endParaRPr lang="en-US" sz="4800" b="1" cap="none" spc="0" dirty="0">
               <a:ln w="6600">
@@ -7892,10 +6099,10 @@
       </p:sp>
       <p:sp>
         <p:nvSpPr>
-          <p:cNvPr id="5" name="Rectangle 7">
+          <p:cNvPr id="16" name="Rectangle 7">
             <a:extLst>
               <a:ext uri="{FF2B5EF4-FFF2-40B4-BE49-F238E27FC236}">
-                <a16:creationId xmlns:a16="http://schemas.microsoft.com/office/drawing/2014/main" xmlns="" id="{9A0DF3A1-7C0C-4F2B-AC19-D85A14774D75}"/>
+                <a16:creationId xmlns="" xmlns:a16="http://schemas.microsoft.com/office/drawing/2014/main" id="{9A0DF3A1-7C0C-4F2B-AC19-D85A14774D75}"/>
               </a:ext>
             </a:extLst>
           </p:cNvPr>
@@ -8050,12 +6257,857 @@
           <a:chExt cx="0" cy="0"/>
         </a:xfrm>
       </p:grpSpPr>
-      <p:sp>
-        <p:nvSpPr>
-          <p:cNvPr id="2" name="Rectangle 1">
+      <p:graphicFrame>
+        <p:nvGraphicFramePr>
+          <p:cNvPr id="6" name="Table 9">
             <a:extLst>
               <a:ext uri="{FF2B5EF4-FFF2-40B4-BE49-F238E27FC236}">
-                <a16:creationId xmlns:a16="http://schemas.microsoft.com/office/drawing/2014/main" xmlns="" id="{4F38584F-66B2-464F-9BA7-6F9A856D602F}"/>
+                <a16:creationId xmlns:a16="http://schemas.microsoft.com/office/drawing/2014/main" xmlns="" id="{A3C33157-FA5E-498D-B93C-73F8CAEE1A5D}"/>
+              </a:ext>
+            </a:extLst>
+          </p:cNvPr>
+          <p:cNvGraphicFramePr>
+            <a:graphicFrameLocks noGrp="1"/>
+          </p:cNvGraphicFramePr>
+          <p:nvPr>
+            <p:extLst/>
+          </p:nvPr>
+        </p:nvGraphicFramePr>
+        <p:xfrm>
+          <a:off x="1787737" y="1712966"/>
+          <a:ext cx="3236260" cy="2269006"/>
+        </p:xfrm>
+        <a:graphic>
+          <a:graphicData uri="http://schemas.openxmlformats.org/drawingml/2006/table">
+            <a:tbl>
+              <a:tblPr firstRow="1" bandRow="1">
+                <a:tableStyleId>{69012ECD-51FC-41F1-AA8D-1B2483CD663E}</a:tableStyleId>
+              </a:tblPr>
+              <a:tblGrid>
+                <a:gridCol w="809065">
+                  <a:extLst>
+                    <a:ext uri="{9D8B030D-6E8A-4147-A177-3AD203B41FA5}">
+                      <a16:colId xmlns:a16="http://schemas.microsoft.com/office/drawing/2014/main" xmlns="" val="2514592082"/>
+                    </a:ext>
+                  </a:extLst>
+                </a:gridCol>
+                <a:gridCol w="809065">
+                  <a:extLst>
+                    <a:ext uri="{9D8B030D-6E8A-4147-A177-3AD203B41FA5}">
+                      <a16:colId xmlns:a16="http://schemas.microsoft.com/office/drawing/2014/main" xmlns="" val="1972351707"/>
+                    </a:ext>
+                  </a:extLst>
+                </a:gridCol>
+                <a:gridCol w="809065">
+                  <a:extLst>
+                    <a:ext uri="{9D8B030D-6E8A-4147-A177-3AD203B41FA5}">
+                      <a16:colId xmlns:a16="http://schemas.microsoft.com/office/drawing/2014/main" xmlns="" val="130078612"/>
+                    </a:ext>
+                  </a:extLst>
+                </a:gridCol>
+                <a:gridCol w="809065">
+                  <a:extLst>
+                    <a:ext uri="{9D8B030D-6E8A-4147-A177-3AD203B41FA5}">
+                      <a16:colId xmlns:a16="http://schemas.microsoft.com/office/drawing/2014/main" xmlns="" val="3594532491"/>
+                    </a:ext>
+                  </a:extLst>
+                </a:gridCol>
+              </a:tblGrid>
+              <a:tr h="427429">
+                <a:tc>
+                  <a:txBody>
+                    <a:bodyPr/>
+                    <a:lstStyle/>
+                    <a:p>
+                      <a:pPr algn="ctr"/>
+                      <a:r>
+                        <a:rPr lang="pt-BR" dirty="0"/>
+                        <a:t>Milhar</a:t>
+                      </a:r>
+                    </a:p>
+                  </a:txBody>
+                  <a:tcPr anchor="ctr">
+                    <a:lnL w="6350" cap="flat" cmpd="sng" algn="ctr">
+                      <a:noFill/>
+                      <a:prstDash val="solid"/>
+                      <a:miter lim="800000"/>
+                    </a:lnL>
+                    <a:lnR>
+                      <a:noFill/>
+                    </a:lnR>
+                    <a:lnT w="6350" cap="flat" cmpd="sng" algn="ctr">
+                      <a:noFill/>
+                      <a:prstDash val="solid"/>
+                      <a:miter lim="800000"/>
+                    </a:lnT>
+                    <a:lnB w="6350" cap="flat" cmpd="sng" algn="ctr">
+                      <a:noFill/>
+                      <a:prstDash val="solid"/>
+                      <a:miter lim="800000"/>
+                    </a:lnB>
+                    <a:lnTlToBr w="12700" cmpd="sng">
+                      <a:noFill/>
+                      <a:prstDash val="solid"/>
+                    </a:lnTlToBr>
+                    <a:lnBlToTr w="12700" cmpd="sng">
+                      <a:noFill/>
+                      <a:prstDash val="solid"/>
+                    </a:lnBlToTr>
+                    <a:cell3D prstMaterial="dkEdge">
+                      <a:bevel w="77470" h="12700" prst="softRound"/>
+                      <a:lightRig rig="flood" dir="t"/>
+                    </a:cell3D>
+                  </a:tcPr>
+                </a:tc>
+                <a:tc>
+                  <a:txBody>
+                    <a:bodyPr/>
+                    <a:lstStyle/>
+                    <a:p>
+                      <a:pPr algn="ctr"/>
+                      <a:r>
+                        <a:rPr lang="pt-BR" sz="1400" dirty="0"/>
+                        <a:t>Centena</a:t>
+                      </a:r>
+                      <a:endParaRPr lang="pt-BR" dirty="0"/>
+                    </a:p>
+                  </a:txBody>
+                  <a:tcPr anchor="ctr">
+                    <a:lnL>
+                      <a:noFill/>
+                    </a:lnL>
+                    <a:lnR>
+                      <a:noFill/>
+                    </a:lnR>
+                    <a:lnT w="6350" cap="flat" cmpd="sng" algn="ctr">
+                      <a:noFill/>
+                      <a:prstDash val="solid"/>
+                      <a:miter lim="800000"/>
+                    </a:lnT>
+                    <a:lnB w="6350" cap="flat" cmpd="sng" algn="ctr">
+                      <a:noFill/>
+                      <a:prstDash val="solid"/>
+                      <a:miter lim="800000"/>
+                    </a:lnB>
+                    <a:lnTlToBr w="12700" cmpd="sng">
+                      <a:noFill/>
+                      <a:prstDash val="solid"/>
+                    </a:lnTlToBr>
+                    <a:lnBlToTr w="12700" cmpd="sng">
+                      <a:noFill/>
+                      <a:prstDash val="solid"/>
+                    </a:lnBlToTr>
+                    <a:cell3D prstMaterial="dkEdge">
+                      <a:bevel w="77470" h="12700" prst="softRound"/>
+                      <a:lightRig rig="flood" dir="t"/>
+                    </a:cell3D>
+                  </a:tcPr>
+                </a:tc>
+                <a:tc>
+                  <a:txBody>
+                    <a:bodyPr/>
+                    <a:lstStyle/>
+                    <a:p>
+                      <a:pPr algn="ctr"/>
+                      <a:r>
+                        <a:rPr lang="pt-BR" dirty="0"/>
+                        <a:t>Dezena</a:t>
+                      </a:r>
+                    </a:p>
+                  </a:txBody>
+                  <a:tcPr anchor="ctr">
+                    <a:lnL>
+                      <a:noFill/>
+                    </a:lnL>
+                    <a:lnR>
+                      <a:noFill/>
+                    </a:lnR>
+                    <a:lnT w="6350" cap="flat" cmpd="sng" algn="ctr">
+                      <a:noFill/>
+                      <a:prstDash val="solid"/>
+                      <a:miter lim="800000"/>
+                    </a:lnT>
+                    <a:lnB w="6350" cap="flat" cmpd="sng" algn="ctr">
+                      <a:noFill/>
+                      <a:prstDash val="solid"/>
+                      <a:miter lim="800000"/>
+                    </a:lnB>
+                    <a:lnTlToBr w="12700" cmpd="sng">
+                      <a:noFill/>
+                      <a:prstDash val="solid"/>
+                    </a:lnTlToBr>
+                    <a:lnBlToTr w="12700" cmpd="sng">
+                      <a:noFill/>
+                      <a:prstDash val="solid"/>
+                    </a:lnBlToTr>
+                    <a:cell3D prstMaterial="dkEdge">
+                      <a:bevel w="77470" h="12700" prst="softRound"/>
+                      <a:lightRig rig="flood" dir="t"/>
+                    </a:cell3D>
+                  </a:tcPr>
+                </a:tc>
+                <a:tc>
+                  <a:txBody>
+                    <a:bodyPr/>
+                    <a:lstStyle/>
+                    <a:p>
+                      <a:pPr algn="ctr"/>
+                      <a:r>
+                        <a:rPr lang="pt-BR" sz="1400" dirty="0"/>
+                        <a:t>Unidade</a:t>
+                      </a:r>
+                      <a:endParaRPr lang="pt-BR" dirty="0"/>
+                    </a:p>
+                  </a:txBody>
+                  <a:tcPr anchor="ctr">
+                    <a:lnL>
+                      <a:noFill/>
+                    </a:lnL>
+                    <a:lnR w="6350" cap="flat" cmpd="sng" algn="ctr">
+                      <a:noFill/>
+                      <a:prstDash val="solid"/>
+                      <a:miter lim="800000"/>
+                    </a:lnR>
+                    <a:lnT w="6350" cap="flat" cmpd="sng" algn="ctr">
+                      <a:noFill/>
+                      <a:prstDash val="solid"/>
+                      <a:miter lim="800000"/>
+                    </a:lnT>
+                    <a:lnB w="6350" cap="flat" cmpd="sng" algn="ctr">
+                      <a:noFill/>
+                      <a:prstDash val="solid"/>
+                      <a:miter lim="800000"/>
+                    </a:lnB>
+                    <a:lnTlToBr w="12700" cmpd="sng">
+                      <a:noFill/>
+                      <a:prstDash val="solid"/>
+                    </a:lnTlToBr>
+                    <a:lnBlToTr w="12700" cmpd="sng">
+                      <a:noFill/>
+                      <a:prstDash val="solid"/>
+                    </a:lnBlToTr>
+                    <a:cell3D prstMaterial="dkEdge">
+                      <a:bevel w="77470" h="12700" prst="softRound"/>
+                      <a:lightRig rig="flood" dir="t"/>
+                    </a:cell3D>
+                  </a:tcPr>
+                </a:tc>
+                <a:extLst>
+                  <a:ext uri="{0D108BD9-81ED-4DB2-BD59-A6C34878D82A}">
+                    <a16:rowId xmlns:a16="http://schemas.microsoft.com/office/drawing/2014/main" xmlns="" val="1648878484"/>
+                  </a:ext>
+                </a:extLst>
+              </a:tr>
+              <a:tr h="613859">
+                <a:tc>
+                  <a:txBody>
+                    <a:bodyPr/>
+                    <a:lstStyle/>
+                    <a:p>
+                      <a:pPr algn="ctr"/>
+                      <a:endParaRPr lang="pt-BR" sz="2800" b="1" dirty="0">
+                        <a:solidFill>
+                          <a:schemeClr val="bg1"/>
+                        </a:solidFill>
+                      </a:endParaRPr>
+                    </a:p>
+                  </a:txBody>
+                  <a:tcPr anchor="ctr">
+                    <a:lnL w="6350" cap="flat" cmpd="sng" algn="ctr">
+                      <a:noFill/>
+                      <a:prstDash val="solid"/>
+                      <a:miter lim="800000"/>
+                    </a:lnL>
+                    <a:lnR>
+                      <a:noFill/>
+                    </a:lnR>
+                    <a:lnT w="6350" cap="flat" cmpd="sng" algn="ctr">
+                      <a:noFill/>
+                      <a:prstDash val="solid"/>
+                      <a:miter lim="800000"/>
+                    </a:lnT>
+                    <a:lnB w="6350" cap="flat" cmpd="sng" algn="ctr">
+                      <a:noFill/>
+                      <a:prstDash val="solid"/>
+                      <a:miter lim="800000"/>
+                    </a:lnB>
+                    <a:lnTlToBr w="12700" cmpd="sng">
+                      <a:noFill/>
+                      <a:prstDash val="solid"/>
+                    </a:lnTlToBr>
+                    <a:lnBlToTr w="12700" cmpd="sng">
+                      <a:noFill/>
+                      <a:prstDash val="solid"/>
+                    </a:lnBlToTr>
+                    <a:cell3D prstMaterial="dkEdge">
+                      <a:bevel w="77470" h="12700" prst="softRound"/>
+                      <a:lightRig rig="flood" dir="t"/>
+                    </a:cell3D>
+                  </a:tcPr>
+                </a:tc>
+                <a:tc>
+                  <a:txBody>
+                    <a:bodyPr/>
+                    <a:lstStyle/>
+                    <a:p>
+                      <a:pPr algn="ctr"/>
+                      <a:endParaRPr lang="pt-BR" sz="2800" b="1" dirty="0">
+                        <a:solidFill>
+                          <a:schemeClr val="bg1"/>
+                        </a:solidFill>
+                      </a:endParaRPr>
+                    </a:p>
+                  </a:txBody>
+                  <a:tcPr anchor="ctr">
+                    <a:lnL>
+                      <a:noFill/>
+                    </a:lnL>
+                    <a:lnR>
+                      <a:noFill/>
+                    </a:lnR>
+                    <a:lnT w="6350" cap="flat" cmpd="sng" algn="ctr">
+                      <a:noFill/>
+                      <a:prstDash val="solid"/>
+                      <a:miter lim="800000"/>
+                    </a:lnT>
+                    <a:lnB w="6350" cap="flat" cmpd="sng" algn="ctr">
+                      <a:noFill/>
+                      <a:prstDash val="solid"/>
+                      <a:miter lim="800000"/>
+                    </a:lnB>
+                    <a:lnTlToBr w="12700" cmpd="sng">
+                      <a:noFill/>
+                      <a:prstDash val="solid"/>
+                    </a:lnTlToBr>
+                    <a:lnBlToTr w="12700" cmpd="sng">
+                      <a:noFill/>
+                      <a:prstDash val="solid"/>
+                    </a:lnBlToTr>
+                    <a:cell3D prstMaterial="dkEdge">
+                      <a:bevel w="77470" h="12700" prst="softRound"/>
+                      <a:lightRig rig="flood" dir="t"/>
+                    </a:cell3D>
+                  </a:tcPr>
+                </a:tc>
+                <a:tc>
+                  <a:txBody>
+                    <a:bodyPr/>
+                    <a:lstStyle/>
+                    <a:p>
+                      <a:pPr algn="ctr"/>
+                      <a:endParaRPr lang="pt-BR" sz="2800" b="1" dirty="0">
+                        <a:solidFill>
+                          <a:schemeClr val="bg1"/>
+                        </a:solidFill>
+                      </a:endParaRPr>
+                    </a:p>
+                  </a:txBody>
+                  <a:tcPr anchor="ctr">
+                    <a:lnL>
+                      <a:noFill/>
+                    </a:lnL>
+                    <a:lnR>
+                      <a:noFill/>
+                    </a:lnR>
+                    <a:lnT w="6350" cap="flat" cmpd="sng" algn="ctr">
+                      <a:noFill/>
+                      <a:prstDash val="solid"/>
+                      <a:miter lim="800000"/>
+                    </a:lnT>
+                    <a:lnB w="6350" cap="flat" cmpd="sng" algn="ctr">
+                      <a:noFill/>
+                      <a:prstDash val="solid"/>
+                      <a:miter lim="800000"/>
+                    </a:lnB>
+                    <a:lnTlToBr w="12700" cmpd="sng">
+                      <a:noFill/>
+                      <a:prstDash val="solid"/>
+                    </a:lnTlToBr>
+                    <a:lnBlToTr w="12700" cmpd="sng">
+                      <a:noFill/>
+                      <a:prstDash val="solid"/>
+                    </a:lnBlToTr>
+                    <a:cell3D prstMaterial="dkEdge">
+                      <a:bevel w="77470" h="12700" prst="softRound"/>
+                      <a:lightRig rig="flood" dir="t"/>
+                    </a:cell3D>
+                  </a:tcPr>
+                </a:tc>
+                <a:tc>
+                  <a:txBody>
+                    <a:bodyPr/>
+                    <a:lstStyle/>
+                    <a:p>
+                      <a:pPr algn="ctr"/>
+                      <a:r>
+                        <a:rPr lang="pt-BR" sz="2800" b="1" dirty="0" smtClean="0">
+                          <a:solidFill>
+                            <a:schemeClr val="bg1"/>
+                          </a:solidFill>
+                        </a:rPr>
+                        <a:t>1</a:t>
+                      </a:r>
+                      <a:endParaRPr lang="pt-BR" sz="2800" b="1" dirty="0">
+                        <a:solidFill>
+                          <a:schemeClr val="bg1"/>
+                        </a:solidFill>
+                      </a:endParaRPr>
+                    </a:p>
+                  </a:txBody>
+                  <a:tcPr anchor="ctr">
+                    <a:lnL>
+                      <a:noFill/>
+                    </a:lnL>
+                    <a:lnR w="6350" cap="flat" cmpd="sng" algn="ctr">
+                      <a:noFill/>
+                      <a:prstDash val="solid"/>
+                      <a:miter lim="800000"/>
+                    </a:lnR>
+                    <a:lnT w="6350" cap="flat" cmpd="sng" algn="ctr">
+                      <a:noFill/>
+                      <a:prstDash val="solid"/>
+                      <a:miter lim="800000"/>
+                    </a:lnT>
+                    <a:lnB w="6350" cap="flat" cmpd="sng" algn="ctr">
+                      <a:noFill/>
+                      <a:prstDash val="solid"/>
+                      <a:miter lim="800000"/>
+                    </a:lnB>
+                    <a:lnTlToBr w="12700" cmpd="sng">
+                      <a:noFill/>
+                      <a:prstDash val="solid"/>
+                    </a:lnTlToBr>
+                    <a:lnBlToTr w="12700" cmpd="sng">
+                      <a:noFill/>
+                      <a:prstDash val="solid"/>
+                    </a:lnBlToTr>
+                    <a:cell3D prstMaterial="dkEdge">
+                      <a:bevel w="77470" h="12700" prst="softRound"/>
+                      <a:lightRig rig="flood" dir="t"/>
+                    </a:cell3D>
+                  </a:tcPr>
+                </a:tc>
+                <a:extLst>
+                  <a:ext uri="{0D108BD9-81ED-4DB2-BD59-A6C34878D82A}">
+                    <a16:rowId xmlns:a16="http://schemas.microsoft.com/office/drawing/2014/main" xmlns="" val="3110016024"/>
+                  </a:ext>
+                </a:extLst>
+              </a:tr>
+              <a:tr h="613859">
+                <a:tc>
+                  <a:txBody>
+                    <a:bodyPr/>
+                    <a:lstStyle/>
+                    <a:p>
+                      <a:pPr algn="ctr"/>
+                      <a:endParaRPr lang="pt-BR" sz="2800" b="1" dirty="0">
+                        <a:solidFill>
+                          <a:schemeClr val="bg1"/>
+                        </a:solidFill>
+                      </a:endParaRPr>
+                    </a:p>
+                  </a:txBody>
+                  <a:tcPr anchor="ctr">
+                    <a:lnL w="6350" cap="flat" cmpd="sng" algn="ctr">
+                      <a:noFill/>
+                      <a:prstDash val="solid"/>
+                      <a:miter lim="800000"/>
+                    </a:lnL>
+                    <a:lnR>
+                      <a:noFill/>
+                    </a:lnR>
+                    <a:lnT w="6350" cap="flat" cmpd="sng" algn="ctr">
+                      <a:noFill/>
+                      <a:prstDash val="solid"/>
+                      <a:miter lim="800000"/>
+                    </a:lnT>
+                    <a:lnB w="6350" cap="flat" cmpd="sng" algn="ctr">
+                      <a:noFill/>
+                      <a:prstDash val="solid"/>
+                      <a:miter lim="800000"/>
+                    </a:lnB>
+                    <a:lnTlToBr w="12700" cmpd="sng">
+                      <a:noFill/>
+                      <a:prstDash val="solid"/>
+                    </a:lnTlToBr>
+                    <a:lnBlToTr w="12700" cmpd="sng">
+                      <a:noFill/>
+                      <a:prstDash val="solid"/>
+                    </a:lnBlToTr>
+                    <a:cell3D prstMaterial="dkEdge">
+                      <a:bevel w="77470" h="12700" prst="softRound"/>
+                      <a:lightRig rig="flood" dir="t"/>
+                    </a:cell3D>
+                  </a:tcPr>
+                </a:tc>
+                <a:tc>
+                  <a:txBody>
+                    <a:bodyPr/>
+                    <a:lstStyle/>
+                    <a:p>
+                      <a:pPr algn="ctr"/>
+                      <a:endParaRPr lang="pt-BR" sz="2800" b="1" dirty="0">
+                        <a:solidFill>
+                          <a:schemeClr val="bg1"/>
+                        </a:solidFill>
+                      </a:endParaRPr>
+                    </a:p>
+                  </a:txBody>
+                  <a:tcPr anchor="ctr">
+                    <a:lnL>
+                      <a:noFill/>
+                    </a:lnL>
+                    <a:lnR>
+                      <a:noFill/>
+                    </a:lnR>
+                    <a:lnT w="6350" cap="flat" cmpd="sng" algn="ctr">
+                      <a:noFill/>
+                      <a:prstDash val="solid"/>
+                      <a:miter lim="800000"/>
+                    </a:lnT>
+                    <a:lnB w="6350" cap="flat" cmpd="sng" algn="ctr">
+                      <a:noFill/>
+                      <a:prstDash val="solid"/>
+                      <a:miter lim="800000"/>
+                    </a:lnB>
+                    <a:lnTlToBr w="12700" cmpd="sng">
+                      <a:noFill/>
+                      <a:prstDash val="solid"/>
+                    </a:lnTlToBr>
+                    <a:lnBlToTr w="12700" cmpd="sng">
+                      <a:noFill/>
+                      <a:prstDash val="solid"/>
+                    </a:lnBlToTr>
+                    <a:cell3D prstMaterial="dkEdge">
+                      <a:bevel w="77470" h="12700" prst="softRound"/>
+                      <a:lightRig rig="flood" dir="t"/>
+                    </a:cell3D>
+                  </a:tcPr>
+                </a:tc>
+                <a:tc>
+                  <a:txBody>
+                    <a:bodyPr/>
+                    <a:lstStyle/>
+                    <a:p>
+                      <a:pPr algn="ctr"/>
+                      <a:r>
+                        <a:rPr lang="pt-BR" sz="2800" b="1" dirty="0" smtClean="0">
+                          <a:solidFill>
+                            <a:schemeClr val="bg1"/>
+                          </a:solidFill>
+                        </a:rPr>
+                        <a:t>+</a:t>
+                      </a:r>
+                      <a:endParaRPr lang="pt-BR" sz="2800" b="1" dirty="0">
+                        <a:solidFill>
+                          <a:schemeClr val="bg1"/>
+                        </a:solidFill>
+                      </a:endParaRPr>
+                    </a:p>
+                  </a:txBody>
+                  <a:tcPr anchor="ctr">
+                    <a:lnL>
+                      <a:noFill/>
+                    </a:lnL>
+                    <a:lnR>
+                      <a:noFill/>
+                    </a:lnR>
+                    <a:lnT w="6350" cap="flat" cmpd="sng" algn="ctr">
+                      <a:noFill/>
+                      <a:prstDash val="solid"/>
+                      <a:miter lim="800000"/>
+                    </a:lnT>
+                    <a:lnB w="12700" cap="flat" cmpd="sng" algn="ctr">
+                      <a:noFill/>
+                      <a:prstDash val="solid"/>
+                      <a:round/>
+                      <a:headEnd type="none" w="med" len="med"/>
+                      <a:tailEnd type="none" w="med" len="med"/>
+                    </a:lnB>
+                    <a:lnTlToBr w="12700" cmpd="sng">
+                      <a:noFill/>
+                      <a:prstDash val="solid"/>
+                    </a:lnTlToBr>
+                    <a:lnBlToTr w="12700" cmpd="sng">
+                      <a:noFill/>
+                      <a:prstDash val="solid"/>
+                    </a:lnBlToTr>
+                    <a:cell3D prstMaterial="dkEdge">
+                      <a:bevel w="77470" h="12700" prst="softRound"/>
+                      <a:lightRig rig="flood" dir="t"/>
+                    </a:cell3D>
+                  </a:tcPr>
+                </a:tc>
+                <a:tc>
+                  <a:txBody>
+                    <a:bodyPr/>
+                    <a:lstStyle/>
+                    <a:p>
+                      <a:pPr algn="ctr"/>
+                      <a:r>
+                        <a:rPr lang="pt-BR" sz="2800" b="1" dirty="0">
+                          <a:solidFill>
+                            <a:schemeClr val="bg1"/>
+                          </a:solidFill>
+                        </a:rPr>
+                        <a:t>2</a:t>
+                      </a:r>
+                    </a:p>
+                  </a:txBody>
+                  <a:tcPr anchor="ctr">
+                    <a:lnL>
+                      <a:noFill/>
+                    </a:lnL>
+                    <a:lnR w="6350" cap="flat" cmpd="sng" algn="ctr">
+                      <a:noFill/>
+                      <a:prstDash val="solid"/>
+                      <a:miter lim="800000"/>
+                    </a:lnR>
+                    <a:lnT w="6350" cap="flat" cmpd="sng" algn="ctr">
+                      <a:noFill/>
+                      <a:prstDash val="solid"/>
+                      <a:miter lim="800000"/>
+                    </a:lnT>
+                    <a:lnB w="12700" cap="flat" cmpd="sng" algn="ctr">
+                      <a:solidFill>
+                        <a:schemeClr val="tx1"/>
+                      </a:solidFill>
+                      <a:prstDash val="solid"/>
+                      <a:round/>
+                      <a:headEnd type="none" w="med" len="med"/>
+                      <a:tailEnd type="none" w="med" len="med"/>
+                    </a:lnB>
+                    <a:lnTlToBr w="12700" cmpd="sng">
+                      <a:noFill/>
+                      <a:prstDash val="solid"/>
+                    </a:lnTlToBr>
+                    <a:lnBlToTr w="12700" cmpd="sng">
+                      <a:noFill/>
+                      <a:prstDash val="solid"/>
+                    </a:lnBlToTr>
+                    <a:cell3D prstMaterial="dkEdge">
+                      <a:bevel w="77470" h="12700" prst="softRound"/>
+                      <a:lightRig rig="flood" dir="t"/>
+                    </a:cell3D>
+                  </a:tcPr>
+                </a:tc>
+                <a:extLst>
+                  <a:ext uri="{0D108BD9-81ED-4DB2-BD59-A6C34878D82A}">
+                    <a16:rowId xmlns:a16="http://schemas.microsoft.com/office/drawing/2014/main" xmlns="" val="2530068117"/>
+                  </a:ext>
+                </a:extLst>
+              </a:tr>
+              <a:tr h="613859">
+                <a:tc>
+                  <a:txBody>
+                    <a:bodyPr/>
+                    <a:lstStyle/>
+                    <a:p>
+                      <a:pPr algn="ctr"/>
+                      <a:endParaRPr lang="pt-BR" sz="2800" b="1" dirty="0">
+                        <a:solidFill>
+                          <a:schemeClr val="bg1"/>
+                        </a:solidFill>
+                      </a:endParaRPr>
+                    </a:p>
+                  </a:txBody>
+                  <a:tcPr anchor="ctr">
+                    <a:lnL w="6350" cap="flat" cmpd="sng" algn="ctr">
+                      <a:noFill/>
+                      <a:prstDash val="solid"/>
+                      <a:miter lim="800000"/>
+                    </a:lnL>
+                    <a:lnR>
+                      <a:noFill/>
+                    </a:lnR>
+                    <a:lnT w="6350" cap="flat" cmpd="sng" algn="ctr">
+                      <a:noFill/>
+                      <a:prstDash val="solid"/>
+                      <a:miter lim="800000"/>
+                    </a:lnT>
+                    <a:lnB w="6350" cap="flat" cmpd="sng" algn="ctr">
+                      <a:noFill/>
+                      <a:prstDash val="solid"/>
+                      <a:miter lim="800000"/>
+                    </a:lnB>
+                    <a:lnTlToBr w="12700" cmpd="sng">
+                      <a:noFill/>
+                      <a:prstDash val="solid"/>
+                    </a:lnTlToBr>
+                    <a:lnBlToTr w="12700" cmpd="sng">
+                      <a:noFill/>
+                      <a:prstDash val="solid"/>
+                    </a:lnBlToTr>
+                    <a:cell3D prstMaterial="dkEdge">
+                      <a:bevel w="77470" h="12700" prst="softRound"/>
+                      <a:lightRig rig="flood" dir="t"/>
+                    </a:cell3D>
+                  </a:tcPr>
+                </a:tc>
+                <a:tc>
+                  <a:txBody>
+                    <a:bodyPr/>
+                    <a:lstStyle/>
+                    <a:p>
+                      <a:pPr algn="ctr"/>
+                      <a:endParaRPr lang="pt-BR" sz="2800" b="1" dirty="0">
+                        <a:solidFill>
+                          <a:schemeClr val="bg1"/>
+                        </a:solidFill>
+                      </a:endParaRPr>
+                    </a:p>
+                  </a:txBody>
+                  <a:tcPr anchor="ctr">
+                    <a:lnL>
+                      <a:noFill/>
+                    </a:lnL>
+                    <a:lnR>
+                      <a:noFill/>
+                    </a:lnR>
+                    <a:lnT w="6350" cap="flat" cmpd="sng" algn="ctr">
+                      <a:noFill/>
+                      <a:prstDash val="solid"/>
+                      <a:miter lim="800000"/>
+                    </a:lnT>
+                    <a:lnB w="6350" cap="flat" cmpd="sng" algn="ctr">
+                      <a:noFill/>
+                      <a:prstDash val="solid"/>
+                      <a:miter lim="800000"/>
+                    </a:lnB>
+                    <a:lnTlToBr w="12700" cmpd="sng">
+                      <a:noFill/>
+                      <a:prstDash val="solid"/>
+                    </a:lnTlToBr>
+                    <a:lnBlToTr w="12700" cmpd="sng">
+                      <a:noFill/>
+                      <a:prstDash val="solid"/>
+                    </a:lnBlToTr>
+                    <a:cell3D prstMaterial="dkEdge">
+                      <a:bevel w="77470" h="12700" prst="softRound"/>
+                      <a:lightRig rig="flood" dir="t"/>
+                    </a:cell3D>
+                  </a:tcPr>
+                </a:tc>
+                <a:tc>
+                  <a:txBody>
+                    <a:bodyPr/>
+                    <a:lstStyle/>
+                    <a:p>
+                      <a:pPr algn="ctr"/>
+                      <a:endParaRPr lang="pt-BR" sz="2800" b="1" dirty="0">
+                        <a:solidFill>
+                          <a:schemeClr val="bg1"/>
+                        </a:solidFill>
+                      </a:endParaRPr>
+                    </a:p>
+                  </a:txBody>
+                  <a:tcPr anchor="ctr">
+                    <a:lnL>
+                      <a:noFill/>
+                    </a:lnL>
+                    <a:lnR>
+                      <a:noFill/>
+                    </a:lnR>
+                    <a:lnT w="12700" cap="flat" cmpd="sng" algn="ctr">
+                      <a:noFill/>
+                      <a:prstDash val="solid"/>
+                      <a:round/>
+                      <a:headEnd type="none" w="med" len="med"/>
+                      <a:tailEnd type="none" w="med" len="med"/>
+                    </a:lnT>
+                    <a:lnB w="6350" cap="flat" cmpd="sng" algn="ctr">
+                      <a:noFill/>
+                      <a:prstDash val="solid"/>
+                      <a:miter lim="800000"/>
+                    </a:lnB>
+                    <a:lnTlToBr w="12700" cmpd="sng">
+                      <a:noFill/>
+                      <a:prstDash val="solid"/>
+                    </a:lnTlToBr>
+                    <a:lnBlToTr w="12700" cmpd="sng">
+                      <a:noFill/>
+                      <a:prstDash val="solid"/>
+                    </a:lnBlToTr>
+                    <a:cell3D prstMaterial="dkEdge">
+                      <a:bevel w="77470" h="12700" prst="softRound"/>
+                      <a:lightRig rig="flood" dir="t"/>
+                    </a:cell3D>
+                  </a:tcPr>
+                </a:tc>
+                <a:tc>
+                  <a:txBody>
+                    <a:bodyPr/>
+                    <a:lstStyle/>
+                    <a:p>
+                      <a:pPr algn="ctr"/>
+                      <a:r>
+                        <a:rPr lang="pt-BR" sz="2800" b="1" dirty="0" smtClean="0">
+                          <a:solidFill>
+                            <a:schemeClr val="bg1"/>
+                          </a:solidFill>
+                        </a:rPr>
+                        <a:t>3</a:t>
+                      </a:r>
+                      <a:endParaRPr lang="pt-BR" sz="2800" b="1" dirty="0">
+                        <a:solidFill>
+                          <a:schemeClr val="bg1"/>
+                        </a:solidFill>
+                      </a:endParaRPr>
+                    </a:p>
+                  </a:txBody>
+                  <a:tcPr anchor="ctr">
+                    <a:lnL>
+                      <a:noFill/>
+                    </a:lnL>
+                    <a:lnR w="6350" cap="flat" cmpd="sng" algn="ctr">
+                      <a:noFill/>
+                      <a:prstDash val="solid"/>
+                      <a:miter lim="800000"/>
+                    </a:lnR>
+                    <a:lnT w="12700" cap="flat" cmpd="sng" algn="ctr">
+                      <a:solidFill>
+                        <a:schemeClr val="tx1"/>
+                      </a:solidFill>
+                      <a:prstDash val="solid"/>
+                      <a:round/>
+                      <a:headEnd type="none" w="med" len="med"/>
+                      <a:tailEnd type="none" w="med" len="med"/>
+                    </a:lnT>
+                    <a:lnB w="6350" cap="flat" cmpd="sng" algn="ctr">
+                      <a:noFill/>
+                      <a:prstDash val="solid"/>
+                      <a:miter lim="800000"/>
+                    </a:lnB>
+                    <a:lnTlToBr w="12700" cmpd="sng">
+                      <a:noFill/>
+                      <a:prstDash val="solid"/>
+                    </a:lnTlToBr>
+                    <a:lnBlToTr w="12700" cmpd="sng">
+                      <a:noFill/>
+                      <a:prstDash val="solid"/>
+                    </a:lnBlToTr>
+                    <a:cell3D prstMaterial="dkEdge">
+                      <a:bevel w="77470" h="12700" prst="softRound"/>
+                      <a:lightRig rig="flood" dir="t"/>
+                    </a:cell3D>
+                  </a:tcPr>
+                </a:tc>
+                <a:extLst>
+                  <a:ext uri="{0D108BD9-81ED-4DB2-BD59-A6C34878D82A}">
+                    <a16:rowId xmlns:a16="http://schemas.microsoft.com/office/drawing/2014/main" xmlns="" val="1712611614"/>
+                  </a:ext>
+                </a:extLst>
+              </a:tr>
+            </a:tbl>
+          </a:graphicData>
+        </a:graphic>
+      </p:graphicFrame>
+      <p:sp>
+        <p:nvSpPr>
+          <p:cNvPr id="7" name="Rectangle 4">
+            <a:extLst>
+              <a:ext uri="{FF2B5EF4-FFF2-40B4-BE49-F238E27FC236}">
+                <a16:creationId xmlns="" xmlns:a16="http://schemas.microsoft.com/office/drawing/2014/main" id="{6B3D22E0-3304-47C3-A13D-F3314EEBFA56}"/>
               </a:ext>
             </a:extLst>
           </p:cNvPr>
@@ -8064,323 +7116,7 @@
         </p:nvSpPr>
         <p:spPr>
           <a:xfrm>
-            <a:off x="2039131" y="2100239"/>
-            <a:ext cx="2261935" cy="553998"/>
-          </a:xfrm>
-          <a:prstGeom prst="rect">
-            <a:avLst/>
-          </a:prstGeom>
-          <a:noFill/>
-        </p:spPr>
-        <p:txBody>
-          <a:bodyPr wrap="square" lIns="91440" tIns="45720" rIns="91440" bIns="45720">
-            <a:spAutoFit/>
-          </a:bodyPr>
-          <a:lstStyle/>
-          <a:p>
-            <a:pPr algn="just"/>
-            <a:r>
-              <a:rPr lang="pt-BR" sz="3000" dirty="0" smtClean="0">
-                <a:solidFill>
-                  <a:schemeClr val="bg1"/>
-                </a:solidFill>
-              </a:rPr>
-              <a:t>PARCELA</a:t>
-            </a:r>
-            <a:endParaRPr lang="en-US" sz="3000" b="0" cap="none" spc="0" dirty="0">
-              <a:ln w="0"/>
-              <a:solidFill>
-                <a:schemeClr val="bg1"/>
-              </a:solidFill>
-              <a:effectLst>
-                <a:outerShdw blurRad="38100" dist="19050" dir="2700000" algn="tl" rotWithShape="0">
-                  <a:schemeClr val="dk1">
-                    <a:alpha val="40000"/>
-                  </a:schemeClr>
-                </a:outerShdw>
-              </a:effectLst>
-            </a:endParaRPr>
-          </a:p>
-        </p:txBody>
-      </p:sp>
-      <p:cxnSp>
-        <p:nvCxnSpPr>
-          <p:cNvPr id="7" name="Conector reto 6"/>
-          <p:cNvCxnSpPr/>
-          <p:nvPr/>
-        </p:nvCxnSpPr>
-        <p:spPr>
-          <a:xfrm>
-            <a:off x="1790700" y="3187700"/>
-            <a:ext cx="2194278" cy="0"/>
-          </a:xfrm>
-          <a:prstGeom prst="line">
-            <a:avLst/>
-          </a:prstGeom>
-          <a:ln w="57150">
-            <a:solidFill>
-              <a:srgbClr val="FF0000"/>
-            </a:solidFill>
-          </a:ln>
-        </p:spPr>
-        <p:style>
-          <a:lnRef idx="1">
-            <a:schemeClr val="accent1"/>
-          </a:lnRef>
-          <a:fillRef idx="0">
-            <a:schemeClr val="accent1"/>
-          </a:fillRef>
-          <a:effectRef idx="0">
-            <a:schemeClr val="accent1"/>
-          </a:effectRef>
-          <a:fontRef idx="minor">
-            <a:schemeClr val="tx1"/>
-          </a:fontRef>
-        </p:style>
-      </p:cxnSp>
-      <p:sp>
-        <p:nvSpPr>
-          <p:cNvPr id="11" name="Rectangle 1">
-            <a:extLst>
-              <a:ext uri="{FF2B5EF4-FFF2-40B4-BE49-F238E27FC236}">
-                <a16:creationId xmlns:a16="http://schemas.microsoft.com/office/drawing/2014/main" xmlns="" id="{4F38584F-66B2-464F-9BA7-6F9A856D602F}"/>
-              </a:ext>
-            </a:extLst>
-          </p:cNvPr>
-          <p:cNvSpPr/>
-          <p:nvPr/>
-        </p:nvSpPr>
-        <p:spPr>
-          <a:xfrm>
-            <a:off x="400832" y="1211239"/>
-            <a:ext cx="7777968" cy="523220"/>
-          </a:xfrm>
-          <a:prstGeom prst="rect">
-            <a:avLst/>
-          </a:prstGeom>
-          <a:noFill/>
-        </p:spPr>
-        <p:txBody>
-          <a:bodyPr wrap="square" lIns="91440" tIns="45720" rIns="91440" bIns="45720">
-            <a:spAutoFit/>
-          </a:bodyPr>
-          <a:lstStyle/>
-          <a:p>
-            <a:pPr algn="just"/>
-            <a:r>
-              <a:rPr lang="pt-BR" sz="2800" dirty="0">
-                <a:solidFill>
-                  <a:schemeClr val="bg1"/>
-                </a:solidFill>
-              </a:rPr>
-              <a:t>Estrutura do algoritimo da adição:</a:t>
-            </a:r>
-            <a:endParaRPr lang="en-US" sz="2800" b="0" cap="none" spc="0" dirty="0">
-              <a:ln w="0"/>
-              <a:solidFill>
-                <a:schemeClr val="bg1"/>
-              </a:solidFill>
-              <a:effectLst>
-                <a:outerShdw blurRad="38100" dist="19050" dir="2700000" algn="tl" rotWithShape="0">
-                  <a:schemeClr val="dk1">
-                    <a:alpha val="40000"/>
-                  </a:schemeClr>
-                </a:outerShdw>
-              </a:effectLst>
-            </a:endParaRPr>
-          </a:p>
-        </p:txBody>
-      </p:sp>
-      <p:sp>
-        <p:nvSpPr>
-          <p:cNvPr id="12" name="Rectangle 1">
-            <a:extLst>
-              <a:ext uri="{FF2B5EF4-FFF2-40B4-BE49-F238E27FC236}">
-                <a16:creationId xmlns:a16="http://schemas.microsoft.com/office/drawing/2014/main" xmlns="" id="{4F38584F-66B2-464F-9BA7-6F9A856D602F}"/>
-              </a:ext>
-            </a:extLst>
-          </p:cNvPr>
-          <p:cNvSpPr/>
-          <p:nvPr/>
-        </p:nvSpPr>
-        <p:spPr>
-          <a:xfrm>
-            <a:off x="2001032" y="2608239"/>
-            <a:ext cx="1770868" cy="553998"/>
-          </a:xfrm>
-          <a:prstGeom prst="rect">
-            <a:avLst/>
-          </a:prstGeom>
-          <a:noFill/>
-        </p:spPr>
-        <p:txBody>
-          <a:bodyPr wrap="square" lIns="91440" tIns="45720" rIns="91440" bIns="45720">
-            <a:spAutoFit/>
-          </a:bodyPr>
-          <a:lstStyle/>
-          <a:p>
-            <a:pPr algn="just"/>
-            <a:r>
-              <a:rPr lang="pt-BR" sz="3000" dirty="0" smtClean="0">
-                <a:solidFill>
-                  <a:schemeClr val="bg1"/>
-                </a:solidFill>
-              </a:rPr>
-              <a:t>PARCELA</a:t>
-            </a:r>
-            <a:endParaRPr lang="en-US" sz="3000" b="0" cap="none" spc="0" dirty="0">
-              <a:ln w="0"/>
-              <a:solidFill>
-                <a:schemeClr val="bg1"/>
-              </a:solidFill>
-              <a:effectLst>
-                <a:outerShdw blurRad="38100" dist="19050" dir="2700000" algn="tl" rotWithShape="0">
-                  <a:schemeClr val="dk1">
-                    <a:alpha val="40000"/>
-                  </a:schemeClr>
-                </a:outerShdw>
-              </a:effectLst>
-            </a:endParaRPr>
-          </a:p>
-        </p:txBody>
-      </p:sp>
-      <p:sp>
-        <p:nvSpPr>
-          <p:cNvPr id="13" name="Rectangle 1">
-            <a:extLst>
-              <a:ext uri="{FF2B5EF4-FFF2-40B4-BE49-F238E27FC236}">
-                <a16:creationId xmlns:a16="http://schemas.microsoft.com/office/drawing/2014/main" xmlns="" id="{4F38584F-66B2-464F-9BA7-6F9A856D602F}"/>
-              </a:ext>
-            </a:extLst>
-          </p:cNvPr>
-          <p:cNvSpPr/>
-          <p:nvPr/>
-        </p:nvSpPr>
-        <p:spPr>
-          <a:xfrm>
-            <a:off x="1790700" y="3187700"/>
-            <a:ext cx="3294868" cy="461665"/>
-          </a:xfrm>
-          <a:prstGeom prst="rect">
-            <a:avLst/>
-          </a:prstGeom>
-          <a:noFill/>
-        </p:spPr>
-        <p:txBody>
-          <a:bodyPr wrap="square" lIns="91440" tIns="45720" rIns="91440" bIns="45720">
-            <a:spAutoFit/>
-          </a:bodyPr>
-          <a:lstStyle/>
-          <a:p>
-            <a:pPr algn="just"/>
-            <a:r>
-              <a:rPr lang="pt-BR" sz="2400" dirty="0" smtClean="0">
-                <a:solidFill>
-                  <a:schemeClr val="bg1"/>
-                </a:solidFill>
-              </a:rPr>
-              <a:t>SOMA OU TOTAL</a:t>
-            </a:r>
-            <a:endParaRPr lang="en-US" sz="2400" b="0" cap="none" spc="0" dirty="0">
-              <a:ln w="0"/>
-              <a:solidFill>
-                <a:schemeClr val="bg1"/>
-              </a:solidFill>
-              <a:effectLst>
-                <a:outerShdw blurRad="38100" dist="19050" dir="2700000" algn="tl" rotWithShape="0">
-                  <a:schemeClr val="dk1">
-                    <a:alpha val="40000"/>
-                  </a:schemeClr>
-                </a:outerShdw>
-              </a:effectLst>
-            </a:endParaRPr>
-          </a:p>
-        </p:txBody>
-      </p:sp>
-      <p:sp>
-        <p:nvSpPr>
-          <p:cNvPr id="32" name="Mais 31"/>
-          <p:cNvSpPr/>
-          <p:nvPr/>
-        </p:nvSpPr>
-        <p:spPr>
-          <a:xfrm>
-            <a:off x="1422400" y="2667000"/>
-            <a:ext cx="444500" cy="355600"/>
-          </a:xfrm>
-          <a:prstGeom prst="mathPlus">
-            <a:avLst/>
-          </a:prstGeom>
-          <a:solidFill>
-            <a:srgbClr val="FF0000"/>
-          </a:solidFill>
-        </p:spPr>
-        <p:style>
-          <a:lnRef idx="2">
-            <a:schemeClr val="accent1">
-              <a:shade val="50000"/>
-            </a:schemeClr>
-          </a:lnRef>
-          <a:fillRef idx="1">
-            <a:schemeClr val="accent1"/>
-          </a:fillRef>
-          <a:effectRef idx="0">
-            <a:schemeClr val="accent1"/>
-          </a:effectRef>
-          <a:fontRef idx="minor">
-            <a:schemeClr val="lt1"/>
-          </a:fontRef>
-        </p:style>
-        <p:txBody>
-          <a:bodyPr rtlCol="0" anchor="ctr"/>
-          <a:lstStyle/>
-          <a:p>
-            <a:pPr algn="ctr"/>
-            <a:endParaRPr lang="pt-BR"/>
-          </a:p>
-        </p:txBody>
-      </p:sp>
-      <p:pic>
-        <p:nvPicPr>
-          <p:cNvPr id="36" name="Picture 2" descr="Imagem relacionada"/>
-          <p:cNvPicPr>
-            <a:picLocks noChangeAspect="1" noChangeArrowheads="1"/>
-          </p:cNvPicPr>
-          <p:nvPr/>
-        </p:nvPicPr>
-        <p:blipFill>
-          <a:blip r:embed="rId3"/>
-          <a:srcRect/>
-          <a:stretch>
-            <a:fillRect/>
-          </a:stretch>
-        </p:blipFill>
-        <p:spPr bwMode="auto">
-          <a:xfrm>
-            <a:off x="6864439" y="2772124"/>
-            <a:ext cx="1815921" cy="1997513"/>
-          </a:xfrm>
-          <a:prstGeom prst="rect">
-            <a:avLst/>
-          </a:prstGeom>
-          <a:noFill/>
-        </p:spPr>
-      </p:pic>
-      <p:sp>
-        <p:nvSpPr>
-          <p:cNvPr id="14" name="Rectangle 4">
-            <a:extLst>
-              <a:ext uri="{FF2B5EF4-FFF2-40B4-BE49-F238E27FC236}">
-                <a16:creationId xmlns:a16="http://schemas.microsoft.com/office/drawing/2014/main" xmlns="" id="{6B3D22E0-3304-47C3-A13D-F3314EEBFA56}"/>
-              </a:ext>
-            </a:extLst>
-          </p:cNvPr>
-          <p:cNvSpPr/>
-          <p:nvPr/>
-        </p:nvSpPr>
-        <p:spPr>
-          <a:xfrm>
-            <a:off x="250158" y="48777"/>
+            <a:off x="242756" y="43300"/>
             <a:ext cx="536741" cy="830997"/>
           </a:xfrm>
           <a:prstGeom prst="rect">
@@ -8429,7 +7165,7 @@
                   </a:outerShdw>
                 </a:effectLst>
               </a:rPr>
-              <a:t>3</a:t>
+              <a:t>4</a:t>
             </a:r>
             <a:endParaRPr lang="en-US" sz="4800" b="1" cap="none" spc="0" dirty="0">
               <a:ln w="6600">
@@ -8452,10 +7188,497 @@
       </p:sp>
       <p:sp>
         <p:nvSpPr>
-          <p:cNvPr id="16" name="Rectangle 7">
+          <p:cNvPr id="4" name="Seta para a direita 3"/>
+          <p:cNvSpPr/>
+          <p:nvPr/>
+        </p:nvSpPr>
+        <p:spPr>
+          <a:xfrm>
+            <a:off x="5219700" y="2311400"/>
+            <a:ext cx="558800" cy="330200"/>
+          </a:xfrm>
+          <a:prstGeom prst="rightArrow">
+            <a:avLst/>
+          </a:prstGeom>
+        </p:spPr>
+        <p:style>
+          <a:lnRef idx="2">
+            <a:schemeClr val="accent1">
+              <a:shade val="50000"/>
+            </a:schemeClr>
+          </a:lnRef>
+          <a:fillRef idx="1">
+            <a:schemeClr val="accent1"/>
+          </a:fillRef>
+          <a:effectRef idx="0">
+            <a:schemeClr val="accent1"/>
+          </a:effectRef>
+          <a:fontRef idx="minor">
+            <a:schemeClr val="lt1"/>
+          </a:fontRef>
+        </p:style>
+        <p:txBody>
+          <a:bodyPr rtlCol="0" anchor="ctr"/>
+          <a:lstStyle/>
+          <a:p>
+            <a:pPr algn="ctr"/>
+            <a:endParaRPr lang="pt-BR"/>
+          </a:p>
+        </p:txBody>
+      </p:sp>
+      <p:sp>
+        <p:nvSpPr>
+          <p:cNvPr id="8" name="Rectangle 1">
             <a:extLst>
               <a:ext uri="{FF2B5EF4-FFF2-40B4-BE49-F238E27FC236}">
-                <a16:creationId xmlns:a16="http://schemas.microsoft.com/office/drawing/2014/main" xmlns="" id="{9A0DF3A1-7C0C-4F2B-AC19-D85A14774D75}"/>
+                <a16:creationId xmlns="" xmlns:a16="http://schemas.microsoft.com/office/drawing/2014/main" id="{4F38584F-66B2-464F-9BA7-6F9A856D602F}"/>
+              </a:ext>
+            </a:extLst>
+          </p:cNvPr>
+          <p:cNvSpPr/>
+          <p:nvPr/>
+        </p:nvSpPr>
+        <p:spPr>
+          <a:xfrm>
+            <a:off x="5778500" y="2114863"/>
+            <a:ext cx="1813169" cy="584775"/>
+          </a:xfrm>
+          <a:prstGeom prst="rect">
+            <a:avLst/>
+          </a:prstGeom>
+          <a:noFill/>
+          <a:ln>
+            <a:noFill/>
+          </a:ln>
+          <a:effectLst>
+            <a:outerShdw blurRad="57785" dist="33020" dir="3180000" algn="ctr">
+              <a:srgbClr val="000000">
+                <a:alpha val="30000"/>
+              </a:srgbClr>
+            </a:outerShdw>
+          </a:effectLst>
+          <a:scene3d>
+            <a:camera prst="isometricOffAxis1Right"/>
+            <a:lightRig rig="brightRoom" dir="t">
+              <a:rot lat="0" lon="0" rev="600000"/>
+            </a:lightRig>
+          </a:scene3d>
+          <a:sp3d prstMaterial="metal">
+            <a:bevelT w="38100" h="57150" prst="angle"/>
+          </a:sp3d>
+        </p:spPr>
+        <p:txBody>
+          <a:bodyPr wrap="square" lIns="91440" tIns="45720" rIns="91440" bIns="45720">
+            <a:spAutoFit/>
+          </a:bodyPr>
+          <a:lstStyle/>
+          <a:p>
+            <a:r>
+              <a:rPr lang="pt-BR" sz="3200" b="1" dirty="0" smtClean="0">
+                <a:ln w="10160">
+                  <a:solidFill>
+                    <a:schemeClr val="accent5"/>
+                  </a:solidFill>
+                  <a:prstDash val="solid"/>
+                </a:ln>
+                <a:solidFill>
+                  <a:srgbClr val="FFFFFF"/>
+                </a:solidFill>
+                <a:effectLst>
+                  <a:outerShdw blurRad="38100" dist="22860" dir="5400000" algn="tl" rotWithShape="0">
+                    <a:srgbClr val="000000">
+                      <a:alpha val="30000"/>
+                    </a:srgbClr>
+                  </a:outerShdw>
+                </a:effectLst>
+              </a:rPr>
+              <a:t>Parcela</a:t>
+            </a:r>
+            <a:endParaRPr lang="pt-BR" sz="3200" b="1" dirty="0">
+              <a:ln w="10160">
+                <a:solidFill>
+                  <a:schemeClr val="accent5"/>
+                </a:solidFill>
+                <a:prstDash val="solid"/>
+              </a:ln>
+              <a:solidFill>
+                <a:srgbClr val="FFFFFF"/>
+              </a:solidFill>
+              <a:effectLst>
+                <a:outerShdw blurRad="38100" dist="22860" dir="5400000" algn="tl" rotWithShape="0">
+                  <a:srgbClr val="000000">
+                    <a:alpha val="30000"/>
+                  </a:srgbClr>
+                </a:outerShdw>
+              </a:effectLst>
+            </a:endParaRPr>
+          </a:p>
+        </p:txBody>
+      </p:sp>
+      <p:sp>
+        <p:nvSpPr>
+          <p:cNvPr id="10" name="Seta para a direita 9"/>
+          <p:cNvSpPr/>
+          <p:nvPr/>
+        </p:nvSpPr>
+        <p:spPr>
+          <a:xfrm>
+            <a:off x="5219700" y="2895600"/>
+            <a:ext cx="558800" cy="330200"/>
+          </a:xfrm>
+          <a:prstGeom prst="rightArrow">
+            <a:avLst/>
+          </a:prstGeom>
+        </p:spPr>
+        <p:style>
+          <a:lnRef idx="2">
+            <a:schemeClr val="accent1">
+              <a:shade val="50000"/>
+            </a:schemeClr>
+          </a:lnRef>
+          <a:fillRef idx="1">
+            <a:schemeClr val="accent1"/>
+          </a:fillRef>
+          <a:effectRef idx="0">
+            <a:schemeClr val="accent1"/>
+          </a:effectRef>
+          <a:fontRef idx="minor">
+            <a:schemeClr val="lt1"/>
+          </a:fontRef>
+        </p:style>
+        <p:txBody>
+          <a:bodyPr rtlCol="0" anchor="ctr"/>
+          <a:lstStyle/>
+          <a:p>
+            <a:pPr algn="ctr"/>
+            <a:endParaRPr lang="pt-BR"/>
+          </a:p>
+        </p:txBody>
+      </p:sp>
+      <p:sp>
+        <p:nvSpPr>
+          <p:cNvPr id="12" name="Seta para a direita 11"/>
+          <p:cNvSpPr/>
+          <p:nvPr/>
+        </p:nvSpPr>
+        <p:spPr>
+          <a:xfrm>
+            <a:off x="5219700" y="3479800"/>
+            <a:ext cx="558800" cy="330200"/>
+          </a:xfrm>
+          <a:prstGeom prst="rightArrow">
+            <a:avLst/>
+          </a:prstGeom>
+          <a:solidFill>
+            <a:srgbClr val="FFFF00"/>
+          </a:solidFill>
+          <a:effectLst>
+            <a:glow rad="139700">
+              <a:schemeClr val="accent1">
+                <a:satMod val="175000"/>
+                <a:alpha val="40000"/>
+              </a:schemeClr>
+            </a:glow>
+          </a:effectLst>
+        </p:spPr>
+        <p:style>
+          <a:lnRef idx="2">
+            <a:schemeClr val="accent1">
+              <a:shade val="50000"/>
+            </a:schemeClr>
+          </a:lnRef>
+          <a:fillRef idx="1">
+            <a:schemeClr val="accent1"/>
+          </a:fillRef>
+          <a:effectRef idx="0">
+            <a:schemeClr val="accent1"/>
+          </a:effectRef>
+          <a:fontRef idx="minor">
+            <a:schemeClr val="lt1"/>
+          </a:fontRef>
+        </p:style>
+        <p:txBody>
+          <a:bodyPr rtlCol="0" anchor="ctr"/>
+          <a:lstStyle/>
+          <a:p>
+            <a:pPr algn="ctr"/>
+            <a:endParaRPr lang="pt-BR"/>
+          </a:p>
+        </p:txBody>
+      </p:sp>
+      <p:sp>
+        <p:nvSpPr>
+          <p:cNvPr id="14" name="Rectangle 1">
+            <a:extLst>
+              <a:ext uri="{FF2B5EF4-FFF2-40B4-BE49-F238E27FC236}">
+                <a16:creationId xmlns="" xmlns:a16="http://schemas.microsoft.com/office/drawing/2014/main" id="{4F38584F-66B2-464F-9BA7-6F9A856D602F}"/>
+              </a:ext>
+            </a:extLst>
+          </p:cNvPr>
+          <p:cNvSpPr/>
+          <p:nvPr/>
+        </p:nvSpPr>
+        <p:spPr>
+          <a:xfrm>
+            <a:off x="5778500" y="2706876"/>
+            <a:ext cx="1813169" cy="584775"/>
+          </a:xfrm>
+          <a:prstGeom prst="rect">
+            <a:avLst/>
+          </a:prstGeom>
+          <a:noFill/>
+          <a:ln>
+            <a:noFill/>
+          </a:ln>
+          <a:effectLst>
+            <a:outerShdw blurRad="57785" dist="33020" dir="3180000" algn="ctr">
+              <a:srgbClr val="000000">
+                <a:alpha val="30000"/>
+              </a:srgbClr>
+            </a:outerShdw>
+          </a:effectLst>
+          <a:scene3d>
+            <a:camera prst="isometricOffAxis1Right"/>
+            <a:lightRig rig="brightRoom" dir="t">
+              <a:rot lat="0" lon="0" rev="600000"/>
+            </a:lightRig>
+          </a:scene3d>
+          <a:sp3d prstMaterial="metal">
+            <a:bevelT w="38100" h="57150" prst="angle"/>
+          </a:sp3d>
+        </p:spPr>
+        <p:txBody>
+          <a:bodyPr wrap="square" lIns="91440" tIns="45720" rIns="91440" bIns="45720">
+            <a:spAutoFit/>
+          </a:bodyPr>
+          <a:lstStyle/>
+          <a:p>
+            <a:r>
+              <a:rPr lang="pt-BR" sz="3200" b="1" dirty="0" smtClean="0">
+                <a:ln w="10160">
+                  <a:solidFill>
+                    <a:schemeClr val="accent5"/>
+                  </a:solidFill>
+                  <a:prstDash val="solid"/>
+                </a:ln>
+                <a:solidFill>
+                  <a:srgbClr val="FFFFFF"/>
+                </a:solidFill>
+                <a:effectLst>
+                  <a:outerShdw blurRad="38100" dist="22860" dir="5400000" algn="tl" rotWithShape="0">
+                    <a:srgbClr val="000000">
+                      <a:alpha val="30000"/>
+                    </a:srgbClr>
+                  </a:outerShdw>
+                </a:effectLst>
+              </a:rPr>
+              <a:t>Parcela</a:t>
+            </a:r>
+            <a:endParaRPr lang="pt-BR" sz="3200" b="1" dirty="0">
+              <a:ln w="10160">
+                <a:solidFill>
+                  <a:schemeClr val="accent5"/>
+                </a:solidFill>
+                <a:prstDash val="solid"/>
+              </a:ln>
+              <a:solidFill>
+                <a:srgbClr val="FFFFFF"/>
+              </a:solidFill>
+              <a:effectLst>
+                <a:outerShdw blurRad="38100" dist="22860" dir="5400000" algn="tl" rotWithShape="0">
+                  <a:srgbClr val="000000">
+                    <a:alpha val="30000"/>
+                  </a:srgbClr>
+                </a:outerShdw>
+              </a:effectLst>
+            </a:endParaRPr>
+          </a:p>
+        </p:txBody>
+      </p:sp>
+      <p:sp>
+        <p:nvSpPr>
+          <p:cNvPr id="15" name="Rectangle 1">
+            <a:extLst>
+              <a:ext uri="{FF2B5EF4-FFF2-40B4-BE49-F238E27FC236}">
+                <a16:creationId xmlns="" xmlns:a16="http://schemas.microsoft.com/office/drawing/2014/main" id="{4F38584F-66B2-464F-9BA7-6F9A856D602F}"/>
+              </a:ext>
+            </a:extLst>
+          </p:cNvPr>
+          <p:cNvSpPr/>
+          <p:nvPr/>
+        </p:nvSpPr>
+        <p:spPr>
+          <a:xfrm>
+            <a:off x="5778500" y="3225225"/>
+            <a:ext cx="2743200" cy="584775"/>
+          </a:xfrm>
+          <a:prstGeom prst="rect">
+            <a:avLst/>
+          </a:prstGeom>
+          <a:noFill/>
+          <a:ln>
+            <a:noFill/>
+          </a:ln>
+          <a:effectLst>
+            <a:outerShdw blurRad="57785" dist="33020" dir="3180000" algn="ctr">
+              <a:srgbClr val="000000">
+                <a:alpha val="30000"/>
+              </a:srgbClr>
+            </a:outerShdw>
+          </a:effectLst>
+          <a:scene3d>
+            <a:camera prst="isometricOffAxis1Right"/>
+            <a:lightRig rig="brightRoom" dir="t">
+              <a:rot lat="0" lon="0" rev="600000"/>
+            </a:lightRig>
+          </a:scene3d>
+          <a:sp3d prstMaterial="metal">
+            <a:bevelT w="38100" h="57150" prst="angle"/>
+          </a:sp3d>
+        </p:spPr>
+        <p:txBody>
+          <a:bodyPr wrap="square" lIns="91440" tIns="45720" rIns="91440" bIns="45720">
+            <a:spAutoFit/>
+          </a:bodyPr>
+          <a:lstStyle/>
+          <a:p>
+            <a:r>
+              <a:rPr lang="pt-BR" sz="3200" b="1" dirty="0" smtClean="0">
+                <a:ln w="10160">
+                  <a:solidFill>
+                    <a:schemeClr val="accent5"/>
+                  </a:solidFill>
+                  <a:prstDash val="solid"/>
+                </a:ln>
+                <a:solidFill>
+                  <a:srgbClr val="FFFFFF"/>
+                </a:solidFill>
+                <a:effectLst>
+                  <a:outerShdw blurRad="38100" dist="22860" dir="5400000" algn="tl" rotWithShape="0">
+                    <a:srgbClr val="000000">
+                      <a:alpha val="30000"/>
+                    </a:srgbClr>
+                  </a:outerShdw>
+                </a:effectLst>
+              </a:rPr>
+              <a:t>Soma ou Total</a:t>
+            </a:r>
+            <a:endParaRPr lang="pt-BR" sz="3200" b="1" dirty="0">
+              <a:ln w="10160">
+                <a:solidFill>
+                  <a:schemeClr val="accent5"/>
+                </a:solidFill>
+                <a:prstDash val="solid"/>
+              </a:ln>
+              <a:solidFill>
+                <a:srgbClr val="FFFFFF"/>
+              </a:solidFill>
+              <a:effectLst>
+                <a:outerShdw blurRad="38100" dist="22860" dir="5400000" algn="tl" rotWithShape="0">
+                  <a:srgbClr val="000000">
+                    <a:alpha val="30000"/>
+                  </a:srgbClr>
+                </a:outerShdw>
+              </a:effectLst>
+            </a:endParaRPr>
+          </a:p>
+        </p:txBody>
+      </p:sp>
+      <p:sp>
+        <p:nvSpPr>
+          <p:cNvPr id="16" name="Rectangle 1">
+            <a:extLst>
+              <a:ext uri="{FF2B5EF4-FFF2-40B4-BE49-F238E27FC236}">
+                <a16:creationId xmlns="" xmlns:a16="http://schemas.microsoft.com/office/drawing/2014/main" id="{4F38584F-66B2-464F-9BA7-6F9A856D602F}"/>
+              </a:ext>
+            </a:extLst>
+          </p:cNvPr>
+          <p:cNvSpPr/>
+          <p:nvPr/>
+        </p:nvSpPr>
+        <p:spPr>
+          <a:xfrm>
+            <a:off x="331596" y="825391"/>
+            <a:ext cx="6945504" cy="584775"/>
+          </a:xfrm>
+          <a:prstGeom prst="rect">
+            <a:avLst/>
+          </a:prstGeom>
+          <a:noFill/>
+          <a:ln>
+            <a:noFill/>
+          </a:ln>
+          <a:effectLst>
+            <a:outerShdw blurRad="57785" dist="33020" dir="3180000" algn="ctr">
+              <a:srgbClr val="000000">
+                <a:alpha val="30000"/>
+              </a:srgbClr>
+            </a:outerShdw>
+          </a:effectLst>
+          <a:scene3d>
+            <a:camera prst="orthographicFront"/>
+            <a:lightRig rig="brightRoom" dir="t">
+              <a:rot lat="0" lon="0" rev="600000"/>
+            </a:lightRig>
+          </a:scene3d>
+          <a:sp3d prstMaterial="metal">
+            <a:bevelT w="38100" h="57150" prst="angle"/>
+          </a:sp3d>
+        </p:spPr>
+        <p:txBody>
+          <a:bodyPr wrap="square" lIns="91440" tIns="45720" rIns="91440" bIns="45720">
+            <a:spAutoFit/>
+          </a:bodyPr>
+          <a:lstStyle/>
+          <a:p>
+            <a:r>
+              <a:rPr lang="pt-BR" sz="3200" b="1" dirty="0" smtClean="0">
+                <a:ln w="10160">
+                  <a:solidFill>
+                    <a:schemeClr val="accent5"/>
+                  </a:solidFill>
+                  <a:prstDash val="solid"/>
+                </a:ln>
+                <a:solidFill>
+                  <a:srgbClr val="FFFFFF"/>
+                </a:solidFill>
+                <a:effectLst>
+                  <a:outerShdw blurRad="38100" dist="22860" dir="5400000" algn="tl" rotWithShape="0">
+                    <a:srgbClr val="000000">
+                      <a:alpha val="30000"/>
+                    </a:srgbClr>
+                  </a:outerShdw>
+                </a:effectLst>
+              </a:rPr>
+              <a:t>Exemplo 01 – somando unidades</a:t>
+            </a:r>
+            <a:endParaRPr lang="pt-BR" sz="3200" b="1" dirty="0">
+              <a:ln w="10160">
+                <a:solidFill>
+                  <a:schemeClr val="accent5"/>
+                </a:solidFill>
+                <a:prstDash val="solid"/>
+              </a:ln>
+              <a:solidFill>
+                <a:srgbClr val="FFFFFF"/>
+              </a:solidFill>
+              <a:effectLst>
+                <a:outerShdw blurRad="38100" dist="22860" dir="5400000" algn="tl" rotWithShape="0">
+                  <a:srgbClr val="000000">
+                    <a:alpha val="30000"/>
+                  </a:srgbClr>
+                </a:outerShdw>
+              </a:effectLst>
+            </a:endParaRPr>
+          </a:p>
+        </p:txBody>
+      </p:sp>
+      <p:sp>
+        <p:nvSpPr>
+          <p:cNvPr id="17" name="Rectangle 7">
+            <a:extLst>
+              <a:ext uri="{FF2B5EF4-FFF2-40B4-BE49-F238E27FC236}">
+                <a16:creationId xmlns="" xmlns:a16="http://schemas.microsoft.com/office/drawing/2014/main" id="{9A0DF3A1-7C0C-4F2B-AC19-D85A14774D75}"/>
               </a:ext>
             </a:extLst>
           </p:cNvPr>
@@ -8580,7 +7803,7 @@
     </p:spTree>
     <p:extLst>
       <p:ext uri="{BB962C8B-B14F-4D97-AF65-F5344CB8AC3E}">
-        <p14:creationId xmlns:p14="http://schemas.microsoft.com/office/powerpoint/2010/main" val="2741726859"/>
+        <p14:creationId xmlns:p14="http://schemas.microsoft.com/office/powerpoint/2010/main" val="1735999692"/>
       </p:ext>
     </p:extLst>
   </p:cSld>
@@ -8615,7 +7838,7 @@
           <p:cNvPr id="6" name="Table 9">
             <a:extLst>
               <a:ext uri="{FF2B5EF4-FFF2-40B4-BE49-F238E27FC236}">
-                <a16:creationId xmlns="" xmlns:a16="http://schemas.microsoft.com/office/drawing/2014/main" id="{A3C33157-FA5E-498D-B93C-73F8CAEE1A5D}"/>
+                <a16:creationId xmlns:a16="http://schemas.microsoft.com/office/drawing/2014/main" xmlns="" id="{A3C33157-FA5E-498D-B93C-73F8CAEE1A5D}"/>
               </a:ext>
             </a:extLst>
           </p:cNvPr>
@@ -8640,28 +7863,28 @@
                 <a:gridCol w="809065">
                   <a:extLst>
                     <a:ext uri="{9D8B030D-6E8A-4147-A177-3AD203B41FA5}">
-                      <a16:colId xmlns="" xmlns:a16="http://schemas.microsoft.com/office/drawing/2014/main" val="2514592082"/>
+                      <a16:colId xmlns:a16="http://schemas.microsoft.com/office/drawing/2014/main" xmlns="" val="2514592082"/>
                     </a:ext>
                   </a:extLst>
                 </a:gridCol>
                 <a:gridCol w="809065">
                   <a:extLst>
                     <a:ext uri="{9D8B030D-6E8A-4147-A177-3AD203B41FA5}">
-                      <a16:colId xmlns="" xmlns:a16="http://schemas.microsoft.com/office/drawing/2014/main" val="1972351707"/>
+                      <a16:colId xmlns:a16="http://schemas.microsoft.com/office/drawing/2014/main" xmlns="" val="1972351707"/>
                     </a:ext>
                   </a:extLst>
                 </a:gridCol>
                 <a:gridCol w="809065">
                   <a:extLst>
                     <a:ext uri="{9D8B030D-6E8A-4147-A177-3AD203B41FA5}">
-                      <a16:colId xmlns="" xmlns:a16="http://schemas.microsoft.com/office/drawing/2014/main" val="130078612"/>
+                      <a16:colId xmlns:a16="http://schemas.microsoft.com/office/drawing/2014/main" xmlns="" val="130078612"/>
                     </a:ext>
                   </a:extLst>
                 </a:gridCol>
                 <a:gridCol w="809065">
                   <a:extLst>
                     <a:ext uri="{9D8B030D-6E8A-4147-A177-3AD203B41FA5}">
-                      <a16:colId xmlns="" xmlns:a16="http://schemas.microsoft.com/office/drawing/2014/main" val="3594532491"/>
+                      <a16:colId xmlns:a16="http://schemas.microsoft.com/office/drawing/2014/main" xmlns="" val="3594532491"/>
                     </a:ext>
                   </a:extLst>
                 </a:gridCol>
@@ -8847,7 +8070,7 @@
                 </a:tc>
                 <a:extLst>
                   <a:ext uri="{0D108BD9-81ED-4DB2-BD59-A6C34878D82A}">
-                    <a16:rowId xmlns="" xmlns:a16="http://schemas.microsoft.com/office/drawing/2014/main" val="1648878484"/>
+                    <a16:rowId xmlns:a16="http://schemas.microsoft.com/office/drawing/2014/main" xmlns="" val="1648878484"/>
                   </a:ext>
                 </a:extLst>
               </a:tr>
@@ -8948,6 +8171,14 @@
                     <a:lstStyle/>
                     <a:p>
                       <a:pPr algn="ctr"/>
+                      <a:r>
+                        <a:rPr lang="pt-BR" sz="2800" b="1" dirty="0" smtClean="0">
+                          <a:solidFill>
+                            <a:schemeClr val="bg1"/>
+                          </a:solidFill>
+                        </a:rPr>
+                        <a:t>6</a:t>
+                      </a:r>
                       <a:endParaRPr lang="pt-BR" sz="2800" b="1" dirty="0">
                         <a:solidFill>
                           <a:schemeClr val="bg1"/>
@@ -8998,7 +8229,7 @@
                             <a:schemeClr val="bg1"/>
                           </a:solidFill>
                         </a:rPr>
-                        <a:t>1</a:t>
+                        <a:t>4</a:t>
                       </a:r>
                       <a:endParaRPr lang="pt-BR" sz="2800" b="1" dirty="0">
                         <a:solidFill>
@@ -9042,7 +8273,7 @@
                 </a:tc>
                 <a:extLst>
                   <a:ext uri="{0D108BD9-81ED-4DB2-BD59-A6C34878D82A}">
-                    <a16:rowId xmlns="" xmlns:a16="http://schemas.microsoft.com/office/drawing/2014/main" val="3110016024"/>
+                    <a16:rowId xmlns:a16="http://schemas.microsoft.com/office/drawing/2014/main" xmlns="" val="3110016024"/>
                   </a:ext>
                 </a:extLst>
               </a:tr>
@@ -9065,50 +8296,6 @@
                       <a:noFill/>
                       <a:prstDash val="solid"/>
                       <a:miter lim="800000"/>
-                    </a:lnL>
-                    <a:lnR>
-                      <a:noFill/>
-                    </a:lnR>
-                    <a:lnT w="6350" cap="flat" cmpd="sng" algn="ctr">
-                      <a:noFill/>
-                      <a:prstDash val="solid"/>
-                      <a:miter lim="800000"/>
-                    </a:lnT>
-                    <a:lnB w="6350" cap="flat" cmpd="sng" algn="ctr">
-                      <a:noFill/>
-                      <a:prstDash val="solid"/>
-                      <a:miter lim="800000"/>
-                    </a:lnB>
-                    <a:lnTlToBr w="12700" cmpd="sng">
-                      <a:noFill/>
-                      <a:prstDash val="solid"/>
-                    </a:lnTlToBr>
-                    <a:lnBlToTr w="12700" cmpd="sng">
-                      <a:noFill/>
-                      <a:prstDash val="solid"/>
-                    </a:lnBlToTr>
-                    <a:cell3D prstMaterial="dkEdge">
-                      <a:bevel w="77470" h="12700" prst="softRound"/>
-                      <a:lightRig rig="flood" dir="t"/>
-                    </a:cell3D>
-                  </a:tcPr>
-                </a:tc>
-                <a:tc>
-                  <a:txBody>
-                    <a:bodyPr/>
-                    <a:lstStyle/>
-                    <a:p>
-                      <a:pPr algn="ctr"/>
-                      <a:endParaRPr lang="pt-BR" sz="2800" b="1" dirty="0">
-                        <a:solidFill>
-                          <a:schemeClr val="bg1"/>
-                        </a:solidFill>
-                      </a:endParaRPr>
-                    </a:p>
-                  </a:txBody>
-                  <a:tcPr anchor="ctr">
-                    <a:lnL>
-                      <a:noFill/>
                     </a:lnL>
                     <a:lnR>
                       <a:noFill/>
@@ -9170,8 +8357,57 @@
                       <a:prstDash val="solid"/>
                       <a:miter lim="800000"/>
                     </a:lnT>
+                    <a:lnB w="6350" cap="flat" cmpd="sng" algn="ctr">
+                      <a:noFill/>
+                      <a:prstDash val="solid"/>
+                      <a:miter lim="800000"/>
+                    </a:lnB>
+                    <a:lnTlToBr w="12700" cmpd="sng">
+                      <a:noFill/>
+                      <a:prstDash val="solid"/>
+                    </a:lnTlToBr>
+                    <a:lnBlToTr w="12700" cmpd="sng">
+                      <a:noFill/>
+                      <a:prstDash val="solid"/>
+                    </a:lnBlToTr>
+                    <a:cell3D prstMaterial="dkEdge">
+                      <a:bevel w="77470" h="12700" prst="softRound"/>
+                      <a:lightRig rig="flood" dir="t"/>
+                    </a:cell3D>
+                  </a:tcPr>
+                </a:tc>
+                <a:tc>
+                  <a:txBody>
+                    <a:bodyPr/>
+                    <a:lstStyle/>
+                    <a:p>
+                      <a:pPr algn="ctr"/>
+                      <a:r>
+                        <a:rPr lang="pt-BR" sz="2800" b="1" dirty="0">
+                          <a:solidFill>
+                            <a:schemeClr val="bg1"/>
+                          </a:solidFill>
+                        </a:rPr>
+                        <a:t>1</a:t>
+                      </a:r>
+                    </a:p>
+                  </a:txBody>
+                  <a:tcPr anchor="ctr">
+                    <a:lnL>
+                      <a:noFill/>
+                    </a:lnL>
+                    <a:lnR>
+                      <a:noFill/>
+                    </a:lnR>
+                    <a:lnT w="6350" cap="flat" cmpd="sng" algn="ctr">
+                      <a:noFill/>
+                      <a:prstDash val="solid"/>
+                      <a:miter lim="800000"/>
+                    </a:lnT>
                     <a:lnB w="12700" cap="flat" cmpd="sng" algn="ctr">
-                      <a:noFill/>
+                      <a:solidFill>
+                        <a:schemeClr val="tx1"/>
+                      </a:solidFill>
                       <a:prstDash val="solid"/>
                       <a:round/>
                       <a:headEnd type="none" w="med" len="med"/>
@@ -9246,7 +8482,7 @@
                 </a:tc>
                 <a:extLst>
                   <a:ext uri="{0D108BD9-81ED-4DB2-BD59-A6C34878D82A}">
-                    <a16:rowId xmlns="" xmlns:a16="http://schemas.microsoft.com/office/drawing/2014/main" val="2530068117"/>
+                    <a16:rowId xmlns:a16="http://schemas.microsoft.com/office/drawing/2014/main" xmlns="" val="2530068117"/>
                   </a:ext>
                 </a:extLst>
               </a:tr>
@@ -9347,6 +8583,14 @@
                     <a:lstStyle/>
                     <a:p>
                       <a:pPr algn="ctr"/>
+                      <a:r>
+                        <a:rPr lang="pt-BR" sz="2800" b="1" dirty="0" smtClean="0">
+                          <a:solidFill>
+                            <a:schemeClr val="bg1"/>
+                          </a:solidFill>
+                        </a:rPr>
+                        <a:t>7</a:t>
+                      </a:r>
                       <a:endParaRPr lang="pt-BR" sz="2800" b="1" dirty="0">
                         <a:solidFill>
                           <a:schemeClr val="bg1"/>
@@ -9362,7 +8606,9 @@
                       <a:noFill/>
                     </a:lnR>
                     <a:lnT w="12700" cap="flat" cmpd="sng" algn="ctr">
-                      <a:noFill/>
+                      <a:solidFill>
+                        <a:schemeClr val="tx1"/>
+                      </a:solidFill>
                       <a:prstDash val="solid"/>
                       <a:round/>
                       <a:headEnd type="none" w="med" len="med"/>
@@ -9399,7 +8645,7 @@
                             <a:schemeClr val="bg1"/>
                           </a:solidFill>
                         </a:rPr>
-                        <a:t>3</a:t>
+                        <a:t>6</a:t>
                       </a:r>
                       <a:endParaRPr lang="pt-BR" sz="2800" b="1" dirty="0">
                         <a:solidFill>
@@ -9447,7 +8693,7 @@
                 </a:tc>
                 <a:extLst>
                   <a:ext uri="{0D108BD9-81ED-4DB2-BD59-A6C34878D82A}">
-                    <a16:rowId xmlns="" xmlns:a16="http://schemas.microsoft.com/office/drawing/2014/main" val="1712611614"/>
+                    <a16:rowId xmlns:a16="http://schemas.microsoft.com/office/drawing/2014/main" xmlns="" val="1712611614"/>
                   </a:ext>
                 </a:extLst>
               </a:tr>
@@ -9460,7 +8706,7 @@
           <p:cNvPr id="7" name="Rectangle 4">
             <a:extLst>
               <a:ext uri="{FF2B5EF4-FFF2-40B4-BE49-F238E27FC236}">
-                <a16:creationId xmlns:a16="http://schemas.microsoft.com/office/drawing/2014/main" xmlns="" id="{6B3D22E0-3304-47C3-A13D-F3314EEBFA56}"/>
+                <a16:creationId xmlns="" xmlns:a16="http://schemas.microsoft.com/office/drawing/2014/main" id="{6B3D22E0-3304-47C3-A13D-F3314EEBFA56}"/>
               </a:ext>
             </a:extLst>
           </p:cNvPr>
@@ -9518,7 +8764,7 @@
                   </a:outerShdw>
                 </a:effectLst>
               </a:rPr>
-              <a:t>4</a:t>
+              <a:t>5</a:t>
             </a:r>
             <a:endParaRPr lang="en-US" sz="4800" b="1" cap="none" spc="0" dirty="0">
               <a:ln w="6600">
@@ -9584,7 +8830,7 @@
           <p:cNvPr id="8" name="Rectangle 1">
             <a:extLst>
               <a:ext uri="{FF2B5EF4-FFF2-40B4-BE49-F238E27FC236}">
-                <a16:creationId xmlns:a16="http://schemas.microsoft.com/office/drawing/2014/main" xmlns="" id="{4F38584F-66B2-464F-9BA7-6F9A856D602F}"/>
+                <a16:creationId xmlns="" xmlns:a16="http://schemas.microsoft.com/office/drawing/2014/main" id="{4F38584F-66B2-464F-9BA7-6F9A856D602F}"/>
               </a:ext>
             </a:extLst>
           </p:cNvPr>
@@ -9764,7 +9010,7 @@
           <p:cNvPr id="14" name="Rectangle 1">
             <a:extLst>
               <a:ext uri="{FF2B5EF4-FFF2-40B4-BE49-F238E27FC236}">
-                <a16:creationId xmlns:a16="http://schemas.microsoft.com/office/drawing/2014/main" xmlns="" id="{4F38584F-66B2-464F-9BA7-6F9A856D602F}"/>
+                <a16:creationId xmlns="" xmlns:a16="http://schemas.microsoft.com/office/drawing/2014/main" id="{4F38584F-66B2-464F-9BA7-6F9A856D602F}"/>
               </a:ext>
             </a:extLst>
           </p:cNvPr>
@@ -9853,7 +9099,7 @@
           <p:cNvPr id="15" name="Rectangle 1">
             <a:extLst>
               <a:ext uri="{FF2B5EF4-FFF2-40B4-BE49-F238E27FC236}">
-                <a16:creationId xmlns:a16="http://schemas.microsoft.com/office/drawing/2014/main" xmlns="" id="{4F38584F-66B2-464F-9BA7-6F9A856D602F}"/>
+                <a16:creationId xmlns="" xmlns:a16="http://schemas.microsoft.com/office/drawing/2014/main" id="{4F38584F-66B2-464F-9BA7-6F9A856D602F}"/>
               </a:ext>
             </a:extLst>
           </p:cNvPr>
@@ -9942,7 +9188,7 @@
           <p:cNvPr id="16" name="Rectangle 1">
             <a:extLst>
               <a:ext uri="{FF2B5EF4-FFF2-40B4-BE49-F238E27FC236}">
-                <a16:creationId xmlns:a16="http://schemas.microsoft.com/office/drawing/2014/main" xmlns="" id="{4F38584F-66B2-464F-9BA7-6F9A856D602F}"/>
+                <a16:creationId xmlns="" xmlns:a16="http://schemas.microsoft.com/office/drawing/2014/main" id="{4F38584F-66B2-464F-9BA7-6F9A856D602F}"/>
               </a:ext>
             </a:extLst>
           </p:cNvPr>
@@ -9952,7 +9198,7 @@
         <p:spPr>
           <a:xfrm>
             <a:off x="331596" y="825391"/>
-            <a:ext cx="6945504" cy="584775"/>
+            <a:ext cx="7593204" cy="584775"/>
           </a:xfrm>
           <a:prstGeom prst="rect">
             <a:avLst/>
@@ -9985,6 +9231,27 @@
           <a:lstStyle/>
           <a:p>
             <a:r>
+              <a:rPr lang="pt-BR" sz="3200" b="1" dirty="0">
+                <a:ln w="10160">
+                  <a:solidFill>
+                    <a:schemeClr val="accent5"/>
+                  </a:solidFill>
+                  <a:prstDash val="solid"/>
+                </a:ln>
+                <a:solidFill>
+                  <a:srgbClr val="FFFFFF"/>
+                </a:solidFill>
+                <a:effectLst>
+                  <a:outerShdw blurRad="38100" dist="22860" dir="5400000" algn="tl" rotWithShape="0">
+                    <a:srgbClr val="000000">
+                      <a:alpha val="30000"/>
+                    </a:srgbClr>
+                  </a:outerShdw>
+                </a:effectLst>
+              </a:rPr>
+              <a:t>Exemplo 02 – somando </a:t>
+            </a:r>
+            <a:r>
               <a:rPr lang="pt-BR" sz="3200" b="1" dirty="0" smtClean="0">
                 <a:ln w="10160">
                   <a:solidFill>
@@ -10003,7 +9270,7 @@
                   </a:outerShdw>
                 </a:effectLst>
               </a:rPr>
-              <a:t>Exemplo 01 – somando unidades</a:t>
+              <a:t>dezenas</a:t>
             </a:r>
             <a:endParaRPr lang="pt-BR" sz="3200" b="1" dirty="0">
               <a:ln w="10160">
@@ -10031,7 +9298,7 @@
           <p:cNvPr id="17" name="Rectangle 7">
             <a:extLst>
               <a:ext uri="{FF2B5EF4-FFF2-40B4-BE49-F238E27FC236}">
-                <a16:creationId xmlns:a16="http://schemas.microsoft.com/office/drawing/2014/main" xmlns="" id="{9A0DF3A1-7C0C-4F2B-AC19-D85A14774D75}"/>
+                <a16:creationId xmlns="" xmlns:a16="http://schemas.microsoft.com/office/drawing/2014/main" id="{9A0DF3A1-7C0C-4F2B-AC19-D85A14774D75}"/>
               </a:ext>
             </a:extLst>
           </p:cNvPr>
@@ -10156,7 +9423,7 @@
     </p:spTree>
     <p:extLst>
       <p:ext uri="{BB962C8B-B14F-4D97-AF65-F5344CB8AC3E}">
-        <p14:creationId xmlns:p14="http://schemas.microsoft.com/office/powerpoint/2010/main" val="1735999692"/>
+        <p14:creationId xmlns:p14="http://schemas.microsoft.com/office/powerpoint/2010/main" val="3897377433"/>
       </p:ext>
     </p:extLst>
   </p:cSld>
@@ -10191,7 +9458,7 @@
           <p:cNvPr id="6" name="Table 9">
             <a:extLst>
               <a:ext uri="{FF2B5EF4-FFF2-40B4-BE49-F238E27FC236}">
-                <a16:creationId xmlns="" xmlns:a16="http://schemas.microsoft.com/office/drawing/2014/main" id="{A3C33157-FA5E-498D-B93C-73F8CAEE1A5D}"/>
+                <a16:creationId xmlns:a16="http://schemas.microsoft.com/office/drawing/2014/main" xmlns="" id="{A3C33157-FA5E-498D-B93C-73F8CAEE1A5D}"/>
               </a:ext>
             </a:extLst>
           </p:cNvPr>
@@ -10216,28 +9483,28 @@
                 <a:gridCol w="809065">
                   <a:extLst>
                     <a:ext uri="{9D8B030D-6E8A-4147-A177-3AD203B41FA5}">
-                      <a16:colId xmlns="" xmlns:a16="http://schemas.microsoft.com/office/drawing/2014/main" val="2514592082"/>
+                      <a16:colId xmlns:a16="http://schemas.microsoft.com/office/drawing/2014/main" xmlns="" val="2514592082"/>
                     </a:ext>
                   </a:extLst>
                 </a:gridCol>
                 <a:gridCol w="809065">
                   <a:extLst>
                     <a:ext uri="{9D8B030D-6E8A-4147-A177-3AD203B41FA5}">
-                      <a16:colId xmlns="" xmlns:a16="http://schemas.microsoft.com/office/drawing/2014/main" val="1972351707"/>
+                      <a16:colId xmlns:a16="http://schemas.microsoft.com/office/drawing/2014/main" xmlns="" val="1972351707"/>
                     </a:ext>
                   </a:extLst>
                 </a:gridCol>
                 <a:gridCol w="809065">
                   <a:extLst>
                     <a:ext uri="{9D8B030D-6E8A-4147-A177-3AD203B41FA5}">
-                      <a16:colId xmlns="" xmlns:a16="http://schemas.microsoft.com/office/drawing/2014/main" val="130078612"/>
+                      <a16:colId xmlns:a16="http://schemas.microsoft.com/office/drawing/2014/main" xmlns="" val="130078612"/>
                     </a:ext>
                   </a:extLst>
                 </a:gridCol>
                 <a:gridCol w="809065">
                   <a:extLst>
                     <a:ext uri="{9D8B030D-6E8A-4147-A177-3AD203B41FA5}">
-                      <a16:colId xmlns="" xmlns:a16="http://schemas.microsoft.com/office/drawing/2014/main" val="3594532491"/>
+                      <a16:colId xmlns:a16="http://schemas.microsoft.com/office/drawing/2014/main" xmlns="" val="3594532491"/>
                     </a:ext>
                   </a:extLst>
                 </a:gridCol>
@@ -10423,7 +9690,7 @@
                 </a:tc>
                 <a:extLst>
                   <a:ext uri="{0D108BD9-81ED-4DB2-BD59-A6C34878D82A}">
-                    <a16:rowId xmlns="" xmlns:a16="http://schemas.microsoft.com/office/drawing/2014/main" val="1648878484"/>
+                    <a16:rowId xmlns:a16="http://schemas.microsoft.com/office/drawing/2014/main" xmlns="" val="1648878484"/>
                   </a:ext>
                 </a:extLst>
               </a:tr>
@@ -10480,6 +9747,14 @@
                     <a:lstStyle/>
                     <a:p>
                       <a:pPr algn="ctr"/>
+                      <a:r>
+                        <a:rPr lang="pt-BR" sz="2800" b="1" dirty="0" smtClean="0">
+                          <a:solidFill>
+                            <a:schemeClr val="bg1"/>
+                          </a:solidFill>
+                        </a:rPr>
+                        <a:t>1</a:t>
+                      </a:r>
                       <a:endParaRPr lang="pt-BR" sz="2800" b="1" dirty="0">
                         <a:solidFill>
                           <a:schemeClr val="bg1"/>
@@ -10530,7 +9805,7 @@
                             <a:schemeClr val="bg1"/>
                           </a:solidFill>
                         </a:rPr>
-                        <a:t>6</a:t>
+                        <a:t>3</a:t>
                       </a:r>
                       <a:endParaRPr lang="pt-BR" sz="2800" b="1" dirty="0">
                         <a:solidFill>
@@ -10550,6 +9825,395 @@
                       <a:noFill/>
                       <a:prstDash val="solid"/>
                       <a:miter lim="800000"/>
+                    </a:lnT>
+                    <a:lnB w="6350" cap="flat" cmpd="sng" algn="ctr">
+                      <a:noFill/>
+                      <a:prstDash val="solid"/>
+                      <a:miter lim="800000"/>
+                    </a:lnB>
+                    <a:lnTlToBr w="12700" cmpd="sng">
+                      <a:noFill/>
+                      <a:prstDash val="solid"/>
+                    </a:lnTlToBr>
+                    <a:lnBlToTr w="12700" cmpd="sng">
+                      <a:noFill/>
+                      <a:prstDash val="solid"/>
+                    </a:lnBlToTr>
+                    <a:cell3D prstMaterial="dkEdge">
+                      <a:bevel w="77470" h="12700" prst="softRound"/>
+                      <a:lightRig rig="flood" dir="t"/>
+                    </a:cell3D>
+                  </a:tcPr>
+                </a:tc>
+                <a:tc>
+                  <a:txBody>
+                    <a:bodyPr/>
+                    <a:lstStyle/>
+                    <a:p>
+                      <a:pPr algn="ctr"/>
+                      <a:r>
+                        <a:rPr lang="pt-BR" sz="2800" b="1" dirty="0" smtClean="0">
+                          <a:solidFill>
+                            <a:schemeClr val="bg1"/>
+                          </a:solidFill>
+                        </a:rPr>
+                        <a:t>2</a:t>
+                      </a:r>
+                      <a:endParaRPr lang="pt-BR" sz="2800" b="1" dirty="0">
+                        <a:solidFill>
+                          <a:schemeClr val="bg1"/>
+                        </a:solidFill>
+                      </a:endParaRPr>
+                    </a:p>
+                  </a:txBody>
+                  <a:tcPr anchor="ctr">
+                    <a:lnL>
+                      <a:noFill/>
+                    </a:lnL>
+                    <a:lnR w="6350" cap="flat" cmpd="sng" algn="ctr">
+                      <a:noFill/>
+                      <a:prstDash val="solid"/>
+                      <a:miter lim="800000"/>
+                    </a:lnR>
+                    <a:lnT w="6350" cap="flat" cmpd="sng" algn="ctr">
+                      <a:noFill/>
+                      <a:prstDash val="solid"/>
+                      <a:miter lim="800000"/>
+                    </a:lnT>
+                    <a:lnB w="6350" cap="flat" cmpd="sng" algn="ctr">
+                      <a:noFill/>
+                      <a:prstDash val="solid"/>
+                      <a:miter lim="800000"/>
+                    </a:lnB>
+                    <a:lnTlToBr w="12700" cmpd="sng">
+                      <a:noFill/>
+                      <a:prstDash val="solid"/>
+                    </a:lnTlToBr>
+                    <a:lnBlToTr w="12700" cmpd="sng">
+                      <a:noFill/>
+                      <a:prstDash val="solid"/>
+                    </a:lnBlToTr>
+                    <a:cell3D prstMaterial="dkEdge">
+                      <a:bevel w="77470" h="12700" prst="softRound"/>
+                      <a:lightRig rig="flood" dir="t"/>
+                    </a:cell3D>
+                  </a:tcPr>
+                </a:tc>
+                <a:extLst>
+                  <a:ext uri="{0D108BD9-81ED-4DB2-BD59-A6C34878D82A}">
+                    <a16:rowId xmlns:a16="http://schemas.microsoft.com/office/drawing/2014/main" xmlns="" val="3110016024"/>
+                  </a:ext>
+                </a:extLst>
+              </a:tr>
+              <a:tr h="613859">
+                <a:tc>
+                  <a:txBody>
+                    <a:bodyPr/>
+                    <a:lstStyle/>
+                    <a:p>
+                      <a:pPr algn="ctr"/>
+                      <a:r>
+                        <a:rPr lang="pt-BR" sz="2800" b="1" dirty="0" smtClean="0">
+                          <a:solidFill>
+                            <a:schemeClr val="bg1"/>
+                          </a:solidFill>
+                        </a:rPr>
+                        <a:t>+</a:t>
+                      </a:r>
+                      <a:endParaRPr lang="pt-BR" sz="2800" b="1" dirty="0">
+                        <a:solidFill>
+                          <a:schemeClr val="bg1"/>
+                        </a:solidFill>
+                      </a:endParaRPr>
+                    </a:p>
+                  </a:txBody>
+                  <a:tcPr anchor="ctr">
+                    <a:lnL w="6350" cap="flat" cmpd="sng" algn="ctr">
+                      <a:noFill/>
+                      <a:prstDash val="solid"/>
+                      <a:miter lim="800000"/>
+                    </a:lnL>
+                    <a:lnR>
+                      <a:noFill/>
+                    </a:lnR>
+                    <a:lnT w="6350" cap="flat" cmpd="sng" algn="ctr">
+                      <a:noFill/>
+                      <a:prstDash val="solid"/>
+                      <a:miter lim="800000"/>
+                    </a:lnT>
+                    <a:lnB w="6350" cap="flat" cmpd="sng" algn="ctr">
+                      <a:noFill/>
+                      <a:prstDash val="solid"/>
+                      <a:miter lim="800000"/>
+                    </a:lnB>
+                    <a:lnTlToBr w="12700" cmpd="sng">
+                      <a:noFill/>
+                      <a:prstDash val="solid"/>
+                    </a:lnTlToBr>
+                    <a:lnBlToTr w="12700" cmpd="sng">
+                      <a:noFill/>
+                      <a:prstDash val="solid"/>
+                    </a:lnBlToTr>
+                    <a:cell3D prstMaterial="dkEdge">
+                      <a:bevel w="77470" h="12700" prst="softRound"/>
+                      <a:lightRig rig="flood" dir="t"/>
+                    </a:cell3D>
+                  </a:tcPr>
+                </a:tc>
+                <a:tc>
+                  <a:txBody>
+                    <a:bodyPr/>
+                    <a:lstStyle/>
+                    <a:p>
+                      <a:pPr algn="ctr"/>
+                      <a:r>
+                        <a:rPr lang="pt-BR" sz="2800" b="1" dirty="0" smtClean="0">
+                          <a:solidFill>
+                            <a:schemeClr val="bg1"/>
+                          </a:solidFill>
+                        </a:rPr>
+                        <a:t>8</a:t>
+                      </a:r>
+                      <a:endParaRPr lang="pt-BR" sz="2800" b="1" dirty="0">
+                        <a:solidFill>
+                          <a:schemeClr val="bg1"/>
+                        </a:solidFill>
+                      </a:endParaRPr>
+                    </a:p>
+                  </a:txBody>
+                  <a:tcPr anchor="ctr">
+                    <a:lnL>
+                      <a:noFill/>
+                    </a:lnL>
+                    <a:lnR>
+                      <a:noFill/>
+                    </a:lnR>
+                    <a:lnT w="6350" cap="flat" cmpd="sng" algn="ctr">
+                      <a:noFill/>
+                      <a:prstDash val="solid"/>
+                      <a:miter lim="800000"/>
+                    </a:lnT>
+                    <a:lnB w="12700" cap="flat" cmpd="sng" algn="ctr">
+                      <a:solidFill>
+                        <a:schemeClr val="tx1"/>
+                      </a:solidFill>
+                      <a:prstDash val="solid"/>
+                      <a:round/>
+                      <a:headEnd type="none" w="med" len="med"/>
+                      <a:tailEnd type="none" w="med" len="med"/>
+                    </a:lnB>
+                    <a:lnTlToBr w="12700" cmpd="sng">
+                      <a:noFill/>
+                      <a:prstDash val="solid"/>
+                    </a:lnTlToBr>
+                    <a:lnBlToTr w="12700" cmpd="sng">
+                      <a:noFill/>
+                      <a:prstDash val="solid"/>
+                    </a:lnBlToTr>
+                    <a:cell3D prstMaterial="dkEdge">
+                      <a:bevel w="77470" h="12700" prst="softRound"/>
+                      <a:lightRig rig="flood" dir="t"/>
+                    </a:cell3D>
+                  </a:tcPr>
+                </a:tc>
+                <a:tc>
+                  <a:txBody>
+                    <a:bodyPr/>
+                    <a:lstStyle/>
+                    <a:p>
+                      <a:pPr algn="ctr"/>
+                      <a:r>
+                        <a:rPr lang="pt-BR" sz="2800" b="1" dirty="0">
+                          <a:solidFill>
+                            <a:schemeClr val="bg1"/>
+                          </a:solidFill>
+                        </a:rPr>
+                        <a:t>1</a:t>
+                      </a:r>
+                    </a:p>
+                  </a:txBody>
+                  <a:tcPr anchor="ctr">
+                    <a:lnL>
+                      <a:noFill/>
+                    </a:lnL>
+                    <a:lnR>
+                      <a:noFill/>
+                    </a:lnR>
+                    <a:lnT w="6350" cap="flat" cmpd="sng" algn="ctr">
+                      <a:noFill/>
+                      <a:prstDash val="solid"/>
+                      <a:miter lim="800000"/>
+                    </a:lnT>
+                    <a:lnB w="12700" cap="flat" cmpd="sng" algn="ctr">
+                      <a:solidFill>
+                        <a:schemeClr val="tx1"/>
+                      </a:solidFill>
+                      <a:prstDash val="solid"/>
+                      <a:round/>
+                      <a:headEnd type="none" w="med" len="med"/>
+                      <a:tailEnd type="none" w="med" len="med"/>
+                    </a:lnB>
+                    <a:lnTlToBr w="12700" cmpd="sng">
+                      <a:noFill/>
+                      <a:prstDash val="solid"/>
+                    </a:lnTlToBr>
+                    <a:lnBlToTr w="12700" cmpd="sng">
+                      <a:noFill/>
+                      <a:prstDash val="solid"/>
+                    </a:lnBlToTr>
+                    <a:cell3D prstMaterial="dkEdge">
+                      <a:bevel w="77470" h="12700" prst="softRound"/>
+                      <a:lightRig rig="flood" dir="t"/>
+                    </a:cell3D>
+                  </a:tcPr>
+                </a:tc>
+                <a:tc>
+                  <a:txBody>
+                    <a:bodyPr/>
+                    <a:lstStyle/>
+                    <a:p>
+                      <a:pPr algn="ctr"/>
+                      <a:r>
+                        <a:rPr lang="pt-BR" sz="2800" b="1" dirty="0" smtClean="0">
+                          <a:solidFill>
+                            <a:schemeClr val="bg1"/>
+                          </a:solidFill>
+                        </a:rPr>
+                        <a:t>5</a:t>
+                      </a:r>
+                      <a:endParaRPr lang="pt-BR" sz="2800" b="1" dirty="0">
+                        <a:solidFill>
+                          <a:schemeClr val="bg1"/>
+                        </a:solidFill>
+                      </a:endParaRPr>
+                    </a:p>
+                  </a:txBody>
+                  <a:tcPr anchor="ctr">
+                    <a:lnL>
+                      <a:noFill/>
+                    </a:lnL>
+                    <a:lnR w="6350" cap="flat" cmpd="sng" algn="ctr">
+                      <a:noFill/>
+                      <a:prstDash val="solid"/>
+                      <a:miter lim="800000"/>
+                    </a:lnR>
+                    <a:lnT w="6350" cap="flat" cmpd="sng" algn="ctr">
+                      <a:noFill/>
+                      <a:prstDash val="solid"/>
+                      <a:miter lim="800000"/>
+                    </a:lnT>
+                    <a:lnB w="12700" cap="flat" cmpd="sng" algn="ctr">
+                      <a:solidFill>
+                        <a:schemeClr val="tx1"/>
+                      </a:solidFill>
+                      <a:prstDash val="solid"/>
+                      <a:round/>
+                      <a:headEnd type="none" w="med" len="med"/>
+                      <a:tailEnd type="none" w="med" len="med"/>
+                    </a:lnB>
+                    <a:lnTlToBr w="12700" cmpd="sng">
+                      <a:noFill/>
+                      <a:prstDash val="solid"/>
+                    </a:lnTlToBr>
+                    <a:lnBlToTr w="12700" cmpd="sng">
+                      <a:noFill/>
+                      <a:prstDash val="solid"/>
+                    </a:lnBlToTr>
+                    <a:cell3D prstMaterial="dkEdge">
+                      <a:bevel w="77470" h="12700" prst="softRound"/>
+                      <a:lightRig rig="flood" dir="t"/>
+                    </a:cell3D>
+                  </a:tcPr>
+                </a:tc>
+                <a:extLst>
+                  <a:ext uri="{0D108BD9-81ED-4DB2-BD59-A6C34878D82A}">
+                    <a16:rowId xmlns:a16="http://schemas.microsoft.com/office/drawing/2014/main" xmlns="" val="2530068117"/>
+                  </a:ext>
+                </a:extLst>
+              </a:tr>
+              <a:tr h="613859">
+                <a:tc>
+                  <a:txBody>
+                    <a:bodyPr/>
+                    <a:lstStyle/>
+                    <a:p>
+                      <a:pPr algn="ctr"/>
+                      <a:endParaRPr lang="pt-BR" sz="2800" b="1" dirty="0">
+                        <a:solidFill>
+                          <a:schemeClr val="bg1"/>
+                        </a:solidFill>
+                      </a:endParaRPr>
+                    </a:p>
+                  </a:txBody>
+                  <a:tcPr anchor="ctr">
+                    <a:lnL w="6350" cap="flat" cmpd="sng" algn="ctr">
+                      <a:noFill/>
+                      <a:prstDash val="solid"/>
+                      <a:miter lim="800000"/>
+                    </a:lnL>
+                    <a:lnR>
+                      <a:noFill/>
+                    </a:lnR>
+                    <a:lnT w="6350" cap="flat" cmpd="sng" algn="ctr">
+                      <a:noFill/>
+                      <a:prstDash val="solid"/>
+                      <a:miter lim="800000"/>
+                    </a:lnT>
+                    <a:lnB w="6350" cap="flat" cmpd="sng" algn="ctr">
+                      <a:noFill/>
+                      <a:prstDash val="solid"/>
+                      <a:miter lim="800000"/>
+                    </a:lnB>
+                    <a:lnTlToBr w="12700" cmpd="sng">
+                      <a:noFill/>
+                      <a:prstDash val="solid"/>
+                    </a:lnTlToBr>
+                    <a:lnBlToTr w="12700" cmpd="sng">
+                      <a:noFill/>
+                      <a:prstDash val="solid"/>
+                    </a:lnBlToTr>
+                    <a:cell3D prstMaterial="dkEdge">
+                      <a:bevel w="77470" h="12700" prst="softRound"/>
+                      <a:lightRig rig="flood" dir="t"/>
+                    </a:cell3D>
+                  </a:tcPr>
+                </a:tc>
+                <a:tc>
+                  <a:txBody>
+                    <a:bodyPr/>
+                    <a:lstStyle/>
+                    <a:p>
+                      <a:pPr algn="ctr"/>
+                      <a:r>
+                        <a:rPr lang="pt-BR" sz="2800" b="1" dirty="0" smtClean="0">
+                          <a:solidFill>
+                            <a:schemeClr val="bg1"/>
+                          </a:solidFill>
+                        </a:rPr>
+                        <a:t>9</a:t>
+                      </a:r>
+                      <a:endParaRPr lang="pt-BR" sz="2800" b="1" dirty="0">
+                        <a:solidFill>
+                          <a:schemeClr val="bg1"/>
+                        </a:solidFill>
+                      </a:endParaRPr>
+                    </a:p>
+                  </a:txBody>
+                  <a:tcPr anchor="ctr">
+                    <a:lnL>
+                      <a:noFill/>
+                    </a:lnL>
+                    <a:lnR>
+                      <a:noFill/>
+                    </a:lnR>
+                    <a:lnT w="12700" cap="flat" cmpd="sng" algn="ctr">
+                      <a:solidFill>
+                        <a:schemeClr val="tx1"/>
+                      </a:solidFill>
+                      <a:prstDash val="solid"/>
+                      <a:round/>
+                      <a:headEnd type="none" w="med" len="med"/>
+                      <a:tailEnd type="none" w="med" len="med"/>
                     </a:lnT>
                     <a:lnB w="6350" cap="flat" cmpd="sng" algn="ctr">
                       <a:noFill/>
@@ -10595,169 +10259,10 @@
                     <a:lnL>
                       <a:noFill/>
                     </a:lnL>
-                    <a:lnR w="6350" cap="flat" cmpd="sng" algn="ctr">
-                      <a:noFill/>
-                      <a:prstDash val="solid"/>
-                      <a:miter lim="800000"/>
+                    <a:lnR>
+                      <a:noFill/>
                     </a:lnR>
-                    <a:lnT w="6350" cap="flat" cmpd="sng" algn="ctr">
-                      <a:noFill/>
-                      <a:prstDash val="solid"/>
-                      <a:miter lim="800000"/>
-                    </a:lnT>
-                    <a:lnB w="6350" cap="flat" cmpd="sng" algn="ctr">
-                      <a:noFill/>
-                      <a:prstDash val="solid"/>
-                      <a:miter lim="800000"/>
-                    </a:lnB>
-                    <a:lnTlToBr w="12700" cmpd="sng">
-                      <a:noFill/>
-                      <a:prstDash val="solid"/>
-                    </a:lnTlToBr>
-                    <a:lnBlToTr w="12700" cmpd="sng">
-                      <a:noFill/>
-                      <a:prstDash val="solid"/>
-                    </a:lnBlToTr>
-                    <a:cell3D prstMaterial="dkEdge">
-                      <a:bevel w="77470" h="12700" prst="softRound"/>
-                      <a:lightRig rig="flood" dir="t"/>
-                    </a:cell3D>
-                  </a:tcPr>
-                </a:tc>
-                <a:extLst>
-                  <a:ext uri="{0D108BD9-81ED-4DB2-BD59-A6C34878D82A}">
-                    <a16:rowId xmlns="" xmlns:a16="http://schemas.microsoft.com/office/drawing/2014/main" val="3110016024"/>
-                  </a:ext>
-                </a:extLst>
-              </a:tr>
-              <a:tr h="613859">
-                <a:tc>
-                  <a:txBody>
-                    <a:bodyPr/>
-                    <a:lstStyle/>
-                    <a:p>
-                      <a:pPr algn="ctr"/>
-                      <a:endParaRPr lang="pt-BR" sz="2800" b="1" dirty="0">
-                        <a:solidFill>
-                          <a:schemeClr val="bg1"/>
-                        </a:solidFill>
-                      </a:endParaRPr>
-                    </a:p>
-                  </a:txBody>
-                  <a:tcPr anchor="ctr">
-                    <a:lnL w="6350" cap="flat" cmpd="sng" algn="ctr">
-                      <a:noFill/>
-                      <a:prstDash val="solid"/>
-                      <a:miter lim="800000"/>
-                    </a:lnL>
-                    <a:lnR>
-                      <a:noFill/>
-                    </a:lnR>
-                    <a:lnT w="6350" cap="flat" cmpd="sng" algn="ctr">
-                      <a:noFill/>
-                      <a:prstDash val="solid"/>
-                      <a:miter lim="800000"/>
-                    </a:lnT>
-                    <a:lnB w="6350" cap="flat" cmpd="sng" algn="ctr">
-                      <a:noFill/>
-                      <a:prstDash val="solid"/>
-                      <a:miter lim="800000"/>
-                    </a:lnB>
-                    <a:lnTlToBr w="12700" cmpd="sng">
-                      <a:noFill/>
-                      <a:prstDash val="solid"/>
-                    </a:lnTlToBr>
-                    <a:lnBlToTr w="12700" cmpd="sng">
-                      <a:noFill/>
-                      <a:prstDash val="solid"/>
-                    </a:lnBlToTr>
-                    <a:cell3D prstMaterial="dkEdge">
-                      <a:bevel w="77470" h="12700" prst="softRound"/>
-                      <a:lightRig rig="flood" dir="t"/>
-                    </a:cell3D>
-                  </a:tcPr>
-                </a:tc>
-                <a:tc>
-                  <a:txBody>
-                    <a:bodyPr/>
-                    <a:lstStyle/>
-                    <a:p>
-                      <a:pPr algn="ctr"/>
-                      <a:r>
-                        <a:rPr lang="pt-BR" sz="2800" b="1" dirty="0" smtClean="0">
-                          <a:solidFill>
-                            <a:schemeClr val="bg1"/>
-                          </a:solidFill>
-                        </a:rPr>
-                        <a:t>+</a:t>
-                      </a:r>
-                      <a:endParaRPr lang="pt-BR" sz="2800" b="1" dirty="0">
-                        <a:solidFill>
-                          <a:schemeClr val="bg1"/>
-                        </a:solidFill>
-                      </a:endParaRPr>
-                    </a:p>
-                  </a:txBody>
-                  <a:tcPr anchor="ctr">
-                    <a:lnL>
-                      <a:noFill/>
-                    </a:lnL>
-                    <a:lnR>
-                      <a:noFill/>
-                    </a:lnR>
-                    <a:lnT w="6350" cap="flat" cmpd="sng" algn="ctr">
-                      <a:noFill/>
-                      <a:prstDash val="solid"/>
-                      <a:miter lim="800000"/>
-                    </a:lnT>
-                    <a:lnB w="6350" cap="flat" cmpd="sng" algn="ctr">
-                      <a:noFill/>
-                      <a:prstDash val="solid"/>
-                      <a:miter lim="800000"/>
-                    </a:lnB>
-                    <a:lnTlToBr w="12700" cmpd="sng">
-                      <a:noFill/>
-                      <a:prstDash val="solid"/>
-                    </a:lnTlToBr>
-                    <a:lnBlToTr w="12700" cmpd="sng">
-                      <a:noFill/>
-                      <a:prstDash val="solid"/>
-                    </a:lnBlToTr>
-                    <a:cell3D prstMaterial="dkEdge">
-                      <a:bevel w="77470" h="12700" prst="softRound"/>
-                      <a:lightRig rig="flood" dir="t"/>
-                    </a:cell3D>
-                  </a:tcPr>
-                </a:tc>
-                <a:tc>
-                  <a:txBody>
-                    <a:bodyPr/>
-                    <a:lstStyle/>
-                    <a:p>
-                      <a:pPr algn="ctr"/>
-                      <a:r>
-                        <a:rPr lang="pt-BR" sz="2800" b="1" dirty="0">
-                          <a:solidFill>
-                            <a:schemeClr val="bg1"/>
-                          </a:solidFill>
-                        </a:rPr>
-                        <a:t>1</a:t>
-                      </a:r>
-                    </a:p>
-                  </a:txBody>
-                  <a:tcPr anchor="ctr">
-                    <a:lnL>
-                      <a:noFill/>
-                    </a:lnL>
-                    <a:lnR>
-                      <a:noFill/>
-                    </a:lnR>
-                    <a:lnT w="6350" cap="flat" cmpd="sng" algn="ctr">
-                      <a:noFill/>
-                      <a:prstDash val="solid"/>
-                      <a:miter lim="800000"/>
-                    </a:lnT>
-                    <a:lnB w="12700" cap="flat" cmpd="sng" algn="ctr">
+                    <a:lnT w="12700" cap="flat" cmpd="sng" algn="ctr">
                       <a:solidFill>
                         <a:schemeClr val="tx1"/>
                       </a:solidFill>
@@ -10765,151 +10270,6 @@
                       <a:round/>
                       <a:headEnd type="none" w="med" len="med"/>
                       <a:tailEnd type="none" w="med" len="med"/>
-                    </a:lnB>
-                    <a:lnTlToBr w="12700" cmpd="sng">
-                      <a:noFill/>
-                      <a:prstDash val="solid"/>
-                    </a:lnTlToBr>
-                    <a:lnBlToTr w="12700" cmpd="sng">
-                      <a:noFill/>
-                      <a:prstDash val="solid"/>
-                    </a:lnBlToTr>
-                    <a:cell3D prstMaterial="dkEdge">
-                      <a:bevel w="77470" h="12700" prst="softRound"/>
-                      <a:lightRig rig="flood" dir="t"/>
-                    </a:cell3D>
-                  </a:tcPr>
-                </a:tc>
-                <a:tc>
-                  <a:txBody>
-                    <a:bodyPr/>
-                    <a:lstStyle/>
-                    <a:p>
-                      <a:pPr algn="ctr"/>
-                      <a:r>
-                        <a:rPr lang="pt-BR" sz="2800" b="1" dirty="0">
-                          <a:solidFill>
-                            <a:schemeClr val="bg1"/>
-                          </a:solidFill>
-                        </a:rPr>
-                        <a:t>2</a:t>
-                      </a:r>
-                    </a:p>
-                  </a:txBody>
-                  <a:tcPr anchor="ctr">
-                    <a:lnL>
-                      <a:noFill/>
-                    </a:lnL>
-                    <a:lnR w="6350" cap="flat" cmpd="sng" algn="ctr">
-                      <a:noFill/>
-                      <a:prstDash val="solid"/>
-                      <a:miter lim="800000"/>
-                    </a:lnR>
-                    <a:lnT w="6350" cap="flat" cmpd="sng" algn="ctr">
-                      <a:noFill/>
-                      <a:prstDash val="solid"/>
-                      <a:miter lim="800000"/>
-                    </a:lnT>
-                    <a:lnB w="12700" cap="flat" cmpd="sng" algn="ctr">
-                      <a:solidFill>
-                        <a:schemeClr val="tx1"/>
-                      </a:solidFill>
-                      <a:prstDash val="solid"/>
-                      <a:round/>
-                      <a:headEnd type="none" w="med" len="med"/>
-                      <a:tailEnd type="none" w="med" len="med"/>
-                    </a:lnB>
-                    <a:lnTlToBr w="12700" cmpd="sng">
-                      <a:noFill/>
-                      <a:prstDash val="solid"/>
-                    </a:lnTlToBr>
-                    <a:lnBlToTr w="12700" cmpd="sng">
-                      <a:noFill/>
-                      <a:prstDash val="solid"/>
-                    </a:lnBlToTr>
-                    <a:cell3D prstMaterial="dkEdge">
-                      <a:bevel w="77470" h="12700" prst="softRound"/>
-                      <a:lightRig rig="flood" dir="t"/>
-                    </a:cell3D>
-                  </a:tcPr>
-                </a:tc>
-                <a:extLst>
-                  <a:ext uri="{0D108BD9-81ED-4DB2-BD59-A6C34878D82A}">
-                    <a16:rowId xmlns="" xmlns:a16="http://schemas.microsoft.com/office/drawing/2014/main" val="2530068117"/>
-                  </a:ext>
-                </a:extLst>
-              </a:tr>
-              <a:tr h="613859">
-                <a:tc>
-                  <a:txBody>
-                    <a:bodyPr/>
-                    <a:lstStyle/>
-                    <a:p>
-                      <a:pPr algn="ctr"/>
-                      <a:endParaRPr lang="pt-BR" sz="2800" b="1" dirty="0">
-                        <a:solidFill>
-                          <a:schemeClr val="bg1"/>
-                        </a:solidFill>
-                      </a:endParaRPr>
-                    </a:p>
-                  </a:txBody>
-                  <a:tcPr anchor="ctr">
-                    <a:lnL w="6350" cap="flat" cmpd="sng" algn="ctr">
-                      <a:noFill/>
-                      <a:prstDash val="solid"/>
-                      <a:miter lim="800000"/>
-                    </a:lnL>
-                    <a:lnR>
-                      <a:noFill/>
-                    </a:lnR>
-                    <a:lnT w="6350" cap="flat" cmpd="sng" algn="ctr">
-                      <a:noFill/>
-                      <a:prstDash val="solid"/>
-                      <a:miter lim="800000"/>
-                    </a:lnT>
-                    <a:lnB w="6350" cap="flat" cmpd="sng" algn="ctr">
-                      <a:noFill/>
-                      <a:prstDash val="solid"/>
-                      <a:miter lim="800000"/>
-                    </a:lnB>
-                    <a:lnTlToBr w="12700" cmpd="sng">
-                      <a:noFill/>
-                      <a:prstDash val="solid"/>
-                    </a:lnTlToBr>
-                    <a:lnBlToTr w="12700" cmpd="sng">
-                      <a:noFill/>
-                      <a:prstDash val="solid"/>
-                    </a:lnBlToTr>
-                    <a:cell3D prstMaterial="dkEdge">
-                      <a:bevel w="77470" h="12700" prst="softRound"/>
-                      <a:lightRig rig="flood" dir="t"/>
-                    </a:cell3D>
-                  </a:tcPr>
-                </a:tc>
-                <a:tc>
-                  <a:txBody>
-                    <a:bodyPr/>
-                    <a:lstStyle/>
-                    <a:p>
-                      <a:pPr algn="ctr"/>
-                      <a:endParaRPr lang="pt-BR" sz="2800" b="1" dirty="0">
-                        <a:solidFill>
-                          <a:schemeClr val="bg1"/>
-                        </a:solidFill>
-                      </a:endParaRPr>
-                    </a:p>
-                  </a:txBody>
-                  <a:tcPr anchor="ctr">
-                    <a:lnL>
-                      <a:noFill/>
-                    </a:lnL>
-                    <a:lnR>
-                      <a:noFill/>
-                    </a:lnR>
-                    <a:lnT w="6350" cap="flat" cmpd="sng" algn="ctr">
-                      <a:noFill/>
-                      <a:prstDash val="solid"/>
-                      <a:miter lim="800000"/>
                     </a:lnT>
                     <a:lnB w="6350" cap="flat" cmpd="sng" algn="ctr">
                       <a:noFill/>
@@ -10955,62 +10315,6 @@
                     <a:lnL>
                       <a:noFill/>
                     </a:lnL>
-                    <a:lnR>
-                      <a:noFill/>
-                    </a:lnR>
-                    <a:lnT w="12700" cap="flat" cmpd="sng" algn="ctr">
-                      <a:solidFill>
-                        <a:schemeClr val="tx1"/>
-                      </a:solidFill>
-                      <a:prstDash val="solid"/>
-                      <a:round/>
-                      <a:headEnd type="none" w="med" len="med"/>
-                      <a:tailEnd type="none" w="med" len="med"/>
-                    </a:lnT>
-                    <a:lnB w="6350" cap="flat" cmpd="sng" algn="ctr">
-                      <a:noFill/>
-                      <a:prstDash val="solid"/>
-                      <a:miter lim="800000"/>
-                    </a:lnB>
-                    <a:lnTlToBr w="12700" cmpd="sng">
-                      <a:noFill/>
-                      <a:prstDash val="solid"/>
-                    </a:lnTlToBr>
-                    <a:lnBlToTr w="12700" cmpd="sng">
-                      <a:noFill/>
-                      <a:prstDash val="solid"/>
-                    </a:lnBlToTr>
-                    <a:cell3D prstMaterial="dkEdge">
-                      <a:bevel w="77470" h="12700" prst="softRound"/>
-                      <a:lightRig rig="flood" dir="t"/>
-                    </a:cell3D>
-                  </a:tcPr>
-                </a:tc>
-                <a:tc>
-                  <a:txBody>
-                    <a:bodyPr/>
-                    <a:lstStyle/>
-                    <a:p>
-                      <a:pPr algn="ctr"/>
-                      <a:r>
-                        <a:rPr lang="pt-BR" sz="2800" b="1" dirty="0" smtClean="0">
-                          <a:solidFill>
-                            <a:schemeClr val="bg1"/>
-                          </a:solidFill>
-                        </a:rPr>
-                        <a:t>6</a:t>
-                      </a:r>
-                      <a:endParaRPr lang="pt-BR" sz="2800" b="1" dirty="0">
-                        <a:solidFill>
-                          <a:schemeClr val="bg1"/>
-                        </a:solidFill>
-                      </a:endParaRPr>
-                    </a:p>
-                  </a:txBody>
-                  <a:tcPr anchor="ctr">
-                    <a:lnL>
-                      <a:noFill/>
-                    </a:lnL>
                     <a:lnR w="6350" cap="flat" cmpd="sng" algn="ctr">
                       <a:noFill/>
                       <a:prstDash val="solid"/>
@@ -11046,7 +10350,7 @@
                 </a:tc>
                 <a:extLst>
                   <a:ext uri="{0D108BD9-81ED-4DB2-BD59-A6C34878D82A}">
-                    <a16:rowId xmlns="" xmlns:a16="http://schemas.microsoft.com/office/drawing/2014/main" val="1712611614"/>
+                    <a16:rowId xmlns:a16="http://schemas.microsoft.com/office/drawing/2014/main" xmlns="" val="1712611614"/>
                   </a:ext>
                 </a:extLst>
               </a:tr>
@@ -11059,7 +10363,7 @@
           <p:cNvPr id="7" name="Rectangle 4">
             <a:extLst>
               <a:ext uri="{FF2B5EF4-FFF2-40B4-BE49-F238E27FC236}">
-                <a16:creationId xmlns:a16="http://schemas.microsoft.com/office/drawing/2014/main" xmlns="" id="{6B3D22E0-3304-47C3-A13D-F3314EEBFA56}"/>
+                <a16:creationId xmlns="" xmlns:a16="http://schemas.microsoft.com/office/drawing/2014/main" id="{6B3D22E0-3304-47C3-A13D-F3314EEBFA56}"/>
               </a:ext>
             </a:extLst>
           </p:cNvPr>
@@ -11117,7 +10421,7 @@
                   </a:outerShdw>
                 </a:effectLst>
               </a:rPr>
-              <a:t>5</a:t>
+              <a:t>6</a:t>
             </a:r>
             <a:endParaRPr lang="en-US" sz="4800" b="1" cap="none" spc="0" dirty="0">
               <a:ln w="6600">
@@ -11183,7 +10487,7 @@
           <p:cNvPr id="8" name="Rectangle 1">
             <a:extLst>
               <a:ext uri="{FF2B5EF4-FFF2-40B4-BE49-F238E27FC236}">
-                <a16:creationId xmlns:a16="http://schemas.microsoft.com/office/drawing/2014/main" xmlns="" id="{4F38584F-66B2-464F-9BA7-6F9A856D602F}"/>
+                <a16:creationId xmlns="" xmlns:a16="http://schemas.microsoft.com/office/drawing/2014/main" id="{4F38584F-66B2-464F-9BA7-6F9A856D602F}"/>
               </a:ext>
             </a:extLst>
           </p:cNvPr>
@@ -11363,7 +10667,7 @@
           <p:cNvPr id="14" name="Rectangle 1">
             <a:extLst>
               <a:ext uri="{FF2B5EF4-FFF2-40B4-BE49-F238E27FC236}">
-                <a16:creationId xmlns:a16="http://schemas.microsoft.com/office/drawing/2014/main" xmlns="" id="{4F38584F-66B2-464F-9BA7-6F9A856D602F}"/>
+                <a16:creationId xmlns="" xmlns:a16="http://schemas.microsoft.com/office/drawing/2014/main" id="{4F38584F-66B2-464F-9BA7-6F9A856D602F}"/>
               </a:ext>
             </a:extLst>
           </p:cNvPr>
@@ -11452,7 +10756,7 @@
           <p:cNvPr id="15" name="Rectangle 1">
             <a:extLst>
               <a:ext uri="{FF2B5EF4-FFF2-40B4-BE49-F238E27FC236}">
-                <a16:creationId xmlns:a16="http://schemas.microsoft.com/office/drawing/2014/main" xmlns="" id="{4F38584F-66B2-464F-9BA7-6F9A856D602F}"/>
+                <a16:creationId xmlns="" xmlns:a16="http://schemas.microsoft.com/office/drawing/2014/main" id="{4F38584F-66B2-464F-9BA7-6F9A856D602F}"/>
               </a:ext>
             </a:extLst>
           </p:cNvPr>
@@ -11541,7 +10845,7 @@
           <p:cNvPr id="16" name="Rectangle 1">
             <a:extLst>
               <a:ext uri="{FF2B5EF4-FFF2-40B4-BE49-F238E27FC236}">
-                <a16:creationId xmlns:a16="http://schemas.microsoft.com/office/drawing/2014/main" xmlns="" id="{4F38584F-66B2-464F-9BA7-6F9A856D602F}"/>
+                <a16:creationId xmlns="" xmlns:a16="http://schemas.microsoft.com/office/drawing/2014/main" id="{4F38584F-66B2-464F-9BA7-6F9A856D602F}"/>
               </a:ext>
             </a:extLst>
           </p:cNvPr>
@@ -11551,7 +10855,7 @@
         <p:spPr>
           <a:xfrm>
             <a:off x="331596" y="825391"/>
-            <a:ext cx="7593204" cy="584775"/>
+            <a:ext cx="7097904" cy="584775"/>
           </a:xfrm>
           <a:prstGeom prst="rect">
             <a:avLst/>
@@ -11602,7 +10906,7 @@
                   </a:outerShdw>
                 </a:effectLst>
               </a:rPr>
-              <a:t>Exemplo 02 – somando </a:t>
+              <a:t>Exemplo 03 – somando </a:t>
             </a:r>
             <a:r>
               <a:rPr lang="pt-BR" sz="3200" b="1" dirty="0" smtClean="0">
@@ -11623,7 +10927,7 @@
                   </a:outerShdw>
                 </a:effectLst>
               </a:rPr>
-              <a:t>dezenas</a:t>
+              <a:t>centenas</a:t>
             </a:r>
             <a:endParaRPr lang="pt-BR" sz="3200" b="1" dirty="0">
               <a:ln w="10160">
@@ -11651,7 +10955,7 @@
           <p:cNvPr id="17" name="Rectangle 7">
             <a:extLst>
               <a:ext uri="{FF2B5EF4-FFF2-40B4-BE49-F238E27FC236}">
-                <a16:creationId xmlns:a16="http://schemas.microsoft.com/office/drawing/2014/main" xmlns="" id="{9A0DF3A1-7C0C-4F2B-AC19-D85A14774D75}"/>
+                <a16:creationId xmlns="" xmlns:a16="http://schemas.microsoft.com/office/drawing/2014/main" id="{9A0DF3A1-7C0C-4F2B-AC19-D85A14774D75}"/>
               </a:ext>
             </a:extLst>
           </p:cNvPr>
@@ -11776,7 +11080,7 @@
     </p:spTree>
     <p:extLst>
       <p:ext uri="{BB962C8B-B14F-4D97-AF65-F5344CB8AC3E}">
-        <p14:creationId xmlns:p14="http://schemas.microsoft.com/office/powerpoint/2010/main" val="3897377433"/>
+        <p14:creationId xmlns:p14="http://schemas.microsoft.com/office/powerpoint/2010/main" val="4201385692"/>
       </p:ext>
     </p:extLst>
   </p:cSld>
@@ -11811,7 +11115,7 @@
           <p:cNvPr id="6" name="Table 9">
             <a:extLst>
               <a:ext uri="{FF2B5EF4-FFF2-40B4-BE49-F238E27FC236}">
-                <a16:creationId xmlns="" xmlns:a16="http://schemas.microsoft.com/office/drawing/2014/main" id="{A3C33157-FA5E-498D-B93C-73F8CAEE1A5D}"/>
+                <a16:creationId xmlns:a16="http://schemas.microsoft.com/office/drawing/2014/main" xmlns="" id="{A3C33157-FA5E-498D-B93C-73F8CAEE1A5D}"/>
               </a:ext>
             </a:extLst>
           </p:cNvPr>
@@ -11823,8 +11127,8 @@
           </p:nvPr>
         </p:nvGraphicFramePr>
         <p:xfrm>
-          <a:off x="1787737" y="1712966"/>
-          <a:ext cx="3236260" cy="2269006"/>
+          <a:off x="995682" y="1712966"/>
+          <a:ext cx="4028315" cy="2269006"/>
         </p:xfrm>
         <a:graphic>
           <a:graphicData uri="http://schemas.openxmlformats.org/drawingml/2006/table">
@@ -11833,36 +11137,83 @@
                 <a:tableStyleId>{69012ECD-51FC-41F1-AA8D-1B2483CD663E}</a:tableStyleId>
               </a:tblPr>
               <a:tblGrid>
-                <a:gridCol w="809065">
+                <a:gridCol w="805663"/>
+                <a:gridCol w="805663">
                   <a:extLst>
                     <a:ext uri="{9D8B030D-6E8A-4147-A177-3AD203B41FA5}">
-                      <a16:colId xmlns="" xmlns:a16="http://schemas.microsoft.com/office/drawing/2014/main" val="2514592082"/>
+                      <a16:colId xmlns:a16="http://schemas.microsoft.com/office/drawing/2014/main" xmlns="" val="2514592082"/>
                     </a:ext>
                   </a:extLst>
                 </a:gridCol>
-                <a:gridCol w="809065">
+                <a:gridCol w="805663">
                   <a:extLst>
                     <a:ext uri="{9D8B030D-6E8A-4147-A177-3AD203B41FA5}">
-                      <a16:colId xmlns="" xmlns:a16="http://schemas.microsoft.com/office/drawing/2014/main" val="1972351707"/>
+                      <a16:colId xmlns:a16="http://schemas.microsoft.com/office/drawing/2014/main" xmlns="" val="1972351707"/>
                     </a:ext>
                   </a:extLst>
                 </a:gridCol>
-                <a:gridCol w="809065">
+                <a:gridCol w="805663">
                   <a:extLst>
                     <a:ext uri="{9D8B030D-6E8A-4147-A177-3AD203B41FA5}">
-                      <a16:colId xmlns="" xmlns:a16="http://schemas.microsoft.com/office/drawing/2014/main" val="130078612"/>
+                      <a16:colId xmlns:a16="http://schemas.microsoft.com/office/drawing/2014/main" xmlns="" val="130078612"/>
                     </a:ext>
                   </a:extLst>
                 </a:gridCol>
-                <a:gridCol w="809065">
+                <a:gridCol w="805663">
                   <a:extLst>
                     <a:ext uri="{9D8B030D-6E8A-4147-A177-3AD203B41FA5}">
-                      <a16:colId xmlns="" xmlns:a16="http://schemas.microsoft.com/office/drawing/2014/main" val="3594532491"/>
+                      <a16:colId xmlns:a16="http://schemas.microsoft.com/office/drawing/2014/main" xmlns="" val="3594532491"/>
                     </a:ext>
                   </a:extLst>
                 </a:gridCol>
               </a:tblGrid>
               <a:tr h="427429">
+                <a:tc>
+                  <a:txBody>
+                    <a:bodyPr/>
+                    <a:lstStyle/>
+                    <a:p>
+                      <a:pPr algn="ctr"/>
+                      <a:r>
+                        <a:rPr lang="pt-BR" dirty="0" smtClean="0"/>
+                        <a:t>Milhões</a:t>
+                      </a:r>
+                      <a:endParaRPr lang="pt-BR" dirty="0"/>
+                    </a:p>
+                  </a:txBody>
+                  <a:tcPr anchor="ctr">
+                    <a:lnL w="6350" cap="flat" cmpd="sng" algn="ctr">
+                      <a:noFill/>
+                      <a:prstDash val="solid"/>
+                      <a:miter lim="800000"/>
+                    </a:lnL>
+                    <a:lnR>
+                      <a:noFill/>
+                    </a:lnR>
+                    <a:lnT w="6350" cap="flat" cmpd="sng" algn="ctr">
+                      <a:noFill/>
+                      <a:prstDash val="solid"/>
+                      <a:miter lim="800000"/>
+                    </a:lnT>
+                    <a:lnB w="6350" cap="flat" cmpd="sng" algn="ctr">
+                      <a:noFill/>
+                      <a:prstDash val="solid"/>
+                      <a:miter lim="800000"/>
+                    </a:lnB>
+                    <a:lnTlToBr w="12700" cmpd="sng">
+                      <a:noFill/>
+                      <a:prstDash val="solid"/>
+                    </a:lnTlToBr>
+                    <a:lnBlToTr w="12700" cmpd="sng">
+                      <a:noFill/>
+                      <a:prstDash val="solid"/>
+                    </a:lnBlToTr>
+                    <a:cell3D prstMaterial="dkEdge">
+                      <a:bevel w="77470" h="12700" prst="softRound"/>
+                      <a:lightRig rig="flood" dir="t"/>
+                    </a:cell3D>
+                  </a:tcPr>
+                </a:tc>
                 <a:tc>
                   <a:txBody>
                     <a:bodyPr/>
@@ -12043,7 +11394,7 @@
                 </a:tc>
                 <a:extLst>
                   <a:ext uri="{0D108BD9-81ED-4DB2-BD59-A6C34878D82A}">
-                    <a16:rowId xmlns="" xmlns:a16="http://schemas.microsoft.com/office/drawing/2014/main" val="1648878484"/>
+                    <a16:rowId xmlns:a16="http://schemas.microsoft.com/office/drawing/2014/main" xmlns="" val="1648878484"/>
                   </a:ext>
                 </a:extLst>
               </a:tr>
@@ -12079,6 +11430,451 @@
                       <a:noFill/>
                       <a:prstDash val="solid"/>
                       <a:miter lim="800000"/>
+                    </a:lnB>
+                    <a:lnTlToBr w="12700" cmpd="sng">
+                      <a:noFill/>
+                      <a:prstDash val="solid"/>
+                    </a:lnTlToBr>
+                    <a:lnBlToTr w="12700" cmpd="sng">
+                      <a:noFill/>
+                      <a:prstDash val="solid"/>
+                    </a:lnBlToTr>
+                    <a:cell3D prstMaterial="dkEdge">
+                      <a:bevel w="77470" h="12700" prst="softRound"/>
+                      <a:lightRig rig="flood" dir="t"/>
+                    </a:cell3D>
+                  </a:tcPr>
+                </a:tc>
+                <a:tc>
+                  <a:txBody>
+                    <a:bodyPr/>
+                    <a:lstStyle/>
+                    <a:p>
+                      <a:pPr algn="ctr"/>
+                      <a:r>
+                        <a:rPr lang="pt-BR" sz="2800" b="1" dirty="0" smtClean="0">
+                          <a:solidFill>
+                            <a:schemeClr val="bg1"/>
+                          </a:solidFill>
+                        </a:rPr>
+                        <a:t>7</a:t>
+                      </a:r>
+                      <a:endParaRPr lang="pt-BR" sz="2800" b="1" dirty="0">
+                        <a:solidFill>
+                          <a:schemeClr val="bg1"/>
+                        </a:solidFill>
+                      </a:endParaRPr>
+                    </a:p>
+                  </a:txBody>
+                  <a:tcPr anchor="ctr">
+                    <a:lnL w="6350" cap="flat" cmpd="sng" algn="ctr">
+                      <a:noFill/>
+                      <a:prstDash val="solid"/>
+                      <a:miter lim="800000"/>
+                    </a:lnL>
+                    <a:lnR>
+                      <a:noFill/>
+                    </a:lnR>
+                    <a:lnT w="6350" cap="flat" cmpd="sng" algn="ctr">
+                      <a:noFill/>
+                      <a:prstDash val="solid"/>
+                      <a:miter lim="800000"/>
+                    </a:lnT>
+                    <a:lnB w="6350" cap="flat" cmpd="sng" algn="ctr">
+                      <a:noFill/>
+                      <a:prstDash val="solid"/>
+                      <a:miter lim="800000"/>
+                    </a:lnB>
+                    <a:lnTlToBr w="12700" cmpd="sng">
+                      <a:noFill/>
+                      <a:prstDash val="solid"/>
+                    </a:lnTlToBr>
+                    <a:lnBlToTr w="12700" cmpd="sng">
+                      <a:noFill/>
+                      <a:prstDash val="solid"/>
+                    </a:lnBlToTr>
+                    <a:cell3D prstMaterial="dkEdge">
+                      <a:bevel w="77470" h="12700" prst="softRound"/>
+                      <a:lightRig rig="flood" dir="t"/>
+                    </a:cell3D>
+                  </a:tcPr>
+                </a:tc>
+                <a:tc>
+                  <a:txBody>
+                    <a:bodyPr/>
+                    <a:lstStyle/>
+                    <a:p>
+                      <a:pPr algn="ctr"/>
+                      <a:r>
+                        <a:rPr lang="pt-BR" sz="2800" b="1" dirty="0" smtClean="0">
+                          <a:solidFill>
+                            <a:schemeClr val="bg1"/>
+                          </a:solidFill>
+                        </a:rPr>
+                        <a:t>5</a:t>
+                      </a:r>
+                      <a:endParaRPr lang="pt-BR" sz="2800" b="1" dirty="0">
+                        <a:solidFill>
+                          <a:schemeClr val="bg1"/>
+                        </a:solidFill>
+                      </a:endParaRPr>
+                    </a:p>
+                  </a:txBody>
+                  <a:tcPr anchor="ctr">
+                    <a:lnL>
+                      <a:noFill/>
+                    </a:lnL>
+                    <a:lnR>
+                      <a:noFill/>
+                    </a:lnR>
+                    <a:lnT w="6350" cap="flat" cmpd="sng" algn="ctr">
+                      <a:noFill/>
+                      <a:prstDash val="solid"/>
+                      <a:miter lim="800000"/>
+                    </a:lnT>
+                    <a:lnB w="6350" cap="flat" cmpd="sng" algn="ctr">
+                      <a:noFill/>
+                      <a:prstDash val="solid"/>
+                      <a:miter lim="800000"/>
+                    </a:lnB>
+                    <a:lnTlToBr w="12700" cmpd="sng">
+                      <a:noFill/>
+                      <a:prstDash val="solid"/>
+                    </a:lnTlToBr>
+                    <a:lnBlToTr w="12700" cmpd="sng">
+                      <a:noFill/>
+                      <a:prstDash val="solid"/>
+                    </a:lnBlToTr>
+                    <a:cell3D prstMaterial="dkEdge">
+                      <a:bevel w="77470" h="12700" prst="softRound"/>
+                      <a:lightRig rig="flood" dir="t"/>
+                    </a:cell3D>
+                  </a:tcPr>
+                </a:tc>
+                <a:tc>
+                  <a:txBody>
+                    <a:bodyPr/>
+                    <a:lstStyle/>
+                    <a:p>
+                      <a:pPr algn="ctr"/>
+                      <a:r>
+                        <a:rPr lang="pt-BR" sz="2800" b="1" dirty="0" smtClean="0">
+                          <a:solidFill>
+                            <a:schemeClr val="bg1"/>
+                          </a:solidFill>
+                        </a:rPr>
+                        <a:t>6</a:t>
+                      </a:r>
+                      <a:endParaRPr lang="pt-BR" sz="2800" b="1" dirty="0">
+                        <a:solidFill>
+                          <a:schemeClr val="bg1"/>
+                        </a:solidFill>
+                      </a:endParaRPr>
+                    </a:p>
+                  </a:txBody>
+                  <a:tcPr anchor="ctr">
+                    <a:lnL>
+                      <a:noFill/>
+                    </a:lnL>
+                    <a:lnR>
+                      <a:noFill/>
+                    </a:lnR>
+                    <a:lnT w="6350" cap="flat" cmpd="sng" algn="ctr">
+                      <a:noFill/>
+                      <a:prstDash val="solid"/>
+                      <a:miter lim="800000"/>
+                    </a:lnT>
+                    <a:lnB w="6350" cap="flat" cmpd="sng" algn="ctr">
+                      <a:noFill/>
+                      <a:prstDash val="solid"/>
+                      <a:miter lim="800000"/>
+                    </a:lnB>
+                    <a:lnTlToBr w="12700" cmpd="sng">
+                      <a:noFill/>
+                      <a:prstDash val="solid"/>
+                    </a:lnTlToBr>
+                    <a:lnBlToTr w="12700" cmpd="sng">
+                      <a:noFill/>
+                      <a:prstDash val="solid"/>
+                    </a:lnBlToTr>
+                    <a:cell3D prstMaterial="dkEdge">
+                      <a:bevel w="77470" h="12700" prst="softRound"/>
+                      <a:lightRig rig="flood" dir="t"/>
+                    </a:cell3D>
+                  </a:tcPr>
+                </a:tc>
+                <a:tc>
+                  <a:txBody>
+                    <a:bodyPr/>
+                    <a:lstStyle/>
+                    <a:p>
+                      <a:pPr algn="ctr"/>
+                      <a:r>
+                        <a:rPr lang="pt-BR" sz="2800" b="1" dirty="0" smtClean="0">
+                          <a:solidFill>
+                            <a:schemeClr val="bg1"/>
+                          </a:solidFill>
+                        </a:rPr>
+                        <a:t>4</a:t>
+                      </a:r>
+                      <a:endParaRPr lang="pt-BR" sz="2800" b="1" dirty="0">
+                        <a:solidFill>
+                          <a:schemeClr val="bg1"/>
+                        </a:solidFill>
+                      </a:endParaRPr>
+                    </a:p>
+                  </a:txBody>
+                  <a:tcPr anchor="ctr">
+                    <a:lnL>
+                      <a:noFill/>
+                    </a:lnL>
+                    <a:lnR w="6350" cap="flat" cmpd="sng" algn="ctr">
+                      <a:noFill/>
+                      <a:prstDash val="solid"/>
+                      <a:miter lim="800000"/>
+                    </a:lnR>
+                    <a:lnT w="6350" cap="flat" cmpd="sng" algn="ctr">
+                      <a:noFill/>
+                      <a:prstDash val="solid"/>
+                      <a:miter lim="800000"/>
+                    </a:lnT>
+                    <a:lnB w="6350" cap="flat" cmpd="sng" algn="ctr">
+                      <a:noFill/>
+                      <a:prstDash val="solid"/>
+                      <a:miter lim="800000"/>
+                    </a:lnB>
+                    <a:lnTlToBr w="12700" cmpd="sng">
+                      <a:noFill/>
+                      <a:prstDash val="solid"/>
+                    </a:lnTlToBr>
+                    <a:lnBlToTr w="12700" cmpd="sng">
+                      <a:noFill/>
+                      <a:prstDash val="solid"/>
+                    </a:lnBlToTr>
+                    <a:cell3D prstMaterial="dkEdge">
+                      <a:bevel w="77470" h="12700" prst="softRound"/>
+                      <a:lightRig rig="flood" dir="t"/>
+                    </a:cell3D>
+                  </a:tcPr>
+                </a:tc>
+                <a:extLst>
+                  <a:ext uri="{0D108BD9-81ED-4DB2-BD59-A6C34878D82A}">
+                    <a16:rowId xmlns:a16="http://schemas.microsoft.com/office/drawing/2014/main" xmlns="" val="3110016024"/>
+                  </a:ext>
+                </a:extLst>
+              </a:tr>
+              <a:tr h="613859">
+                <a:tc>
+                  <a:txBody>
+                    <a:bodyPr/>
+                    <a:lstStyle/>
+                    <a:p>
+                      <a:pPr algn="ctr"/>
+                      <a:r>
+                        <a:rPr lang="pt-BR" sz="2800" b="1" dirty="0" smtClean="0">
+                          <a:solidFill>
+                            <a:schemeClr val="bg1"/>
+                          </a:solidFill>
+                        </a:rPr>
+                        <a:t>+</a:t>
+                      </a:r>
+                      <a:endParaRPr lang="pt-BR" sz="2800" b="1" dirty="0">
+                        <a:solidFill>
+                          <a:schemeClr val="bg1"/>
+                        </a:solidFill>
+                      </a:endParaRPr>
+                    </a:p>
+                  </a:txBody>
+                  <a:tcPr anchor="ctr">
+                    <a:lnL w="6350" cap="flat" cmpd="sng" algn="ctr">
+                      <a:noFill/>
+                      <a:prstDash val="solid"/>
+                      <a:miter lim="800000"/>
+                    </a:lnL>
+                    <a:lnR>
+                      <a:noFill/>
+                    </a:lnR>
+                    <a:lnT w="6350" cap="flat" cmpd="sng" algn="ctr">
+                      <a:noFill/>
+                      <a:prstDash val="solid"/>
+                      <a:miter lim="800000"/>
+                    </a:lnT>
+                    <a:lnB w="12700" cap="flat" cmpd="sng" algn="ctr">
+                      <a:noFill/>
+                      <a:prstDash val="solid"/>
+                      <a:round/>
+                      <a:headEnd type="none" w="med" len="med"/>
+                      <a:tailEnd type="none" w="med" len="med"/>
+                    </a:lnB>
+                    <a:lnTlToBr w="12700" cmpd="sng">
+                      <a:noFill/>
+                      <a:prstDash val="solid"/>
+                    </a:lnTlToBr>
+                    <a:lnBlToTr w="12700" cmpd="sng">
+                      <a:noFill/>
+                      <a:prstDash val="solid"/>
+                    </a:lnBlToTr>
+                    <a:cell3D prstMaterial="dkEdge">
+                      <a:bevel w="77470" h="12700" prst="softRound"/>
+                      <a:lightRig rig="flood" dir="t"/>
+                    </a:cell3D>
+                  </a:tcPr>
+                </a:tc>
+                <a:tc>
+                  <a:txBody>
+                    <a:bodyPr/>
+                    <a:lstStyle/>
+                    <a:p>
+                      <a:pPr algn="ctr"/>
+                      <a:r>
+                        <a:rPr lang="pt-BR" sz="2800" b="1" dirty="0" smtClean="0">
+                          <a:solidFill>
+                            <a:schemeClr val="bg1"/>
+                          </a:solidFill>
+                        </a:rPr>
+                        <a:t>2</a:t>
+                      </a:r>
+                      <a:endParaRPr lang="pt-BR" sz="2800" b="1" dirty="0">
+                        <a:solidFill>
+                          <a:schemeClr val="bg1"/>
+                        </a:solidFill>
+                      </a:endParaRPr>
+                    </a:p>
+                  </a:txBody>
+                  <a:tcPr anchor="ctr">
+                    <a:lnL w="6350" cap="flat" cmpd="sng" algn="ctr">
+                      <a:noFill/>
+                      <a:prstDash val="solid"/>
+                      <a:miter lim="800000"/>
+                    </a:lnL>
+                    <a:lnR>
+                      <a:noFill/>
+                    </a:lnR>
+                    <a:lnT w="6350" cap="flat" cmpd="sng" algn="ctr">
+                      <a:noFill/>
+                      <a:prstDash val="solid"/>
+                      <a:miter lim="800000"/>
+                    </a:lnT>
+                    <a:lnB w="12700" cap="flat" cmpd="sng" algn="ctr">
+                      <a:solidFill>
+                        <a:schemeClr val="tx1"/>
+                      </a:solidFill>
+                      <a:prstDash val="solid"/>
+                      <a:round/>
+                      <a:headEnd type="none" w="med" len="med"/>
+                      <a:tailEnd type="none" w="med" len="med"/>
+                    </a:lnB>
+                    <a:lnTlToBr w="12700" cmpd="sng">
+                      <a:noFill/>
+                      <a:prstDash val="solid"/>
+                    </a:lnTlToBr>
+                    <a:lnBlToTr w="12700" cmpd="sng">
+                      <a:noFill/>
+                      <a:prstDash val="solid"/>
+                    </a:lnBlToTr>
+                    <a:cell3D prstMaterial="dkEdge">
+                      <a:bevel w="77470" h="12700" prst="softRound"/>
+                      <a:lightRig rig="flood" dir="t"/>
+                    </a:cell3D>
+                  </a:tcPr>
+                </a:tc>
+                <a:tc>
+                  <a:txBody>
+                    <a:bodyPr/>
+                    <a:lstStyle/>
+                    <a:p>
+                      <a:pPr algn="ctr"/>
+                      <a:r>
+                        <a:rPr lang="pt-BR" sz="2800" b="1" dirty="0" smtClean="0">
+                          <a:solidFill>
+                            <a:schemeClr val="bg1"/>
+                          </a:solidFill>
+                        </a:rPr>
+                        <a:t>3</a:t>
+                      </a:r>
+                      <a:endParaRPr lang="pt-BR" sz="2800" b="1" dirty="0">
+                        <a:solidFill>
+                          <a:schemeClr val="bg1"/>
+                        </a:solidFill>
+                      </a:endParaRPr>
+                    </a:p>
+                  </a:txBody>
+                  <a:tcPr anchor="ctr">
+                    <a:lnL>
+                      <a:noFill/>
+                    </a:lnL>
+                    <a:lnR>
+                      <a:noFill/>
+                    </a:lnR>
+                    <a:lnT w="6350" cap="flat" cmpd="sng" algn="ctr">
+                      <a:noFill/>
+                      <a:prstDash val="solid"/>
+                      <a:miter lim="800000"/>
+                    </a:lnT>
+                    <a:lnB w="12700" cap="flat" cmpd="sng" algn="ctr">
+                      <a:solidFill>
+                        <a:schemeClr val="tx1"/>
+                      </a:solidFill>
+                      <a:prstDash val="solid"/>
+                      <a:round/>
+                      <a:headEnd type="none" w="med" len="med"/>
+                      <a:tailEnd type="none" w="med" len="med"/>
+                    </a:lnB>
+                    <a:lnTlToBr w="12700" cmpd="sng">
+                      <a:noFill/>
+                      <a:prstDash val="solid"/>
+                    </a:lnTlToBr>
+                    <a:lnBlToTr w="12700" cmpd="sng">
+                      <a:noFill/>
+                      <a:prstDash val="solid"/>
+                    </a:lnBlToTr>
+                    <a:cell3D prstMaterial="dkEdge">
+                      <a:bevel w="77470" h="12700" prst="softRound"/>
+                      <a:lightRig rig="flood" dir="t"/>
+                    </a:cell3D>
+                  </a:tcPr>
+                </a:tc>
+                <a:tc>
+                  <a:txBody>
+                    <a:bodyPr/>
+                    <a:lstStyle/>
+                    <a:p>
+                      <a:pPr algn="ctr"/>
+                      <a:r>
+                        <a:rPr lang="pt-BR" sz="2800" b="1" dirty="0" smtClean="0">
+                          <a:solidFill>
+                            <a:schemeClr val="bg1"/>
+                          </a:solidFill>
+                        </a:rPr>
+                        <a:t>2</a:t>
+                      </a:r>
+                      <a:endParaRPr lang="pt-BR" sz="2800" b="1" dirty="0">
+                        <a:solidFill>
+                          <a:schemeClr val="bg1"/>
+                        </a:solidFill>
+                      </a:endParaRPr>
+                    </a:p>
+                  </a:txBody>
+                  <a:tcPr anchor="ctr">
+                    <a:lnL>
+                      <a:noFill/>
+                    </a:lnL>
+                    <a:lnR>
+                      <a:noFill/>
+                    </a:lnR>
+                    <a:lnT w="6350" cap="flat" cmpd="sng" algn="ctr">
+                      <a:noFill/>
+                      <a:prstDash val="solid"/>
+                      <a:miter lim="800000"/>
+                    </a:lnT>
+                    <a:lnB w="12700" cap="flat" cmpd="sng" algn="ctr">
+                      <a:solidFill>
+                        <a:schemeClr val="tx1"/>
+                      </a:solidFill>
+                      <a:prstDash val="solid"/>
+                      <a:round/>
+                      <a:headEnd type="none" w="med" len="med"/>
+                      <a:tailEnd type="none" w="med" len="med"/>
                     </a:lnB>
                     <a:lnTlToBr w="12700" cmpd="sng">
                       <a:noFill/>
@@ -12119,13 +11915,74 @@
                     <a:lnL>
                       <a:noFill/>
                     </a:lnL>
-                    <a:lnR>
-                      <a:noFill/>
+                    <a:lnR w="6350" cap="flat" cmpd="sng" algn="ctr">
+                      <a:noFill/>
+                      <a:prstDash val="solid"/>
+                      <a:miter lim="800000"/>
                     </a:lnR>
                     <a:lnT w="6350" cap="flat" cmpd="sng" algn="ctr">
                       <a:noFill/>
                       <a:prstDash val="solid"/>
                       <a:miter lim="800000"/>
+                    </a:lnT>
+                    <a:lnB w="12700" cap="flat" cmpd="sng" algn="ctr">
+                      <a:solidFill>
+                        <a:schemeClr val="tx1"/>
+                      </a:solidFill>
+                      <a:prstDash val="solid"/>
+                      <a:round/>
+                      <a:headEnd type="none" w="med" len="med"/>
+                      <a:tailEnd type="none" w="med" len="med"/>
+                    </a:lnB>
+                    <a:lnTlToBr w="12700" cmpd="sng">
+                      <a:noFill/>
+                      <a:prstDash val="solid"/>
+                    </a:lnTlToBr>
+                    <a:lnBlToTr w="12700" cmpd="sng">
+                      <a:noFill/>
+                      <a:prstDash val="solid"/>
+                    </a:lnBlToTr>
+                    <a:cell3D prstMaterial="dkEdge">
+                      <a:bevel w="77470" h="12700" prst="softRound"/>
+                      <a:lightRig rig="flood" dir="t"/>
+                    </a:cell3D>
+                  </a:tcPr>
+                </a:tc>
+                <a:extLst>
+                  <a:ext uri="{0D108BD9-81ED-4DB2-BD59-A6C34878D82A}">
+                    <a16:rowId xmlns:a16="http://schemas.microsoft.com/office/drawing/2014/main" xmlns="" val="2530068117"/>
+                  </a:ext>
+                </a:extLst>
+              </a:tr>
+              <a:tr h="613859">
+                <a:tc>
+                  <a:txBody>
+                    <a:bodyPr/>
+                    <a:lstStyle/>
+                    <a:p>
+                      <a:pPr algn="ctr"/>
+                      <a:endParaRPr lang="pt-BR" sz="2800" b="1" dirty="0">
+                        <a:solidFill>
+                          <a:schemeClr val="bg1"/>
+                        </a:solidFill>
+                      </a:endParaRPr>
+                    </a:p>
+                  </a:txBody>
+                  <a:tcPr anchor="ctr">
+                    <a:lnL w="6350" cap="flat" cmpd="sng" algn="ctr">
+                      <a:noFill/>
+                      <a:prstDash val="solid"/>
+                      <a:miter lim="800000"/>
+                    </a:lnL>
+                    <a:lnR>
+                      <a:noFill/>
+                    </a:lnR>
+                    <a:lnT w="12700" cap="flat" cmpd="sng" algn="ctr">
+                      <a:noFill/>
+                      <a:prstDash val="solid"/>
+                      <a:round/>
+                      <a:headEnd type="none" w="med" len="med"/>
+                      <a:tailEnd type="none" w="med" len="med"/>
                     </a:lnT>
                     <a:lnB w="6350" cap="flat" cmpd="sng" algn="ctr">
                       <a:noFill/>
@@ -12158,120 +12015,7 @@
                             <a:schemeClr val="bg1"/>
                           </a:solidFill>
                         </a:rPr>
-                        <a:t>3</a:t>
-                      </a:r>
-                      <a:endParaRPr lang="pt-BR" sz="2800" b="1" dirty="0">
-                        <a:solidFill>
-                          <a:schemeClr val="bg1"/>
-                        </a:solidFill>
-                      </a:endParaRPr>
-                    </a:p>
-                  </a:txBody>
-                  <a:tcPr anchor="ctr">
-                    <a:lnL>
-                      <a:noFill/>
-                    </a:lnL>
-                    <a:lnR>
-                      <a:noFill/>
-                    </a:lnR>
-                    <a:lnT w="6350" cap="flat" cmpd="sng" algn="ctr">
-                      <a:noFill/>
-                      <a:prstDash val="solid"/>
-                      <a:miter lim="800000"/>
-                    </a:lnT>
-                    <a:lnB w="6350" cap="flat" cmpd="sng" algn="ctr">
-                      <a:noFill/>
-                      <a:prstDash val="solid"/>
-                      <a:miter lim="800000"/>
-                    </a:lnB>
-                    <a:lnTlToBr w="12700" cmpd="sng">
-                      <a:noFill/>
-                      <a:prstDash val="solid"/>
-                    </a:lnTlToBr>
-                    <a:lnBlToTr w="12700" cmpd="sng">
-                      <a:noFill/>
-                      <a:prstDash val="solid"/>
-                    </a:lnBlToTr>
-                    <a:cell3D prstMaterial="dkEdge">
-                      <a:bevel w="77470" h="12700" prst="softRound"/>
-                      <a:lightRig rig="flood" dir="t"/>
-                    </a:cell3D>
-                  </a:tcPr>
-                </a:tc>
-                <a:tc>
-                  <a:txBody>
-                    <a:bodyPr/>
-                    <a:lstStyle/>
-                    <a:p>
-                      <a:pPr algn="ctr"/>
-                      <a:r>
-                        <a:rPr lang="pt-BR" sz="2800" b="1" dirty="0" smtClean="0">
-                          <a:solidFill>
-                            <a:schemeClr val="bg1"/>
-                          </a:solidFill>
-                        </a:rPr>
-                        <a:t>2</a:t>
-                      </a:r>
-                      <a:endParaRPr lang="pt-BR" sz="2800" b="1" dirty="0">
-                        <a:solidFill>
-                          <a:schemeClr val="bg1"/>
-                        </a:solidFill>
-                      </a:endParaRPr>
-                    </a:p>
-                  </a:txBody>
-                  <a:tcPr anchor="ctr">
-                    <a:lnL>
-                      <a:noFill/>
-                    </a:lnL>
-                    <a:lnR w="6350" cap="flat" cmpd="sng" algn="ctr">
-                      <a:noFill/>
-                      <a:prstDash val="solid"/>
-                      <a:miter lim="800000"/>
-                    </a:lnR>
-                    <a:lnT w="6350" cap="flat" cmpd="sng" algn="ctr">
-                      <a:noFill/>
-                      <a:prstDash val="solid"/>
-                      <a:miter lim="800000"/>
-                    </a:lnT>
-                    <a:lnB w="6350" cap="flat" cmpd="sng" algn="ctr">
-                      <a:noFill/>
-                      <a:prstDash val="solid"/>
-                      <a:miter lim="800000"/>
-                    </a:lnB>
-                    <a:lnTlToBr w="12700" cmpd="sng">
-                      <a:noFill/>
-                      <a:prstDash val="solid"/>
-                    </a:lnTlToBr>
-                    <a:lnBlToTr w="12700" cmpd="sng">
-                      <a:noFill/>
-                      <a:prstDash val="solid"/>
-                    </a:lnBlToTr>
-                    <a:cell3D prstMaterial="dkEdge">
-                      <a:bevel w="77470" h="12700" prst="softRound"/>
-                      <a:lightRig rig="flood" dir="t"/>
-                    </a:cell3D>
-                  </a:tcPr>
-                </a:tc>
-                <a:extLst>
-                  <a:ext uri="{0D108BD9-81ED-4DB2-BD59-A6C34878D82A}">
-                    <a16:rowId xmlns="" xmlns:a16="http://schemas.microsoft.com/office/drawing/2014/main" val="3110016024"/>
-                  </a:ext>
-                </a:extLst>
-              </a:tr>
-              <a:tr h="613859">
-                <a:tc>
-                  <a:txBody>
-                    <a:bodyPr/>
-                    <a:lstStyle/>
-                    <a:p>
-                      <a:pPr algn="ctr"/>
-                      <a:r>
-                        <a:rPr lang="pt-BR" sz="2800" b="1" dirty="0" smtClean="0">
-                          <a:solidFill>
-                            <a:schemeClr val="bg1"/>
-                          </a:solidFill>
-                        </a:rPr>
-                        <a:t>+</a:t>
+                        <a:t>9</a:t>
                       </a:r>
                       <a:endParaRPr lang="pt-BR" sz="2800" b="1" dirty="0">
                         <a:solidFill>
@@ -12289,10 +12033,14 @@
                     <a:lnR>
                       <a:noFill/>
                     </a:lnR>
-                    <a:lnT w="6350" cap="flat" cmpd="sng" algn="ctr">
-                      <a:noFill/>
-                      <a:prstDash val="solid"/>
-                      <a:miter lim="800000"/>
+                    <a:lnT w="12700" cap="flat" cmpd="sng" algn="ctr">
+                      <a:solidFill>
+                        <a:schemeClr val="tx1"/>
+                      </a:solidFill>
+                      <a:prstDash val="solid"/>
+                      <a:round/>
+                      <a:headEnd type="none" w="med" len="med"/>
+                      <a:tailEnd type="none" w="med" len="med"/>
                     </a:lnT>
                     <a:lnB w="6350" cap="flat" cmpd="sng" algn="ctr">
                       <a:noFill/>
@@ -12341,12 +12089,7 @@
                     <a:lnR>
                       <a:noFill/>
                     </a:lnR>
-                    <a:lnT w="6350" cap="flat" cmpd="sng" algn="ctr">
-                      <a:noFill/>
-                      <a:prstDash val="solid"/>
-                      <a:miter lim="800000"/>
-                    </a:lnT>
-                    <a:lnB w="12700" cap="flat" cmpd="sng" algn="ctr">
+                    <a:lnT w="12700" cap="flat" cmpd="sng" algn="ctr">
                       <a:solidFill>
                         <a:schemeClr val="tx1"/>
                       </a:solidFill>
@@ -12354,6 +12097,11 @@
                       <a:round/>
                       <a:headEnd type="none" w="med" len="med"/>
                       <a:tailEnd type="none" w="med" len="med"/>
+                    </a:lnT>
+                    <a:lnB w="6350" cap="flat" cmpd="sng" algn="ctr">
+                      <a:noFill/>
+                      <a:prstDash val="solid"/>
+                      <a:miter lim="800000"/>
                     </a:lnB>
                     <a:lnTlToBr w="12700" cmpd="sng">
                       <a:noFill/>
@@ -12376,13 +12124,18 @@
                     <a:p>
                       <a:pPr algn="ctr"/>
                       <a:r>
-                        <a:rPr lang="pt-BR" sz="2800" b="1" dirty="0">
+                        <a:rPr lang="pt-BR" sz="2800" b="1" dirty="0" smtClean="0">
                           <a:solidFill>
                             <a:schemeClr val="bg1"/>
                           </a:solidFill>
                         </a:rPr>
-                        <a:t>1</a:t>
+                        <a:t>8</a:t>
                       </a:r>
+                      <a:endParaRPr lang="pt-BR" sz="2800" b="1" dirty="0">
+                        <a:solidFill>
+                          <a:schemeClr val="bg1"/>
+                        </a:solidFill>
+                      </a:endParaRPr>
                     </a:p>
                   </a:txBody>
                   <a:tcPr anchor="ctr">
@@ -12392,12 +12145,7 @@
                     <a:lnR>
                       <a:noFill/>
                     </a:lnR>
-                    <a:lnT w="6350" cap="flat" cmpd="sng" algn="ctr">
-                      <a:noFill/>
-                      <a:prstDash val="solid"/>
-                      <a:miter lim="800000"/>
-                    </a:lnT>
-                    <a:lnB w="12700" cap="flat" cmpd="sng" algn="ctr">
+                    <a:lnT w="12700" cap="flat" cmpd="sng" algn="ctr">
                       <a:solidFill>
                         <a:schemeClr val="tx1"/>
                       </a:solidFill>
@@ -12405,6 +12153,11 @@
                       <a:round/>
                       <a:headEnd type="none" w="med" len="med"/>
                       <a:tailEnd type="none" w="med" len="med"/>
+                    </a:lnT>
+                    <a:lnB w="6350" cap="flat" cmpd="sng" algn="ctr">
+                      <a:noFill/>
+                      <a:prstDash val="solid"/>
+                      <a:miter lim="800000"/>
                     </a:lnB>
                     <a:lnTlToBr w="12700" cmpd="sng">
                       <a:noFill/>
@@ -12450,12 +12203,7 @@
                       <a:prstDash val="solid"/>
                       <a:miter lim="800000"/>
                     </a:lnR>
-                    <a:lnT w="6350" cap="flat" cmpd="sng" algn="ctr">
-                      <a:noFill/>
-                      <a:prstDash val="solid"/>
-                      <a:miter lim="800000"/>
-                    </a:lnT>
-                    <a:lnB w="12700" cap="flat" cmpd="sng" algn="ctr">
+                    <a:lnT w="12700" cap="flat" cmpd="sng" algn="ctr">
                       <a:solidFill>
                         <a:schemeClr val="tx1"/>
                       </a:solidFill>
@@ -12463,6 +12211,11 @@
                       <a:round/>
                       <a:headEnd type="none" w="med" len="med"/>
                       <a:tailEnd type="none" w="med" len="med"/>
+                    </a:lnT>
+                    <a:lnB w="6350" cap="flat" cmpd="sng" algn="ctr">
+                      <a:noFill/>
+                      <a:prstDash val="solid"/>
+                      <a:miter lim="800000"/>
                     </a:lnB>
                     <a:lnTlToBr w="12700" cmpd="sng">
                       <a:noFill/>
@@ -12480,230 +12233,7 @@
                 </a:tc>
                 <a:extLst>
                   <a:ext uri="{0D108BD9-81ED-4DB2-BD59-A6C34878D82A}">
-                    <a16:rowId xmlns="" xmlns:a16="http://schemas.microsoft.com/office/drawing/2014/main" val="2530068117"/>
-                  </a:ext>
-                </a:extLst>
-              </a:tr>
-              <a:tr h="613859">
-                <a:tc>
-                  <a:txBody>
-                    <a:bodyPr/>
-                    <a:lstStyle/>
-                    <a:p>
-                      <a:pPr algn="ctr"/>
-                      <a:endParaRPr lang="pt-BR" sz="2800" b="1" dirty="0">
-                        <a:solidFill>
-                          <a:schemeClr val="bg1"/>
-                        </a:solidFill>
-                      </a:endParaRPr>
-                    </a:p>
-                  </a:txBody>
-                  <a:tcPr anchor="ctr">
-                    <a:lnL w="6350" cap="flat" cmpd="sng" algn="ctr">
-                      <a:noFill/>
-                      <a:prstDash val="solid"/>
-                      <a:miter lim="800000"/>
-                    </a:lnL>
-                    <a:lnR>
-                      <a:noFill/>
-                    </a:lnR>
-                    <a:lnT w="6350" cap="flat" cmpd="sng" algn="ctr">
-                      <a:noFill/>
-                      <a:prstDash val="solid"/>
-                      <a:miter lim="800000"/>
-                    </a:lnT>
-                    <a:lnB w="6350" cap="flat" cmpd="sng" algn="ctr">
-                      <a:noFill/>
-                      <a:prstDash val="solid"/>
-                      <a:miter lim="800000"/>
-                    </a:lnB>
-                    <a:lnTlToBr w="12700" cmpd="sng">
-                      <a:noFill/>
-                      <a:prstDash val="solid"/>
-                    </a:lnTlToBr>
-                    <a:lnBlToTr w="12700" cmpd="sng">
-                      <a:noFill/>
-                      <a:prstDash val="solid"/>
-                    </a:lnBlToTr>
-                    <a:cell3D prstMaterial="dkEdge">
-                      <a:bevel w="77470" h="12700" prst="softRound"/>
-                      <a:lightRig rig="flood" dir="t"/>
-                    </a:cell3D>
-                  </a:tcPr>
-                </a:tc>
-                <a:tc>
-                  <a:txBody>
-                    <a:bodyPr/>
-                    <a:lstStyle/>
-                    <a:p>
-                      <a:pPr algn="ctr"/>
-                      <a:r>
-                        <a:rPr lang="pt-BR" sz="2800" b="1" dirty="0" smtClean="0">
-                          <a:solidFill>
-                            <a:schemeClr val="bg1"/>
-                          </a:solidFill>
-                        </a:rPr>
-                        <a:t>9</a:t>
-                      </a:r>
-                      <a:endParaRPr lang="pt-BR" sz="2800" b="1" dirty="0">
-                        <a:solidFill>
-                          <a:schemeClr val="bg1"/>
-                        </a:solidFill>
-                      </a:endParaRPr>
-                    </a:p>
-                  </a:txBody>
-                  <a:tcPr anchor="ctr">
-                    <a:lnL>
-                      <a:noFill/>
-                    </a:lnL>
-                    <a:lnR>
-                      <a:noFill/>
-                    </a:lnR>
-                    <a:lnT w="12700" cap="flat" cmpd="sng" algn="ctr">
-                      <a:solidFill>
-                        <a:schemeClr val="tx1"/>
-                      </a:solidFill>
-                      <a:prstDash val="solid"/>
-                      <a:round/>
-                      <a:headEnd type="none" w="med" len="med"/>
-                      <a:tailEnd type="none" w="med" len="med"/>
-                    </a:lnT>
-                    <a:lnB w="6350" cap="flat" cmpd="sng" algn="ctr">
-                      <a:noFill/>
-                      <a:prstDash val="solid"/>
-                      <a:miter lim="800000"/>
-                    </a:lnB>
-                    <a:lnTlToBr w="12700" cmpd="sng">
-                      <a:noFill/>
-                      <a:prstDash val="solid"/>
-                    </a:lnTlToBr>
-                    <a:lnBlToTr w="12700" cmpd="sng">
-                      <a:noFill/>
-                      <a:prstDash val="solid"/>
-                    </a:lnBlToTr>
-                    <a:cell3D prstMaterial="dkEdge">
-                      <a:bevel w="77470" h="12700" prst="softRound"/>
-                      <a:lightRig rig="flood" dir="t"/>
-                    </a:cell3D>
-                  </a:tcPr>
-                </a:tc>
-                <a:tc>
-                  <a:txBody>
-                    <a:bodyPr/>
-                    <a:lstStyle/>
-                    <a:p>
-                      <a:pPr algn="ctr"/>
-                      <a:r>
-                        <a:rPr lang="pt-BR" sz="2800" b="1" dirty="0" smtClean="0">
-                          <a:solidFill>
-                            <a:schemeClr val="bg1"/>
-                          </a:solidFill>
-                        </a:rPr>
-                        <a:t>4</a:t>
-                      </a:r>
-                      <a:endParaRPr lang="pt-BR" sz="2800" b="1" dirty="0">
-                        <a:solidFill>
-                          <a:schemeClr val="bg1"/>
-                        </a:solidFill>
-                      </a:endParaRPr>
-                    </a:p>
-                  </a:txBody>
-                  <a:tcPr anchor="ctr">
-                    <a:lnL>
-                      <a:noFill/>
-                    </a:lnL>
-                    <a:lnR>
-                      <a:noFill/>
-                    </a:lnR>
-                    <a:lnT w="12700" cap="flat" cmpd="sng" algn="ctr">
-                      <a:solidFill>
-                        <a:schemeClr val="tx1"/>
-                      </a:solidFill>
-                      <a:prstDash val="solid"/>
-                      <a:round/>
-                      <a:headEnd type="none" w="med" len="med"/>
-                      <a:tailEnd type="none" w="med" len="med"/>
-                    </a:lnT>
-                    <a:lnB w="6350" cap="flat" cmpd="sng" algn="ctr">
-                      <a:noFill/>
-                      <a:prstDash val="solid"/>
-                      <a:miter lim="800000"/>
-                    </a:lnB>
-                    <a:lnTlToBr w="12700" cmpd="sng">
-                      <a:noFill/>
-                      <a:prstDash val="solid"/>
-                    </a:lnTlToBr>
-                    <a:lnBlToTr w="12700" cmpd="sng">
-                      <a:noFill/>
-                      <a:prstDash val="solid"/>
-                    </a:lnBlToTr>
-                    <a:cell3D prstMaterial="dkEdge">
-                      <a:bevel w="77470" h="12700" prst="softRound"/>
-                      <a:lightRig rig="flood" dir="t"/>
-                    </a:cell3D>
-                  </a:tcPr>
-                </a:tc>
-                <a:tc>
-                  <a:txBody>
-                    <a:bodyPr/>
-                    <a:lstStyle/>
-                    <a:p>
-                      <a:pPr algn="ctr"/>
-                      <a:r>
-                        <a:rPr lang="pt-BR" sz="2800" b="1" dirty="0" smtClean="0">
-                          <a:solidFill>
-                            <a:schemeClr val="bg1"/>
-                          </a:solidFill>
-                        </a:rPr>
-                        <a:t>7</a:t>
-                      </a:r>
-                      <a:endParaRPr lang="pt-BR" sz="2800" b="1" dirty="0">
-                        <a:solidFill>
-                          <a:schemeClr val="bg1"/>
-                        </a:solidFill>
-                      </a:endParaRPr>
-                    </a:p>
-                  </a:txBody>
-                  <a:tcPr anchor="ctr">
-                    <a:lnL>
-                      <a:noFill/>
-                    </a:lnL>
-                    <a:lnR w="6350" cap="flat" cmpd="sng" algn="ctr">
-                      <a:noFill/>
-                      <a:prstDash val="solid"/>
-                      <a:miter lim="800000"/>
-                    </a:lnR>
-                    <a:lnT w="12700" cap="flat" cmpd="sng" algn="ctr">
-                      <a:solidFill>
-                        <a:schemeClr val="tx1"/>
-                      </a:solidFill>
-                      <a:prstDash val="solid"/>
-                      <a:round/>
-                      <a:headEnd type="none" w="med" len="med"/>
-                      <a:tailEnd type="none" w="med" len="med"/>
-                    </a:lnT>
-                    <a:lnB w="6350" cap="flat" cmpd="sng" algn="ctr">
-                      <a:noFill/>
-                      <a:prstDash val="solid"/>
-                      <a:miter lim="800000"/>
-                    </a:lnB>
-                    <a:lnTlToBr w="12700" cmpd="sng">
-                      <a:noFill/>
-                      <a:prstDash val="solid"/>
-                    </a:lnTlToBr>
-                    <a:lnBlToTr w="12700" cmpd="sng">
-                      <a:noFill/>
-                      <a:prstDash val="solid"/>
-                    </a:lnBlToTr>
-                    <a:cell3D prstMaterial="dkEdge">
-                      <a:bevel w="77470" h="12700" prst="softRound"/>
-                      <a:lightRig rig="flood" dir="t"/>
-                    </a:cell3D>
-                  </a:tcPr>
-                </a:tc>
-                <a:extLst>
-                  <a:ext uri="{0D108BD9-81ED-4DB2-BD59-A6C34878D82A}">
-                    <a16:rowId xmlns="" xmlns:a16="http://schemas.microsoft.com/office/drawing/2014/main" val="1712611614"/>
+                    <a16:rowId xmlns:a16="http://schemas.microsoft.com/office/drawing/2014/main" xmlns="" val="1712611614"/>
                   </a:ext>
                 </a:extLst>
               </a:tr>
@@ -12716,7 +12246,7 @@
           <p:cNvPr id="7" name="Rectangle 4">
             <a:extLst>
               <a:ext uri="{FF2B5EF4-FFF2-40B4-BE49-F238E27FC236}">
-                <a16:creationId xmlns:a16="http://schemas.microsoft.com/office/drawing/2014/main" xmlns="" id="{6B3D22E0-3304-47C3-A13D-F3314EEBFA56}"/>
+                <a16:creationId xmlns="" xmlns:a16="http://schemas.microsoft.com/office/drawing/2014/main" id="{6B3D22E0-3304-47C3-A13D-F3314EEBFA56}"/>
               </a:ext>
             </a:extLst>
           </p:cNvPr>
@@ -12774,7 +12304,7 @@
                   </a:outerShdw>
                 </a:effectLst>
               </a:rPr>
-              <a:t>6</a:t>
+              <a:t>7</a:t>
             </a:r>
             <a:endParaRPr lang="en-US" sz="4800" b="1" cap="none" spc="0" dirty="0">
               <a:ln w="6600">
@@ -12840,7 +12370,7 @@
           <p:cNvPr id="8" name="Rectangle 1">
             <a:extLst>
               <a:ext uri="{FF2B5EF4-FFF2-40B4-BE49-F238E27FC236}">
-                <a16:creationId xmlns:a16="http://schemas.microsoft.com/office/drawing/2014/main" xmlns="" id="{4F38584F-66B2-464F-9BA7-6F9A856D602F}"/>
+                <a16:creationId xmlns="" xmlns:a16="http://schemas.microsoft.com/office/drawing/2014/main" id="{4F38584F-66B2-464F-9BA7-6F9A856D602F}"/>
               </a:ext>
             </a:extLst>
           </p:cNvPr>
@@ -13020,7 +12550,7 @@
           <p:cNvPr id="14" name="Rectangle 1">
             <a:extLst>
               <a:ext uri="{FF2B5EF4-FFF2-40B4-BE49-F238E27FC236}">
-                <a16:creationId xmlns:a16="http://schemas.microsoft.com/office/drawing/2014/main" xmlns="" id="{4F38584F-66B2-464F-9BA7-6F9A856D602F}"/>
+                <a16:creationId xmlns="" xmlns:a16="http://schemas.microsoft.com/office/drawing/2014/main" id="{4F38584F-66B2-464F-9BA7-6F9A856D602F}"/>
               </a:ext>
             </a:extLst>
           </p:cNvPr>
@@ -13109,7 +12639,7 @@
           <p:cNvPr id="15" name="Rectangle 1">
             <a:extLst>
               <a:ext uri="{FF2B5EF4-FFF2-40B4-BE49-F238E27FC236}">
-                <a16:creationId xmlns:a16="http://schemas.microsoft.com/office/drawing/2014/main" xmlns="" id="{4F38584F-66B2-464F-9BA7-6F9A856D602F}"/>
+                <a16:creationId xmlns="" xmlns:a16="http://schemas.microsoft.com/office/drawing/2014/main" id="{4F38584F-66B2-464F-9BA7-6F9A856D602F}"/>
               </a:ext>
             </a:extLst>
           </p:cNvPr>
@@ -13198,7 +12728,7 @@
           <p:cNvPr id="16" name="Rectangle 1">
             <a:extLst>
               <a:ext uri="{FF2B5EF4-FFF2-40B4-BE49-F238E27FC236}">
-                <a16:creationId xmlns:a16="http://schemas.microsoft.com/office/drawing/2014/main" xmlns="" id="{4F38584F-66B2-464F-9BA7-6F9A856D602F}"/>
+                <a16:creationId xmlns="" xmlns:a16="http://schemas.microsoft.com/office/drawing/2014/main" id="{4F38584F-66B2-464F-9BA7-6F9A856D602F}"/>
               </a:ext>
             </a:extLst>
           </p:cNvPr>
@@ -13208,7 +12738,7 @@
         <p:spPr>
           <a:xfrm>
             <a:off x="331596" y="825391"/>
-            <a:ext cx="7097904" cy="584775"/>
+            <a:ext cx="6818504" cy="584775"/>
           </a:xfrm>
           <a:prstGeom prst="rect">
             <a:avLst/>
@@ -13259,7 +12789,7 @@
                   </a:outerShdw>
                 </a:effectLst>
               </a:rPr>
-              <a:t>Exemplo 03 – somando </a:t>
+              <a:t>Exemplo 04 – somando </a:t>
             </a:r>
             <a:r>
               <a:rPr lang="pt-BR" sz="3200" b="1" dirty="0" smtClean="0">
@@ -13280,7 +12810,7 @@
                   </a:outerShdw>
                 </a:effectLst>
               </a:rPr>
-              <a:t>centenas</a:t>
+              <a:t>milhar</a:t>
             </a:r>
             <a:endParaRPr lang="pt-BR" sz="3200" b="1" dirty="0">
               <a:ln w="10160">
@@ -13308,7 +12838,7 @@
           <p:cNvPr id="17" name="Rectangle 7">
             <a:extLst>
               <a:ext uri="{FF2B5EF4-FFF2-40B4-BE49-F238E27FC236}">
-                <a16:creationId xmlns:a16="http://schemas.microsoft.com/office/drawing/2014/main" xmlns="" id="{9A0DF3A1-7C0C-4F2B-AC19-D85A14774D75}"/>
+                <a16:creationId xmlns="" xmlns:a16="http://schemas.microsoft.com/office/drawing/2014/main" id="{9A0DF3A1-7C0C-4F2B-AC19-D85A14774D75}"/>
               </a:ext>
             </a:extLst>
           </p:cNvPr>
@@ -13433,7 +12963,7 @@
     </p:spTree>
     <p:extLst>
       <p:ext uri="{BB962C8B-B14F-4D97-AF65-F5344CB8AC3E}">
-        <p14:creationId xmlns:p14="http://schemas.microsoft.com/office/powerpoint/2010/main" val="4201385692"/>
+        <p14:creationId xmlns:p14="http://schemas.microsoft.com/office/powerpoint/2010/main" val="1317251504"/>
       </p:ext>
     </p:extLst>
   </p:cSld>
@@ -13468,7 +12998,7 @@
           <p:cNvPr id="6" name="Table 9">
             <a:extLst>
               <a:ext uri="{FF2B5EF4-FFF2-40B4-BE49-F238E27FC236}">
-                <a16:creationId xmlns="" xmlns:a16="http://schemas.microsoft.com/office/drawing/2014/main" id="{A3C33157-FA5E-498D-B93C-73F8CAEE1A5D}"/>
+                <a16:creationId xmlns:a16="http://schemas.microsoft.com/office/drawing/2014/main" xmlns="" id="{A3C33157-FA5E-498D-B93C-73F8CAEE1A5D}"/>
               </a:ext>
             </a:extLst>
           </p:cNvPr>
@@ -13480,8 +13010,8 @@
           </p:nvPr>
         </p:nvGraphicFramePr>
         <p:xfrm>
-          <a:off x="995682" y="1712966"/>
-          <a:ext cx="4028315" cy="2269006"/>
+          <a:off x="495300" y="1725666"/>
+          <a:ext cx="4871598" cy="2269006"/>
         </p:xfrm>
         <a:graphic>
           <a:graphicData uri="http://schemas.openxmlformats.org/drawingml/2006/table">
@@ -13490,37 +13020,84 @@
                 <a:tableStyleId>{69012ECD-51FC-41F1-AA8D-1B2483CD663E}</a:tableStyleId>
               </a:tblPr>
               <a:tblGrid>
-                <a:gridCol w="805663"/>
-                <a:gridCol w="805663">
+                <a:gridCol w="811933"/>
+                <a:gridCol w="811933"/>
+                <a:gridCol w="811933">
                   <a:extLst>
                     <a:ext uri="{9D8B030D-6E8A-4147-A177-3AD203B41FA5}">
-                      <a16:colId xmlns="" xmlns:a16="http://schemas.microsoft.com/office/drawing/2014/main" val="2514592082"/>
+                      <a16:colId xmlns:a16="http://schemas.microsoft.com/office/drawing/2014/main" xmlns="" val="2514592082"/>
                     </a:ext>
                   </a:extLst>
                 </a:gridCol>
-                <a:gridCol w="805663">
+                <a:gridCol w="811933">
                   <a:extLst>
                     <a:ext uri="{9D8B030D-6E8A-4147-A177-3AD203B41FA5}">
-                      <a16:colId xmlns="" xmlns:a16="http://schemas.microsoft.com/office/drawing/2014/main" val="1972351707"/>
+                      <a16:colId xmlns:a16="http://schemas.microsoft.com/office/drawing/2014/main" xmlns="" val="1972351707"/>
                     </a:ext>
                   </a:extLst>
                 </a:gridCol>
-                <a:gridCol w="805663">
+                <a:gridCol w="811933">
                   <a:extLst>
                     <a:ext uri="{9D8B030D-6E8A-4147-A177-3AD203B41FA5}">
-                      <a16:colId xmlns="" xmlns:a16="http://schemas.microsoft.com/office/drawing/2014/main" val="130078612"/>
+                      <a16:colId xmlns:a16="http://schemas.microsoft.com/office/drawing/2014/main" xmlns="" val="130078612"/>
                     </a:ext>
                   </a:extLst>
                 </a:gridCol>
-                <a:gridCol w="805663">
+                <a:gridCol w="811933">
                   <a:extLst>
                     <a:ext uri="{9D8B030D-6E8A-4147-A177-3AD203B41FA5}">
-                      <a16:colId xmlns="" xmlns:a16="http://schemas.microsoft.com/office/drawing/2014/main" val="3594532491"/>
+                      <a16:colId xmlns:a16="http://schemas.microsoft.com/office/drawing/2014/main" xmlns="" val="3594532491"/>
                     </a:ext>
                   </a:extLst>
                 </a:gridCol>
               </a:tblGrid>
               <a:tr h="427429">
+                <a:tc>
+                  <a:txBody>
+                    <a:bodyPr/>
+                    <a:lstStyle/>
+                    <a:p>
+                      <a:pPr algn="ctr"/>
+                      <a:r>
+                        <a:rPr lang="pt-BR" dirty="0" smtClean="0"/>
+                        <a:t>Bilhões</a:t>
+                      </a:r>
+                      <a:endParaRPr lang="pt-BR" dirty="0"/>
+                    </a:p>
+                  </a:txBody>
+                  <a:tcPr anchor="ctr">
+                    <a:lnL w="6350" cap="flat" cmpd="sng" algn="ctr">
+                      <a:noFill/>
+                      <a:prstDash val="solid"/>
+                      <a:miter lim="800000"/>
+                    </a:lnL>
+                    <a:lnR>
+                      <a:noFill/>
+                    </a:lnR>
+                    <a:lnT w="6350" cap="flat" cmpd="sng" algn="ctr">
+                      <a:noFill/>
+                      <a:prstDash val="solid"/>
+                      <a:miter lim="800000"/>
+                    </a:lnT>
+                    <a:lnB w="6350" cap="flat" cmpd="sng" algn="ctr">
+                      <a:noFill/>
+                      <a:prstDash val="solid"/>
+                      <a:miter lim="800000"/>
+                    </a:lnB>
+                    <a:lnTlToBr w="12700" cmpd="sng">
+                      <a:noFill/>
+                      <a:prstDash val="solid"/>
+                    </a:lnTlToBr>
+                    <a:lnBlToTr w="12700" cmpd="sng">
+                      <a:noFill/>
+                      <a:prstDash val="solid"/>
+                    </a:lnBlToTr>
+                    <a:cell3D prstMaterial="dkEdge">
+                      <a:bevel w="77470" h="12700" prst="softRound"/>
+                      <a:lightRig rig="flood" dir="t"/>
+                    </a:cell3D>
+                  </a:tcPr>
+                </a:tc>
                 <a:tc>
                   <a:txBody>
                     <a:bodyPr/>
@@ -13747,7 +13324,7 @@
                 </a:tc>
                 <a:extLst>
                   <a:ext uri="{0D108BD9-81ED-4DB2-BD59-A6C34878D82A}">
-                    <a16:rowId xmlns="" xmlns:a16="http://schemas.microsoft.com/office/drawing/2014/main" val="1648878484"/>
+                    <a16:rowId xmlns:a16="http://schemas.microsoft.com/office/drawing/2014/main" xmlns="" val="1648878484"/>
                   </a:ext>
                 </a:extLst>
               </a:tr>
@@ -13783,6 +13360,393 @@
                       <a:noFill/>
                       <a:prstDash val="solid"/>
                       <a:miter lim="800000"/>
+                    </a:lnB>
+                    <a:lnTlToBr w="12700" cmpd="sng">
+                      <a:noFill/>
+                      <a:prstDash val="solid"/>
+                    </a:lnTlToBr>
+                    <a:lnBlToTr w="12700" cmpd="sng">
+                      <a:noFill/>
+                      <a:prstDash val="solid"/>
+                    </a:lnBlToTr>
+                    <a:cell3D prstMaterial="dkEdge">
+                      <a:bevel w="77470" h="12700" prst="softRound"/>
+                      <a:lightRig rig="flood" dir="t"/>
+                    </a:cell3D>
+                  </a:tcPr>
+                </a:tc>
+                <a:tc>
+                  <a:txBody>
+                    <a:bodyPr/>
+                    <a:lstStyle/>
+                    <a:p>
+                      <a:pPr algn="ctr"/>
+                      <a:r>
+                        <a:rPr lang="pt-BR" sz="2800" b="1" dirty="0" smtClean="0">
+                          <a:solidFill>
+                            <a:schemeClr val="bg1"/>
+                          </a:solidFill>
+                        </a:rPr>
+                        <a:t>4</a:t>
+                      </a:r>
+                      <a:endParaRPr lang="pt-BR" sz="2800" b="1" dirty="0">
+                        <a:solidFill>
+                          <a:schemeClr val="bg1"/>
+                        </a:solidFill>
+                      </a:endParaRPr>
+                    </a:p>
+                  </a:txBody>
+                  <a:tcPr anchor="ctr">
+                    <a:lnL w="6350" cap="flat" cmpd="sng" algn="ctr">
+                      <a:noFill/>
+                      <a:prstDash val="solid"/>
+                      <a:miter lim="800000"/>
+                    </a:lnL>
+                    <a:lnR>
+                      <a:noFill/>
+                    </a:lnR>
+                    <a:lnT w="6350" cap="flat" cmpd="sng" algn="ctr">
+                      <a:noFill/>
+                      <a:prstDash val="solid"/>
+                      <a:miter lim="800000"/>
+                    </a:lnT>
+                    <a:lnB w="6350" cap="flat" cmpd="sng" algn="ctr">
+                      <a:noFill/>
+                      <a:prstDash val="solid"/>
+                      <a:miter lim="800000"/>
+                    </a:lnB>
+                    <a:lnTlToBr w="12700" cmpd="sng">
+                      <a:noFill/>
+                      <a:prstDash val="solid"/>
+                    </a:lnTlToBr>
+                    <a:lnBlToTr w="12700" cmpd="sng">
+                      <a:noFill/>
+                      <a:prstDash val="solid"/>
+                    </a:lnBlToTr>
+                    <a:cell3D prstMaterial="dkEdge">
+                      <a:bevel w="77470" h="12700" prst="softRound"/>
+                      <a:lightRig rig="flood" dir="t"/>
+                    </a:cell3D>
+                  </a:tcPr>
+                </a:tc>
+                <a:tc>
+                  <a:txBody>
+                    <a:bodyPr/>
+                    <a:lstStyle/>
+                    <a:p>
+                      <a:pPr algn="ctr"/>
+                      <a:r>
+                        <a:rPr lang="pt-BR" sz="2800" b="1" dirty="0" smtClean="0">
+                          <a:solidFill>
+                            <a:schemeClr val="bg1"/>
+                          </a:solidFill>
+                        </a:rPr>
+                        <a:t>1</a:t>
+                      </a:r>
+                      <a:endParaRPr lang="pt-BR" sz="2800" b="1" dirty="0">
+                        <a:solidFill>
+                          <a:schemeClr val="bg1"/>
+                        </a:solidFill>
+                      </a:endParaRPr>
+                    </a:p>
+                  </a:txBody>
+                  <a:tcPr anchor="ctr">
+                    <a:lnL w="6350" cap="flat" cmpd="sng" algn="ctr">
+                      <a:noFill/>
+                      <a:prstDash val="solid"/>
+                      <a:miter lim="800000"/>
+                    </a:lnL>
+                    <a:lnR>
+                      <a:noFill/>
+                    </a:lnR>
+                    <a:lnT w="6350" cap="flat" cmpd="sng" algn="ctr">
+                      <a:noFill/>
+                      <a:prstDash val="solid"/>
+                      <a:miter lim="800000"/>
+                    </a:lnT>
+                    <a:lnB w="6350" cap="flat" cmpd="sng" algn="ctr">
+                      <a:noFill/>
+                      <a:prstDash val="solid"/>
+                      <a:miter lim="800000"/>
+                    </a:lnB>
+                    <a:lnTlToBr w="12700" cmpd="sng">
+                      <a:noFill/>
+                      <a:prstDash val="solid"/>
+                    </a:lnTlToBr>
+                    <a:lnBlToTr w="12700" cmpd="sng">
+                      <a:noFill/>
+                      <a:prstDash val="solid"/>
+                    </a:lnBlToTr>
+                    <a:cell3D prstMaterial="dkEdge">
+                      <a:bevel w="77470" h="12700" prst="softRound"/>
+                      <a:lightRig rig="flood" dir="t"/>
+                    </a:cell3D>
+                  </a:tcPr>
+                </a:tc>
+                <a:tc>
+                  <a:txBody>
+                    <a:bodyPr/>
+                    <a:lstStyle/>
+                    <a:p>
+                      <a:pPr algn="ctr"/>
+                      <a:r>
+                        <a:rPr lang="pt-BR" sz="2800" b="1" dirty="0" smtClean="0">
+                          <a:solidFill>
+                            <a:schemeClr val="bg1"/>
+                          </a:solidFill>
+                        </a:rPr>
+                        <a:t>9</a:t>
+                      </a:r>
+                      <a:endParaRPr lang="pt-BR" sz="2800" b="1" dirty="0">
+                        <a:solidFill>
+                          <a:schemeClr val="bg1"/>
+                        </a:solidFill>
+                      </a:endParaRPr>
+                    </a:p>
+                  </a:txBody>
+                  <a:tcPr anchor="ctr">
+                    <a:lnL>
+                      <a:noFill/>
+                    </a:lnL>
+                    <a:lnR>
+                      <a:noFill/>
+                    </a:lnR>
+                    <a:lnT w="6350" cap="flat" cmpd="sng" algn="ctr">
+                      <a:noFill/>
+                      <a:prstDash val="solid"/>
+                      <a:miter lim="800000"/>
+                    </a:lnT>
+                    <a:lnB w="6350" cap="flat" cmpd="sng" algn="ctr">
+                      <a:noFill/>
+                      <a:prstDash val="solid"/>
+                      <a:miter lim="800000"/>
+                    </a:lnB>
+                    <a:lnTlToBr w="12700" cmpd="sng">
+                      <a:noFill/>
+                      <a:prstDash val="solid"/>
+                    </a:lnTlToBr>
+                    <a:lnBlToTr w="12700" cmpd="sng">
+                      <a:noFill/>
+                      <a:prstDash val="solid"/>
+                    </a:lnBlToTr>
+                    <a:cell3D prstMaterial="dkEdge">
+                      <a:bevel w="77470" h="12700" prst="softRound"/>
+                      <a:lightRig rig="flood" dir="t"/>
+                    </a:cell3D>
+                  </a:tcPr>
+                </a:tc>
+                <a:tc>
+                  <a:txBody>
+                    <a:bodyPr/>
+                    <a:lstStyle/>
+                    <a:p>
+                      <a:pPr algn="ctr"/>
+                      <a:r>
+                        <a:rPr lang="pt-BR" sz="2800" b="1" dirty="0" smtClean="0">
+                          <a:solidFill>
+                            <a:schemeClr val="bg1"/>
+                          </a:solidFill>
+                        </a:rPr>
+                        <a:t>3</a:t>
+                      </a:r>
+                      <a:endParaRPr lang="pt-BR" sz="2800" b="1" dirty="0">
+                        <a:solidFill>
+                          <a:schemeClr val="bg1"/>
+                        </a:solidFill>
+                      </a:endParaRPr>
+                    </a:p>
+                  </a:txBody>
+                  <a:tcPr anchor="ctr">
+                    <a:lnL>
+                      <a:noFill/>
+                    </a:lnL>
+                    <a:lnR>
+                      <a:noFill/>
+                    </a:lnR>
+                    <a:lnT w="6350" cap="flat" cmpd="sng" algn="ctr">
+                      <a:noFill/>
+                      <a:prstDash val="solid"/>
+                      <a:miter lim="800000"/>
+                    </a:lnT>
+                    <a:lnB w="6350" cap="flat" cmpd="sng" algn="ctr">
+                      <a:noFill/>
+                      <a:prstDash val="solid"/>
+                      <a:miter lim="800000"/>
+                    </a:lnB>
+                    <a:lnTlToBr w="12700" cmpd="sng">
+                      <a:noFill/>
+                      <a:prstDash val="solid"/>
+                    </a:lnTlToBr>
+                    <a:lnBlToTr w="12700" cmpd="sng">
+                      <a:noFill/>
+                      <a:prstDash val="solid"/>
+                    </a:lnBlToTr>
+                    <a:cell3D prstMaterial="dkEdge">
+                      <a:bevel w="77470" h="12700" prst="softRound"/>
+                      <a:lightRig rig="flood" dir="t"/>
+                    </a:cell3D>
+                  </a:tcPr>
+                </a:tc>
+                <a:tc>
+                  <a:txBody>
+                    <a:bodyPr/>
+                    <a:lstStyle/>
+                    <a:p>
+                      <a:pPr algn="ctr"/>
+                      <a:r>
+                        <a:rPr lang="pt-BR" sz="2800" b="1" dirty="0" smtClean="0">
+                          <a:solidFill>
+                            <a:schemeClr val="bg1"/>
+                          </a:solidFill>
+                        </a:rPr>
+                        <a:t>1</a:t>
+                      </a:r>
+                      <a:endParaRPr lang="pt-BR" sz="2800" b="1" dirty="0">
+                        <a:solidFill>
+                          <a:schemeClr val="bg1"/>
+                        </a:solidFill>
+                      </a:endParaRPr>
+                    </a:p>
+                  </a:txBody>
+                  <a:tcPr anchor="ctr">
+                    <a:lnL>
+                      <a:noFill/>
+                    </a:lnL>
+                    <a:lnR w="6350" cap="flat" cmpd="sng" algn="ctr">
+                      <a:noFill/>
+                      <a:prstDash val="solid"/>
+                      <a:miter lim="800000"/>
+                    </a:lnR>
+                    <a:lnT w="6350" cap="flat" cmpd="sng" algn="ctr">
+                      <a:noFill/>
+                      <a:prstDash val="solid"/>
+                      <a:miter lim="800000"/>
+                    </a:lnT>
+                    <a:lnB w="6350" cap="flat" cmpd="sng" algn="ctr">
+                      <a:noFill/>
+                      <a:prstDash val="solid"/>
+                      <a:miter lim="800000"/>
+                    </a:lnB>
+                    <a:lnTlToBr w="12700" cmpd="sng">
+                      <a:noFill/>
+                      <a:prstDash val="solid"/>
+                    </a:lnTlToBr>
+                    <a:lnBlToTr w="12700" cmpd="sng">
+                      <a:noFill/>
+                      <a:prstDash val="solid"/>
+                    </a:lnBlToTr>
+                    <a:cell3D prstMaterial="dkEdge">
+                      <a:bevel w="77470" h="12700" prst="softRound"/>
+                      <a:lightRig rig="flood" dir="t"/>
+                    </a:cell3D>
+                  </a:tcPr>
+                </a:tc>
+                <a:extLst>
+                  <a:ext uri="{0D108BD9-81ED-4DB2-BD59-A6C34878D82A}">
+                    <a16:rowId xmlns:a16="http://schemas.microsoft.com/office/drawing/2014/main" xmlns="" val="3110016024"/>
+                  </a:ext>
+                </a:extLst>
+              </a:tr>
+              <a:tr h="613859">
+                <a:tc>
+                  <a:txBody>
+                    <a:bodyPr/>
+                    <a:lstStyle/>
+                    <a:p>
+                      <a:pPr algn="ctr"/>
+                      <a:r>
+                        <a:rPr lang="pt-BR" sz="2800" b="1" dirty="0" smtClean="0">
+                          <a:solidFill>
+                            <a:schemeClr val="bg1"/>
+                          </a:solidFill>
+                        </a:rPr>
+                        <a:t>+</a:t>
+                      </a:r>
+                      <a:endParaRPr lang="pt-BR" sz="2800" b="1" dirty="0">
+                        <a:solidFill>
+                          <a:schemeClr val="bg1"/>
+                        </a:solidFill>
+                      </a:endParaRPr>
+                    </a:p>
+                  </a:txBody>
+                  <a:tcPr anchor="ctr">
+                    <a:lnL w="6350" cap="flat" cmpd="sng" algn="ctr">
+                      <a:noFill/>
+                      <a:prstDash val="solid"/>
+                      <a:miter lim="800000"/>
+                    </a:lnL>
+                    <a:lnR>
+                      <a:noFill/>
+                    </a:lnR>
+                    <a:lnT w="6350" cap="flat" cmpd="sng" algn="ctr">
+                      <a:noFill/>
+                      <a:prstDash val="solid"/>
+                      <a:miter lim="800000"/>
+                    </a:lnT>
+                    <a:lnB w="12700" cap="flat" cmpd="sng" algn="ctr">
+                      <a:noFill/>
+                      <a:prstDash val="solid"/>
+                      <a:round/>
+                      <a:headEnd type="none" w="med" len="med"/>
+                      <a:tailEnd type="none" w="med" len="med"/>
+                    </a:lnB>
+                    <a:lnTlToBr w="12700" cmpd="sng">
+                      <a:noFill/>
+                      <a:prstDash val="solid"/>
+                    </a:lnTlToBr>
+                    <a:lnBlToTr w="12700" cmpd="sng">
+                      <a:noFill/>
+                      <a:prstDash val="solid"/>
+                    </a:lnBlToTr>
+                    <a:cell3D prstMaterial="dkEdge">
+                      <a:bevel w="77470" h="12700" prst="softRound"/>
+                      <a:lightRig rig="flood" dir="t"/>
+                    </a:cell3D>
+                  </a:tcPr>
+                </a:tc>
+                <a:tc>
+                  <a:txBody>
+                    <a:bodyPr/>
+                    <a:lstStyle/>
+                    <a:p>
+                      <a:pPr algn="ctr"/>
+                      <a:r>
+                        <a:rPr lang="pt-BR" sz="2800" b="1" dirty="0" smtClean="0">
+                          <a:solidFill>
+                            <a:schemeClr val="bg1"/>
+                          </a:solidFill>
+                        </a:rPr>
+                        <a:t>5</a:t>
+                      </a:r>
+                      <a:endParaRPr lang="pt-BR" sz="2800" b="1" dirty="0">
+                        <a:solidFill>
+                          <a:schemeClr val="bg1"/>
+                        </a:solidFill>
+                      </a:endParaRPr>
+                    </a:p>
+                  </a:txBody>
+                  <a:tcPr anchor="ctr">
+                    <a:lnL w="6350" cap="flat" cmpd="sng" algn="ctr">
+                      <a:noFill/>
+                      <a:prstDash val="solid"/>
+                      <a:miter lim="800000"/>
+                    </a:lnL>
+                    <a:lnR>
+                      <a:noFill/>
+                    </a:lnR>
+                    <a:lnT w="6350" cap="flat" cmpd="sng" algn="ctr">
+                      <a:noFill/>
+                      <a:prstDash val="solid"/>
+                      <a:miter lim="800000"/>
+                    </a:lnT>
+                    <a:lnB w="12700" cap="flat" cmpd="sng" algn="ctr">
+                      <a:solidFill>
+                        <a:schemeClr val="tx1"/>
+                      </a:solidFill>
+                      <a:prstDash val="solid"/>
+                      <a:round/>
+                      <a:headEnd type="none" w="med" len="med"/>
+                      <a:tailEnd type="none" w="med" len="med"/>
                     </a:lnB>
                     <a:lnTlToBr w="12700" cmpd="sng">
                       <a:noFill/>
@@ -13833,10 +13797,70 @@
                       <a:prstDash val="solid"/>
                       <a:miter lim="800000"/>
                     </a:lnT>
-                    <a:lnB w="6350" cap="flat" cmpd="sng" algn="ctr">
-                      <a:noFill/>
-                      <a:prstDash val="solid"/>
-                      <a:miter lim="800000"/>
+                    <a:lnB w="12700" cap="flat" cmpd="sng" algn="ctr">
+                      <a:solidFill>
+                        <a:schemeClr val="tx1"/>
+                      </a:solidFill>
+                      <a:prstDash val="solid"/>
+                      <a:round/>
+                      <a:headEnd type="none" w="med" len="med"/>
+                      <a:tailEnd type="none" w="med" len="med"/>
+                    </a:lnB>
+                    <a:lnTlToBr w="12700" cmpd="sng">
+                      <a:noFill/>
+                      <a:prstDash val="solid"/>
+                    </a:lnTlToBr>
+                    <a:lnBlToTr w="12700" cmpd="sng">
+                      <a:noFill/>
+                      <a:prstDash val="solid"/>
+                    </a:lnBlToTr>
+                    <a:cell3D prstMaterial="dkEdge">
+                      <a:bevel w="77470" h="12700" prst="softRound"/>
+                      <a:lightRig rig="flood" dir="t"/>
+                    </a:cell3D>
+                  </a:tcPr>
+                </a:tc>
+                <a:tc>
+                  <a:txBody>
+                    <a:bodyPr/>
+                    <a:lstStyle/>
+                    <a:p>
+                      <a:pPr algn="ctr"/>
+                      <a:r>
+                        <a:rPr lang="pt-BR" sz="2800" b="1" dirty="0" smtClean="0">
+                          <a:solidFill>
+                            <a:schemeClr val="bg1"/>
+                          </a:solidFill>
+                        </a:rPr>
+                        <a:t>0</a:t>
+                      </a:r>
+                      <a:endParaRPr lang="pt-BR" sz="2800" b="1" dirty="0">
+                        <a:solidFill>
+                          <a:schemeClr val="bg1"/>
+                        </a:solidFill>
+                      </a:endParaRPr>
+                    </a:p>
+                  </a:txBody>
+                  <a:tcPr anchor="ctr">
+                    <a:lnL>
+                      <a:noFill/>
+                    </a:lnL>
+                    <a:lnR>
+                      <a:noFill/>
+                    </a:lnR>
+                    <a:lnT w="6350" cap="flat" cmpd="sng" algn="ctr">
+                      <a:noFill/>
+                      <a:prstDash val="solid"/>
+                      <a:miter lim="800000"/>
+                    </a:lnT>
+                    <a:lnB w="12700" cap="flat" cmpd="sng" algn="ctr">
+                      <a:solidFill>
+                        <a:schemeClr val="tx1"/>
+                      </a:solidFill>
+                      <a:prstDash val="solid"/>
+                      <a:round/>
+                      <a:headEnd type="none" w="med" len="med"/>
+                      <a:tailEnd type="none" w="med" len="med"/>
                     </a:lnB>
                     <a:lnTlToBr w="12700" cmpd="sng">
                       <a:noFill/>
@@ -13885,10 +13909,14 @@
                       <a:prstDash val="solid"/>
                       <a:miter lim="800000"/>
                     </a:lnT>
-                    <a:lnB w="6350" cap="flat" cmpd="sng" algn="ctr">
-                      <a:noFill/>
-                      <a:prstDash val="solid"/>
-                      <a:miter lim="800000"/>
+                    <a:lnB w="12700" cap="flat" cmpd="sng" algn="ctr">
+                      <a:solidFill>
+                        <a:schemeClr val="tx1"/>
+                      </a:solidFill>
+                      <a:prstDash val="solid"/>
+                      <a:round/>
+                      <a:headEnd type="none" w="med" len="med"/>
+                      <a:tailEnd type="none" w="med" len="med"/>
                     </a:lnB>
                     <a:lnTlToBr w="12700" cmpd="sng">
                       <a:noFill/>
@@ -13916,7 +13944,7 @@
                             <a:schemeClr val="bg1"/>
                           </a:solidFill>
                         </a:rPr>
-                        <a:t>6</a:t>
+                        <a:t>7</a:t>
                       </a:r>
                       <a:endParaRPr lang="pt-BR" sz="2800" b="1" dirty="0">
                         <a:solidFill>
@@ -13929,72 +13957,24 @@
                     <a:lnL>
                       <a:noFill/>
                     </a:lnL>
-                    <a:lnR>
-                      <a:noFill/>
+                    <a:lnR w="6350" cap="flat" cmpd="sng" algn="ctr">
+                      <a:noFill/>
+                      <a:prstDash val="solid"/>
+                      <a:miter lim="800000"/>
                     </a:lnR>
                     <a:lnT w="6350" cap="flat" cmpd="sng" algn="ctr">
                       <a:noFill/>
                       <a:prstDash val="solid"/>
                       <a:miter lim="800000"/>
                     </a:lnT>
-                    <a:lnB w="6350" cap="flat" cmpd="sng" algn="ctr">
-                      <a:noFill/>
-                      <a:prstDash val="solid"/>
-                      <a:miter lim="800000"/>
-                    </a:lnB>
-                    <a:lnTlToBr w="12700" cmpd="sng">
-                      <a:noFill/>
-                      <a:prstDash val="solid"/>
-                    </a:lnTlToBr>
-                    <a:lnBlToTr w="12700" cmpd="sng">
-                      <a:noFill/>
-                      <a:prstDash val="solid"/>
-                    </a:lnBlToTr>
-                    <a:cell3D prstMaterial="dkEdge">
-                      <a:bevel w="77470" h="12700" prst="softRound"/>
-                      <a:lightRig rig="flood" dir="t"/>
-                    </a:cell3D>
-                  </a:tcPr>
-                </a:tc>
-                <a:tc>
-                  <a:txBody>
-                    <a:bodyPr/>
-                    <a:lstStyle/>
-                    <a:p>
-                      <a:pPr algn="ctr"/>
-                      <a:r>
-                        <a:rPr lang="pt-BR" sz="2800" b="1" dirty="0" smtClean="0">
-                          <a:solidFill>
-                            <a:schemeClr val="bg1"/>
-                          </a:solidFill>
-                        </a:rPr>
-                        <a:t>4</a:t>
-                      </a:r>
-                      <a:endParaRPr lang="pt-BR" sz="2800" b="1" dirty="0">
-                        <a:solidFill>
-                          <a:schemeClr val="bg1"/>
-                        </a:solidFill>
-                      </a:endParaRPr>
-                    </a:p>
-                  </a:txBody>
-                  <a:tcPr anchor="ctr">
-                    <a:lnL>
-                      <a:noFill/>
-                    </a:lnL>
-                    <a:lnR w="6350" cap="flat" cmpd="sng" algn="ctr">
-                      <a:noFill/>
-                      <a:prstDash val="solid"/>
-                      <a:miter lim="800000"/>
-                    </a:lnR>
-                    <a:lnT w="6350" cap="flat" cmpd="sng" algn="ctr">
-                      <a:noFill/>
-                      <a:prstDash val="solid"/>
-                      <a:miter lim="800000"/>
-                    </a:lnT>
-                    <a:lnB w="6350" cap="flat" cmpd="sng" algn="ctr">
-                      <a:noFill/>
-                      <a:prstDash val="solid"/>
-                      <a:miter lim="800000"/>
+                    <a:lnB w="12700" cap="flat" cmpd="sng" algn="ctr">
+                      <a:solidFill>
+                        <a:schemeClr val="tx1"/>
+                      </a:solidFill>
+                      <a:prstDash val="solid"/>
+                      <a:round/>
+                      <a:headEnd type="none" w="med" len="med"/>
+                      <a:tailEnd type="none" w="med" len="med"/>
                     </a:lnB>
                     <a:lnTlToBr w="12700" cmpd="sng">
                       <a:noFill/>
@@ -14012,298 +13992,7 @@
                 </a:tc>
                 <a:extLst>
                   <a:ext uri="{0D108BD9-81ED-4DB2-BD59-A6C34878D82A}">
-                    <a16:rowId xmlns="" xmlns:a16="http://schemas.microsoft.com/office/drawing/2014/main" val="3110016024"/>
-                  </a:ext>
-                </a:extLst>
-              </a:tr>
-              <a:tr h="613859">
-                <a:tc>
-                  <a:txBody>
-                    <a:bodyPr/>
-                    <a:lstStyle/>
-                    <a:p>
-                      <a:pPr algn="ctr"/>
-                      <a:r>
-                        <a:rPr lang="pt-BR" sz="2800" b="1" dirty="0" smtClean="0">
-                          <a:solidFill>
-                            <a:schemeClr val="bg1"/>
-                          </a:solidFill>
-                        </a:rPr>
-                        <a:t>+</a:t>
-                      </a:r>
-                      <a:endParaRPr lang="pt-BR" sz="2800" b="1" dirty="0">
-                        <a:solidFill>
-                          <a:schemeClr val="bg1"/>
-                        </a:solidFill>
-                      </a:endParaRPr>
-                    </a:p>
-                  </a:txBody>
-                  <a:tcPr anchor="ctr">
-                    <a:lnL w="6350" cap="flat" cmpd="sng" algn="ctr">
-                      <a:noFill/>
-                      <a:prstDash val="solid"/>
-                      <a:miter lim="800000"/>
-                    </a:lnL>
-                    <a:lnR>
-                      <a:noFill/>
-                    </a:lnR>
-                    <a:lnT w="6350" cap="flat" cmpd="sng" algn="ctr">
-                      <a:noFill/>
-                      <a:prstDash val="solid"/>
-                      <a:miter lim="800000"/>
-                    </a:lnT>
-                    <a:lnB w="12700" cap="flat" cmpd="sng" algn="ctr">
-                      <a:noFill/>
-                      <a:prstDash val="solid"/>
-                      <a:round/>
-                      <a:headEnd type="none" w="med" len="med"/>
-                      <a:tailEnd type="none" w="med" len="med"/>
-                    </a:lnB>
-                    <a:lnTlToBr w="12700" cmpd="sng">
-                      <a:noFill/>
-                      <a:prstDash val="solid"/>
-                    </a:lnTlToBr>
-                    <a:lnBlToTr w="12700" cmpd="sng">
-                      <a:noFill/>
-                      <a:prstDash val="solid"/>
-                    </a:lnBlToTr>
-                    <a:cell3D prstMaterial="dkEdge">
-                      <a:bevel w="77470" h="12700" prst="softRound"/>
-                      <a:lightRig rig="flood" dir="t"/>
-                    </a:cell3D>
-                  </a:tcPr>
-                </a:tc>
-                <a:tc>
-                  <a:txBody>
-                    <a:bodyPr/>
-                    <a:lstStyle/>
-                    <a:p>
-                      <a:pPr algn="ctr"/>
-                      <a:r>
-                        <a:rPr lang="pt-BR" sz="2800" b="1" dirty="0" smtClean="0">
-                          <a:solidFill>
-                            <a:schemeClr val="bg1"/>
-                          </a:solidFill>
-                        </a:rPr>
-                        <a:t>2</a:t>
-                      </a:r>
-                      <a:endParaRPr lang="pt-BR" sz="2800" b="1" dirty="0">
-                        <a:solidFill>
-                          <a:schemeClr val="bg1"/>
-                        </a:solidFill>
-                      </a:endParaRPr>
-                    </a:p>
-                  </a:txBody>
-                  <a:tcPr anchor="ctr">
-                    <a:lnL w="6350" cap="flat" cmpd="sng" algn="ctr">
-                      <a:noFill/>
-                      <a:prstDash val="solid"/>
-                      <a:miter lim="800000"/>
-                    </a:lnL>
-                    <a:lnR>
-                      <a:noFill/>
-                    </a:lnR>
-                    <a:lnT w="6350" cap="flat" cmpd="sng" algn="ctr">
-                      <a:noFill/>
-                      <a:prstDash val="solid"/>
-                      <a:miter lim="800000"/>
-                    </a:lnT>
-                    <a:lnB w="12700" cap="flat" cmpd="sng" algn="ctr">
-                      <a:solidFill>
-                        <a:schemeClr val="tx1"/>
-                      </a:solidFill>
-                      <a:prstDash val="solid"/>
-                      <a:round/>
-                      <a:headEnd type="none" w="med" len="med"/>
-                      <a:tailEnd type="none" w="med" len="med"/>
-                    </a:lnB>
-                    <a:lnTlToBr w="12700" cmpd="sng">
-                      <a:noFill/>
-                      <a:prstDash val="solid"/>
-                    </a:lnTlToBr>
-                    <a:lnBlToTr w="12700" cmpd="sng">
-                      <a:noFill/>
-                      <a:prstDash val="solid"/>
-                    </a:lnBlToTr>
-                    <a:cell3D prstMaterial="dkEdge">
-                      <a:bevel w="77470" h="12700" prst="softRound"/>
-                      <a:lightRig rig="flood" dir="t"/>
-                    </a:cell3D>
-                  </a:tcPr>
-                </a:tc>
-                <a:tc>
-                  <a:txBody>
-                    <a:bodyPr/>
-                    <a:lstStyle/>
-                    <a:p>
-                      <a:pPr algn="ctr"/>
-                      <a:r>
-                        <a:rPr lang="pt-BR" sz="2800" b="1" dirty="0" smtClean="0">
-                          <a:solidFill>
-                            <a:schemeClr val="bg1"/>
-                          </a:solidFill>
-                        </a:rPr>
-                        <a:t>3</a:t>
-                      </a:r>
-                      <a:endParaRPr lang="pt-BR" sz="2800" b="1" dirty="0">
-                        <a:solidFill>
-                          <a:schemeClr val="bg1"/>
-                        </a:solidFill>
-                      </a:endParaRPr>
-                    </a:p>
-                  </a:txBody>
-                  <a:tcPr anchor="ctr">
-                    <a:lnL>
-                      <a:noFill/>
-                    </a:lnL>
-                    <a:lnR>
-                      <a:noFill/>
-                    </a:lnR>
-                    <a:lnT w="6350" cap="flat" cmpd="sng" algn="ctr">
-                      <a:noFill/>
-                      <a:prstDash val="solid"/>
-                      <a:miter lim="800000"/>
-                    </a:lnT>
-                    <a:lnB w="12700" cap="flat" cmpd="sng" algn="ctr">
-                      <a:solidFill>
-                        <a:schemeClr val="tx1"/>
-                      </a:solidFill>
-                      <a:prstDash val="solid"/>
-                      <a:round/>
-                      <a:headEnd type="none" w="med" len="med"/>
-                      <a:tailEnd type="none" w="med" len="med"/>
-                    </a:lnB>
-                    <a:lnTlToBr w="12700" cmpd="sng">
-                      <a:noFill/>
-                      <a:prstDash val="solid"/>
-                    </a:lnTlToBr>
-                    <a:lnBlToTr w="12700" cmpd="sng">
-                      <a:noFill/>
-                      <a:prstDash val="solid"/>
-                    </a:lnBlToTr>
-                    <a:cell3D prstMaterial="dkEdge">
-                      <a:bevel w="77470" h="12700" prst="softRound"/>
-                      <a:lightRig rig="flood" dir="t"/>
-                    </a:cell3D>
-                  </a:tcPr>
-                </a:tc>
-                <a:tc>
-                  <a:txBody>
-                    <a:bodyPr/>
-                    <a:lstStyle/>
-                    <a:p>
-                      <a:pPr algn="ctr"/>
-                      <a:r>
-                        <a:rPr lang="pt-BR" sz="2800" b="1" dirty="0" smtClean="0">
-                          <a:solidFill>
-                            <a:schemeClr val="bg1"/>
-                          </a:solidFill>
-                        </a:rPr>
-                        <a:t>2</a:t>
-                      </a:r>
-                      <a:endParaRPr lang="pt-BR" sz="2800" b="1" dirty="0">
-                        <a:solidFill>
-                          <a:schemeClr val="bg1"/>
-                        </a:solidFill>
-                      </a:endParaRPr>
-                    </a:p>
-                  </a:txBody>
-                  <a:tcPr anchor="ctr">
-                    <a:lnL>
-                      <a:noFill/>
-                    </a:lnL>
-                    <a:lnR>
-                      <a:noFill/>
-                    </a:lnR>
-                    <a:lnT w="6350" cap="flat" cmpd="sng" algn="ctr">
-                      <a:noFill/>
-                      <a:prstDash val="solid"/>
-                      <a:miter lim="800000"/>
-                    </a:lnT>
-                    <a:lnB w="12700" cap="flat" cmpd="sng" algn="ctr">
-                      <a:solidFill>
-                        <a:schemeClr val="tx1"/>
-                      </a:solidFill>
-                      <a:prstDash val="solid"/>
-                      <a:round/>
-                      <a:headEnd type="none" w="med" len="med"/>
-                      <a:tailEnd type="none" w="med" len="med"/>
-                    </a:lnB>
-                    <a:lnTlToBr w="12700" cmpd="sng">
-                      <a:noFill/>
-                      <a:prstDash val="solid"/>
-                    </a:lnTlToBr>
-                    <a:lnBlToTr w="12700" cmpd="sng">
-                      <a:noFill/>
-                      <a:prstDash val="solid"/>
-                    </a:lnBlToTr>
-                    <a:cell3D prstMaterial="dkEdge">
-                      <a:bevel w="77470" h="12700" prst="softRound"/>
-                      <a:lightRig rig="flood" dir="t"/>
-                    </a:cell3D>
-                  </a:tcPr>
-                </a:tc>
-                <a:tc>
-                  <a:txBody>
-                    <a:bodyPr/>
-                    <a:lstStyle/>
-                    <a:p>
-                      <a:pPr algn="ctr"/>
-                      <a:r>
-                        <a:rPr lang="pt-BR" sz="2800" b="1" dirty="0" smtClean="0">
-                          <a:solidFill>
-                            <a:schemeClr val="bg1"/>
-                          </a:solidFill>
-                        </a:rPr>
-                        <a:t>1</a:t>
-                      </a:r>
-                      <a:endParaRPr lang="pt-BR" sz="2800" b="1" dirty="0">
-                        <a:solidFill>
-                          <a:schemeClr val="bg1"/>
-                        </a:solidFill>
-                      </a:endParaRPr>
-                    </a:p>
-                  </a:txBody>
-                  <a:tcPr anchor="ctr">
-                    <a:lnL>
-                      <a:noFill/>
-                    </a:lnL>
-                    <a:lnR w="6350" cap="flat" cmpd="sng" algn="ctr">
-                      <a:noFill/>
-                      <a:prstDash val="solid"/>
-                      <a:miter lim="800000"/>
-                    </a:lnR>
-                    <a:lnT w="6350" cap="flat" cmpd="sng" algn="ctr">
-                      <a:noFill/>
-                      <a:prstDash val="solid"/>
-                      <a:miter lim="800000"/>
-                    </a:lnT>
-                    <a:lnB w="12700" cap="flat" cmpd="sng" algn="ctr">
-                      <a:solidFill>
-                        <a:schemeClr val="tx1"/>
-                      </a:solidFill>
-                      <a:prstDash val="solid"/>
-                      <a:round/>
-                      <a:headEnd type="none" w="med" len="med"/>
-                      <a:tailEnd type="none" w="med" len="med"/>
-                    </a:lnB>
-                    <a:lnTlToBr w="12700" cmpd="sng">
-                      <a:noFill/>
-                      <a:prstDash val="solid"/>
-                    </a:lnTlToBr>
-                    <a:lnBlToTr w="12700" cmpd="sng">
-                      <a:noFill/>
-                      <a:prstDash val="solid"/>
-                    </a:lnBlToTr>
-                    <a:cell3D prstMaterial="dkEdge">
-                      <a:bevel w="77470" h="12700" prst="softRound"/>
-                      <a:lightRig rig="flood" dir="t"/>
-                    </a:cell3D>
-                  </a:tcPr>
-                </a:tc>
-                <a:extLst>
-                  <a:ext uri="{0D108BD9-81ED-4DB2-BD59-A6C34878D82A}">
-                    <a16:rowId xmlns="" xmlns:a16="http://schemas.microsoft.com/office/drawing/2014/main" val="2530068117"/>
+                    <a16:rowId xmlns:a16="http://schemas.microsoft.com/office/drawing/2014/main" xmlns="" val="2530068117"/>
                   </a:ext>
                 </a:extLst>
               </a:tr>
@@ -14436,6 +14125,64 @@
                     </a:p>
                   </a:txBody>
                   <a:tcPr anchor="ctr">
+                    <a:lnL w="6350" cap="flat" cmpd="sng" algn="ctr">
+                      <a:noFill/>
+                      <a:prstDash val="solid"/>
+                      <a:miter lim="800000"/>
+                    </a:lnL>
+                    <a:lnR>
+                      <a:noFill/>
+                    </a:lnR>
+                    <a:lnT w="12700" cap="flat" cmpd="sng" algn="ctr">
+                      <a:solidFill>
+                        <a:schemeClr val="tx1"/>
+                      </a:solidFill>
+                      <a:prstDash val="solid"/>
+                      <a:round/>
+                      <a:headEnd type="none" w="med" len="med"/>
+                      <a:tailEnd type="none" w="med" len="med"/>
+                    </a:lnT>
+                    <a:lnB w="6350" cap="flat" cmpd="sng" algn="ctr">
+                      <a:noFill/>
+                      <a:prstDash val="solid"/>
+                      <a:miter lim="800000"/>
+                    </a:lnB>
+                    <a:lnTlToBr w="12700" cmpd="sng">
+                      <a:noFill/>
+                      <a:prstDash val="solid"/>
+                    </a:lnTlToBr>
+                    <a:lnBlToTr w="12700" cmpd="sng">
+                      <a:noFill/>
+                      <a:prstDash val="solid"/>
+                    </a:lnBlToTr>
+                    <a:cell3D prstMaterial="dkEdge">
+                      <a:bevel w="77470" h="12700" prst="softRound"/>
+                      <a:lightRig rig="flood" dir="t"/>
+                    </a:cell3D>
+                  </a:tcPr>
+                </a:tc>
+                <a:tc>
+                  <a:txBody>
+                    <a:bodyPr/>
+                    <a:lstStyle/>
+                    <a:p>
+                      <a:pPr algn="ctr"/>
+                      <a:r>
+                        <a:rPr lang="pt-BR" sz="2800" b="1" dirty="0" smtClean="0">
+                          <a:solidFill>
+                            <a:schemeClr val="bg1"/>
+                          </a:solidFill>
+                        </a:rPr>
+                        <a:t>9</a:t>
+                      </a:r>
+                      <a:endParaRPr lang="pt-BR" sz="2800" b="1" dirty="0">
+                        <a:solidFill>
+                          <a:schemeClr val="bg1"/>
+                        </a:solidFill>
+                      </a:endParaRPr>
+                    </a:p>
+                  </a:txBody>
+                  <a:tcPr anchor="ctr">
                     <a:lnL>
                       <a:noFill/>
                     </a:lnL>
@@ -14538,7 +14285,7 @@
                             <a:schemeClr val="bg1"/>
                           </a:solidFill>
                         </a:rPr>
-                        <a:t>5</a:t>
+                        <a:t>8</a:t>
                       </a:r>
                       <a:endParaRPr lang="pt-BR" sz="2800" b="1" dirty="0">
                         <a:solidFill>
@@ -14586,7 +14333,7 @@
                 </a:tc>
                 <a:extLst>
                   <a:ext uri="{0D108BD9-81ED-4DB2-BD59-A6C34878D82A}">
-                    <a16:rowId xmlns="" xmlns:a16="http://schemas.microsoft.com/office/drawing/2014/main" val="1712611614"/>
+                    <a16:rowId xmlns:a16="http://schemas.microsoft.com/office/drawing/2014/main" xmlns="" val="1712611614"/>
                   </a:ext>
                 </a:extLst>
               </a:tr>
@@ -14599,7 +14346,7 @@
           <p:cNvPr id="7" name="Rectangle 4">
             <a:extLst>
               <a:ext uri="{FF2B5EF4-FFF2-40B4-BE49-F238E27FC236}">
-                <a16:creationId xmlns:a16="http://schemas.microsoft.com/office/drawing/2014/main" xmlns="" id="{6B3D22E0-3304-47C3-A13D-F3314EEBFA56}"/>
+                <a16:creationId xmlns="" xmlns:a16="http://schemas.microsoft.com/office/drawing/2014/main" id="{6B3D22E0-3304-47C3-A13D-F3314EEBFA56}"/>
               </a:ext>
             </a:extLst>
           </p:cNvPr>
@@ -14657,7 +14404,7 @@
                   </a:outerShdw>
                 </a:effectLst>
               </a:rPr>
-              <a:t>7</a:t>
+              <a:t>8</a:t>
             </a:r>
             <a:endParaRPr lang="en-US" sz="4800" b="1" cap="none" spc="0" dirty="0">
               <a:ln w="6600">
@@ -14686,7 +14433,7 @@
         </p:nvSpPr>
         <p:spPr>
           <a:xfrm>
-            <a:off x="5219700" y="2311400"/>
+            <a:off x="5562600" y="2324100"/>
             <a:ext cx="558800" cy="330200"/>
           </a:xfrm>
           <a:prstGeom prst="rightArrow">
@@ -14723,7 +14470,7 @@
           <p:cNvPr id="8" name="Rectangle 1">
             <a:extLst>
               <a:ext uri="{FF2B5EF4-FFF2-40B4-BE49-F238E27FC236}">
-                <a16:creationId xmlns:a16="http://schemas.microsoft.com/office/drawing/2014/main" xmlns="" id="{4F38584F-66B2-464F-9BA7-6F9A856D602F}"/>
+                <a16:creationId xmlns="" xmlns:a16="http://schemas.microsoft.com/office/drawing/2014/main" id="{4F38584F-66B2-464F-9BA7-6F9A856D602F}"/>
               </a:ext>
             </a:extLst>
           </p:cNvPr>
@@ -14732,7 +14479,7 @@
         </p:nvSpPr>
         <p:spPr>
           <a:xfrm>
-            <a:off x="5778500" y="2114863"/>
+            <a:off x="6121400" y="2127563"/>
             <a:ext cx="1813169" cy="584775"/>
           </a:xfrm>
           <a:prstGeom prst="rect">
@@ -14815,7 +14562,7 @@
         </p:nvSpPr>
         <p:spPr>
           <a:xfrm>
-            <a:off x="5219700" y="2895600"/>
+            <a:off x="5562600" y="2908300"/>
             <a:ext cx="558800" cy="330200"/>
           </a:xfrm>
           <a:prstGeom prst="rightArrow">
@@ -14855,7 +14602,7 @@
         </p:nvSpPr>
         <p:spPr>
           <a:xfrm>
-            <a:off x="5219700" y="3479800"/>
+            <a:off x="5562600" y="3492500"/>
             <a:ext cx="558800" cy="330200"/>
           </a:xfrm>
           <a:prstGeom prst="rightArrow">
@@ -14903,7 +14650,7 @@
           <p:cNvPr id="14" name="Rectangle 1">
             <a:extLst>
               <a:ext uri="{FF2B5EF4-FFF2-40B4-BE49-F238E27FC236}">
-                <a16:creationId xmlns:a16="http://schemas.microsoft.com/office/drawing/2014/main" xmlns="" id="{4F38584F-66B2-464F-9BA7-6F9A856D602F}"/>
+                <a16:creationId xmlns="" xmlns:a16="http://schemas.microsoft.com/office/drawing/2014/main" id="{4F38584F-66B2-464F-9BA7-6F9A856D602F}"/>
               </a:ext>
             </a:extLst>
           </p:cNvPr>
@@ -14912,7 +14659,7 @@
         </p:nvSpPr>
         <p:spPr>
           <a:xfrm>
-            <a:off x="5778500" y="2706876"/>
+            <a:off x="6121400" y="2719576"/>
             <a:ext cx="1813169" cy="584775"/>
           </a:xfrm>
           <a:prstGeom prst="rect">
@@ -14992,7 +14739,7 @@
           <p:cNvPr id="15" name="Rectangle 1">
             <a:extLst>
               <a:ext uri="{FF2B5EF4-FFF2-40B4-BE49-F238E27FC236}">
-                <a16:creationId xmlns:a16="http://schemas.microsoft.com/office/drawing/2014/main" xmlns="" id="{4F38584F-66B2-464F-9BA7-6F9A856D602F}"/>
+                <a16:creationId xmlns="" xmlns:a16="http://schemas.microsoft.com/office/drawing/2014/main" id="{4F38584F-66B2-464F-9BA7-6F9A856D602F}"/>
               </a:ext>
             </a:extLst>
           </p:cNvPr>
@@ -15001,7 +14748,7 @@
         </p:nvSpPr>
         <p:spPr>
           <a:xfrm>
-            <a:off x="5778500" y="3225225"/>
+            <a:off x="6121400" y="3237925"/>
             <a:ext cx="2743200" cy="584775"/>
           </a:xfrm>
           <a:prstGeom prst="rect">
@@ -15081,7 +14828,7 @@
           <p:cNvPr id="16" name="Rectangle 1">
             <a:extLst>
               <a:ext uri="{FF2B5EF4-FFF2-40B4-BE49-F238E27FC236}">
-                <a16:creationId xmlns:a16="http://schemas.microsoft.com/office/drawing/2014/main" xmlns="" id="{4F38584F-66B2-464F-9BA7-6F9A856D602F}"/>
+                <a16:creationId xmlns="" xmlns:a16="http://schemas.microsoft.com/office/drawing/2014/main" id="{4F38584F-66B2-464F-9BA7-6F9A856D602F}"/>
               </a:ext>
             </a:extLst>
           </p:cNvPr>
@@ -15091,7 +14838,7 @@
         <p:spPr>
           <a:xfrm>
             <a:off x="331596" y="825391"/>
-            <a:ext cx="6818504" cy="584775"/>
+            <a:ext cx="6069204" cy="584775"/>
           </a:xfrm>
           <a:prstGeom prst="rect">
             <a:avLst/>
@@ -15142,7 +14889,7 @@
                   </a:outerShdw>
                 </a:effectLst>
               </a:rPr>
-              <a:t>Exemplo 04 – somando </a:t>
+              <a:t>Exemplo 05 – somando </a:t>
             </a:r>
             <a:r>
               <a:rPr lang="pt-BR" sz="3200" b="1" dirty="0" smtClean="0">
@@ -15163,7 +14910,7 @@
                   </a:outerShdw>
                 </a:effectLst>
               </a:rPr>
-              <a:t>milhar</a:t>
+              <a:t>milhões</a:t>
             </a:r>
             <a:endParaRPr lang="pt-BR" sz="3200" b="1" dirty="0">
               <a:ln w="10160">
@@ -15191,7 +14938,7 @@
           <p:cNvPr id="17" name="Rectangle 7">
             <a:extLst>
               <a:ext uri="{FF2B5EF4-FFF2-40B4-BE49-F238E27FC236}">
-                <a16:creationId xmlns:a16="http://schemas.microsoft.com/office/drawing/2014/main" xmlns="" id="{9A0DF3A1-7C0C-4F2B-AC19-D85A14774D75}"/>
+                <a16:creationId xmlns="" xmlns:a16="http://schemas.microsoft.com/office/drawing/2014/main" id="{9A0DF3A1-7C0C-4F2B-AC19-D85A14774D75}"/>
               </a:ext>
             </a:extLst>
           </p:cNvPr>
@@ -15316,7 +15063,7 @@
     </p:spTree>
     <p:extLst>
       <p:ext uri="{BB962C8B-B14F-4D97-AF65-F5344CB8AC3E}">
-        <p14:creationId xmlns:p14="http://schemas.microsoft.com/office/powerpoint/2010/main" val="1317251504"/>
+        <p14:creationId xmlns:p14="http://schemas.microsoft.com/office/powerpoint/2010/main" val="2188800117"/>
       </p:ext>
     </p:extLst>
   </p:cSld>
